--- a/DataAnalytics_DatasetActivities.pptx
+++ b/DataAnalytics_DatasetActivities.pptx
@@ -209,7 +209,7 @@
           <a:p>
             <a:fld id="{C85D4FDB-1C82-46BC-BE36-67A652DD1698}" type="datetimeFigureOut">
               <a:rPr lang="it-IT" smtClean="0"/>
-              <a:t>20/06/2023</a:t>
+              <a:t>21/06/2023</a:t>
             </a:fld>
             <a:endParaRPr lang="it-IT"/>
           </a:p>
@@ -623,7 +623,7 @@
           <a:p>
             <a:fld id="{4E3C1B35-1D73-4824-8B85-248FEE780469}" type="datetime1">
               <a:rPr lang="it-IT" smtClean="0"/>
-              <a:t>20/06/2023</a:t>
+              <a:t>21/06/2023</a:t>
             </a:fld>
             <a:endParaRPr lang="it-IT"/>
           </a:p>
@@ -824,7 +824,7 @@
           <a:p>
             <a:fld id="{D2EFEC9A-1383-4375-99C4-E3BBE41F09DC}" type="datetime1">
               <a:rPr lang="it-IT" smtClean="0"/>
-              <a:t>20/06/2023</a:t>
+              <a:t>21/06/2023</a:t>
             </a:fld>
             <a:endParaRPr lang="it-IT"/>
           </a:p>
@@ -1035,7 +1035,7 @@
           <a:p>
             <a:fld id="{57F6599D-5474-49AC-9AA3-C4171C4A3B07}" type="datetime1">
               <a:rPr lang="it-IT" smtClean="0"/>
-              <a:t>20/06/2023</a:t>
+              <a:t>21/06/2023</a:t>
             </a:fld>
             <a:endParaRPr lang="it-IT"/>
           </a:p>
@@ -1236,7 +1236,7 @@
           <a:p>
             <a:fld id="{E492377B-525B-4E55-93E4-832701CA0485}" type="datetime1">
               <a:rPr lang="it-IT" smtClean="0"/>
-              <a:t>20/06/2023</a:t>
+              <a:t>21/06/2023</a:t>
             </a:fld>
             <a:endParaRPr lang="it-IT"/>
           </a:p>
@@ -1514,7 +1514,7 @@
           <a:p>
             <a:fld id="{6BFE42BC-1505-4DAC-9C3B-04F523E16490}" type="datetime1">
               <a:rPr lang="it-IT" smtClean="0"/>
-              <a:t>20/06/2023</a:t>
+              <a:t>21/06/2023</a:t>
             </a:fld>
             <a:endParaRPr lang="it-IT"/>
           </a:p>
@@ -1782,7 +1782,7 @@
           <a:p>
             <a:fld id="{5F647B4D-680C-4B2D-9651-B37FB7EEA116}" type="datetime1">
               <a:rPr lang="it-IT" smtClean="0"/>
-              <a:t>20/06/2023</a:t>
+              <a:t>21/06/2023</a:t>
             </a:fld>
             <a:endParaRPr lang="it-IT"/>
           </a:p>
@@ -2197,7 +2197,7 @@
           <a:p>
             <a:fld id="{1C28B3AC-58FE-45D7-B975-977062B29425}" type="datetime1">
               <a:rPr lang="it-IT" smtClean="0"/>
-              <a:t>20/06/2023</a:t>
+              <a:t>21/06/2023</a:t>
             </a:fld>
             <a:endParaRPr lang="it-IT"/>
           </a:p>
@@ -2341,7 +2341,7 @@
           <a:p>
             <a:fld id="{A0D8F368-0A03-43AD-98CC-E840D2B41056}" type="datetime1">
               <a:rPr lang="it-IT" smtClean="0"/>
-              <a:t>20/06/2023</a:t>
+              <a:t>21/06/2023</a:t>
             </a:fld>
             <a:endParaRPr lang="it-IT"/>
           </a:p>
@@ -2457,7 +2457,7 @@
           <a:p>
             <a:fld id="{54030439-2E60-41A4-9336-A979CF38C742}" type="datetime1">
               <a:rPr lang="it-IT" smtClean="0"/>
-              <a:t>20/06/2023</a:t>
+              <a:t>21/06/2023</a:t>
             </a:fld>
             <a:endParaRPr lang="it-IT"/>
           </a:p>
@@ -2771,7 +2771,7 @@
           <a:p>
             <a:fld id="{DEB5B384-AF21-46C1-9EAC-07F0C3D21331}" type="datetime1">
               <a:rPr lang="it-IT" smtClean="0"/>
-              <a:t>20/06/2023</a:t>
+              <a:t>21/06/2023</a:t>
             </a:fld>
             <a:endParaRPr lang="it-IT"/>
           </a:p>
@@ -3062,7 +3062,7 @@
           <a:p>
             <a:fld id="{512BEC7D-277B-4686-98FD-7564EA1DA8A7}" type="datetime1">
               <a:rPr lang="it-IT" smtClean="0"/>
-              <a:t>20/06/2023</a:t>
+              <a:t>21/06/2023</a:t>
             </a:fld>
             <a:endParaRPr lang="it-IT"/>
           </a:p>
@@ -3306,7 +3306,7 @@
           <a:p>
             <a:fld id="{33D48915-0BAF-4297-B80E-6086B471DB6B}" type="datetime1">
               <a:rPr lang="it-IT" smtClean="0"/>
-              <a:t>20/06/2023</a:t>
+              <a:t>21/06/2023</a:t>
             </a:fld>
             <a:endParaRPr lang="it-IT"/>
           </a:p>
@@ -4460,6 +4460,265 @@
   <p:clrMapOvr>
     <a:masterClrMapping/>
   </p:clrMapOvr>
+  <mc:AlternateContent xmlns:mc="http://schemas.openxmlformats.org/markup-compatibility/2006">
+    <mc:Choice xmlns:p159="http://schemas.microsoft.com/office/powerpoint/2015/09/main" Requires="p159">
+      <p:transition xmlns:p14="http://schemas.microsoft.com/office/powerpoint/2010/main" spd="slow" p14:dur="2000">
+        <p159:morph option="byObject"/>
+      </p:transition>
+    </mc:Choice>
+    <mc:Fallback>
+      <p:transition spd="slow">
+        <p:fade/>
+      </p:transition>
+    </mc:Fallback>
+  </mc:AlternateContent>
+  <p:timing>
+    <p:tnLst>
+      <p:par>
+        <p:cTn id="1" dur="indefinite" restart="never" nodeType="tmRoot">
+          <p:childTnLst>
+            <p:seq concurrent="1" nextAc="seek">
+              <p:cTn id="2" dur="indefinite" nodeType="mainSeq">
+                <p:childTnLst>
+                  <p:par>
+                    <p:cTn id="3" fill="hold">
+                      <p:stCondLst>
+                        <p:cond delay="indefinite"/>
+                      </p:stCondLst>
+                      <p:childTnLst>
+                        <p:par>
+                          <p:cTn id="4" fill="hold">
+                            <p:stCondLst>
+                              <p:cond delay="0"/>
+                            </p:stCondLst>
+                            <p:childTnLst>
+                              <p:par>
+                                <p:cTn id="5" presetID="2" presetClass="entr" presetSubtype="4" fill="hold" grpId="0" nodeType="clickEffect">
+                                  <p:stCondLst>
+                                    <p:cond delay="0"/>
+                                  </p:stCondLst>
+                                  <p:childTnLst>
+                                    <p:set>
+                                      <p:cBhvr>
+                                        <p:cTn id="6" dur="1" fill="hold">
+                                          <p:stCondLst>
+                                            <p:cond delay="0"/>
+                                          </p:stCondLst>
+                                        </p:cTn>
+                                        <p:tgtEl>
+                                          <p:spTgt spid="8"/>
+                                        </p:tgtEl>
+                                        <p:attrNameLst>
+                                          <p:attrName>style.visibility</p:attrName>
+                                        </p:attrNameLst>
+                                      </p:cBhvr>
+                                      <p:to>
+                                        <p:strVal val="visible"/>
+                                      </p:to>
+                                    </p:set>
+                                    <p:anim calcmode="lin" valueType="num">
+                                      <p:cBhvr additive="base">
+                                        <p:cTn id="7" dur="500" fill="hold"/>
+                                        <p:tgtEl>
+                                          <p:spTgt spid="8"/>
+                                        </p:tgtEl>
+                                        <p:attrNameLst>
+                                          <p:attrName>ppt_x</p:attrName>
+                                        </p:attrNameLst>
+                                      </p:cBhvr>
+                                      <p:tavLst>
+                                        <p:tav tm="0">
+                                          <p:val>
+                                            <p:strVal val="#ppt_x"/>
+                                          </p:val>
+                                        </p:tav>
+                                        <p:tav tm="100000">
+                                          <p:val>
+                                            <p:strVal val="#ppt_x"/>
+                                          </p:val>
+                                        </p:tav>
+                                      </p:tavLst>
+                                    </p:anim>
+                                    <p:anim calcmode="lin" valueType="num">
+                                      <p:cBhvr additive="base">
+                                        <p:cTn id="8" dur="500" fill="hold"/>
+                                        <p:tgtEl>
+                                          <p:spTgt spid="8"/>
+                                        </p:tgtEl>
+                                        <p:attrNameLst>
+                                          <p:attrName>ppt_y</p:attrName>
+                                        </p:attrNameLst>
+                                      </p:cBhvr>
+                                      <p:tavLst>
+                                        <p:tav tm="0">
+                                          <p:val>
+                                            <p:strVal val="1+#ppt_h/2"/>
+                                          </p:val>
+                                        </p:tav>
+                                        <p:tav tm="100000">
+                                          <p:val>
+                                            <p:strVal val="#ppt_y"/>
+                                          </p:val>
+                                        </p:tav>
+                                      </p:tavLst>
+                                    </p:anim>
+                                  </p:childTnLst>
+                                </p:cTn>
+                              </p:par>
+                            </p:childTnLst>
+                          </p:cTn>
+                        </p:par>
+                      </p:childTnLst>
+                    </p:cTn>
+                  </p:par>
+                  <p:par>
+                    <p:cTn id="9" fill="hold">
+                      <p:stCondLst>
+                        <p:cond delay="indefinite"/>
+                      </p:stCondLst>
+                      <p:childTnLst>
+                        <p:par>
+                          <p:cTn id="10" fill="hold">
+                            <p:stCondLst>
+                              <p:cond delay="0"/>
+                            </p:stCondLst>
+                            <p:childTnLst>
+                              <p:par>
+                                <p:cTn id="11" presetID="22" presetClass="entr" presetSubtype="4" fill="hold" grpId="0" nodeType="clickEffect">
+                                  <p:stCondLst>
+                                    <p:cond delay="0"/>
+                                  </p:stCondLst>
+                                  <p:childTnLst>
+                                    <p:set>
+                                      <p:cBhvr>
+                                        <p:cTn id="12" dur="1" fill="hold">
+                                          <p:stCondLst>
+                                            <p:cond delay="0"/>
+                                          </p:stCondLst>
+                                        </p:cTn>
+                                        <p:tgtEl>
+                                          <p:spTgt spid="3">
+                                            <p:txEl>
+                                              <p:pRg st="0" end="0"/>
+                                            </p:txEl>
+                                          </p:spTgt>
+                                        </p:tgtEl>
+                                        <p:attrNameLst>
+                                          <p:attrName>style.visibility</p:attrName>
+                                        </p:attrNameLst>
+                                      </p:cBhvr>
+                                      <p:to>
+                                        <p:strVal val="visible"/>
+                                      </p:to>
+                                    </p:set>
+                                    <p:animEffect transition="in" filter="wipe(down)">
+                                      <p:cBhvr>
+                                        <p:cTn id="13" dur="500"/>
+                                        <p:tgtEl>
+                                          <p:spTgt spid="3">
+                                            <p:txEl>
+                                              <p:pRg st="0" end="0"/>
+                                            </p:txEl>
+                                          </p:spTgt>
+                                        </p:tgtEl>
+                                      </p:cBhvr>
+                                    </p:animEffect>
+                                  </p:childTnLst>
+                                </p:cTn>
+                              </p:par>
+                            </p:childTnLst>
+                          </p:cTn>
+                        </p:par>
+                      </p:childTnLst>
+                    </p:cTn>
+                  </p:par>
+                  <p:par>
+                    <p:cTn id="14" fill="hold">
+                      <p:stCondLst>
+                        <p:cond delay="indefinite"/>
+                      </p:stCondLst>
+                      <p:childTnLst>
+                        <p:par>
+                          <p:cTn id="15" fill="hold">
+                            <p:stCondLst>
+                              <p:cond delay="0"/>
+                            </p:stCondLst>
+                            <p:childTnLst>
+                              <p:par>
+                                <p:cTn id="16" presetID="22" presetClass="entr" presetSubtype="4" fill="hold" grpId="0" nodeType="clickEffect">
+                                  <p:stCondLst>
+                                    <p:cond delay="0"/>
+                                  </p:stCondLst>
+                                  <p:childTnLst>
+                                    <p:set>
+                                      <p:cBhvr>
+                                        <p:cTn id="17" dur="1" fill="hold">
+                                          <p:stCondLst>
+                                            <p:cond delay="0"/>
+                                          </p:stCondLst>
+                                        </p:cTn>
+                                        <p:tgtEl>
+                                          <p:spTgt spid="3">
+                                            <p:txEl>
+                                              <p:pRg st="1" end="1"/>
+                                            </p:txEl>
+                                          </p:spTgt>
+                                        </p:tgtEl>
+                                        <p:attrNameLst>
+                                          <p:attrName>style.visibility</p:attrName>
+                                        </p:attrNameLst>
+                                      </p:cBhvr>
+                                      <p:to>
+                                        <p:strVal val="visible"/>
+                                      </p:to>
+                                    </p:set>
+                                    <p:animEffect transition="in" filter="wipe(down)">
+                                      <p:cBhvr>
+                                        <p:cTn id="18" dur="500"/>
+                                        <p:tgtEl>
+                                          <p:spTgt spid="3">
+                                            <p:txEl>
+                                              <p:pRg st="1" end="1"/>
+                                            </p:txEl>
+                                          </p:spTgt>
+                                        </p:tgtEl>
+                                      </p:cBhvr>
+                                    </p:animEffect>
+                                  </p:childTnLst>
+                                </p:cTn>
+                              </p:par>
+                            </p:childTnLst>
+                          </p:cTn>
+                        </p:par>
+                      </p:childTnLst>
+                    </p:cTn>
+                  </p:par>
+                </p:childTnLst>
+              </p:cTn>
+              <p:prevCondLst>
+                <p:cond evt="onPrev" delay="0">
+                  <p:tgtEl>
+                    <p:sldTgt/>
+                  </p:tgtEl>
+                </p:cond>
+              </p:prevCondLst>
+              <p:nextCondLst>
+                <p:cond evt="onNext" delay="0">
+                  <p:tgtEl>
+                    <p:sldTgt/>
+                  </p:tgtEl>
+                </p:cond>
+              </p:nextCondLst>
+            </p:seq>
+          </p:childTnLst>
+        </p:cTn>
+      </p:par>
+    </p:tnLst>
+    <p:bldLst>
+      <p:bldP spid="3" grpId="0" build="p"/>
+      <p:bldP spid="8" grpId="0"/>
+    </p:bldLst>
+  </p:timing>
 </p:sld>
 </file>
 
@@ -4987,7 +5246,7 @@
         </p:blipFill>
         <p:spPr>
           <a:xfrm>
-            <a:off x="498834" y="3722488"/>
+            <a:off x="498834" y="3735740"/>
             <a:ext cx="4495869" cy="930180"/>
           </a:xfrm>
           <a:prstGeom prst="rect">
@@ -5041,6 +5300,256 @@
   <p:clrMapOvr>
     <a:masterClrMapping/>
   </p:clrMapOvr>
+  <mc:AlternateContent xmlns:mc="http://schemas.openxmlformats.org/markup-compatibility/2006">
+    <mc:Choice xmlns:p15="http://schemas.microsoft.com/office/powerpoint/2012/main" Requires="p15">
+      <p:transition xmlns:p14="http://schemas.microsoft.com/office/powerpoint/2010/main" spd="slow" p14:dur="2000">
+        <p15:prstTrans prst="wind"/>
+      </p:transition>
+    </mc:Choice>
+    <mc:Fallback>
+      <p:transition spd="slow">
+        <p:fade/>
+      </p:transition>
+    </mc:Fallback>
+  </mc:AlternateContent>
+  <p:timing>
+    <p:tnLst>
+      <p:par>
+        <p:cTn id="1" dur="indefinite" restart="never" nodeType="tmRoot">
+          <p:childTnLst>
+            <p:seq concurrent="1" nextAc="seek">
+              <p:cTn id="2" dur="indefinite" nodeType="mainSeq">
+                <p:childTnLst>
+                  <p:par>
+                    <p:cTn id="3" fill="hold">
+                      <p:stCondLst>
+                        <p:cond delay="indefinite"/>
+                      </p:stCondLst>
+                      <p:childTnLst>
+                        <p:par>
+                          <p:cTn id="4" fill="hold">
+                            <p:stCondLst>
+                              <p:cond delay="0"/>
+                            </p:stCondLst>
+                            <p:childTnLst>
+                              <p:par>
+                                <p:cTn id="5" presetID="16" presetClass="entr" presetSubtype="21" fill="hold" grpId="0" nodeType="clickEffect">
+                                  <p:stCondLst>
+                                    <p:cond delay="0"/>
+                                  </p:stCondLst>
+                                  <p:childTnLst>
+                                    <p:set>
+                                      <p:cBhvr>
+                                        <p:cTn id="6" dur="1" fill="hold">
+                                          <p:stCondLst>
+                                            <p:cond delay="0"/>
+                                          </p:stCondLst>
+                                        </p:cTn>
+                                        <p:tgtEl>
+                                          <p:spTgt spid="2"/>
+                                        </p:tgtEl>
+                                        <p:attrNameLst>
+                                          <p:attrName>style.visibility</p:attrName>
+                                        </p:attrNameLst>
+                                      </p:cBhvr>
+                                      <p:to>
+                                        <p:strVal val="visible"/>
+                                      </p:to>
+                                    </p:set>
+                                    <p:animEffect transition="in" filter="barn(inVertical)">
+                                      <p:cBhvr>
+                                        <p:cTn id="7" dur="500"/>
+                                        <p:tgtEl>
+                                          <p:spTgt spid="2"/>
+                                        </p:tgtEl>
+                                      </p:cBhvr>
+                                    </p:animEffect>
+                                  </p:childTnLst>
+                                </p:cTn>
+                              </p:par>
+                            </p:childTnLst>
+                          </p:cTn>
+                        </p:par>
+                      </p:childTnLst>
+                    </p:cTn>
+                  </p:par>
+                  <p:par>
+                    <p:cTn id="8" fill="hold">
+                      <p:stCondLst>
+                        <p:cond delay="indefinite"/>
+                      </p:stCondLst>
+                      <p:childTnLst>
+                        <p:par>
+                          <p:cTn id="9" fill="hold">
+                            <p:stCondLst>
+                              <p:cond delay="0"/>
+                            </p:stCondLst>
+                            <p:childTnLst>
+                              <p:par>
+                                <p:cTn id="10" presetID="22" presetClass="entr" presetSubtype="4" fill="hold" nodeType="clickEffect">
+                                  <p:stCondLst>
+                                    <p:cond delay="0"/>
+                                  </p:stCondLst>
+                                  <p:childTnLst>
+                                    <p:set>
+                                      <p:cBhvr>
+                                        <p:cTn id="11" dur="1" fill="hold">
+                                          <p:stCondLst>
+                                            <p:cond delay="0"/>
+                                          </p:stCondLst>
+                                        </p:cTn>
+                                        <p:tgtEl>
+                                          <p:spTgt spid="7"/>
+                                        </p:tgtEl>
+                                        <p:attrNameLst>
+                                          <p:attrName>style.visibility</p:attrName>
+                                        </p:attrNameLst>
+                                      </p:cBhvr>
+                                      <p:to>
+                                        <p:strVal val="visible"/>
+                                      </p:to>
+                                    </p:set>
+                                    <p:animEffect transition="in" filter="wipe(down)">
+                                      <p:cBhvr>
+                                        <p:cTn id="12" dur="500"/>
+                                        <p:tgtEl>
+                                          <p:spTgt spid="7"/>
+                                        </p:tgtEl>
+                                      </p:cBhvr>
+                                    </p:animEffect>
+                                  </p:childTnLst>
+                                </p:cTn>
+                              </p:par>
+                            </p:childTnLst>
+                          </p:cTn>
+                        </p:par>
+                      </p:childTnLst>
+                    </p:cTn>
+                  </p:par>
+                  <p:par>
+                    <p:cTn id="13" fill="hold">
+                      <p:stCondLst>
+                        <p:cond delay="indefinite"/>
+                      </p:stCondLst>
+                      <p:childTnLst>
+                        <p:par>
+                          <p:cTn id="14" fill="hold">
+                            <p:stCondLst>
+                              <p:cond delay="0"/>
+                            </p:stCondLst>
+                            <p:childTnLst>
+                              <p:par>
+                                <p:cTn id="15" presetID="42" presetClass="entr" presetSubtype="0" fill="hold" nodeType="clickEffect">
+                                  <p:stCondLst>
+                                    <p:cond delay="0"/>
+                                  </p:stCondLst>
+                                  <p:childTnLst>
+                                    <p:set>
+                                      <p:cBhvr>
+                                        <p:cTn id="16" dur="1" fill="hold">
+                                          <p:stCondLst>
+                                            <p:cond delay="0"/>
+                                          </p:stCondLst>
+                                        </p:cTn>
+                                        <p:tgtEl>
+                                          <p:spTgt spid="13"/>
+                                        </p:tgtEl>
+                                        <p:attrNameLst>
+                                          <p:attrName>style.visibility</p:attrName>
+                                        </p:attrNameLst>
+                                      </p:cBhvr>
+                                      <p:to>
+                                        <p:strVal val="visible"/>
+                                      </p:to>
+                                    </p:set>
+                                    <p:animEffect transition="in" filter="fade">
+                                      <p:cBhvr>
+                                        <p:cTn id="17" dur="1000"/>
+                                        <p:tgtEl>
+                                          <p:spTgt spid="13"/>
+                                        </p:tgtEl>
+                                      </p:cBhvr>
+                                    </p:animEffect>
+                                    <p:anim calcmode="lin" valueType="num">
+                                      <p:cBhvr>
+                                        <p:cTn id="18" dur="1000" fill="hold"/>
+                                        <p:tgtEl>
+                                          <p:spTgt spid="13"/>
+                                        </p:tgtEl>
+                                        <p:attrNameLst>
+                                          <p:attrName>ppt_x</p:attrName>
+                                        </p:attrNameLst>
+                                      </p:cBhvr>
+                                      <p:tavLst>
+                                        <p:tav tm="0">
+                                          <p:val>
+                                            <p:strVal val="#ppt_x"/>
+                                          </p:val>
+                                        </p:tav>
+                                        <p:tav tm="100000">
+                                          <p:val>
+                                            <p:strVal val="#ppt_x"/>
+                                          </p:val>
+                                        </p:tav>
+                                      </p:tavLst>
+                                    </p:anim>
+                                    <p:anim calcmode="lin" valueType="num">
+                                      <p:cBhvr>
+                                        <p:cTn id="19" dur="1000" fill="hold"/>
+                                        <p:tgtEl>
+                                          <p:spTgt spid="13"/>
+                                        </p:tgtEl>
+                                        <p:attrNameLst>
+                                          <p:attrName>ppt_y</p:attrName>
+                                        </p:attrNameLst>
+                                      </p:cBhvr>
+                                      <p:tavLst>
+                                        <p:tav tm="0">
+                                          <p:val>
+                                            <p:strVal val="#ppt_y+.1"/>
+                                          </p:val>
+                                        </p:tav>
+                                        <p:tav tm="100000">
+                                          <p:val>
+                                            <p:strVal val="#ppt_y"/>
+                                          </p:val>
+                                        </p:tav>
+                                      </p:tavLst>
+                                    </p:anim>
+                                  </p:childTnLst>
+                                </p:cTn>
+                              </p:par>
+                            </p:childTnLst>
+                          </p:cTn>
+                        </p:par>
+                      </p:childTnLst>
+                    </p:cTn>
+                  </p:par>
+                </p:childTnLst>
+              </p:cTn>
+              <p:prevCondLst>
+                <p:cond evt="onPrev" delay="0">
+                  <p:tgtEl>
+                    <p:sldTgt/>
+                  </p:tgtEl>
+                </p:cond>
+              </p:prevCondLst>
+              <p:nextCondLst>
+                <p:cond evt="onNext" delay="0">
+                  <p:tgtEl>
+                    <p:sldTgt/>
+                  </p:tgtEl>
+                </p:cond>
+              </p:nextCondLst>
+            </p:seq>
+          </p:childTnLst>
+        </p:cTn>
+      </p:par>
+    </p:tnLst>
+    <p:bldLst>
+      <p:bldP spid="2" grpId="0"/>
+    </p:bldLst>
+  </p:timing>
 </p:sld>
 </file>
 
@@ -5336,7 +5845,7 @@
         </p:nvSpPr>
         <p:spPr>
           <a:xfrm>
-            <a:off x="1115568" y="548640"/>
+            <a:off x="1115568" y="535388"/>
             <a:ext cx="10168128" cy="1179576"/>
           </a:xfrm>
         </p:spPr>
@@ -5614,6 +6123,256 @@
   <p:clrMapOvr>
     <a:masterClrMapping/>
   </p:clrMapOvr>
+  <mc:AlternateContent xmlns:mc="http://schemas.openxmlformats.org/markup-compatibility/2006">
+    <mc:Choice xmlns:p14="http://schemas.microsoft.com/office/powerpoint/2010/main" Requires="p14">
+      <p:transition spd="slow">
+        <p14:flash/>
+      </p:transition>
+    </mc:Choice>
+    <mc:Fallback>
+      <p:transition spd="slow">
+        <p:fade/>
+      </p:transition>
+    </mc:Fallback>
+  </mc:AlternateContent>
+  <p:timing>
+    <p:tnLst>
+      <p:par>
+        <p:cTn id="1" dur="indefinite" restart="never" nodeType="tmRoot">
+          <p:childTnLst>
+            <p:seq concurrent="1" nextAc="seek">
+              <p:cTn id="2" dur="indefinite" nodeType="mainSeq">
+                <p:childTnLst>
+                  <p:par>
+                    <p:cTn id="3" fill="hold">
+                      <p:stCondLst>
+                        <p:cond delay="indefinite"/>
+                      </p:stCondLst>
+                      <p:childTnLst>
+                        <p:par>
+                          <p:cTn id="4" fill="hold">
+                            <p:stCondLst>
+                              <p:cond delay="0"/>
+                            </p:stCondLst>
+                            <p:childTnLst>
+                              <p:par>
+                                <p:cTn id="5" presetID="42" presetClass="entr" presetSubtype="0" fill="hold" grpId="0" nodeType="clickEffect">
+                                  <p:stCondLst>
+                                    <p:cond delay="0"/>
+                                  </p:stCondLst>
+                                  <p:childTnLst>
+                                    <p:set>
+                                      <p:cBhvr>
+                                        <p:cTn id="6" dur="1" fill="hold">
+                                          <p:stCondLst>
+                                            <p:cond delay="0"/>
+                                          </p:stCondLst>
+                                        </p:cTn>
+                                        <p:tgtEl>
+                                          <p:spTgt spid="2"/>
+                                        </p:tgtEl>
+                                        <p:attrNameLst>
+                                          <p:attrName>style.visibility</p:attrName>
+                                        </p:attrNameLst>
+                                      </p:cBhvr>
+                                      <p:to>
+                                        <p:strVal val="visible"/>
+                                      </p:to>
+                                    </p:set>
+                                    <p:animEffect transition="in" filter="fade">
+                                      <p:cBhvr>
+                                        <p:cTn id="7" dur="1000"/>
+                                        <p:tgtEl>
+                                          <p:spTgt spid="2"/>
+                                        </p:tgtEl>
+                                      </p:cBhvr>
+                                    </p:animEffect>
+                                    <p:anim calcmode="lin" valueType="num">
+                                      <p:cBhvr>
+                                        <p:cTn id="8" dur="1000" fill="hold"/>
+                                        <p:tgtEl>
+                                          <p:spTgt spid="2"/>
+                                        </p:tgtEl>
+                                        <p:attrNameLst>
+                                          <p:attrName>ppt_x</p:attrName>
+                                        </p:attrNameLst>
+                                      </p:cBhvr>
+                                      <p:tavLst>
+                                        <p:tav tm="0">
+                                          <p:val>
+                                            <p:strVal val="#ppt_x"/>
+                                          </p:val>
+                                        </p:tav>
+                                        <p:tav tm="100000">
+                                          <p:val>
+                                            <p:strVal val="#ppt_x"/>
+                                          </p:val>
+                                        </p:tav>
+                                      </p:tavLst>
+                                    </p:anim>
+                                    <p:anim calcmode="lin" valueType="num">
+                                      <p:cBhvr>
+                                        <p:cTn id="9" dur="1000" fill="hold"/>
+                                        <p:tgtEl>
+                                          <p:spTgt spid="2"/>
+                                        </p:tgtEl>
+                                        <p:attrNameLst>
+                                          <p:attrName>ppt_y</p:attrName>
+                                        </p:attrNameLst>
+                                      </p:cBhvr>
+                                      <p:tavLst>
+                                        <p:tav tm="0">
+                                          <p:val>
+                                            <p:strVal val="#ppt_y+.1"/>
+                                          </p:val>
+                                        </p:tav>
+                                        <p:tav tm="100000">
+                                          <p:val>
+                                            <p:strVal val="#ppt_y"/>
+                                          </p:val>
+                                        </p:tav>
+                                      </p:tavLst>
+                                    </p:anim>
+                                  </p:childTnLst>
+                                </p:cTn>
+                              </p:par>
+                            </p:childTnLst>
+                          </p:cTn>
+                        </p:par>
+                      </p:childTnLst>
+                    </p:cTn>
+                  </p:par>
+                  <p:par>
+                    <p:cTn id="10" fill="hold">
+                      <p:stCondLst>
+                        <p:cond delay="indefinite"/>
+                      </p:stCondLst>
+                      <p:childTnLst>
+                        <p:par>
+                          <p:cTn id="11" fill="hold">
+                            <p:stCondLst>
+                              <p:cond delay="0"/>
+                            </p:stCondLst>
+                            <p:childTnLst>
+                              <p:par>
+                                <p:cTn id="12" presetID="22" presetClass="entr" presetSubtype="4" fill="hold" nodeType="clickEffect">
+                                  <p:stCondLst>
+                                    <p:cond delay="0"/>
+                                  </p:stCondLst>
+                                  <p:childTnLst>
+                                    <p:set>
+                                      <p:cBhvr>
+                                        <p:cTn id="13" dur="1" fill="hold">
+                                          <p:stCondLst>
+                                            <p:cond delay="0"/>
+                                          </p:stCondLst>
+                                        </p:cTn>
+                                        <p:tgtEl>
+                                          <p:spTgt spid="7"/>
+                                        </p:tgtEl>
+                                        <p:attrNameLst>
+                                          <p:attrName>style.visibility</p:attrName>
+                                        </p:attrNameLst>
+                                      </p:cBhvr>
+                                      <p:to>
+                                        <p:strVal val="visible"/>
+                                      </p:to>
+                                    </p:set>
+                                    <p:animEffect transition="in" filter="wipe(down)">
+                                      <p:cBhvr>
+                                        <p:cTn id="14" dur="500"/>
+                                        <p:tgtEl>
+                                          <p:spTgt spid="7"/>
+                                        </p:tgtEl>
+                                      </p:cBhvr>
+                                    </p:animEffect>
+                                  </p:childTnLst>
+                                </p:cTn>
+                              </p:par>
+                            </p:childTnLst>
+                          </p:cTn>
+                        </p:par>
+                      </p:childTnLst>
+                    </p:cTn>
+                  </p:par>
+                  <p:par>
+                    <p:cTn id="15" fill="hold">
+                      <p:stCondLst>
+                        <p:cond delay="indefinite"/>
+                      </p:stCondLst>
+                      <p:childTnLst>
+                        <p:par>
+                          <p:cTn id="16" fill="hold">
+                            <p:stCondLst>
+                              <p:cond delay="0"/>
+                            </p:stCondLst>
+                            <p:childTnLst>
+                              <p:par>
+                                <p:cTn id="17" presetID="21" presetClass="entr" presetSubtype="1" fill="hold" nodeType="clickEffect">
+                                  <p:stCondLst>
+                                    <p:cond delay="0"/>
+                                  </p:stCondLst>
+                                  <p:childTnLst>
+                                    <p:set>
+                                      <p:cBhvr>
+                                        <p:cTn id="18" dur="1" fill="hold">
+                                          <p:stCondLst>
+                                            <p:cond delay="0"/>
+                                          </p:stCondLst>
+                                        </p:cTn>
+                                        <p:tgtEl>
+                                          <p:spTgt spid="9"/>
+                                        </p:tgtEl>
+                                        <p:attrNameLst>
+                                          <p:attrName>style.visibility</p:attrName>
+                                        </p:attrNameLst>
+                                      </p:cBhvr>
+                                      <p:to>
+                                        <p:strVal val="visible"/>
+                                      </p:to>
+                                    </p:set>
+                                    <p:animEffect transition="in" filter="wheel(1)">
+                                      <p:cBhvr>
+                                        <p:cTn id="19" dur="2000"/>
+                                        <p:tgtEl>
+                                          <p:spTgt spid="9"/>
+                                        </p:tgtEl>
+                                      </p:cBhvr>
+                                    </p:animEffect>
+                                  </p:childTnLst>
+                                </p:cTn>
+                              </p:par>
+                            </p:childTnLst>
+                          </p:cTn>
+                        </p:par>
+                      </p:childTnLst>
+                    </p:cTn>
+                  </p:par>
+                </p:childTnLst>
+              </p:cTn>
+              <p:prevCondLst>
+                <p:cond evt="onPrev" delay="0">
+                  <p:tgtEl>
+                    <p:sldTgt/>
+                  </p:tgtEl>
+                </p:cond>
+              </p:prevCondLst>
+              <p:nextCondLst>
+                <p:cond evt="onNext" delay="0">
+                  <p:tgtEl>
+                    <p:sldTgt/>
+                  </p:tgtEl>
+                </p:cond>
+              </p:nextCondLst>
+            </p:seq>
+          </p:childTnLst>
+        </p:cTn>
+      </p:par>
+    </p:tnLst>
+    <p:bldLst>
+      <p:bldP spid="2" grpId="0"/>
+    </p:bldLst>
+  </p:timing>
 </p:sld>
 </file>
 
@@ -6195,6 +6954,210 @@
   <p:clrMapOvr>
     <a:masterClrMapping/>
   </p:clrMapOvr>
+  <mc:AlternateContent xmlns:mc="http://schemas.openxmlformats.org/markup-compatibility/2006">
+    <mc:Choice xmlns:p15="http://schemas.microsoft.com/office/powerpoint/2012/main" Requires="p15">
+      <p:transition xmlns:p14="http://schemas.microsoft.com/office/powerpoint/2010/main" spd="slow" p14:dur="2000">
+        <p15:prstTrans prst="fracture"/>
+      </p:transition>
+    </mc:Choice>
+    <mc:Fallback>
+      <p:transition spd="slow">
+        <p:fade/>
+      </p:transition>
+    </mc:Fallback>
+  </mc:AlternateContent>
+  <p:timing>
+    <p:tnLst>
+      <p:par>
+        <p:cTn id="1" dur="indefinite" restart="never" nodeType="tmRoot">
+          <p:childTnLst>
+            <p:seq concurrent="1" nextAc="seek">
+              <p:cTn id="2" dur="indefinite" nodeType="mainSeq">
+                <p:childTnLst>
+                  <p:par>
+                    <p:cTn id="3" fill="hold">
+                      <p:stCondLst>
+                        <p:cond delay="indefinite"/>
+                      </p:stCondLst>
+                      <p:childTnLst>
+                        <p:par>
+                          <p:cTn id="4" fill="hold">
+                            <p:stCondLst>
+                              <p:cond delay="0"/>
+                            </p:stCondLst>
+                            <p:childTnLst>
+                              <p:par>
+                                <p:cTn id="5" presetID="10" presetClass="entr" presetSubtype="0" fill="hold" grpId="0" nodeType="clickEffect">
+                                  <p:stCondLst>
+                                    <p:cond delay="0"/>
+                                  </p:stCondLst>
+                                  <p:childTnLst>
+                                    <p:set>
+                                      <p:cBhvr>
+                                        <p:cTn id="6" dur="1" fill="hold">
+                                          <p:stCondLst>
+                                            <p:cond delay="0"/>
+                                          </p:stCondLst>
+                                        </p:cTn>
+                                        <p:tgtEl>
+                                          <p:spTgt spid="2"/>
+                                        </p:tgtEl>
+                                        <p:attrNameLst>
+                                          <p:attrName>style.visibility</p:attrName>
+                                        </p:attrNameLst>
+                                      </p:cBhvr>
+                                      <p:to>
+                                        <p:strVal val="visible"/>
+                                      </p:to>
+                                    </p:set>
+                                    <p:animEffect transition="in" filter="fade">
+                                      <p:cBhvr>
+                                        <p:cTn id="7" dur="500"/>
+                                        <p:tgtEl>
+                                          <p:spTgt spid="2"/>
+                                        </p:tgtEl>
+                                      </p:cBhvr>
+                                    </p:animEffect>
+                                  </p:childTnLst>
+                                </p:cTn>
+                              </p:par>
+                            </p:childTnLst>
+                          </p:cTn>
+                        </p:par>
+                      </p:childTnLst>
+                    </p:cTn>
+                  </p:par>
+                  <p:par>
+                    <p:cTn id="8" fill="hold">
+                      <p:stCondLst>
+                        <p:cond delay="indefinite"/>
+                      </p:stCondLst>
+                      <p:childTnLst>
+                        <p:par>
+                          <p:cTn id="9" fill="hold">
+                            <p:stCondLst>
+                              <p:cond delay="0"/>
+                            </p:stCondLst>
+                            <p:childTnLst>
+                              <p:par>
+                                <p:cTn id="10" presetID="16" presetClass="entr" presetSubtype="21" fill="hold" nodeType="clickEffect">
+                                  <p:stCondLst>
+                                    <p:cond delay="0"/>
+                                  </p:stCondLst>
+                                  <p:childTnLst>
+                                    <p:set>
+                                      <p:cBhvr>
+                                        <p:cTn id="11" dur="1" fill="hold">
+                                          <p:stCondLst>
+                                            <p:cond delay="0"/>
+                                          </p:stCondLst>
+                                        </p:cTn>
+                                        <p:tgtEl>
+                                          <p:spTgt spid="7"/>
+                                        </p:tgtEl>
+                                        <p:attrNameLst>
+                                          <p:attrName>style.visibility</p:attrName>
+                                        </p:attrNameLst>
+                                      </p:cBhvr>
+                                      <p:to>
+                                        <p:strVal val="visible"/>
+                                      </p:to>
+                                    </p:set>
+                                    <p:animEffect transition="in" filter="barn(inVertical)">
+                                      <p:cBhvr>
+                                        <p:cTn id="12" dur="500"/>
+                                        <p:tgtEl>
+                                          <p:spTgt spid="7"/>
+                                        </p:tgtEl>
+                                      </p:cBhvr>
+                                    </p:animEffect>
+                                  </p:childTnLst>
+                                </p:cTn>
+                              </p:par>
+                            </p:childTnLst>
+                          </p:cTn>
+                        </p:par>
+                      </p:childTnLst>
+                    </p:cTn>
+                  </p:par>
+                  <p:par>
+                    <p:cTn id="13" fill="hold">
+                      <p:stCondLst>
+                        <p:cond delay="indefinite"/>
+                      </p:stCondLst>
+                      <p:childTnLst>
+                        <p:par>
+                          <p:cTn id="14" fill="hold">
+                            <p:stCondLst>
+                              <p:cond delay="0"/>
+                            </p:stCondLst>
+                            <p:childTnLst>
+                              <p:par>
+                                <p:cTn id="15" presetID="22" presetClass="entr" presetSubtype="4" fill="hold" nodeType="clickEffect">
+                                  <p:stCondLst>
+                                    <p:cond delay="0"/>
+                                  </p:stCondLst>
+                                  <p:childTnLst>
+                                    <p:set>
+                                      <p:cBhvr>
+                                        <p:cTn id="16" dur="1" fill="hold">
+                                          <p:stCondLst>
+                                            <p:cond delay="0"/>
+                                          </p:stCondLst>
+                                        </p:cTn>
+                                        <p:tgtEl>
+                                          <p:spTgt spid="9"/>
+                                        </p:tgtEl>
+                                        <p:attrNameLst>
+                                          <p:attrName>style.visibility</p:attrName>
+                                        </p:attrNameLst>
+                                      </p:cBhvr>
+                                      <p:to>
+                                        <p:strVal val="visible"/>
+                                      </p:to>
+                                    </p:set>
+                                    <p:animEffect transition="in" filter="wipe(down)">
+                                      <p:cBhvr>
+                                        <p:cTn id="17" dur="500"/>
+                                        <p:tgtEl>
+                                          <p:spTgt spid="9"/>
+                                        </p:tgtEl>
+                                      </p:cBhvr>
+                                    </p:animEffect>
+                                  </p:childTnLst>
+                                </p:cTn>
+                              </p:par>
+                            </p:childTnLst>
+                          </p:cTn>
+                        </p:par>
+                      </p:childTnLst>
+                    </p:cTn>
+                  </p:par>
+                </p:childTnLst>
+              </p:cTn>
+              <p:prevCondLst>
+                <p:cond evt="onPrev" delay="0">
+                  <p:tgtEl>
+                    <p:sldTgt/>
+                  </p:tgtEl>
+                </p:cond>
+              </p:prevCondLst>
+              <p:nextCondLst>
+                <p:cond evt="onNext" delay="0">
+                  <p:tgtEl>
+                    <p:sldTgt/>
+                  </p:tgtEl>
+                </p:cond>
+              </p:nextCondLst>
+            </p:seq>
+          </p:childTnLst>
+        </p:cTn>
+      </p:par>
+    </p:tnLst>
+    <p:bldLst>
+      <p:bldP spid="2" grpId="0"/>
+    </p:bldLst>
+  </p:timing>
 </p:sld>
 </file>
 
@@ -6746,6 +7709,395 @@
   <p:clrMapOvr>
     <a:masterClrMapping/>
   </p:clrMapOvr>
+  <mc:AlternateContent xmlns:mc="http://schemas.openxmlformats.org/markup-compatibility/2006">
+    <mc:Choice xmlns:p14="http://schemas.microsoft.com/office/powerpoint/2010/main" Requires="p14">
+      <p:transition spd="slow" p14:dur="2500">
+        <p:checker/>
+      </p:transition>
+    </mc:Choice>
+    <mc:Fallback>
+      <p:transition spd="slow">
+        <p:checker/>
+      </p:transition>
+    </mc:Fallback>
+  </mc:AlternateContent>
+  <p:timing>
+    <p:tnLst>
+      <p:par>
+        <p:cTn id="1" dur="indefinite" restart="never" nodeType="tmRoot">
+          <p:childTnLst>
+            <p:seq concurrent="1" nextAc="seek">
+              <p:cTn id="2" dur="indefinite" nodeType="mainSeq">
+                <p:childTnLst>
+                  <p:par>
+                    <p:cTn id="3" fill="hold">
+                      <p:stCondLst>
+                        <p:cond delay="indefinite"/>
+                      </p:stCondLst>
+                      <p:childTnLst>
+                        <p:par>
+                          <p:cTn id="4" fill="hold">
+                            <p:stCondLst>
+                              <p:cond delay="0"/>
+                            </p:stCondLst>
+                            <p:childTnLst>
+                              <p:par>
+                                <p:cTn id="5" presetID="42" presetClass="entr" presetSubtype="0" fill="hold" grpId="0" nodeType="clickEffect">
+                                  <p:stCondLst>
+                                    <p:cond delay="0"/>
+                                  </p:stCondLst>
+                                  <p:childTnLst>
+                                    <p:set>
+                                      <p:cBhvr>
+                                        <p:cTn id="6" dur="1" fill="hold">
+                                          <p:stCondLst>
+                                            <p:cond delay="0"/>
+                                          </p:stCondLst>
+                                        </p:cTn>
+                                        <p:tgtEl>
+                                          <p:spTgt spid="2"/>
+                                        </p:tgtEl>
+                                        <p:attrNameLst>
+                                          <p:attrName>style.visibility</p:attrName>
+                                        </p:attrNameLst>
+                                      </p:cBhvr>
+                                      <p:to>
+                                        <p:strVal val="visible"/>
+                                      </p:to>
+                                    </p:set>
+                                    <p:animEffect transition="in" filter="fade">
+                                      <p:cBhvr>
+                                        <p:cTn id="7" dur="1000"/>
+                                        <p:tgtEl>
+                                          <p:spTgt spid="2"/>
+                                        </p:tgtEl>
+                                      </p:cBhvr>
+                                    </p:animEffect>
+                                    <p:anim calcmode="lin" valueType="num">
+                                      <p:cBhvr>
+                                        <p:cTn id="8" dur="1000" fill="hold"/>
+                                        <p:tgtEl>
+                                          <p:spTgt spid="2"/>
+                                        </p:tgtEl>
+                                        <p:attrNameLst>
+                                          <p:attrName>ppt_x</p:attrName>
+                                        </p:attrNameLst>
+                                      </p:cBhvr>
+                                      <p:tavLst>
+                                        <p:tav tm="0">
+                                          <p:val>
+                                            <p:strVal val="#ppt_x"/>
+                                          </p:val>
+                                        </p:tav>
+                                        <p:tav tm="100000">
+                                          <p:val>
+                                            <p:strVal val="#ppt_x"/>
+                                          </p:val>
+                                        </p:tav>
+                                      </p:tavLst>
+                                    </p:anim>
+                                    <p:anim calcmode="lin" valueType="num">
+                                      <p:cBhvr>
+                                        <p:cTn id="9" dur="1000" fill="hold"/>
+                                        <p:tgtEl>
+                                          <p:spTgt spid="2"/>
+                                        </p:tgtEl>
+                                        <p:attrNameLst>
+                                          <p:attrName>ppt_y</p:attrName>
+                                        </p:attrNameLst>
+                                      </p:cBhvr>
+                                      <p:tavLst>
+                                        <p:tav tm="0">
+                                          <p:val>
+                                            <p:strVal val="#ppt_y+.1"/>
+                                          </p:val>
+                                        </p:tav>
+                                        <p:tav tm="100000">
+                                          <p:val>
+                                            <p:strVal val="#ppt_y"/>
+                                          </p:val>
+                                        </p:tav>
+                                      </p:tavLst>
+                                    </p:anim>
+                                  </p:childTnLst>
+                                </p:cTn>
+                              </p:par>
+                            </p:childTnLst>
+                          </p:cTn>
+                        </p:par>
+                      </p:childTnLst>
+                    </p:cTn>
+                  </p:par>
+                  <p:par>
+                    <p:cTn id="10" fill="hold">
+                      <p:stCondLst>
+                        <p:cond delay="indefinite"/>
+                      </p:stCondLst>
+                      <p:childTnLst>
+                        <p:par>
+                          <p:cTn id="11" fill="hold">
+                            <p:stCondLst>
+                              <p:cond delay="0"/>
+                            </p:stCondLst>
+                            <p:childTnLst>
+                              <p:par>
+                                <p:cTn id="12" presetID="22" presetClass="entr" presetSubtype="4" fill="hold" grpId="0" nodeType="clickEffect">
+                                  <p:stCondLst>
+                                    <p:cond delay="0"/>
+                                  </p:stCondLst>
+                                  <p:childTnLst>
+                                    <p:set>
+                                      <p:cBhvr>
+                                        <p:cTn id="13" dur="1" fill="hold">
+                                          <p:stCondLst>
+                                            <p:cond delay="0"/>
+                                          </p:stCondLst>
+                                        </p:cTn>
+                                        <p:tgtEl>
+                                          <p:spTgt spid="3">
+                                            <p:txEl>
+                                              <p:pRg st="0" end="0"/>
+                                            </p:txEl>
+                                          </p:spTgt>
+                                        </p:tgtEl>
+                                        <p:attrNameLst>
+                                          <p:attrName>style.visibility</p:attrName>
+                                        </p:attrNameLst>
+                                      </p:cBhvr>
+                                      <p:to>
+                                        <p:strVal val="visible"/>
+                                      </p:to>
+                                    </p:set>
+                                    <p:animEffect transition="in" filter="wipe(down)">
+                                      <p:cBhvr>
+                                        <p:cTn id="14" dur="500"/>
+                                        <p:tgtEl>
+                                          <p:spTgt spid="3">
+                                            <p:txEl>
+                                              <p:pRg st="0" end="0"/>
+                                            </p:txEl>
+                                          </p:spTgt>
+                                        </p:tgtEl>
+                                      </p:cBhvr>
+                                    </p:animEffect>
+                                  </p:childTnLst>
+                                </p:cTn>
+                              </p:par>
+                            </p:childTnLst>
+                          </p:cTn>
+                        </p:par>
+                      </p:childTnLst>
+                    </p:cTn>
+                  </p:par>
+                  <p:par>
+                    <p:cTn id="15" fill="hold">
+                      <p:stCondLst>
+                        <p:cond delay="indefinite"/>
+                      </p:stCondLst>
+                      <p:childTnLst>
+                        <p:par>
+                          <p:cTn id="16" fill="hold">
+                            <p:stCondLst>
+                              <p:cond delay="0"/>
+                            </p:stCondLst>
+                            <p:childTnLst>
+                              <p:par>
+                                <p:cTn id="17" presetID="22" presetClass="entr" presetSubtype="4" fill="hold" grpId="0" nodeType="clickEffect">
+                                  <p:stCondLst>
+                                    <p:cond delay="0"/>
+                                  </p:stCondLst>
+                                  <p:childTnLst>
+                                    <p:set>
+                                      <p:cBhvr>
+                                        <p:cTn id="18" dur="1" fill="hold">
+                                          <p:stCondLst>
+                                            <p:cond delay="0"/>
+                                          </p:stCondLst>
+                                        </p:cTn>
+                                        <p:tgtEl>
+                                          <p:spTgt spid="3">
+                                            <p:txEl>
+                                              <p:pRg st="1" end="1"/>
+                                            </p:txEl>
+                                          </p:spTgt>
+                                        </p:tgtEl>
+                                        <p:attrNameLst>
+                                          <p:attrName>style.visibility</p:attrName>
+                                        </p:attrNameLst>
+                                      </p:cBhvr>
+                                      <p:to>
+                                        <p:strVal val="visible"/>
+                                      </p:to>
+                                    </p:set>
+                                    <p:animEffect transition="in" filter="wipe(down)">
+                                      <p:cBhvr>
+                                        <p:cTn id="19" dur="500"/>
+                                        <p:tgtEl>
+                                          <p:spTgt spid="3">
+                                            <p:txEl>
+                                              <p:pRg st="1" end="1"/>
+                                            </p:txEl>
+                                          </p:spTgt>
+                                        </p:tgtEl>
+                                      </p:cBhvr>
+                                    </p:animEffect>
+                                  </p:childTnLst>
+                                </p:cTn>
+                              </p:par>
+                            </p:childTnLst>
+                          </p:cTn>
+                        </p:par>
+                      </p:childTnLst>
+                    </p:cTn>
+                  </p:par>
+                  <p:par>
+                    <p:cTn id="20" fill="hold">
+                      <p:stCondLst>
+                        <p:cond delay="indefinite"/>
+                      </p:stCondLst>
+                      <p:childTnLst>
+                        <p:par>
+                          <p:cTn id="21" fill="hold">
+                            <p:stCondLst>
+                              <p:cond delay="0"/>
+                            </p:stCondLst>
+                            <p:childTnLst>
+                              <p:par>
+                                <p:cTn id="22" presetID="22" presetClass="entr" presetSubtype="4" fill="hold" grpId="0" nodeType="clickEffect">
+                                  <p:stCondLst>
+                                    <p:cond delay="0"/>
+                                  </p:stCondLst>
+                                  <p:childTnLst>
+                                    <p:set>
+                                      <p:cBhvr>
+                                        <p:cTn id="23" dur="1" fill="hold">
+                                          <p:stCondLst>
+                                            <p:cond delay="0"/>
+                                          </p:stCondLst>
+                                        </p:cTn>
+                                        <p:tgtEl>
+                                          <p:spTgt spid="3">
+                                            <p:txEl>
+                                              <p:pRg st="2" end="2"/>
+                                            </p:txEl>
+                                          </p:spTgt>
+                                        </p:tgtEl>
+                                        <p:attrNameLst>
+                                          <p:attrName>style.visibility</p:attrName>
+                                        </p:attrNameLst>
+                                      </p:cBhvr>
+                                      <p:to>
+                                        <p:strVal val="visible"/>
+                                      </p:to>
+                                    </p:set>
+                                    <p:animEffect transition="in" filter="wipe(down)">
+                                      <p:cBhvr>
+                                        <p:cTn id="24" dur="500"/>
+                                        <p:tgtEl>
+                                          <p:spTgt spid="3">
+                                            <p:txEl>
+                                              <p:pRg st="2" end="2"/>
+                                            </p:txEl>
+                                          </p:spTgt>
+                                        </p:tgtEl>
+                                      </p:cBhvr>
+                                    </p:animEffect>
+                                  </p:childTnLst>
+                                </p:cTn>
+                              </p:par>
+                            </p:childTnLst>
+                          </p:cTn>
+                        </p:par>
+                      </p:childTnLst>
+                    </p:cTn>
+                  </p:par>
+                  <p:par>
+                    <p:cTn id="25" fill="hold">
+                      <p:stCondLst>
+                        <p:cond delay="indefinite"/>
+                      </p:stCondLst>
+                      <p:childTnLst>
+                        <p:par>
+                          <p:cTn id="26" fill="hold">
+                            <p:stCondLst>
+                              <p:cond delay="0"/>
+                            </p:stCondLst>
+                            <p:childTnLst>
+                              <p:par>
+                                <p:cTn id="27" presetID="22" presetClass="entr" presetSubtype="4" fill="hold" grpId="0" nodeType="clickEffect">
+                                  <p:stCondLst>
+                                    <p:cond delay="0"/>
+                                  </p:stCondLst>
+                                  <p:childTnLst>
+                                    <p:set>
+                                      <p:cBhvr>
+                                        <p:cTn id="28" dur="1" fill="hold">
+                                          <p:stCondLst>
+                                            <p:cond delay="0"/>
+                                          </p:stCondLst>
+                                        </p:cTn>
+                                        <p:tgtEl>
+                                          <p:spTgt spid="3">
+                                            <p:txEl>
+                                              <p:pRg st="3" end="3"/>
+                                            </p:txEl>
+                                          </p:spTgt>
+                                        </p:tgtEl>
+                                        <p:attrNameLst>
+                                          <p:attrName>style.visibility</p:attrName>
+                                        </p:attrNameLst>
+                                      </p:cBhvr>
+                                      <p:to>
+                                        <p:strVal val="visible"/>
+                                      </p:to>
+                                    </p:set>
+                                    <p:animEffect transition="in" filter="wipe(down)">
+                                      <p:cBhvr>
+                                        <p:cTn id="29" dur="500"/>
+                                        <p:tgtEl>
+                                          <p:spTgt spid="3">
+                                            <p:txEl>
+                                              <p:pRg st="3" end="3"/>
+                                            </p:txEl>
+                                          </p:spTgt>
+                                        </p:tgtEl>
+                                      </p:cBhvr>
+                                    </p:animEffect>
+                                  </p:childTnLst>
+                                </p:cTn>
+                              </p:par>
+                            </p:childTnLst>
+                          </p:cTn>
+                        </p:par>
+                      </p:childTnLst>
+                    </p:cTn>
+                  </p:par>
+                </p:childTnLst>
+              </p:cTn>
+              <p:prevCondLst>
+                <p:cond evt="onPrev" delay="0">
+                  <p:tgtEl>
+                    <p:sldTgt/>
+                  </p:tgtEl>
+                </p:cond>
+              </p:prevCondLst>
+              <p:nextCondLst>
+                <p:cond evt="onNext" delay="0">
+                  <p:tgtEl>
+                    <p:sldTgt/>
+                  </p:tgtEl>
+                </p:cond>
+              </p:nextCondLst>
+            </p:seq>
+          </p:childTnLst>
+        </p:cTn>
+      </p:par>
+    </p:tnLst>
+    <p:bldLst>
+      <p:bldP spid="2" grpId="0"/>
+      <p:bldP spid="3" grpId="0" build="p"/>
+    </p:bldLst>
+  </p:timing>
 </p:sld>
 </file>
 
@@ -7145,13 +8497,13 @@
         </p:nvSpPr>
         <p:spPr>
           <a:xfrm>
-            <a:off x="1115568" y="2481943"/>
-            <a:ext cx="10168128" cy="2765918"/>
+            <a:off x="874643" y="2276856"/>
+            <a:ext cx="10409053" cy="3942969"/>
           </a:xfrm>
         </p:spPr>
         <p:txBody>
           <a:bodyPr>
-            <a:normAutofit/>
+            <a:normAutofit fontScale="85000" lnSpcReduction="20000"/>
           </a:bodyPr>
           <a:lstStyle/>
           <a:p>
@@ -7174,40 +8526,34 @@
             <a:endParaRPr lang="it-IT" sz="2200" dirty="0"/>
           </a:p>
           <a:p>
+            <a:pPr lvl="1">
+              <a:buFont typeface="Wingdings" panose="05000000000000000000" pitchFamily="2" charset="2"/>
+              <a:buChar char="Ø"/>
+            </a:pPr>
+            <a:r>
+              <a:rPr lang="it-IT" sz="1800" dirty="0" err="1">
+                <a:hlinkClick r:id="rId3" action="ppaction://hlinksldjump"/>
+              </a:rPr>
+              <a:t>Structure</a:t>
+            </a:r>
+            <a:endParaRPr lang="it-IT" sz="1800" dirty="0"/>
+          </a:p>
+          <a:p>
             <a:pPr>
               <a:buFont typeface="Wingdings" panose="05000000000000000000" pitchFamily="2" charset="2"/>
               <a:buChar char="Ø"/>
             </a:pPr>
             <a:r>
               <a:rPr lang="it-IT" sz="2200" dirty="0">
-                <a:hlinkClick r:id="rId3" action="ppaction://hlinksldjump"/>
+                <a:hlinkClick r:id="rId4" action="ppaction://hlinksldjump"/>
               </a:rPr>
               <a:t>Data </a:t>
             </a:r>
             <a:r>
               <a:rPr lang="it-IT" sz="2200" dirty="0" err="1">
-                <a:hlinkClick r:id="rId3" action="ppaction://hlinksldjump"/>
+                <a:hlinkClick r:id="rId4" action="ppaction://hlinksldjump"/>
               </a:rPr>
               <a:t>cleaning</a:t>
-            </a:r>
-            <a:endParaRPr lang="it-IT" sz="2200" dirty="0"/>
-          </a:p>
-          <a:p>
-            <a:pPr>
-              <a:buFont typeface="Wingdings" panose="05000000000000000000" pitchFamily="2" charset="2"/>
-              <a:buChar char="Ø"/>
-            </a:pPr>
-            <a:r>
-              <a:rPr lang="it-IT" sz="2200" dirty="0" err="1">
-                <a:hlinkClick r:id="rId4" action="ppaction://hlinksldjump"/>
-              </a:rPr>
-              <a:t>Exploratory</a:t>
-            </a:r>
-            <a:r>
-              <a:rPr lang="it-IT" sz="2200" dirty="0">
-                <a:hlinkClick r:id="rId4" action="ppaction://hlinksldjump"/>
-              </a:rPr>
-              <a:t> Analysis</a:t>
             </a:r>
             <a:endParaRPr lang="it-IT" sz="2200" dirty="0"/>
           </a:p>
@@ -7220,15 +8566,66 @@
               <a:rPr lang="it-IT" sz="2200" dirty="0" err="1">
                 <a:hlinkClick r:id="rId5" action="ppaction://hlinksldjump"/>
               </a:rPr>
-              <a:t>Unsupervised</a:t>
+              <a:t>Exploratory</a:t>
             </a:r>
             <a:r>
               <a:rPr lang="it-IT" sz="2200" dirty="0">
                 <a:hlinkClick r:id="rId5" action="ppaction://hlinksldjump"/>
               </a:rPr>
-              <a:t> Learning</a:t>
+              <a:t> Analysis</a:t>
             </a:r>
             <a:endParaRPr lang="it-IT" sz="2200" dirty="0"/>
+          </a:p>
+          <a:p>
+            <a:pPr lvl="1">
+              <a:buFont typeface="Wingdings" panose="05000000000000000000" pitchFamily="2" charset="2"/>
+              <a:buChar char="Ø"/>
+            </a:pPr>
+            <a:r>
+              <a:rPr lang="it-IT" sz="1800" dirty="0">
+                <a:hlinkClick r:id="rId5" action="ppaction://hlinksldjump"/>
+              </a:rPr>
+              <a:t>Distribution</a:t>
+            </a:r>
+            <a:endParaRPr lang="it-IT" sz="1800" dirty="0"/>
+          </a:p>
+          <a:p>
+            <a:pPr lvl="1">
+              <a:buFont typeface="Wingdings" panose="05000000000000000000" pitchFamily="2" charset="2"/>
+              <a:buChar char="Ø"/>
+            </a:pPr>
+            <a:r>
+              <a:rPr lang="it-IT" sz="1800" dirty="0" err="1">
+                <a:hlinkClick r:id="rId6" action="ppaction://hlinksldjump"/>
+              </a:rPr>
+              <a:t>Boxplot</a:t>
+            </a:r>
+            <a:endParaRPr lang="it-IT" sz="1800" dirty="0"/>
+          </a:p>
+          <a:p>
+            <a:pPr lvl="1">
+              <a:buFont typeface="Wingdings" panose="05000000000000000000" pitchFamily="2" charset="2"/>
+              <a:buChar char="Ø"/>
+            </a:pPr>
+            <a:r>
+              <a:rPr lang="it-IT" sz="1800" dirty="0" err="1">
+                <a:hlinkClick r:id="rId7" action="ppaction://hlinksldjump"/>
+              </a:rPr>
+              <a:t>Correlation</a:t>
+            </a:r>
+            <a:r>
+              <a:rPr lang="it-IT" sz="1800" dirty="0">
+                <a:hlinkClick r:id="rId7" action="ppaction://hlinksldjump"/>
+              </a:rPr>
+              <a:t>  </a:t>
+            </a:r>
+            <a:r>
+              <a:rPr lang="it-IT" sz="1800" dirty="0" err="1">
+                <a:hlinkClick r:id="rId7" action="ppaction://hlinksldjump"/>
+              </a:rPr>
+              <a:t>matrix</a:t>
+            </a:r>
+            <a:endParaRPr lang="it-IT" sz="1800" dirty="0"/>
           </a:p>
           <a:p>
             <a:pPr>
@@ -7237,17 +8634,30 @@
             </a:pPr>
             <a:r>
               <a:rPr lang="it-IT" sz="2200" dirty="0" err="1">
-                <a:hlinkClick r:id="rId6" action="ppaction://hlinksldjump"/>
+                <a:hlinkClick r:id="rId8" action="ppaction://hlinksldjump"/>
               </a:rPr>
-              <a:t>Supervised</a:t>
+              <a:t>Unsupervised</a:t>
             </a:r>
             <a:r>
               <a:rPr lang="it-IT" sz="2200" dirty="0">
-                <a:hlinkClick r:id="rId6" action="ppaction://hlinksldjump"/>
+                <a:hlinkClick r:id="rId8" action="ppaction://hlinksldjump"/>
               </a:rPr>
               <a:t> Learning</a:t>
             </a:r>
             <a:endParaRPr lang="it-IT" sz="2200" dirty="0"/>
+          </a:p>
+          <a:p>
+            <a:pPr lvl="1">
+              <a:buFont typeface="Wingdings" panose="05000000000000000000" pitchFamily="2" charset="2"/>
+              <a:buChar char="Ø"/>
+            </a:pPr>
+            <a:r>
+              <a:rPr lang="it-IT" sz="1800" dirty="0">
+                <a:hlinkClick r:id="rId8" action="ppaction://hlinksldjump"/>
+              </a:rPr>
+              <a:t>Clustering</a:t>
+            </a:r>
+            <a:endParaRPr lang="it-IT" sz="1800" dirty="0"/>
           </a:p>
           <a:p>
             <a:pPr>
@@ -7256,7 +8666,77 @@
             </a:pPr>
             <a:r>
               <a:rPr lang="it-IT" sz="2200" dirty="0" err="1">
-                <a:hlinkClick r:id="rId7" action="ppaction://hlinksldjump"/>
+                <a:hlinkClick r:id="rId9" action="ppaction://hlinksldjump"/>
+              </a:rPr>
+              <a:t>Supervised</a:t>
+            </a:r>
+            <a:r>
+              <a:rPr lang="it-IT" sz="2200" dirty="0">
+                <a:hlinkClick r:id="rId9" action="ppaction://hlinksldjump"/>
+              </a:rPr>
+              <a:t> Learning</a:t>
+            </a:r>
+            <a:endParaRPr lang="it-IT" sz="2200" dirty="0"/>
+          </a:p>
+          <a:p>
+            <a:pPr lvl="1">
+              <a:buFont typeface="Wingdings" panose="05000000000000000000" pitchFamily="2" charset="2"/>
+              <a:buChar char="Ø"/>
+            </a:pPr>
+            <a:r>
+              <a:rPr lang="it-IT" sz="1800" dirty="0" err="1">
+                <a:hlinkClick r:id="rId9" action="ppaction://hlinksldjump"/>
+              </a:rPr>
+              <a:t>Decision</a:t>
+            </a:r>
+            <a:r>
+              <a:rPr lang="it-IT" sz="1800" dirty="0">
+                <a:hlinkClick r:id="rId9" action="ppaction://hlinksldjump"/>
+              </a:rPr>
+              <a:t> Tree</a:t>
+            </a:r>
+            <a:endParaRPr lang="it-IT" sz="1800" dirty="0"/>
+          </a:p>
+          <a:p>
+            <a:pPr lvl="1">
+              <a:buFont typeface="Wingdings" panose="05000000000000000000" pitchFamily="2" charset="2"/>
+              <a:buChar char="Ø"/>
+            </a:pPr>
+            <a:r>
+              <a:rPr lang="it-IT" sz="1800" dirty="0">
+                <a:hlinkClick r:id="rId10" action="ppaction://hlinksldjump"/>
+              </a:rPr>
+              <a:t>SVM</a:t>
+            </a:r>
+            <a:endParaRPr lang="it-IT" sz="1800" dirty="0"/>
+          </a:p>
+          <a:p>
+            <a:pPr lvl="1">
+              <a:buFont typeface="Wingdings" panose="05000000000000000000" pitchFamily="2" charset="2"/>
+              <a:buChar char="Ø"/>
+            </a:pPr>
+            <a:r>
+              <a:rPr lang="it-IT" sz="1800" dirty="0" err="1">
+                <a:hlinkClick r:id="rId11" action="ppaction://hlinksldjump"/>
+              </a:rPr>
+              <a:t>Neural</a:t>
+            </a:r>
+            <a:r>
+              <a:rPr lang="it-IT" sz="1800" dirty="0">
+                <a:hlinkClick r:id="rId11" action="ppaction://hlinksldjump"/>
+              </a:rPr>
+              <a:t> Network</a:t>
+            </a:r>
+            <a:endParaRPr lang="it-IT" sz="1800" dirty="0"/>
+          </a:p>
+          <a:p>
+            <a:pPr>
+              <a:buFont typeface="Wingdings" panose="05000000000000000000" pitchFamily="2" charset="2"/>
+              <a:buChar char="Ø"/>
+            </a:pPr>
+            <a:r>
+              <a:rPr lang="it-IT" sz="2200" dirty="0" err="1">
+                <a:hlinkClick r:id="rId12" action="ppaction://hlinksldjump"/>
               </a:rPr>
               <a:t>Conclusions</a:t>
             </a:r>
@@ -7388,6 +8868,806 @@
   <p:clrMapOvr>
     <a:masterClrMapping/>
   </p:clrMapOvr>
+  <p:transition spd="slow">
+    <p:wipe/>
+  </p:transition>
+  <p:timing>
+    <p:tnLst>
+      <p:par>
+        <p:cTn id="1" dur="indefinite" restart="never" nodeType="tmRoot">
+          <p:childTnLst>
+            <p:seq concurrent="1" nextAc="seek">
+              <p:cTn id="2" dur="indefinite" nodeType="mainSeq">
+                <p:childTnLst>
+                  <p:par>
+                    <p:cTn id="3" fill="hold">
+                      <p:stCondLst>
+                        <p:cond delay="indefinite"/>
+                      </p:stCondLst>
+                      <p:childTnLst>
+                        <p:par>
+                          <p:cTn id="4" fill="hold">
+                            <p:stCondLst>
+                              <p:cond delay="0"/>
+                            </p:stCondLst>
+                            <p:childTnLst>
+                              <p:par>
+                                <p:cTn id="5" presetID="16" presetClass="entr" presetSubtype="21" fill="hold" grpId="0" nodeType="clickEffect">
+                                  <p:stCondLst>
+                                    <p:cond delay="0"/>
+                                  </p:stCondLst>
+                                  <p:childTnLst>
+                                    <p:set>
+                                      <p:cBhvr>
+                                        <p:cTn id="6" dur="1" fill="hold">
+                                          <p:stCondLst>
+                                            <p:cond delay="0"/>
+                                          </p:stCondLst>
+                                        </p:cTn>
+                                        <p:tgtEl>
+                                          <p:spTgt spid="2"/>
+                                        </p:tgtEl>
+                                        <p:attrNameLst>
+                                          <p:attrName>style.visibility</p:attrName>
+                                        </p:attrNameLst>
+                                      </p:cBhvr>
+                                      <p:to>
+                                        <p:strVal val="visible"/>
+                                      </p:to>
+                                    </p:set>
+                                    <p:animEffect transition="in" filter="barn(inVertical)">
+                                      <p:cBhvr>
+                                        <p:cTn id="7" dur="500"/>
+                                        <p:tgtEl>
+                                          <p:spTgt spid="2"/>
+                                        </p:tgtEl>
+                                      </p:cBhvr>
+                                    </p:animEffect>
+                                  </p:childTnLst>
+                                </p:cTn>
+                              </p:par>
+                            </p:childTnLst>
+                          </p:cTn>
+                        </p:par>
+                      </p:childTnLst>
+                    </p:cTn>
+                  </p:par>
+                  <p:par>
+                    <p:cTn id="8" fill="hold">
+                      <p:stCondLst>
+                        <p:cond delay="indefinite"/>
+                      </p:stCondLst>
+                      <p:childTnLst>
+                        <p:par>
+                          <p:cTn id="9" fill="hold">
+                            <p:stCondLst>
+                              <p:cond delay="0"/>
+                            </p:stCondLst>
+                            <p:childTnLst>
+                              <p:par>
+                                <p:cTn id="10" presetID="22" presetClass="entr" presetSubtype="4" fill="hold" grpId="0" nodeType="clickEffect">
+                                  <p:stCondLst>
+                                    <p:cond delay="0"/>
+                                  </p:stCondLst>
+                                  <p:childTnLst>
+                                    <p:set>
+                                      <p:cBhvr>
+                                        <p:cTn id="11" dur="1" fill="hold">
+                                          <p:stCondLst>
+                                            <p:cond delay="0"/>
+                                          </p:stCondLst>
+                                        </p:cTn>
+                                        <p:tgtEl>
+                                          <p:spTgt spid="3">
+                                            <p:txEl>
+                                              <p:pRg st="0" end="0"/>
+                                            </p:txEl>
+                                          </p:spTgt>
+                                        </p:tgtEl>
+                                        <p:attrNameLst>
+                                          <p:attrName>style.visibility</p:attrName>
+                                        </p:attrNameLst>
+                                      </p:cBhvr>
+                                      <p:to>
+                                        <p:strVal val="visible"/>
+                                      </p:to>
+                                    </p:set>
+                                    <p:animEffect transition="in" filter="wipe(down)">
+                                      <p:cBhvr>
+                                        <p:cTn id="12" dur="500"/>
+                                        <p:tgtEl>
+                                          <p:spTgt spid="3">
+                                            <p:txEl>
+                                              <p:pRg st="0" end="0"/>
+                                            </p:txEl>
+                                          </p:spTgt>
+                                        </p:tgtEl>
+                                      </p:cBhvr>
+                                    </p:animEffect>
+                                  </p:childTnLst>
+                                </p:cTn>
+                              </p:par>
+                              <p:par>
+                                <p:cTn id="13" presetID="22" presetClass="entr" presetSubtype="4" fill="hold" grpId="0" nodeType="withEffect">
+                                  <p:stCondLst>
+                                    <p:cond delay="0"/>
+                                  </p:stCondLst>
+                                  <p:childTnLst>
+                                    <p:set>
+                                      <p:cBhvr>
+                                        <p:cTn id="14" dur="1" fill="hold">
+                                          <p:stCondLst>
+                                            <p:cond delay="0"/>
+                                          </p:stCondLst>
+                                        </p:cTn>
+                                        <p:tgtEl>
+                                          <p:spTgt spid="3">
+                                            <p:txEl>
+                                              <p:pRg st="1" end="1"/>
+                                            </p:txEl>
+                                          </p:spTgt>
+                                        </p:tgtEl>
+                                        <p:attrNameLst>
+                                          <p:attrName>style.visibility</p:attrName>
+                                        </p:attrNameLst>
+                                      </p:cBhvr>
+                                      <p:to>
+                                        <p:strVal val="visible"/>
+                                      </p:to>
+                                    </p:set>
+                                    <p:animEffect transition="in" filter="wipe(down)">
+                                      <p:cBhvr>
+                                        <p:cTn id="15" dur="500"/>
+                                        <p:tgtEl>
+                                          <p:spTgt spid="3">
+                                            <p:txEl>
+                                              <p:pRg st="1" end="1"/>
+                                            </p:txEl>
+                                          </p:spTgt>
+                                        </p:tgtEl>
+                                      </p:cBhvr>
+                                    </p:animEffect>
+                                  </p:childTnLst>
+                                </p:cTn>
+                              </p:par>
+                            </p:childTnLst>
+                          </p:cTn>
+                        </p:par>
+                      </p:childTnLst>
+                    </p:cTn>
+                  </p:par>
+                  <p:par>
+                    <p:cTn id="16" fill="hold">
+                      <p:stCondLst>
+                        <p:cond delay="indefinite"/>
+                      </p:stCondLst>
+                      <p:childTnLst>
+                        <p:par>
+                          <p:cTn id="17" fill="hold">
+                            <p:stCondLst>
+                              <p:cond delay="0"/>
+                            </p:stCondLst>
+                            <p:childTnLst>
+                              <p:par>
+                                <p:cTn id="18" presetID="22" presetClass="entr" presetSubtype="4" fill="hold" grpId="0" nodeType="clickEffect">
+                                  <p:stCondLst>
+                                    <p:cond delay="0"/>
+                                  </p:stCondLst>
+                                  <p:childTnLst>
+                                    <p:set>
+                                      <p:cBhvr>
+                                        <p:cTn id="19" dur="1" fill="hold">
+                                          <p:stCondLst>
+                                            <p:cond delay="0"/>
+                                          </p:stCondLst>
+                                        </p:cTn>
+                                        <p:tgtEl>
+                                          <p:spTgt spid="3">
+                                            <p:txEl>
+                                              <p:pRg st="2" end="2"/>
+                                            </p:txEl>
+                                          </p:spTgt>
+                                        </p:tgtEl>
+                                        <p:attrNameLst>
+                                          <p:attrName>style.visibility</p:attrName>
+                                        </p:attrNameLst>
+                                      </p:cBhvr>
+                                      <p:to>
+                                        <p:strVal val="visible"/>
+                                      </p:to>
+                                    </p:set>
+                                    <p:animEffect transition="in" filter="wipe(down)">
+                                      <p:cBhvr>
+                                        <p:cTn id="20" dur="500"/>
+                                        <p:tgtEl>
+                                          <p:spTgt spid="3">
+                                            <p:txEl>
+                                              <p:pRg st="2" end="2"/>
+                                            </p:txEl>
+                                          </p:spTgt>
+                                        </p:tgtEl>
+                                      </p:cBhvr>
+                                    </p:animEffect>
+                                  </p:childTnLst>
+                                </p:cTn>
+                              </p:par>
+                            </p:childTnLst>
+                          </p:cTn>
+                        </p:par>
+                      </p:childTnLst>
+                    </p:cTn>
+                  </p:par>
+                  <p:par>
+                    <p:cTn id="21" fill="hold">
+                      <p:stCondLst>
+                        <p:cond delay="indefinite"/>
+                      </p:stCondLst>
+                      <p:childTnLst>
+                        <p:par>
+                          <p:cTn id="22" fill="hold">
+                            <p:stCondLst>
+                              <p:cond delay="0"/>
+                            </p:stCondLst>
+                            <p:childTnLst>
+                              <p:par>
+                                <p:cTn id="23" presetID="22" presetClass="entr" presetSubtype="4" fill="hold" grpId="0" nodeType="clickEffect">
+                                  <p:stCondLst>
+                                    <p:cond delay="0"/>
+                                  </p:stCondLst>
+                                  <p:childTnLst>
+                                    <p:set>
+                                      <p:cBhvr>
+                                        <p:cTn id="24" dur="1" fill="hold">
+                                          <p:stCondLst>
+                                            <p:cond delay="0"/>
+                                          </p:stCondLst>
+                                        </p:cTn>
+                                        <p:tgtEl>
+                                          <p:spTgt spid="3">
+                                            <p:txEl>
+                                              <p:pRg st="3" end="3"/>
+                                            </p:txEl>
+                                          </p:spTgt>
+                                        </p:tgtEl>
+                                        <p:attrNameLst>
+                                          <p:attrName>style.visibility</p:attrName>
+                                        </p:attrNameLst>
+                                      </p:cBhvr>
+                                      <p:to>
+                                        <p:strVal val="visible"/>
+                                      </p:to>
+                                    </p:set>
+                                    <p:animEffect transition="in" filter="wipe(down)">
+                                      <p:cBhvr>
+                                        <p:cTn id="25" dur="500"/>
+                                        <p:tgtEl>
+                                          <p:spTgt spid="3">
+                                            <p:txEl>
+                                              <p:pRg st="3" end="3"/>
+                                            </p:txEl>
+                                          </p:spTgt>
+                                        </p:tgtEl>
+                                      </p:cBhvr>
+                                    </p:animEffect>
+                                  </p:childTnLst>
+                                </p:cTn>
+                              </p:par>
+                              <p:par>
+                                <p:cTn id="26" presetID="22" presetClass="entr" presetSubtype="4" fill="hold" grpId="0" nodeType="withEffect">
+                                  <p:stCondLst>
+                                    <p:cond delay="0"/>
+                                  </p:stCondLst>
+                                  <p:childTnLst>
+                                    <p:set>
+                                      <p:cBhvr>
+                                        <p:cTn id="27" dur="1" fill="hold">
+                                          <p:stCondLst>
+                                            <p:cond delay="0"/>
+                                          </p:stCondLst>
+                                        </p:cTn>
+                                        <p:tgtEl>
+                                          <p:spTgt spid="3">
+                                            <p:txEl>
+                                              <p:pRg st="4" end="4"/>
+                                            </p:txEl>
+                                          </p:spTgt>
+                                        </p:tgtEl>
+                                        <p:attrNameLst>
+                                          <p:attrName>style.visibility</p:attrName>
+                                        </p:attrNameLst>
+                                      </p:cBhvr>
+                                      <p:to>
+                                        <p:strVal val="visible"/>
+                                      </p:to>
+                                    </p:set>
+                                    <p:animEffect transition="in" filter="wipe(down)">
+                                      <p:cBhvr>
+                                        <p:cTn id="28" dur="500"/>
+                                        <p:tgtEl>
+                                          <p:spTgt spid="3">
+                                            <p:txEl>
+                                              <p:pRg st="4" end="4"/>
+                                            </p:txEl>
+                                          </p:spTgt>
+                                        </p:tgtEl>
+                                      </p:cBhvr>
+                                    </p:animEffect>
+                                  </p:childTnLst>
+                                </p:cTn>
+                              </p:par>
+                              <p:par>
+                                <p:cTn id="29" presetID="22" presetClass="entr" presetSubtype="4" fill="hold" grpId="0" nodeType="withEffect">
+                                  <p:stCondLst>
+                                    <p:cond delay="0"/>
+                                  </p:stCondLst>
+                                  <p:childTnLst>
+                                    <p:set>
+                                      <p:cBhvr>
+                                        <p:cTn id="30" dur="1" fill="hold">
+                                          <p:stCondLst>
+                                            <p:cond delay="0"/>
+                                          </p:stCondLst>
+                                        </p:cTn>
+                                        <p:tgtEl>
+                                          <p:spTgt spid="3">
+                                            <p:txEl>
+                                              <p:pRg st="5" end="5"/>
+                                            </p:txEl>
+                                          </p:spTgt>
+                                        </p:tgtEl>
+                                        <p:attrNameLst>
+                                          <p:attrName>style.visibility</p:attrName>
+                                        </p:attrNameLst>
+                                      </p:cBhvr>
+                                      <p:to>
+                                        <p:strVal val="visible"/>
+                                      </p:to>
+                                    </p:set>
+                                    <p:animEffect transition="in" filter="wipe(down)">
+                                      <p:cBhvr>
+                                        <p:cTn id="31" dur="500"/>
+                                        <p:tgtEl>
+                                          <p:spTgt spid="3">
+                                            <p:txEl>
+                                              <p:pRg st="5" end="5"/>
+                                            </p:txEl>
+                                          </p:spTgt>
+                                        </p:tgtEl>
+                                      </p:cBhvr>
+                                    </p:animEffect>
+                                  </p:childTnLst>
+                                </p:cTn>
+                              </p:par>
+                              <p:par>
+                                <p:cTn id="32" presetID="22" presetClass="entr" presetSubtype="4" fill="hold" grpId="0" nodeType="withEffect">
+                                  <p:stCondLst>
+                                    <p:cond delay="0"/>
+                                  </p:stCondLst>
+                                  <p:childTnLst>
+                                    <p:set>
+                                      <p:cBhvr>
+                                        <p:cTn id="33" dur="1" fill="hold">
+                                          <p:stCondLst>
+                                            <p:cond delay="0"/>
+                                          </p:stCondLst>
+                                        </p:cTn>
+                                        <p:tgtEl>
+                                          <p:spTgt spid="3">
+                                            <p:txEl>
+                                              <p:pRg st="6" end="6"/>
+                                            </p:txEl>
+                                          </p:spTgt>
+                                        </p:tgtEl>
+                                        <p:attrNameLst>
+                                          <p:attrName>style.visibility</p:attrName>
+                                        </p:attrNameLst>
+                                      </p:cBhvr>
+                                      <p:to>
+                                        <p:strVal val="visible"/>
+                                      </p:to>
+                                    </p:set>
+                                    <p:animEffect transition="in" filter="wipe(down)">
+                                      <p:cBhvr>
+                                        <p:cTn id="34" dur="500"/>
+                                        <p:tgtEl>
+                                          <p:spTgt spid="3">
+                                            <p:txEl>
+                                              <p:pRg st="6" end="6"/>
+                                            </p:txEl>
+                                          </p:spTgt>
+                                        </p:tgtEl>
+                                      </p:cBhvr>
+                                    </p:animEffect>
+                                  </p:childTnLst>
+                                </p:cTn>
+                              </p:par>
+                            </p:childTnLst>
+                          </p:cTn>
+                        </p:par>
+                      </p:childTnLst>
+                    </p:cTn>
+                  </p:par>
+                  <p:par>
+                    <p:cTn id="35" fill="hold">
+                      <p:stCondLst>
+                        <p:cond delay="indefinite"/>
+                      </p:stCondLst>
+                      <p:childTnLst>
+                        <p:par>
+                          <p:cTn id="36" fill="hold">
+                            <p:stCondLst>
+                              <p:cond delay="0"/>
+                            </p:stCondLst>
+                            <p:childTnLst>
+                              <p:par>
+                                <p:cTn id="37" presetID="22" presetClass="entr" presetSubtype="4" fill="hold" grpId="0" nodeType="clickEffect">
+                                  <p:stCondLst>
+                                    <p:cond delay="0"/>
+                                  </p:stCondLst>
+                                  <p:childTnLst>
+                                    <p:set>
+                                      <p:cBhvr>
+                                        <p:cTn id="38" dur="1" fill="hold">
+                                          <p:stCondLst>
+                                            <p:cond delay="0"/>
+                                          </p:stCondLst>
+                                        </p:cTn>
+                                        <p:tgtEl>
+                                          <p:spTgt spid="3">
+                                            <p:txEl>
+                                              <p:pRg st="7" end="7"/>
+                                            </p:txEl>
+                                          </p:spTgt>
+                                        </p:tgtEl>
+                                        <p:attrNameLst>
+                                          <p:attrName>style.visibility</p:attrName>
+                                        </p:attrNameLst>
+                                      </p:cBhvr>
+                                      <p:to>
+                                        <p:strVal val="visible"/>
+                                      </p:to>
+                                    </p:set>
+                                    <p:animEffect transition="in" filter="wipe(down)">
+                                      <p:cBhvr>
+                                        <p:cTn id="39" dur="500"/>
+                                        <p:tgtEl>
+                                          <p:spTgt spid="3">
+                                            <p:txEl>
+                                              <p:pRg st="7" end="7"/>
+                                            </p:txEl>
+                                          </p:spTgt>
+                                        </p:tgtEl>
+                                      </p:cBhvr>
+                                    </p:animEffect>
+                                  </p:childTnLst>
+                                </p:cTn>
+                              </p:par>
+                              <p:par>
+                                <p:cTn id="40" presetID="22" presetClass="entr" presetSubtype="4" fill="hold" grpId="0" nodeType="withEffect">
+                                  <p:stCondLst>
+                                    <p:cond delay="0"/>
+                                  </p:stCondLst>
+                                  <p:childTnLst>
+                                    <p:set>
+                                      <p:cBhvr>
+                                        <p:cTn id="41" dur="1" fill="hold">
+                                          <p:stCondLst>
+                                            <p:cond delay="0"/>
+                                          </p:stCondLst>
+                                        </p:cTn>
+                                        <p:tgtEl>
+                                          <p:spTgt spid="3">
+                                            <p:txEl>
+                                              <p:pRg st="8" end="8"/>
+                                            </p:txEl>
+                                          </p:spTgt>
+                                        </p:tgtEl>
+                                        <p:attrNameLst>
+                                          <p:attrName>style.visibility</p:attrName>
+                                        </p:attrNameLst>
+                                      </p:cBhvr>
+                                      <p:to>
+                                        <p:strVal val="visible"/>
+                                      </p:to>
+                                    </p:set>
+                                    <p:animEffect transition="in" filter="wipe(down)">
+                                      <p:cBhvr>
+                                        <p:cTn id="42" dur="500"/>
+                                        <p:tgtEl>
+                                          <p:spTgt spid="3">
+                                            <p:txEl>
+                                              <p:pRg st="8" end="8"/>
+                                            </p:txEl>
+                                          </p:spTgt>
+                                        </p:tgtEl>
+                                      </p:cBhvr>
+                                    </p:animEffect>
+                                  </p:childTnLst>
+                                </p:cTn>
+                              </p:par>
+                            </p:childTnLst>
+                          </p:cTn>
+                        </p:par>
+                      </p:childTnLst>
+                    </p:cTn>
+                  </p:par>
+                  <p:par>
+                    <p:cTn id="43" fill="hold">
+                      <p:stCondLst>
+                        <p:cond delay="indefinite"/>
+                      </p:stCondLst>
+                      <p:childTnLst>
+                        <p:par>
+                          <p:cTn id="44" fill="hold">
+                            <p:stCondLst>
+                              <p:cond delay="0"/>
+                            </p:stCondLst>
+                            <p:childTnLst>
+                              <p:par>
+                                <p:cTn id="45" presetID="22" presetClass="entr" presetSubtype="4" fill="hold" grpId="0" nodeType="clickEffect">
+                                  <p:stCondLst>
+                                    <p:cond delay="0"/>
+                                  </p:stCondLst>
+                                  <p:childTnLst>
+                                    <p:set>
+                                      <p:cBhvr>
+                                        <p:cTn id="46" dur="1" fill="hold">
+                                          <p:stCondLst>
+                                            <p:cond delay="0"/>
+                                          </p:stCondLst>
+                                        </p:cTn>
+                                        <p:tgtEl>
+                                          <p:spTgt spid="3">
+                                            <p:txEl>
+                                              <p:pRg st="9" end="9"/>
+                                            </p:txEl>
+                                          </p:spTgt>
+                                        </p:tgtEl>
+                                        <p:attrNameLst>
+                                          <p:attrName>style.visibility</p:attrName>
+                                        </p:attrNameLst>
+                                      </p:cBhvr>
+                                      <p:to>
+                                        <p:strVal val="visible"/>
+                                      </p:to>
+                                    </p:set>
+                                    <p:animEffect transition="in" filter="wipe(down)">
+                                      <p:cBhvr>
+                                        <p:cTn id="47" dur="500"/>
+                                        <p:tgtEl>
+                                          <p:spTgt spid="3">
+                                            <p:txEl>
+                                              <p:pRg st="9" end="9"/>
+                                            </p:txEl>
+                                          </p:spTgt>
+                                        </p:tgtEl>
+                                      </p:cBhvr>
+                                    </p:animEffect>
+                                  </p:childTnLst>
+                                </p:cTn>
+                              </p:par>
+                              <p:par>
+                                <p:cTn id="48" presetID="22" presetClass="entr" presetSubtype="4" fill="hold" grpId="0" nodeType="withEffect">
+                                  <p:stCondLst>
+                                    <p:cond delay="0"/>
+                                  </p:stCondLst>
+                                  <p:childTnLst>
+                                    <p:set>
+                                      <p:cBhvr>
+                                        <p:cTn id="49" dur="1" fill="hold">
+                                          <p:stCondLst>
+                                            <p:cond delay="0"/>
+                                          </p:stCondLst>
+                                        </p:cTn>
+                                        <p:tgtEl>
+                                          <p:spTgt spid="3">
+                                            <p:txEl>
+                                              <p:pRg st="10" end="10"/>
+                                            </p:txEl>
+                                          </p:spTgt>
+                                        </p:tgtEl>
+                                        <p:attrNameLst>
+                                          <p:attrName>style.visibility</p:attrName>
+                                        </p:attrNameLst>
+                                      </p:cBhvr>
+                                      <p:to>
+                                        <p:strVal val="visible"/>
+                                      </p:to>
+                                    </p:set>
+                                    <p:animEffect transition="in" filter="wipe(down)">
+                                      <p:cBhvr>
+                                        <p:cTn id="50" dur="500"/>
+                                        <p:tgtEl>
+                                          <p:spTgt spid="3">
+                                            <p:txEl>
+                                              <p:pRg st="10" end="10"/>
+                                            </p:txEl>
+                                          </p:spTgt>
+                                        </p:tgtEl>
+                                      </p:cBhvr>
+                                    </p:animEffect>
+                                  </p:childTnLst>
+                                </p:cTn>
+                              </p:par>
+                              <p:par>
+                                <p:cTn id="51" presetID="22" presetClass="entr" presetSubtype="4" fill="hold" grpId="0" nodeType="withEffect">
+                                  <p:stCondLst>
+                                    <p:cond delay="0"/>
+                                  </p:stCondLst>
+                                  <p:childTnLst>
+                                    <p:set>
+                                      <p:cBhvr>
+                                        <p:cTn id="52" dur="1" fill="hold">
+                                          <p:stCondLst>
+                                            <p:cond delay="0"/>
+                                          </p:stCondLst>
+                                        </p:cTn>
+                                        <p:tgtEl>
+                                          <p:spTgt spid="3">
+                                            <p:txEl>
+                                              <p:pRg st="11" end="11"/>
+                                            </p:txEl>
+                                          </p:spTgt>
+                                        </p:tgtEl>
+                                        <p:attrNameLst>
+                                          <p:attrName>style.visibility</p:attrName>
+                                        </p:attrNameLst>
+                                      </p:cBhvr>
+                                      <p:to>
+                                        <p:strVal val="visible"/>
+                                      </p:to>
+                                    </p:set>
+                                    <p:animEffect transition="in" filter="wipe(down)">
+                                      <p:cBhvr>
+                                        <p:cTn id="53" dur="500"/>
+                                        <p:tgtEl>
+                                          <p:spTgt spid="3">
+                                            <p:txEl>
+                                              <p:pRg st="11" end="11"/>
+                                            </p:txEl>
+                                          </p:spTgt>
+                                        </p:tgtEl>
+                                      </p:cBhvr>
+                                    </p:animEffect>
+                                  </p:childTnLst>
+                                </p:cTn>
+                              </p:par>
+                              <p:par>
+                                <p:cTn id="54" presetID="22" presetClass="entr" presetSubtype="4" fill="hold" grpId="0" nodeType="withEffect">
+                                  <p:stCondLst>
+                                    <p:cond delay="0"/>
+                                  </p:stCondLst>
+                                  <p:childTnLst>
+                                    <p:set>
+                                      <p:cBhvr>
+                                        <p:cTn id="55" dur="1" fill="hold">
+                                          <p:stCondLst>
+                                            <p:cond delay="0"/>
+                                          </p:stCondLst>
+                                        </p:cTn>
+                                        <p:tgtEl>
+                                          <p:spTgt spid="3">
+                                            <p:txEl>
+                                              <p:pRg st="12" end="12"/>
+                                            </p:txEl>
+                                          </p:spTgt>
+                                        </p:tgtEl>
+                                        <p:attrNameLst>
+                                          <p:attrName>style.visibility</p:attrName>
+                                        </p:attrNameLst>
+                                      </p:cBhvr>
+                                      <p:to>
+                                        <p:strVal val="visible"/>
+                                      </p:to>
+                                    </p:set>
+                                    <p:animEffect transition="in" filter="wipe(down)">
+                                      <p:cBhvr>
+                                        <p:cTn id="56" dur="500"/>
+                                        <p:tgtEl>
+                                          <p:spTgt spid="3">
+                                            <p:txEl>
+                                              <p:pRg st="12" end="12"/>
+                                            </p:txEl>
+                                          </p:spTgt>
+                                        </p:tgtEl>
+                                      </p:cBhvr>
+                                    </p:animEffect>
+                                  </p:childTnLst>
+                                </p:cTn>
+                              </p:par>
+                            </p:childTnLst>
+                          </p:cTn>
+                        </p:par>
+                      </p:childTnLst>
+                    </p:cTn>
+                  </p:par>
+                  <p:par>
+                    <p:cTn id="57" fill="hold">
+                      <p:stCondLst>
+                        <p:cond delay="indefinite"/>
+                      </p:stCondLst>
+                      <p:childTnLst>
+                        <p:par>
+                          <p:cTn id="58" fill="hold">
+                            <p:stCondLst>
+                              <p:cond delay="0"/>
+                            </p:stCondLst>
+                            <p:childTnLst>
+                              <p:par>
+                                <p:cTn id="59" presetID="22" presetClass="entr" presetSubtype="4" fill="hold" grpId="0" nodeType="clickEffect">
+                                  <p:stCondLst>
+                                    <p:cond delay="0"/>
+                                  </p:stCondLst>
+                                  <p:childTnLst>
+                                    <p:set>
+                                      <p:cBhvr>
+                                        <p:cTn id="60" dur="1" fill="hold">
+                                          <p:stCondLst>
+                                            <p:cond delay="0"/>
+                                          </p:stCondLst>
+                                        </p:cTn>
+                                        <p:tgtEl>
+                                          <p:spTgt spid="3">
+                                            <p:txEl>
+                                              <p:pRg st="13" end="13"/>
+                                            </p:txEl>
+                                          </p:spTgt>
+                                        </p:tgtEl>
+                                        <p:attrNameLst>
+                                          <p:attrName>style.visibility</p:attrName>
+                                        </p:attrNameLst>
+                                      </p:cBhvr>
+                                      <p:to>
+                                        <p:strVal val="visible"/>
+                                      </p:to>
+                                    </p:set>
+                                    <p:animEffect transition="in" filter="wipe(down)">
+                                      <p:cBhvr>
+                                        <p:cTn id="61" dur="500"/>
+                                        <p:tgtEl>
+                                          <p:spTgt spid="3">
+                                            <p:txEl>
+                                              <p:pRg st="13" end="13"/>
+                                            </p:txEl>
+                                          </p:spTgt>
+                                        </p:tgtEl>
+                                      </p:cBhvr>
+                                    </p:animEffect>
+                                  </p:childTnLst>
+                                </p:cTn>
+                              </p:par>
+                            </p:childTnLst>
+                          </p:cTn>
+                        </p:par>
+                      </p:childTnLst>
+                    </p:cTn>
+                  </p:par>
+                </p:childTnLst>
+              </p:cTn>
+              <p:prevCondLst>
+                <p:cond evt="onPrev" delay="0">
+                  <p:tgtEl>
+                    <p:sldTgt/>
+                  </p:tgtEl>
+                </p:cond>
+              </p:prevCondLst>
+              <p:nextCondLst>
+                <p:cond evt="onNext" delay="0">
+                  <p:tgtEl>
+                    <p:sldTgt/>
+                  </p:tgtEl>
+                </p:cond>
+              </p:nextCondLst>
+            </p:seq>
+          </p:childTnLst>
+        </p:cTn>
+      </p:par>
+    </p:tnLst>
+    <p:bldLst>
+      <p:bldP spid="2" grpId="0"/>
+      <p:bldP spid="3" grpId="0" build="p"/>
+    </p:bldLst>
+  </p:timing>
 </p:sld>
 </file>
 
@@ -7971,7 +10251,7 @@
           <a:p>
             <a:r>
               <a:rPr lang="en-US" sz="2200" dirty="0"/>
-              <a:t>9 sensors on each unit.</a:t>
+              <a:t>3 sensors on each unit: each sensor measures 3 coordinates.</a:t>
             </a:r>
             <a:endParaRPr lang="it-IT" sz="2200" dirty="0"/>
           </a:p>
@@ -7987,6 +10267,786 @@
   <p:clrMapOvr>
     <a:masterClrMapping/>
   </p:clrMapOvr>
+  <p:transition spd="slow">
+    <p:randomBar dir="vert"/>
+  </p:transition>
+  <p:timing>
+    <p:tnLst>
+      <p:par>
+        <p:cTn id="1" dur="indefinite" restart="never" nodeType="tmRoot">
+          <p:childTnLst>
+            <p:seq concurrent="1" nextAc="seek">
+              <p:cTn id="2" dur="indefinite" nodeType="mainSeq">
+                <p:childTnLst>
+                  <p:par>
+                    <p:cTn id="3" fill="hold">
+                      <p:stCondLst>
+                        <p:cond delay="indefinite"/>
+                      </p:stCondLst>
+                      <p:childTnLst>
+                        <p:par>
+                          <p:cTn id="4" fill="hold">
+                            <p:stCondLst>
+                              <p:cond delay="0"/>
+                            </p:stCondLst>
+                            <p:childTnLst>
+                              <p:par>
+                                <p:cTn id="5" presetID="14" presetClass="entr" presetSubtype="10" fill="hold" grpId="0" nodeType="clickEffect">
+                                  <p:stCondLst>
+                                    <p:cond delay="0"/>
+                                  </p:stCondLst>
+                                  <p:childTnLst>
+                                    <p:set>
+                                      <p:cBhvr>
+                                        <p:cTn id="6" dur="1" fill="hold">
+                                          <p:stCondLst>
+                                            <p:cond delay="0"/>
+                                          </p:stCondLst>
+                                        </p:cTn>
+                                        <p:tgtEl>
+                                          <p:spTgt spid="2"/>
+                                        </p:tgtEl>
+                                        <p:attrNameLst>
+                                          <p:attrName>style.visibility</p:attrName>
+                                        </p:attrNameLst>
+                                      </p:cBhvr>
+                                      <p:to>
+                                        <p:strVal val="visible"/>
+                                      </p:to>
+                                    </p:set>
+                                    <p:animEffect transition="in" filter="randombar(horizontal)">
+                                      <p:cBhvr>
+                                        <p:cTn id="7" dur="500"/>
+                                        <p:tgtEl>
+                                          <p:spTgt spid="2"/>
+                                        </p:tgtEl>
+                                      </p:cBhvr>
+                                    </p:animEffect>
+                                  </p:childTnLst>
+                                </p:cTn>
+                              </p:par>
+                            </p:childTnLst>
+                          </p:cTn>
+                        </p:par>
+                      </p:childTnLst>
+                    </p:cTn>
+                  </p:par>
+                  <p:par>
+                    <p:cTn id="8" fill="hold">
+                      <p:stCondLst>
+                        <p:cond delay="indefinite"/>
+                      </p:stCondLst>
+                      <p:childTnLst>
+                        <p:par>
+                          <p:cTn id="9" fill="hold">
+                            <p:stCondLst>
+                              <p:cond delay="0"/>
+                            </p:stCondLst>
+                            <p:childTnLst>
+                              <p:par>
+                                <p:cTn id="10" presetID="53" presetClass="entr" presetSubtype="16" fill="hold" grpId="0" nodeType="clickEffect">
+                                  <p:stCondLst>
+                                    <p:cond delay="0"/>
+                                  </p:stCondLst>
+                                  <p:childTnLst>
+                                    <p:set>
+                                      <p:cBhvr>
+                                        <p:cTn id="11" dur="1" fill="hold">
+                                          <p:stCondLst>
+                                            <p:cond delay="0"/>
+                                          </p:stCondLst>
+                                        </p:cTn>
+                                        <p:tgtEl>
+                                          <p:spTgt spid="8">
+                                            <p:txEl>
+                                              <p:pRg st="0" end="0"/>
+                                            </p:txEl>
+                                          </p:spTgt>
+                                        </p:tgtEl>
+                                        <p:attrNameLst>
+                                          <p:attrName>style.visibility</p:attrName>
+                                        </p:attrNameLst>
+                                      </p:cBhvr>
+                                      <p:to>
+                                        <p:strVal val="visible"/>
+                                      </p:to>
+                                    </p:set>
+                                    <p:anim calcmode="lin" valueType="num">
+                                      <p:cBhvr>
+                                        <p:cTn id="12" dur="500" fill="hold"/>
+                                        <p:tgtEl>
+                                          <p:spTgt spid="8">
+                                            <p:txEl>
+                                              <p:pRg st="0" end="0"/>
+                                            </p:txEl>
+                                          </p:spTgt>
+                                        </p:tgtEl>
+                                        <p:attrNameLst>
+                                          <p:attrName>ppt_w</p:attrName>
+                                        </p:attrNameLst>
+                                      </p:cBhvr>
+                                      <p:tavLst>
+                                        <p:tav tm="0">
+                                          <p:val>
+                                            <p:fltVal val="0"/>
+                                          </p:val>
+                                        </p:tav>
+                                        <p:tav tm="100000">
+                                          <p:val>
+                                            <p:strVal val="#ppt_w"/>
+                                          </p:val>
+                                        </p:tav>
+                                      </p:tavLst>
+                                    </p:anim>
+                                    <p:anim calcmode="lin" valueType="num">
+                                      <p:cBhvr>
+                                        <p:cTn id="13" dur="500" fill="hold"/>
+                                        <p:tgtEl>
+                                          <p:spTgt spid="8">
+                                            <p:txEl>
+                                              <p:pRg st="0" end="0"/>
+                                            </p:txEl>
+                                          </p:spTgt>
+                                        </p:tgtEl>
+                                        <p:attrNameLst>
+                                          <p:attrName>ppt_h</p:attrName>
+                                        </p:attrNameLst>
+                                      </p:cBhvr>
+                                      <p:tavLst>
+                                        <p:tav tm="0">
+                                          <p:val>
+                                            <p:fltVal val="0"/>
+                                          </p:val>
+                                        </p:tav>
+                                        <p:tav tm="100000">
+                                          <p:val>
+                                            <p:strVal val="#ppt_h"/>
+                                          </p:val>
+                                        </p:tav>
+                                      </p:tavLst>
+                                    </p:anim>
+                                    <p:animEffect transition="in" filter="fade">
+                                      <p:cBhvr>
+                                        <p:cTn id="14" dur="500"/>
+                                        <p:tgtEl>
+                                          <p:spTgt spid="8">
+                                            <p:txEl>
+                                              <p:pRg st="0" end="0"/>
+                                            </p:txEl>
+                                          </p:spTgt>
+                                        </p:tgtEl>
+                                      </p:cBhvr>
+                                    </p:animEffect>
+                                  </p:childTnLst>
+                                </p:cTn>
+                              </p:par>
+                            </p:childTnLst>
+                          </p:cTn>
+                        </p:par>
+                      </p:childTnLst>
+                    </p:cTn>
+                  </p:par>
+                  <p:par>
+                    <p:cTn id="15" fill="hold">
+                      <p:stCondLst>
+                        <p:cond delay="indefinite"/>
+                      </p:stCondLst>
+                      <p:childTnLst>
+                        <p:par>
+                          <p:cTn id="16" fill="hold">
+                            <p:stCondLst>
+                              <p:cond delay="0"/>
+                            </p:stCondLst>
+                            <p:childTnLst>
+                              <p:par>
+                                <p:cTn id="17" presetID="53" presetClass="entr" presetSubtype="16" fill="hold" grpId="0" nodeType="clickEffect">
+                                  <p:stCondLst>
+                                    <p:cond delay="0"/>
+                                  </p:stCondLst>
+                                  <p:childTnLst>
+                                    <p:set>
+                                      <p:cBhvr>
+                                        <p:cTn id="18" dur="1" fill="hold">
+                                          <p:stCondLst>
+                                            <p:cond delay="0"/>
+                                          </p:stCondLst>
+                                        </p:cTn>
+                                        <p:tgtEl>
+                                          <p:spTgt spid="8">
+                                            <p:txEl>
+                                              <p:pRg st="1" end="1"/>
+                                            </p:txEl>
+                                          </p:spTgt>
+                                        </p:tgtEl>
+                                        <p:attrNameLst>
+                                          <p:attrName>style.visibility</p:attrName>
+                                        </p:attrNameLst>
+                                      </p:cBhvr>
+                                      <p:to>
+                                        <p:strVal val="visible"/>
+                                      </p:to>
+                                    </p:set>
+                                    <p:anim calcmode="lin" valueType="num">
+                                      <p:cBhvr>
+                                        <p:cTn id="19" dur="500" fill="hold"/>
+                                        <p:tgtEl>
+                                          <p:spTgt spid="8">
+                                            <p:txEl>
+                                              <p:pRg st="1" end="1"/>
+                                            </p:txEl>
+                                          </p:spTgt>
+                                        </p:tgtEl>
+                                        <p:attrNameLst>
+                                          <p:attrName>ppt_w</p:attrName>
+                                        </p:attrNameLst>
+                                      </p:cBhvr>
+                                      <p:tavLst>
+                                        <p:tav tm="0">
+                                          <p:val>
+                                            <p:fltVal val="0"/>
+                                          </p:val>
+                                        </p:tav>
+                                        <p:tav tm="100000">
+                                          <p:val>
+                                            <p:strVal val="#ppt_w"/>
+                                          </p:val>
+                                        </p:tav>
+                                      </p:tavLst>
+                                    </p:anim>
+                                    <p:anim calcmode="lin" valueType="num">
+                                      <p:cBhvr>
+                                        <p:cTn id="20" dur="500" fill="hold"/>
+                                        <p:tgtEl>
+                                          <p:spTgt spid="8">
+                                            <p:txEl>
+                                              <p:pRg st="1" end="1"/>
+                                            </p:txEl>
+                                          </p:spTgt>
+                                        </p:tgtEl>
+                                        <p:attrNameLst>
+                                          <p:attrName>ppt_h</p:attrName>
+                                        </p:attrNameLst>
+                                      </p:cBhvr>
+                                      <p:tavLst>
+                                        <p:tav tm="0">
+                                          <p:val>
+                                            <p:fltVal val="0"/>
+                                          </p:val>
+                                        </p:tav>
+                                        <p:tav tm="100000">
+                                          <p:val>
+                                            <p:strVal val="#ppt_h"/>
+                                          </p:val>
+                                        </p:tav>
+                                      </p:tavLst>
+                                    </p:anim>
+                                    <p:animEffect transition="in" filter="fade">
+                                      <p:cBhvr>
+                                        <p:cTn id="21" dur="500"/>
+                                        <p:tgtEl>
+                                          <p:spTgt spid="8">
+                                            <p:txEl>
+                                              <p:pRg st="1" end="1"/>
+                                            </p:txEl>
+                                          </p:spTgt>
+                                        </p:tgtEl>
+                                      </p:cBhvr>
+                                    </p:animEffect>
+                                  </p:childTnLst>
+                                </p:cTn>
+                              </p:par>
+                            </p:childTnLst>
+                          </p:cTn>
+                        </p:par>
+                      </p:childTnLst>
+                    </p:cTn>
+                  </p:par>
+                  <p:par>
+                    <p:cTn id="22" fill="hold">
+                      <p:stCondLst>
+                        <p:cond delay="indefinite"/>
+                      </p:stCondLst>
+                      <p:childTnLst>
+                        <p:par>
+                          <p:cTn id="23" fill="hold">
+                            <p:stCondLst>
+                              <p:cond delay="0"/>
+                            </p:stCondLst>
+                            <p:childTnLst>
+                              <p:par>
+                                <p:cTn id="24" presetID="53" presetClass="entr" presetSubtype="16" fill="hold" grpId="0" nodeType="clickEffect">
+                                  <p:stCondLst>
+                                    <p:cond delay="0"/>
+                                  </p:stCondLst>
+                                  <p:childTnLst>
+                                    <p:set>
+                                      <p:cBhvr>
+                                        <p:cTn id="25" dur="1" fill="hold">
+                                          <p:stCondLst>
+                                            <p:cond delay="0"/>
+                                          </p:stCondLst>
+                                        </p:cTn>
+                                        <p:tgtEl>
+                                          <p:spTgt spid="8">
+                                            <p:txEl>
+                                              <p:pRg st="2" end="2"/>
+                                            </p:txEl>
+                                          </p:spTgt>
+                                        </p:tgtEl>
+                                        <p:attrNameLst>
+                                          <p:attrName>style.visibility</p:attrName>
+                                        </p:attrNameLst>
+                                      </p:cBhvr>
+                                      <p:to>
+                                        <p:strVal val="visible"/>
+                                      </p:to>
+                                    </p:set>
+                                    <p:anim calcmode="lin" valueType="num">
+                                      <p:cBhvr>
+                                        <p:cTn id="26" dur="500" fill="hold"/>
+                                        <p:tgtEl>
+                                          <p:spTgt spid="8">
+                                            <p:txEl>
+                                              <p:pRg st="2" end="2"/>
+                                            </p:txEl>
+                                          </p:spTgt>
+                                        </p:tgtEl>
+                                        <p:attrNameLst>
+                                          <p:attrName>ppt_w</p:attrName>
+                                        </p:attrNameLst>
+                                      </p:cBhvr>
+                                      <p:tavLst>
+                                        <p:tav tm="0">
+                                          <p:val>
+                                            <p:fltVal val="0"/>
+                                          </p:val>
+                                        </p:tav>
+                                        <p:tav tm="100000">
+                                          <p:val>
+                                            <p:strVal val="#ppt_w"/>
+                                          </p:val>
+                                        </p:tav>
+                                      </p:tavLst>
+                                    </p:anim>
+                                    <p:anim calcmode="lin" valueType="num">
+                                      <p:cBhvr>
+                                        <p:cTn id="27" dur="500" fill="hold"/>
+                                        <p:tgtEl>
+                                          <p:spTgt spid="8">
+                                            <p:txEl>
+                                              <p:pRg st="2" end="2"/>
+                                            </p:txEl>
+                                          </p:spTgt>
+                                        </p:tgtEl>
+                                        <p:attrNameLst>
+                                          <p:attrName>ppt_h</p:attrName>
+                                        </p:attrNameLst>
+                                      </p:cBhvr>
+                                      <p:tavLst>
+                                        <p:tav tm="0">
+                                          <p:val>
+                                            <p:fltVal val="0"/>
+                                          </p:val>
+                                        </p:tav>
+                                        <p:tav tm="100000">
+                                          <p:val>
+                                            <p:strVal val="#ppt_h"/>
+                                          </p:val>
+                                        </p:tav>
+                                      </p:tavLst>
+                                    </p:anim>
+                                    <p:animEffect transition="in" filter="fade">
+                                      <p:cBhvr>
+                                        <p:cTn id="28" dur="500"/>
+                                        <p:tgtEl>
+                                          <p:spTgt spid="8">
+                                            <p:txEl>
+                                              <p:pRg st="2" end="2"/>
+                                            </p:txEl>
+                                          </p:spTgt>
+                                        </p:tgtEl>
+                                      </p:cBhvr>
+                                    </p:animEffect>
+                                  </p:childTnLst>
+                                </p:cTn>
+                              </p:par>
+                            </p:childTnLst>
+                          </p:cTn>
+                        </p:par>
+                      </p:childTnLst>
+                    </p:cTn>
+                  </p:par>
+                  <p:par>
+                    <p:cTn id="29" fill="hold">
+                      <p:stCondLst>
+                        <p:cond delay="indefinite"/>
+                      </p:stCondLst>
+                      <p:childTnLst>
+                        <p:par>
+                          <p:cTn id="30" fill="hold">
+                            <p:stCondLst>
+                              <p:cond delay="0"/>
+                            </p:stCondLst>
+                            <p:childTnLst>
+                              <p:par>
+                                <p:cTn id="31" presetID="53" presetClass="entr" presetSubtype="16" fill="hold" grpId="0" nodeType="clickEffect">
+                                  <p:stCondLst>
+                                    <p:cond delay="0"/>
+                                  </p:stCondLst>
+                                  <p:childTnLst>
+                                    <p:set>
+                                      <p:cBhvr>
+                                        <p:cTn id="32" dur="1" fill="hold">
+                                          <p:stCondLst>
+                                            <p:cond delay="0"/>
+                                          </p:stCondLst>
+                                        </p:cTn>
+                                        <p:tgtEl>
+                                          <p:spTgt spid="8">
+                                            <p:txEl>
+                                              <p:pRg st="3" end="3"/>
+                                            </p:txEl>
+                                          </p:spTgt>
+                                        </p:tgtEl>
+                                        <p:attrNameLst>
+                                          <p:attrName>style.visibility</p:attrName>
+                                        </p:attrNameLst>
+                                      </p:cBhvr>
+                                      <p:to>
+                                        <p:strVal val="visible"/>
+                                      </p:to>
+                                    </p:set>
+                                    <p:anim calcmode="lin" valueType="num">
+                                      <p:cBhvr>
+                                        <p:cTn id="33" dur="500" fill="hold"/>
+                                        <p:tgtEl>
+                                          <p:spTgt spid="8">
+                                            <p:txEl>
+                                              <p:pRg st="3" end="3"/>
+                                            </p:txEl>
+                                          </p:spTgt>
+                                        </p:tgtEl>
+                                        <p:attrNameLst>
+                                          <p:attrName>ppt_w</p:attrName>
+                                        </p:attrNameLst>
+                                      </p:cBhvr>
+                                      <p:tavLst>
+                                        <p:tav tm="0">
+                                          <p:val>
+                                            <p:fltVal val="0"/>
+                                          </p:val>
+                                        </p:tav>
+                                        <p:tav tm="100000">
+                                          <p:val>
+                                            <p:strVal val="#ppt_w"/>
+                                          </p:val>
+                                        </p:tav>
+                                      </p:tavLst>
+                                    </p:anim>
+                                    <p:anim calcmode="lin" valueType="num">
+                                      <p:cBhvr>
+                                        <p:cTn id="34" dur="500" fill="hold"/>
+                                        <p:tgtEl>
+                                          <p:spTgt spid="8">
+                                            <p:txEl>
+                                              <p:pRg st="3" end="3"/>
+                                            </p:txEl>
+                                          </p:spTgt>
+                                        </p:tgtEl>
+                                        <p:attrNameLst>
+                                          <p:attrName>ppt_h</p:attrName>
+                                        </p:attrNameLst>
+                                      </p:cBhvr>
+                                      <p:tavLst>
+                                        <p:tav tm="0">
+                                          <p:val>
+                                            <p:fltVal val="0"/>
+                                          </p:val>
+                                        </p:tav>
+                                        <p:tav tm="100000">
+                                          <p:val>
+                                            <p:strVal val="#ppt_h"/>
+                                          </p:val>
+                                        </p:tav>
+                                      </p:tavLst>
+                                    </p:anim>
+                                    <p:animEffect transition="in" filter="fade">
+                                      <p:cBhvr>
+                                        <p:cTn id="35" dur="500"/>
+                                        <p:tgtEl>
+                                          <p:spTgt spid="8">
+                                            <p:txEl>
+                                              <p:pRg st="3" end="3"/>
+                                            </p:txEl>
+                                          </p:spTgt>
+                                        </p:tgtEl>
+                                      </p:cBhvr>
+                                    </p:animEffect>
+                                  </p:childTnLst>
+                                </p:cTn>
+                              </p:par>
+                            </p:childTnLst>
+                          </p:cTn>
+                        </p:par>
+                      </p:childTnLst>
+                    </p:cTn>
+                  </p:par>
+                  <p:par>
+                    <p:cTn id="36" fill="hold">
+                      <p:stCondLst>
+                        <p:cond delay="indefinite"/>
+                      </p:stCondLst>
+                      <p:childTnLst>
+                        <p:par>
+                          <p:cTn id="37" fill="hold">
+                            <p:stCondLst>
+                              <p:cond delay="0"/>
+                            </p:stCondLst>
+                            <p:childTnLst>
+                              <p:par>
+                                <p:cTn id="38" presetID="53" presetClass="entr" presetSubtype="16" fill="hold" grpId="0" nodeType="clickEffect">
+                                  <p:stCondLst>
+                                    <p:cond delay="0"/>
+                                  </p:stCondLst>
+                                  <p:childTnLst>
+                                    <p:set>
+                                      <p:cBhvr>
+                                        <p:cTn id="39" dur="1" fill="hold">
+                                          <p:stCondLst>
+                                            <p:cond delay="0"/>
+                                          </p:stCondLst>
+                                        </p:cTn>
+                                        <p:tgtEl>
+                                          <p:spTgt spid="8">
+                                            <p:txEl>
+                                              <p:pRg st="4" end="4"/>
+                                            </p:txEl>
+                                          </p:spTgt>
+                                        </p:tgtEl>
+                                        <p:attrNameLst>
+                                          <p:attrName>style.visibility</p:attrName>
+                                        </p:attrNameLst>
+                                      </p:cBhvr>
+                                      <p:to>
+                                        <p:strVal val="visible"/>
+                                      </p:to>
+                                    </p:set>
+                                    <p:anim calcmode="lin" valueType="num">
+                                      <p:cBhvr>
+                                        <p:cTn id="40" dur="500" fill="hold"/>
+                                        <p:tgtEl>
+                                          <p:spTgt spid="8">
+                                            <p:txEl>
+                                              <p:pRg st="4" end="4"/>
+                                            </p:txEl>
+                                          </p:spTgt>
+                                        </p:tgtEl>
+                                        <p:attrNameLst>
+                                          <p:attrName>ppt_w</p:attrName>
+                                        </p:attrNameLst>
+                                      </p:cBhvr>
+                                      <p:tavLst>
+                                        <p:tav tm="0">
+                                          <p:val>
+                                            <p:fltVal val="0"/>
+                                          </p:val>
+                                        </p:tav>
+                                        <p:tav tm="100000">
+                                          <p:val>
+                                            <p:strVal val="#ppt_w"/>
+                                          </p:val>
+                                        </p:tav>
+                                      </p:tavLst>
+                                    </p:anim>
+                                    <p:anim calcmode="lin" valueType="num">
+                                      <p:cBhvr>
+                                        <p:cTn id="41" dur="500" fill="hold"/>
+                                        <p:tgtEl>
+                                          <p:spTgt spid="8">
+                                            <p:txEl>
+                                              <p:pRg st="4" end="4"/>
+                                            </p:txEl>
+                                          </p:spTgt>
+                                        </p:tgtEl>
+                                        <p:attrNameLst>
+                                          <p:attrName>ppt_h</p:attrName>
+                                        </p:attrNameLst>
+                                      </p:cBhvr>
+                                      <p:tavLst>
+                                        <p:tav tm="0">
+                                          <p:val>
+                                            <p:fltVal val="0"/>
+                                          </p:val>
+                                        </p:tav>
+                                        <p:tav tm="100000">
+                                          <p:val>
+                                            <p:strVal val="#ppt_h"/>
+                                          </p:val>
+                                        </p:tav>
+                                      </p:tavLst>
+                                    </p:anim>
+                                    <p:animEffect transition="in" filter="fade">
+                                      <p:cBhvr>
+                                        <p:cTn id="42" dur="500"/>
+                                        <p:tgtEl>
+                                          <p:spTgt spid="8">
+                                            <p:txEl>
+                                              <p:pRg st="4" end="4"/>
+                                            </p:txEl>
+                                          </p:spTgt>
+                                        </p:tgtEl>
+                                      </p:cBhvr>
+                                    </p:animEffect>
+                                  </p:childTnLst>
+                                </p:cTn>
+                              </p:par>
+                            </p:childTnLst>
+                          </p:cTn>
+                        </p:par>
+                      </p:childTnLst>
+                    </p:cTn>
+                  </p:par>
+                  <p:par>
+                    <p:cTn id="43" fill="hold">
+                      <p:stCondLst>
+                        <p:cond delay="indefinite"/>
+                      </p:stCondLst>
+                      <p:childTnLst>
+                        <p:par>
+                          <p:cTn id="44" fill="hold">
+                            <p:stCondLst>
+                              <p:cond delay="0"/>
+                            </p:stCondLst>
+                            <p:childTnLst>
+                              <p:par>
+                                <p:cTn id="45" presetID="53" presetClass="entr" presetSubtype="16" fill="hold" grpId="0" nodeType="clickEffect">
+                                  <p:stCondLst>
+                                    <p:cond delay="0"/>
+                                  </p:stCondLst>
+                                  <p:childTnLst>
+                                    <p:set>
+                                      <p:cBhvr>
+                                        <p:cTn id="46" dur="1" fill="hold">
+                                          <p:stCondLst>
+                                            <p:cond delay="0"/>
+                                          </p:stCondLst>
+                                        </p:cTn>
+                                        <p:tgtEl>
+                                          <p:spTgt spid="8">
+                                            <p:txEl>
+                                              <p:pRg st="5" end="5"/>
+                                            </p:txEl>
+                                          </p:spTgt>
+                                        </p:tgtEl>
+                                        <p:attrNameLst>
+                                          <p:attrName>style.visibility</p:attrName>
+                                        </p:attrNameLst>
+                                      </p:cBhvr>
+                                      <p:to>
+                                        <p:strVal val="visible"/>
+                                      </p:to>
+                                    </p:set>
+                                    <p:anim calcmode="lin" valueType="num">
+                                      <p:cBhvr>
+                                        <p:cTn id="47" dur="500" fill="hold"/>
+                                        <p:tgtEl>
+                                          <p:spTgt spid="8">
+                                            <p:txEl>
+                                              <p:pRg st="5" end="5"/>
+                                            </p:txEl>
+                                          </p:spTgt>
+                                        </p:tgtEl>
+                                        <p:attrNameLst>
+                                          <p:attrName>ppt_w</p:attrName>
+                                        </p:attrNameLst>
+                                      </p:cBhvr>
+                                      <p:tavLst>
+                                        <p:tav tm="0">
+                                          <p:val>
+                                            <p:fltVal val="0"/>
+                                          </p:val>
+                                        </p:tav>
+                                        <p:tav tm="100000">
+                                          <p:val>
+                                            <p:strVal val="#ppt_w"/>
+                                          </p:val>
+                                        </p:tav>
+                                      </p:tavLst>
+                                    </p:anim>
+                                    <p:anim calcmode="lin" valueType="num">
+                                      <p:cBhvr>
+                                        <p:cTn id="48" dur="500" fill="hold"/>
+                                        <p:tgtEl>
+                                          <p:spTgt spid="8">
+                                            <p:txEl>
+                                              <p:pRg st="5" end="5"/>
+                                            </p:txEl>
+                                          </p:spTgt>
+                                        </p:tgtEl>
+                                        <p:attrNameLst>
+                                          <p:attrName>ppt_h</p:attrName>
+                                        </p:attrNameLst>
+                                      </p:cBhvr>
+                                      <p:tavLst>
+                                        <p:tav tm="0">
+                                          <p:val>
+                                            <p:fltVal val="0"/>
+                                          </p:val>
+                                        </p:tav>
+                                        <p:tav tm="100000">
+                                          <p:val>
+                                            <p:strVal val="#ppt_h"/>
+                                          </p:val>
+                                        </p:tav>
+                                      </p:tavLst>
+                                    </p:anim>
+                                    <p:animEffect transition="in" filter="fade">
+                                      <p:cBhvr>
+                                        <p:cTn id="49" dur="500"/>
+                                        <p:tgtEl>
+                                          <p:spTgt spid="8">
+                                            <p:txEl>
+                                              <p:pRg st="5" end="5"/>
+                                            </p:txEl>
+                                          </p:spTgt>
+                                        </p:tgtEl>
+                                      </p:cBhvr>
+                                    </p:animEffect>
+                                  </p:childTnLst>
+                                </p:cTn>
+                              </p:par>
+                            </p:childTnLst>
+                          </p:cTn>
+                        </p:par>
+                      </p:childTnLst>
+                    </p:cTn>
+                  </p:par>
+                </p:childTnLst>
+              </p:cTn>
+              <p:prevCondLst>
+                <p:cond evt="onPrev" delay="0">
+                  <p:tgtEl>
+                    <p:sldTgt/>
+                  </p:tgtEl>
+                </p:cond>
+              </p:prevCondLst>
+              <p:nextCondLst>
+                <p:cond evt="onNext" delay="0">
+                  <p:tgtEl>
+                    <p:sldTgt/>
+                  </p:tgtEl>
+                </p:cond>
+              </p:nextCondLst>
+            </p:seq>
+          </p:childTnLst>
+        </p:cTn>
+      </p:par>
+    </p:tnLst>
+    <p:bldLst>
+      <p:bldP spid="2" grpId="0"/>
+      <p:bldP spid="8" grpId="0" build="p"/>
+    </p:bldLst>
+  </p:timing>
 </p:sld>
 </file>
 
@@ -8293,8 +11353,16 @@
           <a:lstStyle/>
           <a:p>
             <a:r>
-              <a:rPr lang="it-IT" sz="4000"/>
-              <a:t>Description of the dataset: Structure</a:t>
+              <a:rPr lang="it-IT" sz="4000" dirty="0" err="1"/>
+              <a:t>Description</a:t>
+            </a:r>
+            <a:r>
+              <a:rPr lang="it-IT" sz="4000" dirty="0"/>
+              <a:t> of the dataset: </a:t>
+            </a:r>
+            <a:r>
+              <a:rPr lang="it-IT" sz="4000" dirty="0" err="1"/>
+              <a:t>Structure</a:t>
             </a:r>
             <a:endParaRPr lang="it-IT" sz="4000" dirty="0"/>
           </a:p>
@@ -8676,6 +11744,967 @@
   <p:clrMapOvr>
     <a:masterClrMapping/>
   </p:clrMapOvr>
+  <mc:AlternateContent xmlns:mc="http://schemas.openxmlformats.org/markup-compatibility/2006">
+    <mc:Choice xmlns:p14="http://schemas.microsoft.com/office/powerpoint/2010/main" Requires="p14">
+      <p:transition spd="slow" p14:dur="800">
+        <p:circle/>
+      </p:transition>
+    </mc:Choice>
+    <mc:Fallback>
+      <p:transition spd="slow">
+        <p:circle/>
+      </p:transition>
+    </mc:Fallback>
+  </mc:AlternateContent>
+  <p:timing>
+    <p:tnLst>
+      <p:par>
+        <p:cTn id="1" dur="indefinite" restart="never" nodeType="tmRoot">
+          <p:childTnLst>
+            <p:seq concurrent="1" nextAc="seek">
+              <p:cTn id="2" dur="indefinite" nodeType="mainSeq">
+                <p:childTnLst>
+                  <p:par>
+                    <p:cTn id="3" fill="hold">
+                      <p:stCondLst>
+                        <p:cond delay="indefinite"/>
+                      </p:stCondLst>
+                      <p:childTnLst>
+                        <p:par>
+                          <p:cTn id="4" fill="hold">
+                            <p:stCondLst>
+                              <p:cond delay="0"/>
+                            </p:stCondLst>
+                            <p:childTnLst>
+                              <p:par>
+                                <p:cTn id="5" presetID="26" presetClass="entr" presetSubtype="0" fill="hold" grpId="0" nodeType="clickEffect">
+                                  <p:stCondLst>
+                                    <p:cond delay="0"/>
+                                  </p:stCondLst>
+                                  <p:childTnLst>
+                                    <p:set>
+                                      <p:cBhvr>
+                                        <p:cTn id="6" dur="1" fill="hold">
+                                          <p:stCondLst>
+                                            <p:cond delay="0"/>
+                                          </p:stCondLst>
+                                        </p:cTn>
+                                        <p:tgtEl>
+                                          <p:spTgt spid="2"/>
+                                        </p:tgtEl>
+                                        <p:attrNameLst>
+                                          <p:attrName>style.visibility</p:attrName>
+                                        </p:attrNameLst>
+                                      </p:cBhvr>
+                                      <p:to>
+                                        <p:strVal val="visible"/>
+                                      </p:to>
+                                    </p:set>
+                                    <p:animEffect transition="in" filter="wipe(down)">
+                                      <p:cBhvr>
+                                        <p:cTn id="7" dur="580">
+                                          <p:stCondLst>
+                                            <p:cond delay="0"/>
+                                          </p:stCondLst>
+                                        </p:cTn>
+                                        <p:tgtEl>
+                                          <p:spTgt spid="2"/>
+                                        </p:tgtEl>
+                                      </p:cBhvr>
+                                    </p:animEffect>
+                                    <p:anim calcmode="lin" valueType="num">
+                                      <p:cBhvr>
+                                        <p:cTn id="8" dur="1822" tmFilter="0,0; 0.14,0.36; 0.43,0.73; 0.71,0.91; 1.0,1.0">
+                                          <p:stCondLst>
+                                            <p:cond delay="0"/>
+                                          </p:stCondLst>
+                                        </p:cTn>
+                                        <p:tgtEl>
+                                          <p:spTgt spid="2"/>
+                                        </p:tgtEl>
+                                        <p:attrNameLst>
+                                          <p:attrName>ppt_x</p:attrName>
+                                        </p:attrNameLst>
+                                      </p:cBhvr>
+                                      <p:tavLst>
+                                        <p:tav tm="0">
+                                          <p:val>
+                                            <p:strVal val="#ppt_x-0.25"/>
+                                          </p:val>
+                                        </p:tav>
+                                        <p:tav tm="100000">
+                                          <p:val>
+                                            <p:strVal val="#ppt_x"/>
+                                          </p:val>
+                                        </p:tav>
+                                      </p:tavLst>
+                                    </p:anim>
+                                    <p:anim calcmode="lin" valueType="num">
+                                      <p:cBhvr>
+                                        <p:cTn id="9" dur="664" tmFilter="0.0,0.0; 0.25,0.07; 0.50,0.2; 0.75,0.467; 1.0,1.0">
+                                          <p:stCondLst>
+                                            <p:cond delay="0"/>
+                                          </p:stCondLst>
+                                        </p:cTn>
+                                        <p:tgtEl>
+                                          <p:spTgt spid="2"/>
+                                        </p:tgtEl>
+                                        <p:attrNameLst>
+                                          <p:attrName>ppt_y</p:attrName>
+                                        </p:attrNameLst>
+                                      </p:cBhvr>
+                                      <p:tavLst>
+                                        <p:tav tm="0" fmla="#ppt_y-sin(pi*$)/3">
+                                          <p:val>
+                                            <p:fltVal val="0.5"/>
+                                          </p:val>
+                                        </p:tav>
+                                        <p:tav tm="100000">
+                                          <p:val>
+                                            <p:fltVal val="1"/>
+                                          </p:val>
+                                        </p:tav>
+                                      </p:tavLst>
+                                    </p:anim>
+                                    <p:anim calcmode="lin" valueType="num">
+                                      <p:cBhvr>
+                                        <p:cTn id="10" dur="664" tmFilter="0, 0; 0.125,0.2665; 0.25,0.4; 0.375,0.465; 0.5,0.5;  0.625,0.535; 0.75,0.6; 0.875,0.7335; 1,1">
+                                          <p:stCondLst>
+                                            <p:cond delay="664"/>
+                                          </p:stCondLst>
+                                        </p:cTn>
+                                        <p:tgtEl>
+                                          <p:spTgt spid="2"/>
+                                        </p:tgtEl>
+                                        <p:attrNameLst>
+                                          <p:attrName>ppt_y</p:attrName>
+                                        </p:attrNameLst>
+                                      </p:cBhvr>
+                                      <p:tavLst>
+                                        <p:tav tm="0" fmla="#ppt_y-sin(pi*$)/9">
+                                          <p:val>
+                                            <p:fltVal val="0"/>
+                                          </p:val>
+                                        </p:tav>
+                                        <p:tav tm="100000">
+                                          <p:val>
+                                            <p:fltVal val="1"/>
+                                          </p:val>
+                                        </p:tav>
+                                      </p:tavLst>
+                                    </p:anim>
+                                    <p:anim calcmode="lin" valueType="num">
+                                      <p:cBhvr>
+                                        <p:cTn id="11" dur="332" tmFilter="0, 0; 0.125,0.2665; 0.25,0.4; 0.375,0.465; 0.5,0.5;  0.625,0.535; 0.75,0.6; 0.875,0.7335; 1,1">
+                                          <p:stCondLst>
+                                            <p:cond delay="1324"/>
+                                          </p:stCondLst>
+                                        </p:cTn>
+                                        <p:tgtEl>
+                                          <p:spTgt spid="2"/>
+                                        </p:tgtEl>
+                                        <p:attrNameLst>
+                                          <p:attrName>ppt_y</p:attrName>
+                                        </p:attrNameLst>
+                                      </p:cBhvr>
+                                      <p:tavLst>
+                                        <p:tav tm="0" fmla="#ppt_y-sin(pi*$)/27">
+                                          <p:val>
+                                            <p:fltVal val="0"/>
+                                          </p:val>
+                                        </p:tav>
+                                        <p:tav tm="100000">
+                                          <p:val>
+                                            <p:fltVal val="1"/>
+                                          </p:val>
+                                        </p:tav>
+                                      </p:tavLst>
+                                    </p:anim>
+                                    <p:anim calcmode="lin" valueType="num">
+                                      <p:cBhvr>
+                                        <p:cTn id="12" dur="164" tmFilter="0, 0; 0.125,0.2665; 0.25,0.4; 0.375,0.465; 0.5,0.5;  0.625,0.535; 0.75,0.6; 0.875,0.7335; 1,1">
+                                          <p:stCondLst>
+                                            <p:cond delay="1656"/>
+                                          </p:stCondLst>
+                                        </p:cTn>
+                                        <p:tgtEl>
+                                          <p:spTgt spid="2"/>
+                                        </p:tgtEl>
+                                        <p:attrNameLst>
+                                          <p:attrName>ppt_y</p:attrName>
+                                        </p:attrNameLst>
+                                      </p:cBhvr>
+                                      <p:tavLst>
+                                        <p:tav tm="0" fmla="#ppt_y-sin(pi*$)/81">
+                                          <p:val>
+                                            <p:fltVal val="0"/>
+                                          </p:val>
+                                        </p:tav>
+                                        <p:tav tm="100000">
+                                          <p:val>
+                                            <p:fltVal val="1"/>
+                                          </p:val>
+                                        </p:tav>
+                                      </p:tavLst>
+                                    </p:anim>
+                                    <p:animScale>
+                                      <p:cBhvr>
+                                        <p:cTn id="13" dur="26">
+                                          <p:stCondLst>
+                                            <p:cond delay="650"/>
+                                          </p:stCondLst>
+                                        </p:cTn>
+                                        <p:tgtEl>
+                                          <p:spTgt spid="2"/>
+                                        </p:tgtEl>
+                                      </p:cBhvr>
+                                      <p:to x="100000" y="60000"/>
+                                    </p:animScale>
+                                    <p:animScale>
+                                      <p:cBhvr>
+                                        <p:cTn id="14" dur="166" decel="50000">
+                                          <p:stCondLst>
+                                            <p:cond delay="676"/>
+                                          </p:stCondLst>
+                                        </p:cTn>
+                                        <p:tgtEl>
+                                          <p:spTgt spid="2"/>
+                                        </p:tgtEl>
+                                      </p:cBhvr>
+                                      <p:to x="100000" y="100000"/>
+                                    </p:animScale>
+                                    <p:animScale>
+                                      <p:cBhvr>
+                                        <p:cTn id="15" dur="26">
+                                          <p:stCondLst>
+                                            <p:cond delay="1312"/>
+                                          </p:stCondLst>
+                                        </p:cTn>
+                                        <p:tgtEl>
+                                          <p:spTgt spid="2"/>
+                                        </p:tgtEl>
+                                      </p:cBhvr>
+                                      <p:to x="100000" y="80000"/>
+                                    </p:animScale>
+                                    <p:animScale>
+                                      <p:cBhvr>
+                                        <p:cTn id="16" dur="166" decel="50000">
+                                          <p:stCondLst>
+                                            <p:cond delay="1338"/>
+                                          </p:stCondLst>
+                                        </p:cTn>
+                                        <p:tgtEl>
+                                          <p:spTgt spid="2"/>
+                                        </p:tgtEl>
+                                      </p:cBhvr>
+                                      <p:to x="100000" y="100000"/>
+                                    </p:animScale>
+                                    <p:animScale>
+                                      <p:cBhvr>
+                                        <p:cTn id="17" dur="26">
+                                          <p:stCondLst>
+                                            <p:cond delay="1642"/>
+                                          </p:stCondLst>
+                                        </p:cTn>
+                                        <p:tgtEl>
+                                          <p:spTgt spid="2"/>
+                                        </p:tgtEl>
+                                      </p:cBhvr>
+                                      <p:to x="100000" y="90000"/>
+                                    </p:animScale>
+                                    <p:animScale>
+                                      <p:cBhvr>
+                                        <p:cTn id="18" dur="166" decel="50000">
+                                          <p:stCondLst>
+                                            <p:cond delay="1668"/>
+                                          </p:stCondLst>
+                                        </p:cTn>
+                                        <p:tgtEl>
+                                          <p:spTgt spid="2"/>
+                                        </p:tgtEl>
+                                      </p:cBhvr>
+                                      <p:to x="100000" y="100000"/>
+                                    </p:animScale>
+                                    <p:animScale>
+                                      <p:cBhvr>
+                                        <p:cTn id="19" dur="26">
+                                          <p:stCondLst>
+                                            <p:cond delay="1808"/>
+                                          </p:stCondLst>
+                                        </p:cTn>
+                                        <p:tgtEl>
+                                          <p:spTgt spid="2"/>
+                                        </p:tgtEl>
+                                      </p:cBhvr>
+                                      <p:to x="100000" y="95000"/>
+                                    </p:animScale>
+                                    <p:animScale>
+                                      <p:cBhvr>
+                                        <p:cTn id="20" dur="166" decel="50000">
+                                          <p:stCondLst>
+                                            <p:cond delay="1834"/>
+                                          </p:stCondLst>
+                                        </p:cTn>
+                                        <p:tgtEl>
+                                          <p:spTgt spid="2"/>
+                                        </p:tgtEl>
+                                      </p:cBhvr>
+                                      <p:to x="100000" y="100000"/>
+                                    </p:animScale>
+                                  </p:childTnLst>
+                                </p:cTn>
+                              </p:par>
+                            </p:childTnLst>
+                          </p:cTn>
+                        </p:par>
+                      </p:childTnLst>
+                    </p:cTn>
+                  </p:par>
+                  <p:par>
+                    <p:cTn id="21" fill="hold">
+                      <p:stCondLst>
+                        <p:cond delay="indefinite"/>
+                      </p:stCondLst>
+                      <p:childTnLst>
+                        <p:par>
+                          <p:cTn id="22" fill="hold">
+                            <p:stCondLst>
+                              <p:cond delay="0"/>
+                            </p:stCondLst>
+                            <p:childTnLst>
+                              <p:par>
+                                <p:cTn id="23" presetID="53" presetClass="entr" presetSubtype="16" fill="hold" grpId="0" nodeType="clickEffect">
+                                  <p:stCondLst>
+                                    <p:cond delay="0"/>
+                                  </p:stCondLst>
+                                  <p:childTnLst>
+                                    <p:set>
+                                      <p:cBhvr>
+                                        <p:cTn id="24" dur="1" fill="hold">
+                                          <p:stCondLst>
+                                            <p:cond delay="0"/>
+                                          </p:stCondLst>
+                                        </p:cTn>
+                                        <p:tgtEl>
+                                          <p:spTgt spid="8">
+                                            <p:txEl>
+                                              <p:pRg st="0" end="0"/>
+                                            </p:txEl>
+                                          </p:spTgt>
+                                        </p:tgtEl>
+                                        <p:attrNameLst>
+                                          <p:attrName>style.visibility</p:attrName>
+                                        </p:attrNameLst>
+                                      </p:cBhvr>
+                                      <p:to>
+                                        <p:strVal val="visible"/>
+                                      </p:to>
+                                    </p:set>
+                                    <p:anim calcmode="lin" valueType="num">
+                                      <p:cBhvr>
+                                        <p:cTn id="25" dur="500" fill="hold"/>
+                                        <p:tgtEl>
+                                          <p:spTgt spid="8">
+                                            <p:txEl>
+                                              <p:pRg st="0" end="0"/>
+                                            </p:txEl>
+                                          </p:spTgt>
+                                        </p:tgtEl>
+                                        <p:attrNameLst>
+                                          <p:attrName>ppt_w</p:attrName>
+                                        </p:attrNameLst>
+                                      </p:cBhvr>
+                                      <p:tavLst>
+                                        <p:tav tm="0">
+                                          <p:val>
+                                            <p:fltVal val="0"/>
+                                          </p:val>
+                                        </p:tav>
+                                        <p:tav tm="100000">
+                                          <p:val>
+                                            <p:strVal val="#ppt_w"/>
+                                          </p:val>
+                                        </p:tav>
+                                      </p:tavLst>
+                                    </p:anim>
+                                    <p:anim calcmode="lin" valueType="num">
+                                      <p:cBhvr>
+                                        <p:cTn id="26" dur="500" fill="hold"/>
+                                        <p:tgtEl>
+                                          <p:spTgt spid="8">
+                                            <p:txEl>
+                                              <p:pRg st="0" end="0"/>
+                                            </p:txEl>
+                                          </p:spTgt>
+                                        </p:tgtEl>
+                                        <p:attrNameLst>
+                                          <p:attrName>ppt_h</p:attrName>
+                                        </p:attrNameLst>
+                                      </p:cBhvr>
+                                      <p:tavLst>
+                                        <p:tav tm="0">
+                                          <p:val>
+                                            <p:fltVal val="0"/>
+                                          </p:val>
+                                        </p:tav>
+                                        <p:tav tm="100000">
+                                          <p:val>
+                                            <p:strVal val="#ppt_h"/>
+                                          </p:val>
+                                        </p:tav>
+                                      </p:tavLst>
+                                    </p:anim>
+                                    <p:animEffect transition="in" filter="fade">
+                                      <p:cBhvr>
+                                        <p:cTn id="27" dur="500"/>
+                                        <p:tgtEl>
+                                          <p:spTgt spid="8">
+                                            <p:txEl>
+                                              <p:pRg st="0" end="0"/>
+                                            </p:txEl>
+                                          </p:spTgt>
+                                        </p:tgtEl>
+                                      </p:cBhvr>
+                                    </p:animEffect>
+                                  </p:childTnLst>
+                                </p:cTn>
+                              </p:par>
+                            </p:childTnLst>
+                          </p:cTn>
+                        </p:par>
+                      </p:childTnLst>
+                    </p:cTn>
+                  </p:par>
+                  <p:par>
+                    <p:cTn id="28" fill="hold">
+                      <p:stCondLst>
+                        <p:cond delay="indefinite"/>
+                      </p:stCondLst>
+                      <p:childTnLst>
+                        <p:par>
+                          <p:cTn id="29" fill="hold">
+                            <p:stCondLst>
+                              <p:cond delay="0"/>
+                            </p:stCondLst>
+                            <p:childTnLst>
+                              <p:par>
+                                <p:cTn id="30" presetID="53" presetClass="entr" presetSubtype="16" fill="hold" grpId="0" nodeType="clickEffect">
+                                  <p:stCondLst>
+                                    <p:cond delay="0"/>
+                                  </p:stCondLst>
+                                  <p:childTnLst>
+                                    <p:set>
+                                      <p:cBhvr>
+                                        <p:cTn id="31" dur="1" fill="hold">
+                                          <p:stCondLst>
+                                            <p:cond delay="0"/>
+                                          </p:stCondLst>
+                                        </p:cTn>
+                                        <p:tgtEl>
+                                          <p:spTgt spid="8">
+                                            <p:txEl>
+                                              <p:pRg st="1" end="1"/>
+                                            </p:txEl>
+                                          </p:spTgt>
+                                        </p:tgtEl>
+                                        <p:attrNameLst>
+                                          <p:attrName>style.visibility</p:attrName>
+                                        </p:attrNameLst>
+                                      </p:cBhvr>
+                                      <p:to>
+                                        <p:strVal val="visible"/>
+                                      </p:to>
+                                    </p:set>
+                                    <p:anim calcmode="lin" valueType="num">
+                                      <p:cBhvr>
+                                        <p:cTn id="32" dur="500" fill="hold"/>
+                                        <p:tgtEl>
+                                          <p:spTgt spid="8">
+                                            <p:txEl>
+                                              <p:pRg st="1" end="1"/>
+                                            </p:txEl>
+                                          </p:spTgt>
+                                        </p:tgtEl>
+                                        <p:attrNameLst>
+                                          <p:attrName>ppt_w</p:attrName>
+                                        </p:attrNameLst>
+                                      </p:cBhvr>
+                                      <p:tavLst>
+                                        <p:tav tm="0">
+                                          <p:val>
+                                            <p:fltVal val="0"/>
+                                          </p:val>
+                                        </p:tav>
+                                        <p:tav tm="100000">
+                                          <p:val>
+                                            <p:strVal val="#ppt_w"/>
+                                          </p:val>
+                                        </p:tav>
+                                      </p:tavLst>
+                                    </p:anim>
+                                    <p:anim calcmode="lin" valueType="num">
+                                      <p:cBhvr>
+                                        <p:cTn id="33" dur="500" fill="hold"/>
+                                        <p:tgtEl>
+                                          <p:spTgt spid="8">
+                                            <p:txEl>
+                                              <p:pRg st="1" end="1"/>
+                                            </p:txEl>
+                                          </p:spTgt>
+                                        </p:tgtEl>
+                                        <p:attrNameLst>
+                                          <p:attrName>ppt_h</p:attrName>
+                                        </p:attrNameLst>
+                                      </p:cBhvr>
+                                      <p:tavLst>
+                                        <p:tav tm="0">
+                                          <p:val>
+                                            <p:fltVal val="0"/>
+                                          </p:val>
+                                        </p:tav>
+                                        <p:tav tm="100000">
+                                          <p:val>
+                                            <p:strVal val="#ppt_h"/>
+                                          </p:val>
+                                        </p:tav>
+                                      </p:tavLst>
+                                    </p:anim>
+                                    <p:animEffect transition="in" filter="fade">
+                                      <p:cBhvr>
+                                        <p:cTn id="34" dur="500"/>
+                                        <p:tgtEl>
+                                          <p:spTgt spid="8">
+                                            <p:txEl>
+                                              <p:pRg st="1" end="1"/>
+                                            </p:txEl>
+                                          </p:spTgt>
+                                        </p:tgtEl>
+                                      </p:cBhvr>
+                                    </p:animEffect>
+                                  </p:childTnLst>
+                                </p:cTn>
+                              </p:par>
+                            </p:childTnLst>
+                          </p:cTn>
+                        </p:par>
+                      </p:childTnLst>
+                    </p:cTn>
+                  </p:par>
+                  <p:par>
+                    <p:cTn id="35" fill="hold">
+                      <p:stCondLst>
+                        <p:cond delay="indefinite"/>
+                      </p:stCondLst>
+                      <p:childTnLst>
+                        <p:par>
+                          <p:cTn id="36" fill="hold">
+                            <p:stCondLst>
+                              <p:cond delay="0"/>
+                            </p:stCondLst>
+                            <p:childTnLst>
+                              <p:par>
+                                <p:cTn id="37" presetID="53" presetClass="entr" presetSubtype="16" fill="hold" grpId="0" nodeType="clickEffect">
+                                  <p:stCondLst>
+                                    <p:cond delay="0"/>
+                                  </p:stCondLst>
+                                  <p:childTnLst>
+                                    <p:set>
+                                      <p:cBhvr>
+                                        <p:cTn id="38" dur="1" fill="hold">
+                                          <p:stCondLst>
+                                            <p:cond delay="0"/>
+                                          </p:stCondLst>
+                                        </p:cTn>
+                                        <p:tgtEl>
+                                          <p:spTgt spid="8">
+                                            <p:txEl>
+                                              <p:pRg st="2" end="2"/>
+                                            </p:txEl>
+                                          </p:spTgt>
+                                        </p:tgtEl>
+                                        <p:attrNameLst>
+                                          <p:attrName>style.visibility</p:attrName>
+                                        </p:attrNameLst>
+                                      </p:cBhvr>
+                                      <p:to>
+                                        <p:strVal val="visible"/>
+                                      </p:to>
+                                    </p:set>
+                                    <p:anim calcmode="lin" valueType="num">
+                                      <p:cBhvr>
+                                        <p:cTn id="39" dur="500" fill="hold"/>
+                                        <p:tgtEl>
+                                          <p:spTgt spid="8">
+                                            <p:txEl>
+                                              <p:pRg st="2" end="2"/>
+                                            </p:txEl>
+                                          </p:spTgt>
+                                        </p:tgtEl>
+                                        <p:attrNameLst>
+                                          <p:attrName>ppt_w</p:attrName>
+                                        </p:attrNameLst>
+                                      </p:cBhvr>
+                                      <p:tavLst>
+                                        <p:tav tm="0">
+                                          <p:val>
+                                            <p:fltVal val="0"/>
+                                          </p:val>
+                                        </p:tav>
+                                        <p:tav tm="100000">
+                                          <p:val>
+                                            <p:strVal val="#ppt_w"/>
+                                          </p:val>
+                                        </p:tav>
+                                      </p:tavLst>
+                                    </p:anim>
+                                    <p:anim calcmode="lin" valueType="num">
+                                      <p:cBhvr>
+                                        <p:cTn id="40" dur="500" fill="hold"/>
+                                        <p:tgtEl>
+                                          <p:spTgt spid="8">
+                                            <p:txEl>
+                                              <p:pRg st="2" end="2"/>
+                                            </p:txEl>
+                                          </p:spTgt>
+                                        </p:tgtEl>
+                                        <p:attrNameLst>
+                                          <p:attrName>ppt_h</p:attrName>
+                                        </p:attrNameLst>
+                                      </p:cBhvr>
+                                      <p:tavLst>
+                                        <p:tav tm="0">
+                                          <p:val>
+                                            <p:fltVal val="0"/>
+                                          </p:val>
+                                        </p:tav>
+                                        <p:tav tm="100000">
+                                          <p:val>
+                                            <p:strVal val="#ppt_h"/>
+                                          </p:val>
+                                        </p:tav>
+                                      </p:tavLst>
+                                    </p:anim>
+                                    <p:animEffect transition="in" filter="fade">
+                                      <p:cBhvr>
+                                        <p:cTn id="41" dur="500"/>
+                                        <p:tgtEl>
+                                          <p:spTgt spid="8">
+                                            <p:txEl>
+                                              <p:pRg st="2" end="2"/>
+                                            </p:txEl>
+                                          </p:spTgt>
+                                        </p:tgtEl>
+                                      </p:cBhvr>
+                                    </p:animEffect>
+                                  </p:childTnLst>
+                                </p:cTn>
+                              </p:par>
+                            </p:childTnLst>
+                          </p:cTn>
+                        </p:par>
+                      </p:childTnLst>
+                    </p:cTn>
+                  </p:par>
+                  <p:par>
+                    <p:cTn id="42" fill="hold">
+                      <p:stCondLst>
+                        <p:cond delay="indefinite"/>
+                      </p:stCondLst>
+                      <p:childTnLst>
+                        <p:par>
+                          <p:cTn id="43" fill="hold">
+                            <p:stCondLst>
+                              <p:cond delay="0"/>
+                            </p:stCondLst>
+                            <p:childTnLst>
+                              <p:par>
+                                <p:cTn id="44" presetID="53" presetClass="entr" presetSubtype="16" fill="hold" grpId="0" nodeType="clickEffect">
+                                  <p:stCondLst>
+                                    <p:cond delay="0"/>
+                                  </p:stCondLst>
+                                  <p:childTnLst>
+                                    <p:set>
+                                      <p:cBhvr>
+                                        <p:cTn id="45" dur="1" fill="hold">
+                                          <p:stCondLst>
+                                            <p:cond delay="0"/>
+                                          </p:stCondLst>
+                                        </p:cTn>
+                                        <p:tgtEl>
+                                          <p:spTgt spid="8">
+                                            <p:txEl>
+                                              <p:pRg st="3" end="3"/>
+                                            </p:txEl>
+                                          </p:spTgt>
+                                        </p:tgtEl>
+                                        <p:attrNameLst>
+                                          <p:attrName>style.visibility</p:attrName>
+                                        </p:attrNameLst>
+                                      </p:cBhvr>
+                                      <p:to>
+                                        <p:strVal val="visible"/>
+                                      </p:to>
+                                    </p:set>
+                                    <p:anim calcmode="lin" valueType="num">
+                                      <p:cBhvr>
+                                        <p:cTn id="46" dur="500" fill="hold"/>
+                                        <p:tgtEl>
+                                          <p:spTgt spid="8">
+                                            <p:txEl>
+                                              <p:pRg st="3" end="3"/>
+                                            </p:txEl>
+                                          </p:spTgt>
+                                        </p:tgtEl>
+                                        <p:attrNameLst>
+                                          <p:attrName>ppt_w</p:attrName>
+                                        </p:attrNameLst>
+                                      </p:cBhvr>
+                                      <p:tavLst>
+                                        <p:tav tm="0">
+                                          <p:val>
+                                            <p:fltVal val="0"/>
+                                          </p:val>
+                                        </p:tav>
+                                        <p:tav tm="100000">
+                                          <p:val>
+                                            <p:strVal val="#ppt_w"/>
+                                          </p:val>
+                                        </p:tav>
+                                      </p:tavLst>
+                                    </p:anim>
+                                    <p:anim calcmode="lin" valueType="num">
+                                      <p:cBhvr>
+                                        <p:cTn id="47" dur="500" fill="hold"/>
+                                        <p:tgtEl>
+                                          <p:spTgt spid="8">
+                                            <p:txEl>
+                                              <p:pRg st="3" end="3"/>
+                                            </p:txEl>
+                                          </p:spTgt>
+                                        </p:tgtEl>
+                                        <p:attrNameLst>
+                                          <p:attrName>ppt_h</p:attrName>
+                                        </p:attrNameLst>
+                                      </p:cBhvr>
+                                      <p:tavLst>
+                                        <p:tav tm="0">
+                                          <p:val>
+                                            <p:fltVal val="0"/>
+                                          </p:val>
+                                        </p:tav>
+                                        <p:tav tm="100000">
+                                          <p:val>
+                                            <p:strVal val="#ppt_h"/>
+                                          </p:val>
+                                        </p:tav>
+                                      </p:tavLst>
+                                    </p:anim>
+                                    <p:animEffect transition="in" filter="fade">
+                                      <p:cBhvr>
+                                        <p:cTn id="48" dur="500"/>
+                                        <p:tgtEl>
+                                          <p:spTgt spid="8">
+                                            <p:txEl>
+                                              <p:pRg st="3" end="3"/>
+                                            </p:txEl>
+                                          </p:spTgt>
+                                        </p:tgtEl>
+                                      </p:cBhvr>
+                                    </p:animEffect>
+                                  </p:childTnLst>
+                                </p:cTn>
+                              </p:par>
+                            </p:childTnLst>
+                          </p:cTn>
+                        </p:par>
+                      </p:childTnLst>
+                    </p:cTn>
+                  </p:par>
+                  <p:par>
+                    <p:cTn id="49" fill="hold">
+                      <p:stCondLst>
+                        <p:cond delay="indefinite"/>
+                      </p:stCondLst>
+                      <p:childTnLst>
+                        <p:par>
+                          <p:cTn id="50" fill="hold">
+                            <p:stCondLst>
+                              <p:cond delay="0"/>
+                            </p:stCondLst>
+                            <p:childTnLst>
+                              <p:par>
+                                <p:cTn id="51" presetID="22" presetClass="entr" presetSubtype="4" fill="hold" nodeType="clickEffect">
+                                  <p:stCondLst>
+                                    <p:cond delay="0"/>
+                                  </p:stCondLst>
+                                  <p:childTnLst>
+                                    <p:set>
+                                      <p:cBhvr>
+                                        <p:cTn id="52" dur="1" fill="hold">
+                                          <p:stCondLst>
+                                            <p:cond delay="0"/>
+                                          </p:stCondLst>
+                                        </p:cTn>
+                                        <p:tgtEl>
+                                          <p:spTgt spid="13"/>
+                                        </p:tgtEl>
+                                        <p:attrNameLst>
+                                          <p:attrName>style.visibility</p:attrName>
+                                        </p:attrNameLst>
+                                      </p:cBhvr>
+                                      <p:to>
+                                        <p:strVal val="visible"/>
+                                      </p:to>
+                                    </p:set>
+                                    <p:animEffect transition="in" filter="wipe(down)">
+                                      <p:cBhvr>
+                                        <p:cTn id="53" dur="500"/>
+                                        <p:tgtEl>
+                                          <p:spTgt spid="13"/>
+                                        </p:tgtEl>
+                                      </p:cBhvr>
+                                    </p:animEffect>
+                                  </p:childTnLst>
+                                </p:cTn>
+                              </p:par>
+                            </p:childTnLst>
+                          </p:cTn>
+                        </p:par>
+                      </p:childTnLst>
+                    </p:cTn>
+                  </p:par>
+                  <p:par>
+                    <p:cTn id="54" fill="hold">
+                      <p:stCondLst>
+                        <p:cond delay="indefinite"/>
+                      </p:stCondLst>
+                      <p:childTnLst>
+                        <p:par>
+                          <p:cTn id="55" fill="hold">
+                            <p:stCondLst>
+                              <p:cond delay="0"/>
+                            </p:stCondLst>
+                            <p:childTnLst>
+                              <p:par>
+                                <p:cTn id="56" presetID="16" presetClass="entr" presetSubtype="21" fill="hold" nodeType="clickEffect">
+                                  <p:stCondLst>
+                                    <p:cond delay="0"/>
+                                  </p:stCondLst>
+                                  <p:childTnLst>
+                                    <p:set>
+                                      <p:cBhvr>
+                                        <p:cTn id="57" dur="1" fill="hold">
+                                          <p:stCondLst>
+                                            <p:cond delay="0"/>
+                                          </p:stCondLst>
+                                        </p:cTn>
+                                        <p:tgtEl>
+                                          <p:spTgt spid="17"/>
+                                        </p:tgtEl>
+                                        <p:attrNameLst>
+                                          <p:attrName>style.visibility</p:attrName>
+                                        </p:attrNameLst>
+                                      </p:cBhvr>
+                                      <p:to>
+                                        <p:strVal val="visible"/>
+                                      </p:to>
+                                    </p:set>
+                                    <p:animEffect transition="in" filter="barn(inVertical)">
+                                      <p:cBhvr>
+                                        <p:cTn id="58" dur="500"/>
+                                        <p:tgtEl>
+                                          <p:spTgt spid="17"/>
+                                        </p:tgtEl>
+                                      </p:cBhvr>
+                                    </p:animEffect>
+                                  </p:childTnLst>
+                                </p:cTn>
+                              </p:par>
+                            </p:childTnLst>
+                          </p:cTn>
+                        </p:par>
+                      </p:childTnLst>
+                    </p:cTn>
+                  </p:par>
+                  <p:par>
+                    <p:cTn id="59" fill="hold">
+                      <p:stCondLst>
+                        <p:cond delay="indefinite"/>
+                      </p:stCondLst>
+                      <p:childTnLst>
+                        <p:par>
+                          <p:cTn id="60" fill="hold">
+                            <p:stCondLst>
+                              <p:cond delay="0"/>
+                            </p:stCondLst>
+                            <p:childTnLst>
+                              <p:par>
+                                <p:cTn id="61" presetID="6" presetClass="entr" presetSubtype="16" fill="hold" nodeType="clickEffect">
+                                  <p:stCondLst>
+                                    <p:cond delay="0"/>
+                                  </p:stCondLst>
+                                  <p:childTnLst>
+                                    <p:set>
+                                      <p:cBhvr>
+                                        <p:cTn id="62" dur="1" fill="hold">
+                                          <p:stCondLst>
+                                            <p:cond delay="0"/>
+                                          </p:stCondLst>
+                                        </p:cTn>
+                                        <p:tgtEl>
+                                          <p:spTgt spid="21"/>
+                                        </p:tgtEl>
+                                        <p:attrNameLst>
+                                          <p:attrName>style.visibility</p:attrName>
+                                        </p:attrNameLst>
+                                      </p:cBhvr>
+                                      <p:to>
+                                        <p:strVal val="visible"/>
+                                      </p:to>
+                                    </p:set>
+                                    <p:animEffect transition="in" filter="circle(in)">
+                                      <p:cBhvr>
+                                        <p:cTn id="63" dur="2000"/>
+                                        <p:tgtEl>
+                                          <p:spTgt spid="21"/>
+                                        </p:tgtEl>
+                                      </p:cBhvr>
+                                    </p:animEffect>
+                                  </p:childTnLst>
+                                </p:cTn>
+                              </p:par>
+                            </p:childTnLst>
+                          </p:cTn>
+                        </p:par>
+                      </p:childTnLst>
+                    </p:cTn>
+                  </p:par>
+                </p:childTnLst>
+              </p:cTn>
+              <p:prevCondLst>
+                <p:cond evt="onPrev" delay="0">
+                  <p:tgtEl>
+                    <p:sldTgt/>
+                  </p:tgtEl>
+                </p:cond>
+              </p:prevCondLst>
+              <p:nextCondLst>
+                <p:cond evt="onNext" delay="0">
+                  <p:tgtEl>
+                    <p:sldTgt/>
+                  </p:tgtEl>
+                </p:cond>
+              </p:nextCondLst>
+            </p:seq>
+          </p:childTnLst>
+        </p:cTn>
+      </p:par>
+    </p:tnLst>
+    <p:bldLst>
+      <p:bldP spid="2" grpId="0"/>
+      <p:bldP spid="8" grpId="0" build="p"/>
+    </p:bldLst>
+  </p:timing>
 </p:sld>
 </file>
 
@@ -9214,6 +13243,400 @@
   <p:clrMapOvr>
     <a:masterClrMapping/>
   </p:clrMapOvr>
+  <mc:AlternateContent xmlns:mc="http://schemas.openxmlformats.org/markup-compatibility/2006">
+    <mc:Choice xmlns:p15="http://schemas.microsoft.com/office/powerpoint/2012/main" Requires="p15">
+      <p:transition xmlns:p14="http://schemas.microsoft.com/office/powerpoint/2010/main" spd="slow" p14:dur="6000">
+        <p15:prstTrans prst="curtains"/>
+      </p:transition>
+    </mc:Choice>
+    <mc:Fallback>
+      <p:transition spd="slow">
+        <p:fade/>
+      </p:transition>
+    </mc:Fallback>
+  </mc:AlternateContent>
+  <p:timing>
+    <p:tnLst>
+      <p:par>
+        <p:cTn id="1" dur="indefinite" restart="never" nodeType="tmRoot">
+          <p:childTnLst>
+            <p:seq concurrent="1" nextAc="seek">
+              <p:cTn id="2" dur="indefinite" nodeType="mainSeq">
+                <p:childTnLst>
+                  <p:par>
+                    <p:cTn id="3" fill="hold">
+                      <p:stCondLst>
+                        <p:cond delay="indefinite"/>
+                      </p:stCondLst>
+                      <p:childTnLst>
+                        <p:par>
+                          <p:cTn id="4" fill="hold">
+                            <p:stCondLst>
+                              <p:cond delay="0"/>
+                            </p:stCondLst>
+                            <p:childTnLst>
+                              <p:par>
+                                <p:cTn id="5" presetID="26" presetClass="entr" presetSubtype="0" fill="hold" grpId="0" nodeType="clickEffect">
+                                  <p:stCondLst>
+                                    <p:cond delay="0"/>
+                                  </p:stCondLst>
+                                  <p:childTnLst>
+                                    <p:set>
+                                      <p:cBhvr>
+                                        <p:cTn id="6" dur="1" fill="hold">
+                                          <p:stCondLst>
+                                            <p:cond delay="0"/>
+                                          </p:stCondLst>
+                                        </p:cTn>
+                                        <p:tgtEl>
+                                          <p:spTgt spid="2"/>
+                                        </p:tgtEl>
+                                        <p:attrNameLst>
+                                          <p:attrName>style.visibility</p:attrName>
+                                        </p:attrNameLst>
+                                      </p:cBhvr>
+                                      <p:to>
+                                        <p:strVal val="visible"/>
+                                      </p:to>
+                                    </p:set>
+                                    <p:animEffect transition="in" filter="wipe(down)">
+                                      <p:cBhvr>
+                                        <p:cTn id="7" dur="580">
+                                          <p:stCondLst>
+                                            <p:cond delay="0"/>
+                                          </p:stCondLst>
+                                        </p:cTn>
+                                        <p:tgtEl>
+                                          <p:spTgt spid="2"/>
+                                        </p:tgtEl>
+                                      </p:cBhvr>
+                                    </p:animEffect>
+                                    <p:anim calcmode="lin" valueType="num">
+                                      <p:cBhvr>
+                                        <p:cTn id="8" dur="1822" tmFilter="0,0; 0.14,0.36; 0.43,0.73; 0.71,0.91; 1.0,1.0">
+                                          <p:stCondLst>
+                                            <p:cond delay="0"/>
+                                          </p:stCondLst>
+                                        </p:cTn>
+                                        <p:tgtEl>
+                                          <p:spTgt spid="2"/>
+                                        </p:tgtEl>
+                                        <p:attrNameLst>
+                                          <p:attrName>ppt_x</p:attrName>
+                                        </p:attrNameLst>
+                                      </p:cBhvr>
+                                      <p:tavLst>
+                                        <p:tav tm="0">
+                                          <p:val>
+                                            <p:strVal val="#ppt_x-0.25"/>
+                                          </p:val>
+                                        </p:tav>
+                                        <p:tav tm="100000">
+                                          <p:val>
+                                            <p:strVal val="#ppt_x"/>
+                                          </p:val>
+                                        </p:tav>
+                                      </p:tavLst>
+                                    </p:anim>
+                                    <p:anim calcmode="lin" valueType="num">
+                                      <p:cBhvr>
+                                        <p:cTn id="9" dur="664" tmFilter="0.0,0.0; 0.25,0.07; 0.50,0.2; 0.75,0.467; 1.0,1.0">
+                                          <p:stCondLst>
+                                            <p:cond delay="0"/>
+                                          </p:stCondLst>
+                                        </p:cTn>
+                                        <p:tgtEl>
+                                          <p:spTgt spid="2"/>
+                                        </p:tgtEl>
+                                        <p:attrNameLst>
+                                          <p:attrName>ppt_y</p:attrName>
+                                        </p:attrNameLst>
+                                      </p:cBhvr>
+                                      <p:tavLst>
+                                        <p:tav tm="0" fmla="#ppt_y-sin(pi*$)/3">
+                                          <p:val>
+                                            <p:fltVal val="0.5"/>
+                                          </p:val>
+                                        </p:tav>
+                                        <p:tav tm="100000">
+                                          <p:val>
+                                            <p:fltVal val="1"/>
+                                          </p:val>
+                                        </p:tav>
+                                      </p:tavLst>
+                                    </p:anim>
+                                    <p:anim calcmode="lin" valueType="num">
+                                      <p:cBhvr>
+                                        <p:cTn id="10" dur="664" tmFilter="0, 0; 0.125,0.2665; 0.25,0.4; 0.375,0.465; 0.5,0.5;  0.625,0.535; 0.75,0.6; 0.875,0.7335; 1,1">
+                                          <p:stCondLst>
+                                            <p:cond delay="664"/>
+                                          </p:stCondLst>
+                                        </p:cTn>
+                                        <p:tgtEl>
+                                          <p:spTgt spid="2"/>
+                                        </p:tgtEl>
+                                        <p:attrNameLst>
+                                          <p:attrName>ppt_y</p:attrName>
+                                        </p:attrNameLst>
+                                      </p:cBhvr>
+                                      <p:tavLst>
+                                        <p:tav tm="0" fmla="#ppt_y-sin(pi*$)/9">
+                                          <p:val>
+                                            <p:fltVal val="0"/>
+                                          </p:val>
+                                        </p:tav>
+                                        <p:tav tm="100000">
+                                          <p:val>
+                                            <p:fltVal val="1"/>
+                                          </p:val>
+                                        </p:tav>
+                                      </p:tavLst>
+                                    </p:anim>
+                                    <p:anim calcmode="lin" valueType="num">
+                                      <p:cBhvr>
+                                        <p:cTn id="11" dur="332" tmFilter="0, 0; 0.125,0.2665; 0.25,0.4; 0.375,0.465; 0.5,0.5;  0.625,0.535; 0.75,0.6; 0.875,0.7335; 1,1">
+                                          <p:stCondLst>
+                                            <p:cond delay="1324"/>
+                                          </p:stCondLst>
+                                        </p:cTn>
+                                        <p:tgtEl>
+                                          <p:spTgt spid="2"/>
+                                        </p:tgtEl>
+                                        <p:attrNameLst>
+                                          <p:attrName>ppt_y</p:attrName>
+                                        </p:attrNameLst>
+                                      </p:cBhvr>
+                                      <p:tavLst>
+                                        <p:tav tm="0" fmla="#ppt_y-sin(pi*$)/27">
+                                          <p:val>
+                                            <p:fltVal val="0"/>
+                                          </p:val>
+                                        </p:tav>
+                                        <p:tav tm="100000">
+                                          <p:val>
+                                            <p:fltVal val="1"/>
+                                          </p:val>
+                                        </p:tav>
+                                      </p:tavLst>
+                                    </p:anim>
+                                    <p:anim calcmode="lin" valueType="num">
+                                      <p:cBhvr>
+                                        <p:cTn id="12" dur="164" tmFilter="0, 0; 0.125,0.2665; 0.25,0.4; 0.375,0.465; 0.5,0.5;  0.625,0.535; 0.75,0.6; 0.875,0.7335; 1,1">
+                                          <p:stCondLst>
+                                            <p:cond delay="1656"/>
+                                          </p:stCondLst>
+                                        </p:cTn>
+                                        <p:tgtEl>
+                                          <p:spTgt spid="2"/>
+                                        </p:tgtEl>
+                                        <p:attrNameLst>
+                                          <p:attrName>ppt_y</p:attrName>
+                                        </p:attrNameLst>
+                                      </p:cBhvr>
+                                      <p:tavLst>
+                                        <p:tav tm="0" fmla="#ppt_y-sin(pi*$)/81">
+                                          <p:val>
+                                            <p:fltVal val="0"/>
+                                          </p:val>
+                                        </p:tav>
+                                        <p:tav tm="100000">
+                                          <p:val>
+                                            <p:fltVal val="1"/>
+                                          </p:val>
+                                        </p:tav>
+                                      </p:tavLst>
+                                    </p:anim>
+                                    <p:animScale>
+                                      <p:cBhvr>
+                                        <p:cTn id="13" dur="26">
+                                          <p:stCondLst>
+                                            <p:cond delay="650"/>
+                                          </p:stCondLst>
+                                        </p:cTn>
+                                        <p:tgtEl>
+                                          <p:spTgt spid="2"/>
+                                        </p:tgtEl>
+                                      </p:cBhvr>
+                                      <p:to x="100000" y="60000"/>
+                                    </p:animScale>
+                                    <p:animScale>
+                                      <p:cBhvr>
+                                        <p:cTn id="14" dur="166" decel="50000">
+                                          <p:stCondLst>
+                                            <p:cond delay="676"/>
+                                          </p:stCondLst>
+                                        </p:cTn>
+                                        <p:tgtEl>
+                                          <p:spTgt spid="2"/>
+                                        </p:tgtEl>
+                                      </p:cBhvr>
+                                      <p:to x="100000" y="100000"/>
+                                    </p:animScale>
+                                    <p:animScale>
+                                      <p:cBhvr>
+                                        <p:cTn id="15" dur="26">
+                                          <p:stCondLst>
+                                            <p:cond delay="1312"/>
+                                          </p:stCondLst>
+                                        </p:cTn>
+                                        <p:tgtEl>
+                                          <p:spTgt spid="2"/>
+                                        </p:tgtEl>
+                                      </p:cBhvr>
+                                      <p:to x="100000" y="80000"/>
+                                    </p:animScale>
+                                    <p:animScale>
+                                      <p:cBhvr>
+                                        <p:cTn id="16" dur="166" decel="50000">
+                                          <p:stCondLst>
+                                            <p:cond delay="1338"/>
+                                          </p:stCondLst>
+                                        </p:cTn>
+                                        <p:tgtEl>
+                                          <p:spTgt spid="2"/>
+                                        </p:tgtEl>
+                                      </p:cBhvr>
+                                      <p:to x="100000" y="100000"/>
+                                    </p:animScale>
+                                    <p:animScale>
+                                      <p:cBhvr>
+                                        <p:cTn id="17" dur="26">
+                                          <p:stCondLst>
+                                            <p:cond delay="1642"/>
+                                          </p:stCondLst>
+                                        </p:cTn>
+                                        <p:tgtEl>
+                                          <p:spTgt spid="2"/>
+                                        </p:tgtEl>
+                                      </p:cBhvr>
+                                      <p:to x="100000" y="90000"/>
+                                    </p:animScale>
+                                    <p:animScale>
+                                      <p:cBhvr>
+                                        <p:cTn id="18" dur="166" decel="50000">
+                                          <p:stCondLst>
+                                            <p:cond delay="1668"/>
+                                          </p:stCondLst>
+                                        </p:cTn>
+                                        <p:tgtEl>
+                                          <p:spTgt spid="2"/>
+                                        </p:tgtEl>
+                                      </p:cBhvr>
+                                      <p:to x="100000" y="100000"/>
+                                    </p:animScale>
+                                    <p:animScale>
+                                      <p:cBhvr>
+                                        <p:cTn id="19" dur="26">
+                                          <p:stCondLst>
+                                            <p:cond delay="1808"/>
+                                          </p:stCondLst>
+                                        </p:cTn>
+                                        <p:tgtEl>
+                                          <p:spTgt spid="2"/>
+                                        </p:tgtEl>
+                                      </p:cBhvr>
+                                      <p:to x="100000" y="95000"/>
+                                    </p:animScale>
+                                    <p:animScale>
+                                      <p:cBhvr>
+                                        <p:cTn id="20" dur="166" decel="50000">
+                                          <p:stCondLst>
+                                            <p:cond delay="1834"/>
+                                          </p:stCondLst>
+                                        </p:cTn>
+                                        <p:tgtEl>
+                                          <p:spTgt spid="2"/>
+                                        </p:tgtEl>
+                                      </p:cBhvr>
+                                      <p:to x="100000" y="100000"/>
+                                    </p:animScale>
+                                  </p:childTnLst>
+                                </p:cTn>
+                              </p:par>
+                            </p:childTnLst>
+                          </p:cTn>
+                        </p:par>
+                      </p:childTnLst>
+                    </p:cTn>
+                  </p:par>
+                  <p:par>
+                    <p:cTn id="21" fill="hold">
+                      <p:stCondLst>
+                        <p:cond delay="indefinite"/>
+                      </p:stCondLst>
+                      <p:childTnLst>
+                        <p:par>
+                          <p:cTn id="22" fill="hold">
+                            <p:stCondLst>
+                              <p:cond delay="0"/>
+                            </p:stCondLst>
+                            <p:childTnLst>
+                              <p:par>
+                                <p:cTn id="23" presetID="22" presetClass="entr" presetSubtype="4" fill="hold" nodeType="clickEffect">
+                                  <p:stCondLst>
+                                    <p:cond delay="0"/>
+                                  </p:stCondLst>
+                                  <p:childTnLst>
+                                    <p:set>
+                                      <p:cBhvr>
+                                        <p:cTn id="24" dur="1" fill="hold">
+                                          <p:stCondLst>
+                                            <p:cond delay="0"/>
+                                          </p:stCondLst>
+                                        </p:cTn>
+                                        <p:tgtEl>
+                                          <p:spTgt spid="8"/>
+                                        </p:tgtEl>
+                                        <p:attrNameLst>
+                                          <p:attrName>style.visibility</p:attrName>
+                                        </p:attrNameLst>
+                                      </p:cBhvr>
+                                      <p:to>
+                                        <p:strVal val="visible"/>
+                                      </p:to>
+                                    </p:set>
+                                    <p:animEffect transition="in" filter="wipe(down)">
+                                      <p:cBhvr>
+                                        <p:cTn id="25" dur="500"/>
+                                        <p:tgtEl>
+                                          <p:spTgt spid="8"/>
+                                        </p:tgtEl>
+                                      </p:cBhvr>
+                                    </p:animEffect>
+                                  </p:childTnLst>
+                                </p:cTn>
+                              </p:par>
+                            </p:childTnLst>
+                          </p:cTn>
+                        </p:par>
+                      </p:childTnLst>
+                    </p:cTn>
+                  </p:par>
+                </p:childTnLst>
+              </p:cTn>
+              <p:prevCondLst>
+                <p:cond evt="onPrev" delay="0">
+                  <p:tgtEl>
+                    <p:sldTgt/>
+                  </p:tgtEl>
+                </p:cond>
+              </p:prevCondLst>
+              <p:nextCondLst>
+                <p:cond evt="onNext" delay="0">
+                  <p:tgtEl>
+                    <p:sldTgt/>
+                  </p:tgtEl>
+                </p:cond>
+              </p:nextCondLst>
+            </p:seq>
+          </p:childTnLst>
+        </p:cTn>
+      </p:par>
+    </p:tnLst>
+    <p:bldLst>
+      <p:bldP spid="2" grpId="0"/>
+    </p:bldLst>
+  </p:timing>
 </p:sld>
 </file>
 
@@ -9509,7 +13932,7 @@
         </p:nvSpPr>
         <p:spPr>
           <a:xfrm>
-            <a:off x="1115568" y="548640"/>
+            <a:off x="1115568" y="535388"/>
             <a:ext cx="10168128" cy="1179576"/>
           </a:xfrm>
         </p:spPr>
@@ -9707,10 +14130,10 @@
       </p:sp>
       <p:pic>
         <p:nvPicPr>
-          <p:cNvPr id="7" name="Immagine 6" descr="Immagine che contiene diagramma, testo, linea, Piano&#10;&#10;Descrizione generata automaticamente">
+          <p:cNvPr id="6" name="Immagine 5" descr="Immagine che contiene testo, linea, diagramma, Diagramma&#10;&#10;Descrizione generata automaticamente">
             <a:extLst>
               <a:ext uri="{FF2B5EF4-FFF2-40B4-BE49-F238E27FC236}">
-                <a16:creationId xmlns:a16="http://schemas.microsoft.com/office/drawing/2014/main" id="{86E1E1EA-EE6E-EF5C-E48C-8A32BDCDC4B1}"/>
+                <a16:creationId xmlns:a16="http://schemas.microsoft.com/office/drawing/2014/main" id="{5449A22B-889A-B165-3F01-4C5996ECFD96}"/>
               </a:ext>
             </a:extLst>
           </p:cNvPr>
@@ -9733,8 +14156,8 @@
         </p:blipFill>
         <p:spPr>
           <a:xfrm>
-            <a:off x="207408" y="1596775"/>
-            <a:ext cx="4757592" cy="3461975"/>
+            <a:off x="338599" y="2094368"/>
+            <a:ext cx="5544097" cy="1872719"/>
           </a:xfrm>
           <a:prstGeom prst="rect">
             <a:avLst/>
@@ -9743,10 +14166,10 @@
       </p:pic>
       <p:pic>
         <p:nvPicPr>
-          <p:cNvPr id="9" name="Immagine 8" descr="Immagine che contiene diagramma, testo, linea, Diagramma&#10;&#10;Descrizione generata automaticamente">
+          <p:cNvPr id="11" name="Immagine 10" descr="Immagine che contiene linea, testo, diagramma, Diagramma&#10;&#10;Descrizione generata automaticamente">
             <a:extLst>
               <a:ext uri="{FF2B5EF4-FFF2-40B4-BE49-F238E27FC236}">
-                <a16:creationId xmlns:a16="http://schemas.microsoft.com/office/drawing/2014/main" id="{44A69AAD-B6E7-E447-9077-19A60E3DB15E}"/>
+                <a16:creationId xmlns:a16="http://schemas.microsoft.com/office/drawing/2014/main" id="{87611FE8-ED33-88C7-9E35-2E2C915E8F41}"/>
               </a:ext>
             </a:extLst>
           </p:cNvPr>
@@ -9769,8 +14192,8 @@
         </p:blipFill>
         <p:spPr>
           <a:xfrm>
-            <a:off x="3062842" y="3376973"/>
-            <a:ext cx="4757592" cy="3078113"/>
+            <a:off x="5658622" y="2148205"/>
+            <a:ext cx="2840546" cy="1983141"/>
           </a:xfrm>
           <a:prstGeom prst="rect">
             <a:avLst/>
@@ -9779,10 +14202,10 @@
       </p:pic>
       <p:pic>
         <p:nvPicPr>
-          <p:cNvPr id="13" name="Immagine 12" descr="Immagine che contiene diagramma, linea, Diagramma, Piano&#10;&#10;Descrizione generata automaticamente">
+          <p:cNvPr id="17" name="Immagine 16" descr="Immagine che contiene diagramma, linea, Diagramma, numero&#10;&#10;Descrizione generata automaticamente">
             <a:extLst>
               <a:ext uri="{FF2B5EF4-FFF2-40B4-BE49-F238E27FC236}">
-                <a16:creationId xmlns:a16="http://schemas.microsoft.com/office/drawing/2014/main" id="{B3E9F9A7-7CD4-4898-79E4-F3E26A1E2829}"/>
+                <a16:creationId xmlns:a16="http://schemas.microsoft.com/office/drawing/2014/main" id="{19C2E88F-FB63-B3F9-A844-85F106A44691}"/>
               </a:ext>
             </a:extLst>
           </p:cNvPr>
@@ -9805,8 +14228,116 @@
         </p:blipFill>
         <p:spPr>
           <a:xfrm>
-            <a:off x="7570140" y="1719301"/>
-            <a:ext cx="4512499" cy="3179957"/>
+            <a:off x="241254" y="4260745"/>
+            <a:ext cx="5544096" cy="1823716"/>
+          </a:xfrm>
+          <a:prstGeom prst="rect">
+            <a:avLst/>
+          </a:prstGeom>
+        </p:spPr>
+      </p:pic>
+      <p:pic>
+        <p:nvPicPr>
+          <p:cNvPr id="19" name="Immagine 18" descr="Immagine che contiene linea, diagramma, Diagramma, testo&#10;&#10;Descrizione generata automaticamente">
+            <a:extLst>
+              <a:ext uri="{FF2B5EF4-FFF2-40B4-BE49-F238E27FC236}">
+                <a16:creationId xmlns:a16="http://schemas.microsoft.com/office/drawing/2014/main" id="{22E43CC7-4C82-680F-5B70-40CCD84E4F62}"/>
+              </a:ext>
+            </a:extLst>
+          </p:cNvPr>
+          <p:cNvPicPr>
+            <a:picLocks noChangeAspect="1"/>
+          </p:cNvPicPr>
+          <p:nvPr/>
+        </p:nvPicPr>
+        <p:blipFill>
+          <a:blip r:embed="rId5">
+            <a:extLst>
+              <a:ext uri="{28A0092B-C50C-407E-A947-70E740481C1C}">
+                <a14:useLocalDpi xmlns:a14="http://schemas.microsoft.com/office/drawing/2010/main" val="0"/>
+              </a:ext>
+            </a:extLst>
+          </a:blip>
+          <a:stretch>
+            <a:fillRect/>
+          </a:stretch>
+        </p:blipFill>
+        <p:spPr>
+          <a:xfrm>
+            <a:off x="5785350" y="4214644"/>
+            <a:ext cx="2711861" cy="1843218"/>
+          </a:xfrm>
+          <a:prstGeom prst="rect">
+            <a:avLst/>
+          </a:prstGeom>
+        </p:spPr>
+      </p:pic>
+      <p:pic>
+        <p:nvPicPr>
+          <p:cNvPr id="25" name="Immagine 24" descr="Immagine che contiene testo, diagramma, linea, schermata&#10;&#10;Descrizione generata automaticamente">
+            <a:extLst>
+              <a:ext uri="{FF2B5EF4-FFF2-40B4-BE49-F238E27FC236}">
+                <a16:creationId xmlns:a16="http://schemas.microsoft.com/office/drawing/2014/main" id="{2FE5144B-6E89-93CA-C2AE-C2D8C3806903}"/>
+              </a:ext>
+            </a:extLst>
+          </p:cNvPr>
+          <p:cNvPicPr>
+            <a:picLocks noChangeAspect="1"/>
+          </p:cNvPicPr>
+          <p:nvPr/>
+        </p:nvPicPr>
+        <p:blipFill>
+          <a:blip r:embed="rId6">
+            <a:extLst>
+              <a:ext uri="{28A0092B-C50C-407E-A947-70E740481C1C}">
+                <a14:useLocalDpi xmlns:a14="http://schemas.microsoft.com/office/drawing/2010/main" val="0"/>
+              </a:ext>
+            </a:extLst>
+          </a:blip>
+          <a:stretch>
+            <a:fillRect/>
+          </a:stretch>
+        </p:blipFill>
+        <p:spPr>
+          <a:xfrm>
+            <a:off x="9057377" y="689953"/>
+            <a:ext cx="2576414" cy="3732090"/>
+          </a:xfrm>
+          <a:prstGeom prst="rect">
+            <a:avLst/>
+          </a:prstGeom>
+        </p:spPr>
+      </p:pic>
+      <p:pic>
+        <p:nvPicPr>
+          <p:cNvPr id="27" name="Immagine 26" descr="Immagine che contiene diagramma, linea, Diagramma, schermata&#10;&#10;Descrizione generata automaticamente">
+            <a:extLst>
+              <a:ext uri="{FF2B5EF4-FFF2-40B4-BE49-F238E27FC236}">
+                <a16:creationId xmlns:a16="http://schemas.microsoft.com/office/drawing/2014/main" id="{484D60A5-4C16-7E63-F429-115B37D4644B}"/>
+              </a:ext>
+            </a:extLst>
+          </p:cNvPr>
+          <p:cNvPicPr>
+            <a:picLocks noChangeAspect="1"/>
+          </p:cNvPicPr>
+          <p:nvPr/>
+        </p:nvPicPr>
+        <p:blipFill>
+          <a:blip r:embed="rId7">
+            <a:extLst>
+              <a:ext uri="{28A0092B-C50C-407E-A947-70E740481C1C}">
+                <a14:useLocalDpi xmlns:a14="http://schemas.microsoft.com/office/drawing/2010/main" val="0"/>
+              </a:ext>
+            </a:extLst>
+          </a:blip>
+          <a:stretch>
+            <a:fillRect/>
+          </a:stretch>
+        </p:blipFill>
+        <p:spPr>
+          <a:xfrm>
+            <a:off x="9146194" y="4378009"/>
+            <a:ext cx="2576414" cy="1841816"/>
           </a:xfrm>
           <a:prstGeom prst="rect">
             <a:avLst/>
@@ -9823,6 +14354,627 @@
   <p:clrMapOvr>
     <a:masterClrMapping/>
   </p:clrMapOvr>
+  <p:transition spd="slow">
+    <p:push dir="u"/>
+  </p:transition>
+  <p:timing>
+    <p:tnLst>
+      <p:par>
+        <p:cTn id="1" dur="indefinite" restart="never" nodeType="tmRoot">
+          <p:childTnLst>
+            <p:seq concurrent="1" nextAc="seek">
+              <p:cTn id="2" dur="indefinite" nodeType="mainSeq">
+                <p:childTnLst>
+                  <p:par>
+                    <p:cTn id="3" fill="hold">
+                      <p:stCondLst>
+                        <p:cond delay="indefinite"/>
+                      </p:stCondLst>
+                      <p:childTnLst>
+                        <p:par>
+                          <p:cTn id="4" fill="hold">
+                            <p:stCondLst>
+                              <p:cond delay="0"/>
+                            </p:stCondLst>
+                            <p:childTnLst>
+                              <p:par>
+                                <p:cTn id="5" presetID="53" presetClass="entr" presetSubtype="16" fill="hold" grpId="0" nodeType="clickEffect">
+                                  <p:stCondLst>
+                                    <p:cond delay="0"/>
+                                  </p:stCondLst>
+                                  <p:childTnLst>
+                                    <p:set>
+                                      <p:cBhvr>
+                                        <p:cTn id="6" dur="1" fill="hold">
+                                          <p:stCondLst>
+                                            <p:cond delay="0"/>
+                                          </p:stCondLst>
+                                        </p:cTn>
+                                        <p:tgtEl>
+                                          <p:spTgt spid="2"/>
+                                        </p:tgtEl>
+                                        <p:attrNameLst>
+                                          <p:attrName>style.visibility</p:attrName>
+                                        </p:attrNameLst>
+                                      </p:cBhvr>
+                                      <p:to>
+                                        <p:strVal val="visible"/>
+                                      </p:to>
+                                    </p:set>
+                                    <p:anim calcmode="lin" valueType="num">
+                                      <p:cBhvr>
+                                        <p:cTn id="7" dur="500" fill="hold"/>
+                                        <p:tgtEl>
+                                          <p:spTgt spid="2"/>
+                                        </p:tgtEl>
+                                        <p:attrNameLst>
+                                          <p:attrName>ppt_w</p:attrName>
+                                        </p:attrNameLst>
+                                      </p:cBhvr>
+                                      <p:tavLst>
+                                        <p:tav tm="0">
+                                          <p:val>
+                                            <p:fltVal val="0"/>
+                                          </p:val>
+                                        </p:tav>
+                                        <p:tav tm="100000">
+                                          <p:val>
+                                            <p:strVal val="#ppt_w"/>
+                                          </p:val>
+                                        </p:tav>
+                                      </p:tavLst>
+                                    </p:anim>
+                                    <p:anim calcmode="lin" valueType="num">
+                                      <p:cBhvr>
+                                        <p:cTn id="8" dur="500" fill="hold"/>
+                                        <p:tgtEl>
+                                          <p:spTgt spid="2"/>
+                                        </p:tgtEl>
+                                        <p:attrNameLst>
+                                          <p:attrName>ppt_h</p:attrName>
+                                        </p:attrNameLst>
+                                      </p:cBhvr>
+                                      <p:tavLst>
+                                        <p:tav tm="0">
+                                          <p:val>
+                                            <p:fltVal val="0"/>
+                                          </p:val>
+                                        </p:tav>
+                                        <p:tav tm="100000">
+                                          <p:val>
+                                            <p:strVal val="#ppt_h"/>
+                                          </p:val>
+                                        </p:tav>
+                                      </p:tavLst>
+                                    </p:anim>
+                                    <p:animEffect transition="in" filter="fade">
+                                      <p:cBhvr>
+                                        <p:cTn id="9" dur="500"/>
+                                        <p:tgtEl>
+                                          <p:spTgt spid="2"/>
+                                        </p:tgtEl>
+                                      </p:cBhvr>
+                                    </p:animEffect>
+                                  </p:childTnLst>
+                                </p:cTn>
+                              </p:par>
+                            </p:childTnLst>
+                          </p:cTn>
+                        </p:par>
+                      </p:childTnLst>
+                    </p:cTn>
+                  </p:par>
+                  <p:par>
+                    <p:cTn id="10" fill="hold">
+                      <p:stCondLst>
+                        <p:cond delay="indefinite"/>
+                      </p:stCondLst>
+                      <p:childTnLst>
+                        <p:par>
+                          <p:cTn id="11" fill="hold">
+                            <p:stCondLst>
+                              <p:cond delay="0"/>
+                            </p:stCondLst>
+                            <p:childTnLst>
+                              <p:par>
+                                <p:cTn id="12" presetID="42" presetClass="entr" presetSubtype="0" fill="hold" nodeType="clickEffect">
+                                  <p:stCondLst>
+                                    <p:cond delay="0"/>
+                                  </p:stCondLst>
+                                  <p:childTnLst>
+                                    <p:set>
+                                      <p:cBhvr>
+                                        <p:cTn id="13" dur="1" fill="hold">
+                                          <p:stCondLst>
+                                            <p:cond delay="0"/>
+                                          </p:stCondLst>
+                                        </p:cTn>
+                                        <p:tgtEl>
+                                          <p:spTgt spid="6"/>
+                                        </p:tgtEl>
+                                        <p:attrNameLst>
+                                          <p:attrName>style.visibility</p:attrName>
+                                        </p:attrNameLst>
+                                      </p:cBhvr>
+                                      <p:to>
+                                        <p:strVal val="visible"/>
+                                      </p:to>
+                                    </p:set>
+                                    <p:animEffect transition="in" filter="fade">
+                                      <p:cBhvr>
+                                        <p:cTn id="14" dur="1000"/>
+                                        <p:tgtEl>
+                                          <p:spTgt spid="6"/>
+                                        </p:tgtEl>
+                                      </p:cBhvr>
+                                    </p:animEffect>
+                                    <p:anim calcmode="lin" valueType="num">
+                                      <p:cBhvr>
+                                        <p:cTn id="15" dur="1000" fill="hold"/>
+                                        <p:tgtEl>
+                                          <p:spTgt spid="6"/>
+                                        </p:tgtEl>
+                                        <p:attrNameLst>
+                                          <p:attrName>ppt_x</p:attrName>
+                                        </p:attrNameLst>
+                                      </p:cBhvr>
+                                      <p:tavLst>
+                                        <p:tav tm="0">
+                                          <p:val>
+                                            <p:strVal val="#ppt_x"/>
+                                          </p:val>
+                                        </p:tav>
+                                        <p:tav tm="100000">
+                                          <p:val>
+                                            <p:strVal val="#ppt_x"/>
+                                          </p:val>
+                                        </p:tav>
+                                      </p:tavLst>
+                                    </p:anim>
+                                    <p:anim calcmode="lin" valueType="num">
+                                      <p:cBhvr>
+                                        <p:cTn id="16" dur="1000" fill="hold"/>
+                                        <p:tgtEl>
+                                          <p:spTgt spid="6"/>
+                                        </p:tgtEl>
+                                        <p:attrNameLst>
+                                          <p:attrName>ppt_y</p:attrName>
+                                        </p:attrNameLst>
+                                      </p:cBhvr>
+                                      <p:tavLst>
+                                        <p:tav tm="0">
+                                          <p:val>
+                                            <p:strVal val="#ppt_y+.1"/>
+                                          </p:val>
+                                        </p:tav>
+                                        <p:tav tm="100000">
+                                          <p:val>
+                                            <p:strVal val="#ppt_y"/>
+                                          </p:val>
+                                        </p:tav>
+                                      </p:tavLst>
+                                    </p:anim>
+                                  </p:childTnLst>
+                                </p:cTn>
+                              </p:par>
+                            </p:childTnLst>
+                          </p:cTn>
+                        </p:par>
+                      </p:childTnLst>
+                    </p:cTn>
+                  </p:par>
+                  <p:par>
+                    <p:cTn id="17" fill="hold">
+                      <p:stCondLst>
+                        <p:cond delay="indefinite"/>
+                      </p:stCondLst>
+                      <p:childTnLst>
+                        <p:par>
+                          <p:cTn id="18" fill="hold">
+                            <p:stCondLst>
+                              <p:cond delay="0"/>
+                            </p:stCondLst>
+                            <p:childTnLst>
+                              <p:par>
+                                <p:cTn id="19" presetID="42" presetClass="entr" presetSubtype="0" fill="hold" nodeType="clickEffect">
+                                  <p:stCondLst>
+                                    <p:cond delay="0"/>
+                                  </p:stCondLst>
+                                  <p:childTnLst>
+                                    <p:set>
+                                      <p:cBhvr>
+                                        <p:cTn id="20" dur="1" fill="hold">
+                                          <p:stCondLst>
+                                            <p:cond delay="0"/>
+                                          </p:stCondLst>
+                                        </p:cTn>
+                                        <p:tgtEl>
+                                          <p:spTgt spid="11"/>
+                                        </p:tgtEl>
+                                        <p:attrNameLst>
+                                          <p:attrName>style.visibility</p:attrName>
+                                        </p:attrNameLst>
+                                      </p:cBhvr>
+                                      <p:to>
+                                        <p:strVal val="visible"/>
+                                      </p:to>
+                                    </p:set>
+                                    <p:animEffect transition="in" filter="fade">
+                                      <p:cBhvr>
+                                        <p:cTn id="21" dur="1000"/>
+                                        <p:tgtEl>
+                                          <p:spTgt spid="11"/>
+                                        </p:tgtEl>
+                                      </p:cBhvr>
+                                    </p:animEffect>
+                                    <p:anim calcmode="lin" valueType="num">
+                                      <p:cBhvr>
+                                        <p:cTn id="22" dur="1000" fill="hold"/>
+                                        <p:tgtEl>
+                                          <p:spTgt spid="11"/>
+                                        </p:tgtEl>
+                                        <p:attrNameLst>
+                                          <p:attrName>ppt_x</p:attrName>
+                                        </p:attrNameLst>
+                                      </p:cBhvr>
+                                      <p:tavLst>
+                                        <p:tav tm="0">
+                                          <p:val>
+                                            <p:strVal val="#ppt_x"/>
+                                          </p:val>
+                                        </p:tav>
+                                        <p:tav tm="100000">
+                                          <p:val>
+                                            <p:strVal val="#ppt_x"/>
+                                          </p:val>
+                                        </p:tav>
+                                      </p:tavLst>
+                                    </p:anim>
+                                    <p:anim calcmode="lin" valueType="num">
+                                      <p:cBhvr>
+                                        <p:cTn id="23" dur="1000" fill="hold"/>
+                                        <p:tgtEl>
+                                          <p:spTgt spid="11"/>
+                                        </p:tgtEl>
+                                        <p:attrNameLst>
+                                          <p:attrName>ppt_y</p:attrName>
+                                        </p:attrNameLst>
+                                      </p:cBhvr>
+                                      <p:tavLst>
+                                        <p:tav tm="0">
+                                          <p:val>
+                                            <p:strVal val="#ppt_y+.1"/>
+                                          </p:val>
+                                        </p:tav>
+                                        <p:tav tm="100000">
+                                          <p:val>
+                                            <p:strVal val="#ppt_y"/>
+                                          </p:val>
+                                        </p:tav>
+                                      </p:tavLst>
+                                    </p:anim>
+                                  </p:childTnLst>
+                                </p:cTn>
+                              </p:par>
+                            </p:childTnLst>
+                          </p:cTn>
+                        </p:par>
+                      </p:childTnLst>
+                    </p:cTn>
+                  </p:par>
+                  <p:par>
+                    <p:cTn id="24" fill="hold">
+                      <p:stCondLst>
+                        <p:cond delay="indefinite"/>
+                      </p:stCondLst>
+                      <p:childTnLst>
+                        <p:par>
+                          <p:cTn id="25" fill="hold">
+                            <p:stCondLst>
+                              <p:cond delay="0"/>
+                            </p:stCondLst>
+                            <p:childTnLst>
+                              <p:par>
+                                <p:cTn id="26" presetID="22" presetClass="entr" presetSubtype="4" fill="hold" nodeType="clickEffect">
+                                  <p:stCondLst>
+                                    <p:cond delay="0"/>
+                                  </p:stCondLst>
+                                  <p:childTnLst>
+                                    <p:set>
+                                      <p:cBhvr>
+                                        <p:cTn id="27" dur="1" fill="hold">
+                                          <p:stCondLst>
+                                            <p:cond delay="0"/>
+                                          </p:stCondLst>
+                                        </p:cTn>
+                                        <p:tgtEl>
+                                          <p:spTgt spid="17"/>
+                                        </p:tgtEl>
+                                        <p:attrNameLst>
+                                          <p:attrName>style.visibility</p:attrName>
+                                        </p:attrNameLst>
+                                      </p:cBhvr>
+                                      <p:to>
+                                        <p:strVal val="visible"/>
+                                      </p:to>
+                                    </p:set>
+                                    <p:animEffect transition="in" filter="wipe(down)">
+                                      <p:cBhvr>
+                                        <p:cTn id="28" dur="500"/>
+                                        <p:tgtEl>
+                                          <p:spTgt spid="17"/>
+                                        </p:tgtEl>
+                                      </p:cBhvr>
+                                    </p:animEffect>
+                                  </p:childTnLst>
+                                </p:cTn>
+                              </p:par>
+                            </p:childTnLst>
+                          </p:cTn>
+                        </p:par>
+                      </p:childTnLst>
+                    </p:cTn>
+                  </p:par>
+                  <p:par>
+                    <p:cTn id="29" fill="hold">
+                      <p:stCondLst>
+                        <p:cond delay="indefinite"/>
+                      </p:stCondLst>
+                      <p:childTnLst>
+                        <p:par>
+                          <p:cTn id="30" fill="hold">
+                            <p:stCondLst>
+                              <p:cond delay="0"/>
+                            </p:stCondLst>
+                            <p:childTnLst>
+                              <p:par>
+                                <p:cTn id="31" presetID="22" presetClass="entr" presetSubtype="4" fill="hold" nodeType="clickEffect">
+                                  <p:stCondLst>
+                                    <p:cond delay="0"/>
+                                  </p:stCondLst>
+                                  <p:childTnLst>
+                                    <p:set>
+                                      <p:cBhvr>
+                                        <p:cTn id="32" dur="1" fill="hold">
+                                          <p:stCondLst>
+                                            <p:cond delay="0"/>
+                                          </p:stCondLst>
+                                        </p:cTn>
+                                        <p:tgtEl>
+                                          <p:spTgt spid="19"/>
+                                        </p:tgtEl>
+                                        <p:attrNameLst>
+                                          <p:attrName>style.visibility</p:attrName>
+                                        </p:attrNameLst>
+                                      </p:cBhvr>
+                                      <p:to>
+                                        <p:strVal val="visible"/>
+                                      </p:to>
+                                    </p:set>
+                                    <p:animEffect transition="in" filter="wipe(down)">
+                                      <p:cBhvr>
+                                        <p:cTn id="33" dur="500"/>
+                                        <p:tgtEl>
+                                          <p:spTgt spid="19"/>
+                                        </p:tgtEl>
+                                      </p:cBhvr>
+                                    </p:animEffect>
+                                  </p:childTnLst>
+                                </p:cTn>
+                              </p:par>
+                            </p:childTnLst>
+                          </p:cTn>
+                        </p:par>
+                      </p:childTnLst>
+                    </p:cTn>
+                  </p:par>
+                  <p:par>
+                    <p:cTn id="34" fill="hold">
+                      <p:stCondLst>
+                        <p:cond delay="indefinite"/>
+                      </p:stCondLst>
+                      <p:childTnLst>
+                        <p:par>
+                          <p:cTn id="35" fill="hold">
+                            <p:stCondLst>
+                              <p:cond delay="0"/>
+                            </p:stCondLst>
+                            <p:childTnLst>
+                              <p:par>
+                                <p:cTn id="36" presetID="2" presetClass="entr" presetSubtype="4" fill="hold" nodeType="clickEffect">
+                                  <p:stCondLst>
+                                    <p:cond delay="0"/>
+                                  </p:stCondLst>
+                                  <p:childTnLst>
+                                    <p:set>
+                                      <p:cBhvr>
+                                        <p:cTn id="37" dur="1" fill="hold">
+                                          <p:stCondLst>
+                                            <p:cond delay="0"/>
+                                          </p:stCondLst>
+                                        </p:cTn>
+                                        <p:tgtEl>
+                                          <p:spTgt spid="25"/>
+                                        </p:tgtEl>
+                                        <p:attrNameLst>
+                                          <p:attrName>style.visibility</p:attrName>
+                                        </p:attrNameLst>
+                                      </p:cBhvr>
+                                      <p:to>
+                                        <p:strVal val="visible"/>
+                                      </p:to>
+                                    </p:set>
+                                    <p:anim calcmode="lin" valueType="num">
+                                      <p:cBhvr additive="base">
+                                        <p:cTn id="38" dur="500" fill="hold"/>
+                                        <p:tgtEl>
+                                          <p:spTgt spid="25"/>
+                                        </p:tgtEl>
+                                        <p:attrNameLst>
+                                          <p:attrName>ppt_x</p:attrName>
+                                        </p:attrNameLst>
+                                      </p:cBhvr>
+                                      <p:tavLst>
+                                        <p:tav tm="0">
+                                          <p:val>
+                                            <p:strVal val="#ppt_x"/>
+                                          </p:val>
+                                        </p:tav>
+                                        <p:tav tm="100000">
+                                          <p:val>
+                                            <p:strVal val="#ppt_x"/>
+                                          </p:val>
+                                        </p:tav>
+                                      </p:tavLst>
+                                    </p:anim>
+                                    <p:anim calcmode="lin" valueType="num">
+                                      <p:cBhvr additive="base">
+                                        <p:cTn id="39" dur="500" fill="hold"/>
+                                        <p:tgtEl>
+                                          <p:spTgt spid="25"/>
+                                        </p:tgtEl>
+                                        <p:attrNameLst>
+                                          <p:attrName>ppt_y</p:attrName>
+                                        </p:attrNameLst>
+                                      </p:cBhvr>
+                                      <p:tavLst>
+                                        <p:tav tm="0">
+                                          <p:val>
+                                            <p:strVal val="1+#ppt_h/2"/>
+                                          </p:val>
+                                        </p:tav>
+                                        <p:tav tm="100000">
+                                          <p:val>
+                                            <p:strVal val="#ppt_y"/>
+                                          </p:val>
+                                        </p:tav>
+                                      </p:tavLst>
+                                    </p:anim>
+                                  </p:childTnLst>
+                                </p:cTn>
+                              </p:par>
+                            </p:childTnLst>
+                          </p:cTn>
+                        </p:par>
+                      </p:childTnLst>
+                    </p:cTn>
+                  </p:par>
+                  <p:par>
+                    <p:cTn id="40" fill="hold">
+                      <p:stCondLst>
+                        <p:cond delay="indefinite"/>
+                      </p:stCondLst>
+                      <p:childTnLst>
+                        <p:par>
+                          <p:cTn id="41" fill="hold">
+                            <p:stCondLst>
+                              <p:cond delay="0"/>
+                            </p:stCondLst>
+                            <p:childTnLst>
+                              <p:par>
+                                <p:cTn id="42" presetID="2" presetClass="entr" presetSubtype="4" fill="hold" nodeType="clickEffect">
+                                  <p:stCondLst>
+                                    <p:cond delay="0"/>
+                                  </p:stCondLst>
+                                  <p:childTnLst>
+                                    <p:set>
+                                      <p:cBhvr>
+                                        <p:cTn id="43" dur="1" fill="hold">
+                                          <p:stCondLst>
+                                            <p:cond delay="0"/>
+                                          </p:stCondLst>
+                                        </p:cTn>
+                                        <p:tgtEl>
+                                          <p:spTgt spid="27"/>
+                                        </p:tgtEl>
+                                        <p:attrNameLst>
+                                          <p:attrName>style.visibility</p:attrName>
+                                        </p:attrNameLst>
+                                      </p:cBhvr>
+                                      <p:to>
+                                        <p:strVal val="visible"/>
+                                      </p:to>
+                                    </p:set>
+                                    <p:anim calcmode="lin" valueType="num">
+                                      <p:cBhvr additive="base">
+                                        <p:cTn id="44" dur="500" fill="hold"/>
+                                        <p:tgtEl>
+                                          <p:spTgt spid="27"/>
+                                        </p:tgtEl>
+                                        <p:attrNameLst>
+                                          <p:attrName>ppt_x</p:attrName>
+                                        </p:attrNameLst>
+                                      </p:cBhvr>
+                                      <p:tavLst>
+                                        <p:tav tm="0">
+                                          <p:val>
+                                            <p:strVal val="#ppt_x"/>
+                                          </p:val>
+                                        </p:tav>
+                                        <p:tav tm="100000">
+                                          <p:val>
+                                            <p:strVal val="#ppt_x"/>
+                                          </p:val>
+                                        </p:tav>
+                                      </p:tavLst>
+                                    </p:anim>
+                                    <p:anim calcmode="lin" valueType="num">
+                                      <p:cBhvr additive="base">
+                                        <p:cTn id="45" dur="500" fill="hold"/>
+                                        <p:tgtEl>
+                                          <p:spTgt spid="27"/>
+                                        </p:tgtEl>
+                                        <p:attrNameLst>
+                                          <p:attrName>ppt_y</p:attrName>
+                                        </p:attrNameLst>
+                                      </p:cBhvr>
+                                      <p:tavLst>
+                                        <p:tav tm="0">
+                                          <p:val>
+                                            <p:strVal val="1+#ppt_h/2"/>
+                                          </p:val>
+                                        </p:tav>
+                                        <p:tav tm="100000">
+                                          <p:val>
+                                            <p:strVal val="#ppt_y"/>
+                                          </p:val>
+                                        </p:tav>
+                                      </p:tavLst>
+                                    </p:anim>
+                                  </p:childTnLst>
+                                </p:cTn>
+                              </p:par>
+                            </p:childTnLst>
+                          </p:cTn>
+                        </p:par>
+                      </p:childTnLst>
+                    </p:cTn>
+                  </p:par>
+                </p:childTnLst>
+              </p:cTn>
+              <p:prevCondLst>
+                <p:cond evt="onPrev" delay="0">
+                  <p:tgtEl>
+                    <p:sldTgt/>
+                  </p:tgtEl>
+                </p:cond>
+              </p:prevCondLst>
+              <p:nextCondLst>
+                <p:cond evt="onNext" delay="0">
+                  <p:tgtEl>
+                    <p:sldTgt/>
+                  </p:tgtEl>
+                </p:cond>
+              </p:nextCondLst>
+            </p:seq>
+          </p:childTnLst>
+        </p:cTn>
+      </p:par>
+    </p:tnLst>
+    <p:bldLst>
+      <p:bldP spid="2" grpId="0"/>
+    </p:bldLst>
+  </p:timing>
 </p:sld>
 </file>
 
@@ -10437,6 +15589,332 @@
   <p:clrMapOvr>
     <a:masterClrMapping/>
   </p:clrMapOvr>
+  <mc:AlternateContent xmlns:mc="http://schemas.openxmlformats.org/markup-compatibility/2006">
+    <mc:Choice xmlns:p14="http://schemas.microsoft.com/office/powerpoint/2010/main" Requires="p14">
+      <p:transition spd="slow" p14:dur="1500">
+        <p:split orient="vert"/>
+      </p:transition>
+    </mc:Choice>
+    <mc:Fallback>
+      <p:transition spd="slow">
+        <p:split orient="vert"/>
+      </p:transition>
+    </mc:Fallback>
+  </mc:AlternateContent>
+  <p:timing>
+    <p:tnLst>
+      <p:par>
+        <p:cTn id="1" dur="indefinite" restart="never" nodeType="tmRoot">
+          <p:childTnLst>
+            <p:seq concurrent="1" nextAc="seek">
+              <p:cTn id="2" dur="indefinite" nodeType="mainSeq">
+                <p:childTnLst>
+                  <p:par>
+                    <p:cTn id="3" fill="hold">
+                      <p:stCondLst>
+                        <p:cond delay="indefinite"/>
+                      </p:stCondLst>
+                      <p:childTnLst>
+                        <p:par>
+                          <p:cTn id="4" fill="hold">
+                            <p:stCondLst>
+                              <p:cond delay="0"/>
+                            </p:stCondLst>
+                            <p:childTnLst>
+                              <p:par>
+                                <p:cTn id="5" presetID="31" presetClass="entr" presetSubtype="0" fill="hold" grpId="0" nodeType="clickEffect">
+                                  <p:stCondLst>
+                                    <p:cond delay="0"/>
+                                  </p:stCondLst>
+                                  <p:childTnLst>
+                                    <p:set>
+                                      <p:cBhvr>
+                                        <p:cTn id="6" dur="1" fill="hold">
+                                          <p:stCondLst>
+                                            <p:cond delay="0"/>
+                                          </p:stCondLst>
+                                        </p:cTn>
+                                        <p:tgtEl>
+                                          <p:spTgt spid="2"/>
+                                        </p:tgtEl>
+                                        <p:attrNameLst>
+                                          <p:attrName>style.visibility</p:attrName>
+                                        </p:attrNameLst>
+                                      </p:cBhvr>
+                                      <p:to>
+                                        <p:strVal val="visible"/>
+                                      </p:to>
+                                    </p:set>
+                                    <p:anim calcmode="lin" valueType="num">
+                                      <p:cBhvr>
+                                        <p:cTn id="7" dur="1000" fill="hold"/>
+                                        <p:tgtEl>
+                                          <p:spTgt spid="2"/>
+                                        </p:tgtEl>
+                                        <p:attrNameLst>
+                                          <p:attrName>ppt_w</p:attrName>
+                                        </p:attrNameLst>
+                                      </p:cBhvr>
+                                      <p:tavLst>
+                                        <p:tav tm="0">
+                                          <p:val>
+                                            <p:fltVal val="0"/>
+                                          </p:val>
+                                        </p:tav>
+                                        <p:tav tm="100000">
+                                          <p:val>
+                                            <p:strVal val="#ppt_w"/>
+                                          </p:val>
+                                        </p:tav>
+                                      </p:tavLst>
+                                    </p:anim>
+                                    <p:anim calcmode="lin" valueType="num">
+                                      <p:cBhvr>
+                                        <p:cTn id="8" dur="1000" fill="hold"/>
+                                        <p:tgtEl>
+                                          <p:spTgt spid="2"/>
+                                        </p:tgtEl>
+                                        <p:attrNameLst>
+                                          <p:attrName>ppt_h</p:attrName>
+                                        </p:attrNameLst>
+                                      </p:cBhvr>
+                                      <p:tavLst>
+                                        <p:tav tm="0">
+                                          <p:val>
+                                            <p:fltVal val="0"/>
+                                          </p:val>
+                                        </p:tav>
+                                        <p:tav tm="100000">
+                                          <p:val>
+                                            <p:strVal val="#ppt_h"/>
+                                          </p:val>
+                                        </p:tav>
+                                      </p:tavLst>
+                                    </p:anim>
+                                    <p:anim calcmode="lin" valueType="num">
+                                      <p:cBhvr>
+                                        <p:cTn id="9" dur="1000" fill="hold"/>
+                                        <p:tgtEl>
+                                          <p:spTgt spid="2"/>
+                                        </p:tgtEl>
+                                        <p:attrNameLst>
+                                          <p:attrName>style.rotation</p:attrName>
+                                        </p:attrNameLst>
+                                      </p:cBhvr>
+                                      <p:tavLst>
+                                        <p:tav tm="0">
+                                          <p:val>
+                                            <p:fltVal val="90"/>
+                                          </p:val>
+                                        </p:tav>
+                                        <p:tav tm="100000">
+                                          <p:val>
+                                            <p:fltVal val="0"/>
+                                          </p:val>
+                                        </p:tav>
+                                      </p:tavLst>
+                                    </p:anim>
+                                    <p:animEffect transition="in" filter="fade">
+                                      <p:cBhvr>
+                                        <p:cTn id="10" dur="1000"/>
+                                        <p:tgtEl>
+                                          <p:spTgt spid="2"/>
+                                        </p:tgtEl>
+                                      </p:cBhvr>
+                                    </p:animEffect>
+                                  </p:childTnLst>
+                                </p:cTn>
+                              </p:par>
+                            </p:childTnLst>
+                          </p:cTn>
+                        </p:par>
+                      </p:childTnLst>
+                    </p:cTn>
+                  </p:par>
+                  <p:par>
+                    <p:cTn id="11" fill="hold">
+                      <p:stCondLst>
+                        <p:cond delay="indefinite"/>
+                      </p:stCondLst>
+                      <p:childTnLst>
+                        <p:par>
+                          <p:cTn id="12" fill="hold">
+                            <p:stCondLst>
+                              <p:cond delay="0"/>
+                            </p:stCondLst>
+                            <p:childTnLst>
+                              <p:par>
+                                <p:cTn id="13" presetID="14" presetClass="entr" presetSubtype="10" fill="hold" nodeType="clickEffect">
+                                  <p:stCondLst>
+                                    <p:cond delay="0"/>
+                                  </p:stCondLst>
+                                  <p:childTnLst>
+                                    <p:set>
+                                      <p:cBhvr>
+                                        <p:cTn id="14" dur="1" fill="hold">
+                                          <p:stCondLst>
+                                            <p:cond delay="0"/>
+                                          </p:stCondLst>
+                                        </p:cTn>
+                                        <p:tgtEl>
+                                          <p:spTgt spid="9"/>
+                                        </p:tgtEl>
+                                        <p:attrNameLst>
+                                          <p:attrName>style.visibility</p:attrName>
+                                        </p:attrNameLst>
+                                      </p:cBhvr>
+                                      <p:to>
+                                        <p:strVal val="visible"/>
+                                      </p:to>
+                                    </p:set>
+                                    <p:animEffect transition="in" filter="randombar(horizontal)">
+                                      <p:cBhvr>
+                                        <p:cTn id="15" dur="500"/>
+                                        <p:tgtEl>
+                                          <p:spTgt spid="9"/>
+                                        </p:tgtEl>
+                                      </p:cBhvr>
+                                    </p:animEffect>
+                                  </p:childTnLst>
+                                </p:cTn>
+                              </p:par>
+                            </p:childTnLst>
+                          </p:cTn>
+                        </p:par>
+                      </p:childTnLst>
+                    </p:cTn>
+                  </p:par>
+                  <p:par>
+                    <p:cTn id="16" fill="hold">
+                      <p:stCondLst>
+                        <p:cond delay="indefinite"/>
+                      </p:stCondLst>
+                      <p:childTnLst>
+                        <p:par>
+                          <p:cTn id="17" fill="hold">
+                            <p:stCondLst>
+                              <p:cond delay="0"/>
+                            </p:stCondLst>
+                            <p:childTnLst>
+                              <p:par>
+                                <p:cTn id="18" presetID="6" presetClass="entr" presetSubtype="16" fill="hold" nodeType="clickEffect">
+                                  <p:stCondLst>
+                                    <p:cond delay="0"/>
+                                  </p:stCondLst>
+                                  <p:childTnLst>
+                                    <p:set>
+                                      <p:cBhvr>
+                                        <p:cTn id="19" dur="1" fill="hold">
+                                          <p:stCondLst>
+                                            <p:cond delay="0"/>
+                                          </p:stCondLst>
+                                        </p:cTn>
+                                        <p:tgtEl>
+                                          <p:spTgt spid="13"/>
+                                        </p:tgtEl>
+                                        <p:attrNameLst>
+                                          <p:attrName>style.visibility</p:attrName>
+                                        </p:attrNameLst>
+                                      </p:cBhvr>
+                                      <p:to>
+                                        <p:strVal val="visible"/>
+                                      </p:to>
+                                    </p:set>
+                                    <p:animEffect transition="in" filter="circle(in)">
+                                      <p:cBhvr>
+                                        <p:cTn id="20" dur="2000"/>
+                                        <p:tgtEl>
+                                          <p:spTgt spid="13"/>
+                                        </p:tgtEl>
+                                      </p:cBhvr>
+                                    </p:animEffect>
+                                  </p:childTnLst>
+                                </p:cTn>
+                              </p:par>
+                            </p:childTnLst>
+                          </p:cTn>
+                        </p:par>
+                      </p:childTnLst>
+                    </p:cTn>
+                  </p:par>
+                  <p:par>
+                    <p:cTn id="21" fill="hold">
+                      <p:stCondLst>
+                        <p:cond delay="indefinite"/>
+                      </p:stCondLst>
+                      <p:childTnLst>
+                        <p:par>
+                          <p:cTn id="22" fill="hold">
+                            <p:stCondLst>
+                              <p:cond delay="0"/>
+                            </p:stCondLst>
+                            <p:childTnLst>
+                              <p:par>
+                                <p:cTn id="23" presetID="16" presetClass="entr" presetSubtype="21" fill="hold" nodeType="clickEffect">
+                                  <p:stCondLst>
+                                    <p:cond delay="0"/>
+                                  </p:stCondLst>
+                                  <p:childTnLst>
+                                    <p:set>
+                                      <p:cBhvr>
+                                        <p:cTn id="24" dur="1" fill="hold">
+                                          <p:stCondLst>
+                                            <p:cond delay="0"/>
+                                          </p:stCondLst>
+                                        </p:cTn>
+                                        <p:tgtEl>
+                                          <p:spTgt spid="17"/>
+                                        </p:tgtEl>
+                                        <p:attrNameLst>
+                                          <p:attrName>style.visibility</p:attrName>
+                                        </p:attrNameLst>
+                                      </p:cBhvr>
+                                      <p:to>
+                                        <p:strVal val="visible"/>
+                                      </p:to>
+                                    </p:set>
+                                    <p:animEffect transition="in" filter="barn(inVertical)">
+                                      <p:cBhvr>
+                                        <p:cTn id="25" dur="500"/>
+                                        <p:tgtEl>
+                                          <p:spTgt spid="17"/>
+                                        </p:tgtEl>
+                                      </p:cBhvr>
+                                    </p:animEffect>
+                                  </p:childTnLst>
+                                </p:cTn>
+                              </p:par>
+                            </p:childTnLst>
+                          </p:cTn>
+                        </p:par>
+                      </p:childTnLst>
+                    </p:cTn>
+                  </p:par>
+                </p:childTnLst>
+              </p:cTn>
+              <p:prevCondLst>
+                <p:cond evt="onPrev" delay="0">
+                  <p:tgtEl>
+                    <p:sldTgt/>
+                  </p:tgtEl>
+                </p:cond>
+              </p:prevCondLst>
+              <p:nextCondLst>
+                <p:cond evt="onNext" delay="0">
+                  <p:tgtEl>
+                    <p:sldTgt/>
+                  </p:tgtEl>
+                </p:cond>
+              </p:nextCondLst>
+            </p:seq>
+          </p:childTnLst>
+        </p:cTn>
+      </p:par>
+    </p:tnLst>
+    <p:bldLst>
+      <p:bldP spid="2" grpId="0"/>
+    </p:bldLst>
+  </p:timing>
 </p:sld>
 </file>
 
@@ -10987,6 +16465,194 @@
   <p:clrMapOvr>
     <a:masterClrMapping/>
   </p:clrMapOvr>
+  <p:transition spd="slow">
+    <p:randomBar dir="vert"/>
+  </p:transition>
+  <p:timing>
+    <p:tnLst>
+      <p:par>
+        <p:cTn id="1" dur="indefinite" restart="never" nodeType="tmRoot">
+          <p:childTnLst>
+            <p:seq concurrent="1" nextAc="seek">
+              <p:cTn id="2" dur="indefinite" nodeType="mainSeq">
+                <p:childTnLst>
+                  <p:par>
+                    <p:cTn id="3" fill="hold">
+                      <p:stCondLst>
+                        <p:cond delay="indefinite"/>
+                      </p:stCondLst>
+                      <p:childTnLst>
+                        <p:par>
+                          <p:cTn id="4" fill="hold">
+                            <p:stCondLst>
+                              <p:cond delay="0"/>
+                            </p:stCondLst>
+                            <p:childTnLst>
+                              <p:par>
+                                <p:cTn id="5" presetID="53" presetClass="entr" presetSubtype="16" fill="hold" grpId="0" nodeType="clickEffect">
+                                  <p:stCondLst>
+                                    <p:cond delay="0"/>
+                                  </p:stCondLst>
+                                  <p:childTnLst>
+                                    <p:set>
+                                      <p:cBhvr>
+                                        <p:cTn id="6" dur="1" fill="hold">
+                                          <p:stCondLst>
+                                            <p:cond delay="0"/>
+                                          </p:stCondLst>
+                                        </p:cTn>
+                                        <p:tgtEl>
+                                          <p:spTgt spid="2"/>
+                                        </p:tgtEl>
+                                        <p:attrNameLst>
+                                          <p:attrName>style.visibility</p:attrName>
+                                        </p:attrNameLst>
+                                      </p:cBhvr>
+                                      <p:to>
+                                        <p:strVal val="visible"/>
+                                      </p:to>
+                                    </p:set>
+                                    <p:anim calcmode="lin" valueType="num">
+                                      <p:cBhvr>
+                                        <p:cTn id="7" dur="500" fill="hold"/>
+                                        <p:tgtEl>
+                                          <p:spTgt spid="2"/>
+                                        </p:tgtEl>
+                                        <p:attrNameLst>
+                                          <p:attrName>ppt_w</p:attrName>
+                                        </p:attrNameLst>
+                                      </p:cBhvr>
+                                      <p:tavLst>
+                                        <p:tav tm="0">
+                                          <p:val>
+                                            <p:fltVal val="0"/>
+                                          </p:val>
+                                        </p:tav>
+                                        <p:tav tm="100000">
+                                          <p:val>
+                                            <p:strVal val="#ppt_w"/>
+                                          </p:val>
+                                        </p:tav>
+                                      </p:tavLst>
+                                    </p:anim>
+                                    <p:anim calcmode="lin" valueType="num">
+                                      <p:cBhvr>
+                                        <p:cTn id="8" dur="500" fill="hold"/>
+                                        <p:tgtEl>
+                                          <p:spTgt spid="2"/>
+                                        </p:tgtEl>
+                                        <p:attrNameLst>
+                                          <p:attrName>ppt_h</p:attrName>
+                                        </p:attrNameLst>
+                                      </p:cBhvr>
+                                      <p:tavLst>
+                                        <p:tav tm="0">
+                                          <p:val>
+                                            <p:fltVal val="0"/>
+                                          </p:val>
+                                        </p:tav>
+                                        <p:tav tm="100000">
+                                          <p:val>
+                                            <p:strVal val="#ppt_h"/>
+                                          </p:val>
+                                        </p:tav>
+                                      </p:tavLst>
+                                    </p:anim>
+                                    <p:animEffect transition="in" filter="fade">
+                                      <p:cBhvr>
+                                        <p:cTn id="9" dur="500"/>
+                                        <p:tgtEl>
+                                          <p:spTgt spid="2"/>
+                                        </p:tgtEl>
+                                      </p:cBhvr>
+                                    </p:animEffect>
+                                  </p:childTnLst>
+                                </p:cTn>
+                              </p:par>
+                            </p:childTnLst>
+                          </p:cTn>
+                        </p:par>
+                      </p:childTnLst>
+                    </p:cTn>
+                  </p:par>
+                  <p:par>
+                    <p:cTn id="10" fill="hold">
+                      <p:stCondLst>
+                        <p:cond delay="indefinite"/>
+                      </p:stCondLst>
+                      <p:childTnLst>
+                        <p:par>
+                          <p:cTn id="11" fill="hold">
+                            <p:stCondLst>
+                              <p:cond delay="0"/>
+                            </p:stCondLst>
+                            <p:childTnLst>
+                              <p:par>
+                                <p:cTn id="12" presetID="10" presetClass="entr" presetSubtype="0" fill="hold" nodeType="clickEffect">
+                                  <p:stCondLst>
+                                    <p:cond delay="0"/>
+                                  </p:stCondLst>
+                                  <p:childTnLst>
+                                    <p:set>
+                                      <p:cBhvr>
+                                        <p:cTn id="13" dur="1" fill="hold">
+                                          <p:stCondLst>
+                                            <p:cond delay="0"/>
+                                          </p:stCondLst>
+                                        </p:cTn>
+                                        <p:tgtEl>
+                                          <p:spTgt spid="7"/>
+                                        </p:tgtEl>
+                                        <p:attrNameLst>
+                                          <p:attrName>style.visibility</p:attrName>
+                                        </p:attrNameLst>
+                                      </p:cBhvr>
+                                      <p:to>
+                                        <p:strVal val="visible"/>
+                                      </p:to>
+                                    </p:set>
+                                    <p:animEffect transition="in" filter="fade">
+                                      <p:cBhvr>
+                                        <p:cTn id="14" dur="500"/>
+                                        <p:tgtEl>
+                                          <p:spTgt spid="7"/>
+                                        </p:tgtEl>
+                                      </p:cBhvr>
+                                    </p:animEffect>
+                                  </p:childTnLst>
+                                </p:cTn>
+                              </p:par>
+                            </p:childTnLst>
+                          </p:cTn>
+                        </p:par>
+                      </p:childTnLst>
+                    </p:cTn>
+                  </p:par>
+                </p:childTnLst>
+              </p:cTn>
+              <p:prevCondLst>
+                <p:cond evt="onPrev" delay="0">
+                  <p:tgtEl>
+                    <p:sldTgt/>
+                  </p:tgtEl>
+                </p:cond>
+              </p:prevCondLst>
+              <p:nextCondLst>
+                <p:cond evt="onNext" delay="0">
+                  <p:tgtEl>
+                    <p:sldTgt/>
+                  </p:tgtEl>
+                </p:cond>
+              </p:nextCondLst>
+            </p:seq>
+          </p:childTnLst>
+        </p:cTn>
+      </p:par>
+    </p:tnLst>
+    <p:bldLst>
+      <p:bldP spid="2" grpId="0"/>
+    </p:bldLst>
+  </p:timing>
 </p:sld>
 </file>
 
@@ -11524,6 +17190,400 @@
   <p:clrMapOvr>
     <a:masterClrMapping/>
   </p:clrMapOvr>
+  <mc:AlternateContent xmlns:mc="http://schemas.openxmlformats.org/markup-compatibility/2006">
+    <mc:Choice xmlns:p15="http://schemas.microsoft.com/office/powerpoint/2012/main" Requires="p15">
+      <p:transition xmlns:p14="http://schemas.microsoft.com/office/powerpoint/2010/main" spd="slow" p14:dur="2000">
+        <p15:prstTrans prst="fallOver"/>
+      </p:transition>
+    </mc:Choice>
+    <mc:Fallback>
+      <p:transition spd="slow">
+        <p:fade/>
+      </p:transition>
+    </mc:Fallback>
+  </mc:AlternateContent>
+  <p:timing>
+    <p:tnLst>
+      <p:par>
+        <p:cTn id="1" dur="indefinite" restart="never" nodeType="tmRoot">
+          <p:childTnLst>
+            <p:seq concurrent="1" nextAc="seek">
+              <p:cTn id="2" dur="indefinite" nodeType="mainSeq">
+                <p:childTnLst>
+                  <p:par>
+                    <p:cTn id="3" fill="hold">
+                      <p:stCondLst>
+                        <p:cond delay="indefinite"/>
+                      </p:stCondLst>
+                      <p:childTnLst>
+                        <p:par>
+                          <p:cTn id="4" fill="hold">
+                            <p:stCondLst>
+                              <p:cond delay="0"/>
+                            </p:stCondLst>
+                            <p:childTnLst>
+                              <p:par>
+                                <p:cTn id="5" presetID="26" presetClass="entr" presetSubtype="0" fill="hold" grpId="0" nodeType="clickEffect">
+                                  <p:stCondLst>
+                                    <p:cond delay="0"/>
+                                  </p:stCondLst>
+                                  <p:childTnLst>
+                                    <p:set>
+                                      <p:cBhvr>
+                                        <p:cTn id="6" dur="1" fill="hold">
+                                          <p:stCondLst>
+                                            <p:cond delay="0"/>
+                                          </p:stCondLst>
+                                        </p:cTn>
+                                        <p:tgtEl>
+                                          <p:spTgt spid="2"/>
+                                        </p:tgtEl>
+                                        <p:attrNameLst>
+                                          <p:attrName>style.visibility</p:attrName>
+                                        </p:attrNameLst>
+                                      </p:cBhvr>
+                                      <p:to>
+                                        <p:strVal val="visible"/>
+                                      </p:to>
+                                    </p:set>
+                                    <p:animEffect transition="in" filter="wipe(down)">
+                                      <p:cBhvr>
+                                        <p:cTn id="7" dur="580">
+                                          <p:stCondLst>
+                                            <p:cond delay="0"/>
+                                          </p:stCondLst>
+                                        </p:cTn>
+                                        <p:tgtEl>
+                                          <p:spTgt spid="2"/>
+                                        </p:tgtEl>
+                                      </p:cBhvr>
+                                    </p:animEffect>
+                                    <p:anim calcmode="lin" valueType="num">
+                                      <p:cBhvr>
+                                        <p:cTn id="8" dur="1822" tmFilter="0,0; 0.14,0.36; 0.43,0.73; 0.71,0.91; 1.0,1.0">
+                                          <p:stCondLst>
+                                            <p:cond delay="0"/>
+                                          </p:stCondLst>
+                                        </p:cTn>
+                                        <p:tgtEl>
+                                          <p:spTgt spid="2"/>
+                                        </p:tgtEl>
+                                        <p:attrNameLst>
+                                          <p:attrName>ppt_x</p:attrName>
+                                        </p:attrNameLst>
+                                      </p:cBhvr>
+                                      <p:tavLst>
+                                        <p:tav tm="0">
+                                          <p:val>
+                                            <p:strVal val="#ppt_x-0.25"/>
+                                          </p:val>
+                                        </p:tav>
+                                        <p:tav tm="100000">
+                                          <p:val>
+                                            <p:strVal val="#ppt_x"/>
+                                          </p:val>
+                                        </p:tav>
+                                      </p:tavLst>
+                                    </p:anim>
+                                    <p:anim calcmode="lin" valueType="num">
+                                      <p:cBhvr>
+                                        <p:cTn id="9" dur="664" tmFilter="0.0,0.0; 0.25,0.07; 0.50,0.2; 0.75,0.467; 1.0,1.0">
+                                          <p:stCondLst>
+                                            <p:cond delay="0"/>
+                                          </p:stCondLst>
+                                        </p:cTn>
+                                        <p:tgtEl>
+                                          <p:spTgt spid="2"/>
+                                        </p:tgtEl>
+                                        <p:attrNameLst>
+                                          <p:attrName>ppt_y</p:attrName>
+                                        </p:attrNameLst>
+                                      </p:cBhvr>
+                                      <p:tavLst>
+                                        <p:tav tm="0" fmla="#ppt_y-sin(pi*$)/3">
+                                          <p:val>
+                                            <p:fltVal val="0.5"/>
+                                          </p:val>
+                                        </p:tav>
+                                        <p:tav tm="100000">
+                                          <p:val>
+                                            <p:fltVal val="1"/>
+                                          </p:val>
+                                        </p:tav>
+                                      </p:tavLst>
+                                    </p:anim>
+                                    <p:anim calcmode="lin" valueType="num">
+                                      <p:cBhvr>
+                                        <p:cTn id="10" dur="664" tmFilter="0, 0; 0.125,0.2665; 0.25,0.4; 0.375,0.465; 0.5,0.5;  0.625,0.535; 0.75,0.6; 0.875,0.7335; 1,1">
+                                          <p:stCondLst>
+                                            <p:cond delay="664"/>
+                                          </p:stCondLst>
+                                        </p:cTn>
+                                        <p:tgtEl>
+                                          <p:spTgt spid="2"/>
+                                        </p:tgtEl>
+                                        <p:attrNameLst>
+                                          <p:attrName>ppt_y</p:attrName>
+                                        </p:attrNameLst>
+                                      </p:cBhvr>
+                                      <p:tavLst>
+                                        <p:tav tm="0" fmla="#ppt_y-sin(pi*$)/9">
+                                          <p:val>
+                                            <p:fltVal val="0"/>
+                                          </p:val>
+                                        </p:tav>
+                                        <p:tav tm="100000">
+                                          <p:val>
+                                            <p:fltVal val="1"/>
+                                          </p:val>
+                                        </p:tav>
+                                      </p:tavLst>
+                                    </p:anim>
+                                    <p:anim calcmode="lin" valueType="num">
+                                      <p:cBhvr>
+                                        <p:cTn id="11" dur="332" tmFilter="0, 0; 0.125,0.2665; 0.25,0.4; 0.375,0.465; 0.5,0.5;  0.625,0.535; 0.75,0.6; 0.875,0.7335; 1,1">
+                                          <p:stCondLst>
+                                            <p:cond delay="1324"/>
+                                          </p:stCondLst>
+                                        </p:cTn>
+                                        <p:tgtEl>
+                                          <p:spTgt spid="2"/>
+                                        </p:tgtEl>
+                                        <p:attrNameLst>
+                                          <p:attrName>ppt_y</p:attrName>
+                                        </p:attrNameLst>
+                                      </p:cBhvr>
+                                      <p:tavLst>
+                                        <p:tav tm="0" fmla="#ppt_y-sin(pi*$)/27">
+                                          <p:val>
+                                            <p:fltVal val="0"/>
+                                          </p:val>
+                                        </p:tav>
+                                        <p:tav tm="100000">
+                                          <p:val>
+                                            <p:fltVal val="1"/>
+                                          </p:val>
+                                        </p:tav>
+                                      </p:tavLst>
+                                    </p:anim>
+                                    <p:anim calcmode="lin" valueType="num">
+                                      <p:cBhvr>
+                                        <p:cTn id="12" dur="164" tmFilter="0, 0; 0.125,0.2665; 0.25,0.4; 0.375,0.465; 0.5,0.5;  0.625,0.535; 0.75,0.6; 0.875,0.7335; 1,1">
+                                          <p:stCondLst>
+                                            <p:cond delay="1656"/>
+                                          </p:stCondLst>
+                                        </p:cTn>
+                                        <p:tgtEl>
+                                          <p:spTgt spid="2"/>
+                                        </p:tgtEl>
+                                        <p:attrNameLst>
+                                          <p:attrName>ppt_y</p:attrName>
+                                        </p:attrNameLst>
+                                      </p:cBhvr>
+                                      <p:tavLst>
+                                        <p:tav tm="0" fmla="#ppt_y-sin(pi*$)/81">
+                                          <p:val>
+                                            <p:fltVal val="0"/>
+                                          </p:val>
+                                        </p:tav>
+                                        <p:tav tm="100000">
+                                          <p:val>
+                                            <p:fltVal val="1"/>
+                                          </p:val>
+                                        </p:tav>
+                                      </p:tavLst>
+                                    </p:anim>
+                                    <p:animScale>
+                                      <p:cBhvr>
+                                        <p:cTn id="13" dur="26">
+                                          <p:stCondLst>
+                                            <p:cond delay="650"/>
+                                          </p:stCondLst>
+                                        </p:cTn>
+                                        <p:tgtEl>
+                                          <p:spTgt spid="2"/>
+                                        </p:tgtEl>
+                                      </p:cBhvr>
+                                      <p:to x="100000" y="60000"/>
+                                    </p:animScale>
+                                    <p:animScale>
+                                      <p:cBhvr>
+                                        <p:cTn id="14" dur="166" decel="50000">
+                                          <p:stCondLst>
+                                            <p:cond delay="676"/>
+                                          </p:stCondLst>
+                                        </p:cTn>
+                                        <p:tgtEl>
+                                          <p:spTgt spid="2"/>
+                                        </p:tgtEl>
+                                      </p:cBhvr>
+                                      <p:to x="100000" y="100000"/>
+                                    </p:animScale>
+                                    <p:animScale>
+                                      <p:cBhvr>
+                                        <p:cTn id="15" dur="26">
+                                          <p:stCondLst>
+                                            <p:cond delay="1312"/>
+                                          </p:stCondLst>
+                                        </p:cTn>
+                                        <p:tgtEl>
+                                          <p:spTgt spid="2"/>
+                                        </p:tgtEl>
+                                      </p:cBhvr>
+                                      <p:to x="100000" y="80000"/>
+                                    </p:animScale>
+                                    <p:animScale>
+                                      <p:cBhvr>
+                                        <p:cTn id="16" dur="166" decel="50000">
+                                          <p:stCondLst>
+                                            <p:cond delay="1338"/>
+                                          </p:stCondLst>
+                                        </p:cTn>
+                                        <p:tgtEl>
+                                          <p:spTgt spid="2"/>
+                                        </p:tgtEl>
+                                      </p:cBhvr>
+                                      <p:to x="100000" y="100000"/>
+                                    </p:animScale>
+                                    <p:animScale>
+                                      <p:cBhvr>
+                                        <p:cTn id="17" dur="26">
+                                          <p:stCondLst>
+                                            <p:cond delay="1642"/>
+                                          </p:stCondLst>
+                                        </p:cTn>
+                                        <p:tgtEl>
+                                          <p:spTgt spid="2"/>
+                                        </p:tgtEl>
+                                      </p:cBhvr>
+                                      <p:to x="100000" y="90000"/>
+                                    </p:animScale>
+                                    <p:animScale>
+                                      <p:cBhvr>
+                                        <p:cTn id="18" dur="166" decel="50000">
+                                          <p:stCondLst>
+                                            <p:cond delay="1668"/>
+                                          </p:stCondLst>
+                                        </p:cTn>
+                                        <p:tgtEl>
+                                          <p:spTgt spid="2"/>
+                                        </p:tgtEl>
+                                      </p:cBhvr>
+                                      <p:to x="100000" y="100000"/>
+                                    </p:animScale>
+                                    <p:animScale>
+                                      <p:cBhvr>
+                                        <p:cTn id="19" dur="26">
+                                          <p:stCondLst>
+                                            <p:cond delay="1808"/>
+                                          </p:stCondLst>
+                                        </p:cTn>
+                                        <p:tgtEl>
+                                          <p:spTgt spid="2"/>
+                                        </p:tgtEl>
+                                      </p:cBhvr>
+                                      <p:to x="100000" y="95000"/>
+                                    </p:animScale>
+                                    <p:animScale>
+                                      <p:cBhvr>
+                                        <p:cTn id="20" dur="166" decel="50000">
+                                          <p:stCondLst>
+                                            <p:cond delay="1834"/>
+                                          </p:stCondLst>
+                                        </p:cTn>
+                                        <p:tgtEl>
+                                          <p:spTgt spid="2"/>
+                                        </p:tgtEl>
+                                      </p:cBhvr>
+                                      <p:to x="100000" y="100000"/>
+                                    </p:animScale>
+                                  </p:childTnLst>
+                                </p:cTn>
+                              </p:par>
+                            </p:childTnLst>
+                          </p:cTn>
+                        </p:par>
+                      </p:childTnLst>
+                    </p:cTn>
+                  </p:par>
+                  <p:par>
+                    <p:cTn id="21" fill="hold">
+                      <p:stCondLst>
+                        <p:cond delay="indefinite"/>
+                      </p:stCondLst>
+                      <p:childTnLst>
+                        <p:par>
+                          <p:cTn id="22" fill="hold">
+                            <p:stCondLst>
+                              <p:cond delay="0"/>
+                            </p:stCondLst>
+                            <p:childTnLst>
+                              <p:par>
+                                <p:cTn id="23" presetID="14" presetClass="entr" presetSubtype="10" fill="hold" nodeType="clickEffect">
+                                  <p:stCondLst>
+                                    <p:cond delay="0"/>
+                                  </p:stCondLst>
+                                  <p:childTnLst>
+                                    <p:set>
+                                      <p:cBhvr>
+                                        <p:cTn id="24" dur="1" fill="hold">
+                                          <p:stCondLst>
+                                            <p:cond delay="0"/>
+                                          </p:stCondLst>
+                                        </p:cTn>
+                                        <p:tgtEl>
+                                          <p:spTgt spid="9"/>
+                                        </p:tgtEl>
+                                        <p:attrNameLst>
+                                          <p:attrName>style.visibility</p:attrName>
+                                        </p:attrNameLst>
+                                      </p:cBhvr>
+                                      <p:to>
+                                        <p:strVal val="visible"/>
+                                      </p:to>
+                                    </p:set>
+                                    <p:animEffect transition="in" filter="randombar(horizontal)">
+                                      <p:cBhvr>
+                                        <p:cTn id="25" dur="500"/>
+                                        <p:tgtEl>
+                                          <p:spTgt spid="9"/>
+                                        </p:tgtEl>
+                                      </p:cBhvr>
+                                    </p:animEffect>
+                                  </p:childTnLst>
+                                </p:cTn>
+                              </p:par>
+                            </p:childTnLst>
+                          </p:cTn>
+                        </p:par>
+                      </p:childTnLst>
+                    </p:cTn>
+                  </p:par>
+                </p:childTnLst>
+              </p:cTn>
+              <p:prevCondLst>
+                <p:cond evt="onPrev" delay="0">
+                  <p:tgtEl>
+                    <p:sldTgt/>
+                  </p:tgtEl>
+                </p:cond>
+              </p:prevCondLst>
+              <p:nextCondLst>
+                <p:cond evt="onNext" delay="0">
+                  <p:tgtEl>
+                    <p:sldTgt/>
+                  </p:tgtEl>
+                </p:cond>
+              </p:nextCondLst>
+            </p:seq>
+          </p:childTnLst>
+        </p:cTn>
+      </p:par>
+    </p:tnLst>
+    <p:bldLst>
+      <p:bldP spid="2" grpId="0"/>
+    </p:bldLst>
+  </p:timing>
 </p:sld>
 </file>
 

--- a/DataAnalytics_DatasetActivities.pptx
+++ b/DataAnalytics_DatasetActivities.pptx
@@ -5,7 +5,7 @@
     <p:sldMasterId id="2147483648" r:id="rId1"/>
   </p:sldMasterIdLst>
   <p:notesMasterIdLst>
-    <p:notesMasterId r:id="rId15"/>
+    <p:notesMasterId r:id="rId17"/>
   </p:notesMasterIdLst>
   <p:sldIdLst>
     <p:sldId id="256" r:id="rId2"/>
@@ -14,13 +14,15 @@
     <p:sldId id="258" r:id="rId5"/>
     <p:sldId id="260" r:id="rId6"/>
     <p:sldId id="261" r:id="rId7"/>
-    <p:sldId id="262" r:id="rId8"/>
-    <p:sldId id="263" r:id="rId9"/>
-    <p:sldId id="264" r:id="rId10"/>
-    <p:sldId id="265" r:id="rId11"/>
-    <p:sldId id="266" r:id="rId12"/>
-    <p:sldId id="267" r:id="rId13"/>
-    <p:sldId id="270" r:id="rId14"/>
+    <p:sldId id="273" r:id="rId8"/>
+    <p:sldId id="274" r:id="rId9"/>
+    <p:sldId id="262" r:id="rId10"/>
+    <p:sldId id="263" r:id="rId11"/>
+    <p:sldId id="264" r:id="rId12"/>
+    <p:sldId id="265" r:id="rId13"/>
+    <p:sldId id="266" r:id="rId14"/>
+    <p:sldId id="267" r:id="rId15"/>
+    <p:sldId id="270" r:id="rId16"/>
   </p:sldIdLst>
   <p:sldSz cx="12192000" cy="6858000"/>
   <p:notesSz cx="6858000" cy="9144000"/>
@@ -209,7 +211,7 @@
           <a:p>
             <a:fld id="{C85D4FDB-1C82-46BC-BE36-67A652DD1698}" type="datetimeFigureOut">
               <a:rPr lang="it-IT" smtClean="0"/>
-              <a:t>21/06/2023</a:t>
+              <a:t>22/06/2023</a:t>
             </a:fld>
             <a:endParaRPr lang="it-IT"/>
           </a:p>
@@ -623,7 +625,7 @@
           <a:p>
             <a:fld id="{4E3C1B35-1D73-4824-8B85-248FEE780469}" type="datetime1">
               <a:rPr lang="it-IT" smtClean="0"/>
-              <a:t>21/06/2023</a:t>
+              <a:t>22/06/2023</a:t>
             </a:fld>
             <a:endParaRPr lang="it-IT"/>
           </a:p>
@@ -824,7 +826,7 @@
           <a:p>
             <a:fld id="{D2EFEC9A-1383-4375-99C4-E3BBE41F09DC}" type="datetime1">
               <a:rPr lang="it-IT" smtClean="0"/>
-              <a:t>21/06/2023</a:t>
+              <a:t>22/06/2023</a:t>
             </a:fld>
             <a:endParaRPr lang="it-IT"/>
           </a:p>
@@ -1035,7 +1037,7 @@
           <a:p>
             <a:fld id="{57F6599D-5474-49AC-9AA3-C4171C4A3B07}" type="datetime1">
               <a:rPr lang="it-IT" smtClean="0"/>
-              <a:t>21/06/2023</a:t>
+              <a:t>22/06/2023</a:t>
             </a:fld>
             <a:endParaRPr lang="it-IT"/>
           </a:p>
@@ -1236,7 +1238,7 @@
           <a:p>
             <a:fld id="{E492377B-525B-4E55-93E4-832701CA0485}" type="datetime1">
               <a:rPr lang="it-IT" smtClean="0"/>
-              <a:t>21/06/2023</a:t>
+              <a:t>22/06/2023</a:t>
             </a:fld>
             <a:endParaRPr lang="it-IT"/>
           </a:p>
@@ -1514,7 +1516,7 @@
           <a:p>
             <a:fld id="{6BFE42BC-1505-4DAC-9C3B-04F523E16490}" type="datetime1">
               <a:rPr lang="it-IT" smtClean="0"/>
-              <a:t>21/06/2023</a:t>
+              <a:t>22/06/2023</a:t>
             </a:fld>
             <a:endParaRPr lang="it-IT"/>
           </a:p>
@@ -1782,7 +1784,7 @@
           <a:p>
             <a:fld id="{5F647B4D-680C-4B2D-9651-B37FB7EEA116}" type="datetime1">
               <a:rPr lang="it-IT" smtClean="0"/>
-              <a:t>21/06/2023</a:t>
+              <a:t>22/06/2023</a:t>
             </a:fld>
             <a:endParaRPr lang="it-IT"/>
           </a:p>
@@ -2197,7 +2199,7 @@
           <a:p>
             <a:fld id="{1C28B3AC-58FE-45D7-B975-977062B29425}" type="datetime1">
               <a:rPr lang="it-IT" smtClean="0"/>
-              <a:t>21/06/2023</a:t>
+              <a:t>22/06/2023</a:t>
             </a:fld>
             <a:endParaRPr lang="it-IT"/>
           </a:p>
@@ -2341,7 +2343,7 @@
           <a:p>
             <a:fld id="{A0D8F368-0A03-43AD-98CC-E840D2B41056}" type="datetime1">
               <a:rPr lang="it-IT" smtClean="0"/>
-              <a:t>21/06/2023</a:t>
+              <a:t>22/06/2023</a:t>
             </a:fld>
             <a:endParaRPr lang="it-IT"/>
           </a:p>
@@ -2457,7 +2459,7 @@
           <a:p>
             <a:fld id="{54030439-2E60-41A4-9336-A979CF38C742}" type="datetime1">
               <a:rPr lang="it-IT" smtClean="0"/>
-              <a:t>21/06/2023</a:t>
+              <a:t>22/06/2023</a:t>
             </a:fld>
             <a:endParaRPr lang="it-IT"/>
           </a:p>
@@ -2771,7 +2773,7 @@
           <a:p>
             <a:fld id="{DEB5B384-AF21-46C1-9EAC-07F0C3D21331}" type="datetime1">
               <a:rPr lang="it-IT" smtClean="0"/>
-              <a:t>21/06/2023</a:t>
+              <a:t>22/06/2023</a:t>
             </a:fld>
             <a:endParaRPr lang="it-IT"/>
           </a:p>
@@ -3062,7 +3064,7 @@
           <a:p>
             <a:fld id="{512BEC7D-277B-4686-98FD-7564EA1DA8A7}" type="datetime1">
               <a:rPr lang="it-IT" smtClean="0"/>
-              <a:t>21/06/2023</a:t>
+              <a:t>22/06/2023</a:t>
             </a:fld>
             <a:endParaRPr lang="it-IT"/>
           </a:p>
@@ -3306,7 +3308,7 @@
           <a:p>
             <a:fld id="{33D48915-0BAF-4297-B80E-6086B471DB6B}" type="datetime1">
               <a:rPr lang="it-IT" smtClean="0"/>
-              <a:t>21/06/2023</a:t>
+              <a:t>22/06/2023</a:t>
             </a:fld>
             <a:endParaRPr lang="it-IT"/>
           </a:p>
@@ -4460,13 +4462,13 @@
   <p:clrMapOvr>
     <a:masterClrMapping/>
   </p:clrMapOvr>
-  <mc:AlternateContent xmlns:mc="http://schemas.openxmlformats.org/markup-compatibility/2006">
-    <mc:Choice xmlns:p159="http://schemas.microsoft.com/office/powerpoint/2015/09/main" Requires="p159">
+  <mc:AlternateContent xmlns:mc="http://schemas.openxmlformats.org/markup-compatibility/2006" xmlns:p159="http://schemas.microsoft.com/office/powerpoint/2015/09/main">
+    <mc:Choice Requires="p159">
       <p:transition xmlns:p14="http://schemas.microsoft.com/office/powerpoint/2010/main" spd="slow" p14:dur="2000">
         <p159:morph option="byObject"/>
       </p:transition>
     </mc:Choice>
-    <mc:Fallback>
+    <mc:Fallback xmlns="">
       <p:transition spd="slow">
         <p:fade/>
       </p:transition>
@@ -5001,7 +5003,7 @@
           <p:cNvPr id="2" name="Titolo 1">
             <a:extLst>
               <a:ext uri="{FF2B5EF4-FFF2-40B4-BE49-F238E27FC236}">
-                <a16:creationId xmlns:a16="http://schemas.microsoft.com/office/drawing/2014/main" id="{5C7967C6-3BD2-2FE0-004E-77084268D6A5}"/>
+                <a16:creationId xmlns:a16="http://schemas.microsoft.com/office/drawing/2014/main" id="{65B45885-66D2-70AF-7D74-B416745D229F}"/>
               </a:ext>
             </a:extLst>
           </p:cNvPr>
@@ -5026,20 +5028,25 @@
           <a:p>
             <a:r>
               <a:rPr lang="it-IT" sz="4000" dirty="0" err="1"/>
-              <a:t>Supervised</a:t>
+              <a:t>Exploratory</a:t>
             </a:r>
             <a:r>
               <a:rPr lang="it-IT" sz="4000" dirty="0"/>
-              <a:t> Learning: </a:t>
+              <a:t> Analysis: </a:t>
             </a:r>
             <a:r>
               <a:rPr lang="it-IT" sz="4000" dirty="0" err="1"/>
-              <a:t>Decision</a:t>
+              <a:t>Correlation</a:t>
             </a:r>
             <a:r>
               <a:rPr lang="it-IT" sz="4000" dirty="0"/>
-              <a:t> Tree</a:t>
-            </a:r>
+              <a:t> </a:t>
+            </a:r>
+            <a:r>
+              <a:rPr lang="it-IT" sz="4000" dirty="0" err="1"/>
+              <a:t>matrix</a:t>
+            </a:r>
+            <a:endParaRPr lang="it-IT" sz="4000" dirty="0"/>
           </a:p>
         </p:txBody>
       </p:sp>
@@ -5116,7 +5123,7 @@
           <p:cNvPr id="4" name="Segnaposto piè di pagina 3">
             <a:extLst>
               <a:ext uri="{FF2B5EF4-FFF2-40B4-BE49-F238E27FC236}">
-                <a16:creationId xmlns:a16="http://schemas.microsoft.com/office/drawing/2014/main" id="{9458AC86-CD11-6CB3-C1AB-A3636EB22A73}"/>
+                <a16:creationId xmlns:a16="http://schemas.microsoft.com/office/drawing/2014/main" id="{5E5D7C85-FC3E-956A-574E-C74A3C9E6A9A}"/>
               </a:ext>
             </a:extLst>
           </p:cNvPr>
@@ -5163,7 +5170,7 @@
           <p:cNvPr id="5" name="Segnaposto numero diapositiva 4">
             <a:extLst>
               <a:ext uri="{FF2B5EF4-FFF2-40B4-BE49-F238E27FC236}">
-                <a16:creationId xmlns:a16="http://schemas.microsoft.com/office/drawing/2014/main" id="{AE923FEA-FC96-3708-BC2B-0D8EBF822C8D}"/>
+                <a16:creationId xmlns:a16="http://schemas.microsoft.com/office/drawing/2014/main" id="{BCFFFF50-84E5-53F7-8266-9861A80BA3C0}"/>
               </a:ext>
             </a:extLst>
           </p:cNvPr>
@@ -5220,10 +5227,10 @@
       </p:sp>
       <p:pic>
         <p:nvPicPr>
-          <p:cNvPr id="7" name="Immagine 6">
+          <p:cNvPr id="7" name="Immagine 6" descr="Immagine che contiene testo, schermata, Policromia, modello&#10;&#10;Descrizione generata automaticamente">
             <a:extLst>
               <a:ext uri="{FF2B5EF4-FFF2-40B4-BE49-F238E27FC236}">
-                <a16:creationId xmlns:a16="http://schemas.microsoft.com/office/drawing/2014/main" id="{29184363-1102-EBC1-ADA7-141A8AD93277}"/>
+                <a16:creationId xmlns:a16="http://schemas.microsoft.com/office/drawing/2014/main" id="{B4E86752-9CA5-57C6-FA85-A9DFAF8F84B6}"/>
               </a:ext>
             </a:extLst>
           </p:cNvPr>
@@ -5246,44 +5253,8 @@
         </p:blipFill>
         <p:spPr>
           <a:xfrm>
-            <a:off x="498834" y="3735740"/>
-            <a:ext cx="4495869" cy="930180"/>
-          </a:xfrm>
-          <a:prstGeom prst="rect">
-            <a:avLst/>
-          </a:prstGeom>
-        </p:spPr>
-      </p:pic>
-      <p:pic>
-        <p:nvPicPr>
-          <p:cNvPr id="13" name="Immagine 12" descr="Immagine che contiene testo, schermata, Carattere, cerchio&#10;&#10;Descrizione generata automaticamente">
-            <a:extLst>
-              <a:ext uri="{FF2B5EF4-FFF2-40B4-BE49-F238E27FC236}">
-                <a16:creationId xmlns:a16="http://schemas.microsoft.com/office/drawing/2014/main" id="{C53B293D-F8EB-EE95-93FA-A2EAA3BD8A9E}"/>
-              </a:ext>
-            </a:extLst>
-          </p:cNvPr>
-          <p:cNvPicPr>
-            <a:picLocks noChangeAspect="1"/>
-          </p:cNvPicPr>
-          <p:nvPr/>
-        </p:nvPicPr>
-        <p:blipFill>
-          <a:blip r:embed="rId3">
-            <a:extLst>
-              <a:ext uri="{28A0092B-C50C-407E-A947-70E740481C1C}">
-                <a14:useLocalDpi xmlns:a14="http://schemas.microsoft.com/office/drawing/2010/main" val="0"/>
-              </a:ext>
-            </a:extLst>
-          </a:blip>
-          <a:stretch>
-            <a:fillRect/>
-          </a:stretch>
-        </p:blipFill>
-        <p:spPr>
-          <a:xfrm>
-            <a:off x="5493537" y="2255760"/>
-            <a:ext cx="5715000" cy="3810000"/>
+            <a:off x="3297990" y="2011680"/>
+            <a:ext cx="5381776" cy="4318769"/>
           </a:xfrm>
           <a:prstGeom prst="rect">
             <a:avLst/>
@@ -5293,25 +5264,16 @@
     </p:spTree>
     <p:extLst>
       <p:ext uri="{BB962C8B-B14F-4D97-AF65-F5344CB8AC3E}">
-        <p14:creationId xmlns:p14="http://schemas.microsoft.com/office/powerpoint/2010/main" val="4172999328"/>
+        <p14:creationId xmlns:p14="http://schemas.microsoft.com/office/powerpoint/2010/main" val="2380247478"/>
       </p:ext>
     </p:extLst>
   </p:cSld>
   <p:clrMapOvr>
     <a:masterClrMapping/>
   </p:clrMapOvr>
-  <mc:AlternateContent xmlns:mc="http://schemas.openxmlformats.org/markup-compatibility/2006">
-    <mc:Choice xmlns:p15="http://schemas.microsoft.com/office/powerpoint/2012/main" Requires="p15">
-      <p:transition xmlns:p14="http://schemas.microsoft.com/office/powerpoint/2010/main" spd="slow" p14:dur="2000">
-        <p15:prstTrans prst="wind"/>
-      </p:transition>
-    </mc:Choice>
-    <mc:Fallback>
-      <p:transition spd="slow">
-        <p:fade/>
-      </p:transition>
-    </mc:Fallback>
-  </mc:AlternateContent>
+  <p:transition spd="slow">
+    <p:randomBar dir="vert"/>
+  </p:transition>
   <p:timing>
     <p:tnLst>
       <p:par>
@@ -5333,7 +5295,7 @@
                             </p:stCondLst>
                             <p:childTnLst>
                               <p:par>
-                                <p:cTn id="5" presetID="16" presetClass="entr" presetSubtype="21" fill="hold" grpId="0" nodeType="clickEffect">
+                                <p:cTn id="5" presetID="53" presetClass="entr" presetSubtype="16" fill="hold" grpId="0" nodeType="clickEffect">
                                   <p:stCondLst>
                                     <p:cond delay="0"/>
                                   </p:stCondLst>
@@ -5356,9 +5318,55 @@
                                         <p:strVal val="visible"/>
                                       </p:to>
                                     </p:set>
-                                    <p:animEffect transition="in" filter="barn(inVertical)">
-                                      <p:cBhvr>
-                                        <p:cTn id="7" dur="500"/>
+                                    <p:anim calcmode="lin" valueType="num">
+                                      <p:cBhvr>
+                                        <p:cTn id="7" dur="500" fill="hold"/>
+                                        <p:tgtEl>
+                                          <p:spTgt spid="2"/>
+                                        </p:tgtEl>
+                                        <p:attrNameLst>
+                                          <p:attrName>ppt_w</p:attrName>
+                                        </p:attrNameLst>
+                                      </p:cBhvr>
+                                      <p:tavLst>
+                                        <p:tav tm="0">
+                                          <p:val>
+                                            <p:fltVal val="0"/>
+                                          </p:val>
+                                        </p:tav>
+                                        <p:tav tm="100000">
+                                          <p:val>
+                                            <p:strVal val="#ppt_w"/>
+                                          </p:val>
+                                        </p:tav>
+                                      </p:tavLst>
+                                    </p:anim>
+                                    <p:anim calcmode="lin" valueType="num">
+                                      <p:cBhvr>
+                                        <p:cTn id="8" dur="500" fill="hold"/>
+                                        <p:tgtEl>
+                                          <p:spTgt spid="2"/>
+                                        </p:tgtEl>
+                                        <p:attrNameLst>
+                                          <p:attrName>ppt_h</p:attrName>
+                                        </p:attrNameLst>
+                                      </p:cBhvr>
+                                      <p:tavLst>
+                                        <p:tav tm="0">
+                                          <p:val>
+                                            <p:fltVal val="0"/>
+                                          </p:val>
+                                        </p:tav>
+                                        <p:tav tm="100000">
+                                          <p:val>
+                                            <p:strVal val="#ppt_h"/>
+                                          </p:val>
+                                        </p:tav>
+                                      </p:tavLst>
+                                    </p:anim>
+                                    <p:animEffect transition="in" filter="fade">
+                                      <p:cBhvr>
+                                        <p:cTn id="9" dur="500"/>
                                         <p:tgtEl>
                                           <p:spTgt spid="2"/>
                                         </p:tgtEl>
@@ -5374,85 +5382,32 @@
                     </p:cTn>
                   </p:par>
                   <p:par>
-                    <p:cTn id="8" fill="hold">
+                    <p:cTn id="10" fill="hold">
                       <p:stCondLst>
                         <p:cond delay="indefinite"/>
                       </p:stCondLst>
                       <p:childTnLst>
                         <p:par>
-                          <p:cTn id="9" fill="hold">
+                          <p:cTn id="11" fill="hold">
                             <p:stCondLst>
                               <p:cond delay="0"/>
                             </p:stCondLst>
                             <p:childTnLst>
                               <p:par>
-                                <p:cTn id="10" presetID="22" presetClass="entr" presetSubtype="4" fill="hold" nodeType="clickEffect">
+                                <p:cTn id="12" presetID="10" presetClass="entr" presetSubtype="0" fill="hold" nodeType="clickEffect">
                                   <p:stCondLst>
                                     <p:cond delay="0"/>
                                   </p:stCondLst>
                                   <p:childTnLst>
                                     <p:set>
                                       <p:cBhvr>
-                                        <p:cTn id="11" dur="1" fill="hold">
+                                        <p:cTn id="13" dur="1" fill="hold">
                                           <p:stCondLst>
                                             <p:cond delay="0"/>
                                           </p:stCondLst>
                                         </p:cTn>
                                         <p:tgtEl>
                                           <p:spTgt spid="7"/>
-                                        </p:tgtEl>
-                                        <p:attrNameLst>
-                                          <p:attrName>style.visibility</p:attrName>
-                                        </p:attrNameLst>
-                                      </p:cBhvr>
-                                      <p:to>
-                                        <p:strVal val="visible"/>
-                                      </p:to>
-                                    </p:set>
-                                    <p:animEffect transition="in" filter="wipe(down)">
-                                      <p:cBhvr>
-                                        <p:cTn id="12" dur="500"/>
-                                        <p:tgtEl>
-                                          <p:spTgt spid="7"/>
-                                        </p:tgtEl>
-                                      </p:cBhvr>
-                                    </p:animEffect>
-                                  </p:childTnLst>
-                                </p:cTn>
-                              </p:par>
-                            </p:childTnLst>
-                          </p:cTn>
-                        </p:par>
-                      </p:childTnLst>
-                    </p:cTn>
-                  </p:par>
-                  <p:par>
-                    <p:cTn id="13" fill="hold">
-                      <p:stCondLst>
-                        <p:cond delay="indefinite"/>
-                      </p:stCondLst>
-                      <p:childTnLst>
-                        <p:par>
-                          <p:cTn id="14" fill="hold">
-                            <p:stCondLst>
-                              <p:cond delay="0"/>
-                            </p:stCondLst>
-                            <p:childTnLst>
-                              <p:par>
-                                <p:cTn id="15" presetID="42" presetClass="entr" presetSubtype="0" fill="hold" nodeType="clickEffect">
-                                  <p:stCondLst>
-                                    <p:cond delay="0"/>
-                                  </p:stCondLst>
-                                  <p:childTnLst>
-                                    <p:set>
-                                      <p:cBhvr>
-                                        <p:cTn id="16" dur="1" fill="hold">
-                                          <p:stCondLst>
-                                            <p:cond delay="0"/>
-                                          </p:stCondLst>
-                                        </p:cTn>
-                                        <p:tgtEl>
-                                          <p:spTgt spid="13"/>
                                         </p:tgtEl>
                                         <p:attrNameLst>
                                           <p:attrName>style.visibility</p:attrName>
@@ -5464,58 +5419,12 @@
                                     </p:set>
                                     <p:animEffect transition="in" filter="fade">
                                       <p:cBhvr>
-                                        <p:cTn id="17" dur="1000"/>
-                                        <p:tgtEl>
-                                          <p:spTgt spid="13"/>
+                                        <p:cTn id="14" dur="500"/>
+                                        <p:tgtEl>
+                                          <p:spTgt spid="7"/>
                                         </p:tgtEl>
                                       </p:cBhvr>
                                     </p:animEffect>
-                                    <p:anim calcmode="lin" valueType="num">
-                                      <p:cBhvr>
-                                        <p:cTn id="18" dur="1000" fill="hold"/>
-                                        <p:tgtEl>
-                                          <p:spTgt spid="13"/>
-                                        </p:tgtEl>
-                                        <p:attrNameLst>
-                                          <p:attrName>ppt_x</p:attrName>
-                                        </p:attrNameLst>
-                                      </p:cBhvr>
-                                      <p:tavLst>
-                                        <p:tav tm="0">
-                                          <p:val>
-                                            <p:strVal val="#ppt_x"/>
-                                          </p:val>
-                                        </p:tav>
-                                        <p:tav tm="100000">
-                                          <p:val>
-                                            <p:strVal val="#ppt_x"/>
-                                          </p:val>
-                                        </p:tav>
-                                      </p:tavLst>
-                                    </p:anim>
-                                    <p:anim calcmode="lin" valueType="num">
-                                      <p:cBhvr>
-                                        <p:cTn id="19" dur="1000" fill="hold"/>
-                                        <p:tgtEl>
-                                          <p:spTgt spid="13"/>
-                                        </p:tgtEl>
-                                        <p:attrNameLst>
-                                          <p:attrName>ppt_y</p:attrName>
-                                        </p:attrNameLst>
-                                      </p:cBhvr>
-                                      <p:tavLst>
-                                        <p:tav tm="0">
-                                          <p:val>
-                                            <p:strVal val="#ppt_y+.1"/>
-                                          </p:val>
-                                        </p:tav>
-                                        <p:tav tm="100000">
-                                          <p:val>
-                                            <p:strVal val="#ppt_y"/>
-                                          </p:val>
-                                        </p:tav>
-                                      </p:tavLst>
-                                    </p:anim>
                                   </p:childTnLst>
                                 </p:cTn>
                               </p:par>
@@ -5832,7 +5741,7 @@
           <p:cNvPr id="2" name="Titolo 1">
             <a:extLst>
               <a:ext uri="{FF2B5EF4-FFF2-40B4-BE49-F238E27FC236}">
-                <a16:creationId xmlns:a16="http://schemas.microsoft.com/office/drawing/2014/main" id="{3E366B01-24AC-C944-828B-B1B44B8E8B6C}"/>
+                <a16:creationId xmlns:a16="http://schemas.microsoft.com/office/drawing/2014/main" id="{FF8242AA-169A-C79C-C81A-2B87956FBA26}"/>
               </a:ext>
             </a:extLst>
           </p:cNvPr>
@@ -5845,7 +5754,7 @@
         </p:nvSpPr>
         <p:spPr>
           <a:xfrm>
-            <a:off x="1115568" y="535388"/>
+            <a:off x="1115568" y="548640"/>
             <a:ext cx="10168128" cy="1179576"/>
           </a:xfrm>
         </p:spPr>
@@ -5857,11 +5766,11 @@
           <a:p>
             <a:r>
               <a:rPr lang="it-IT" sz="4000" dirty="0" err="1"/>
-              <a:t>Supervised</a:t>
+              <a:t>Unsupervised</a:t>
             </a:r>
             <a:r>
               <a:rPr lang="it-IT" sz="4000" dirty="0"/>
-              <a:t> Learning: SVM</a:t>
+              <a:t> Learning: Clustering</a:t>
             </a:r>
           </a:p>
         </p:txBody>
@@ -5939,7 +5848,7 @@
           <p:cNvPr id="4" name="Segnaposto piè di pagina 3">
             <a:extLst>
               <a:ext uri="{FF2B5EF4-FFF2-40B4-BE49-F238E27FC236}">
-                <a16:creationId xmlns:a16="http://schemas.microsoft.com/office/drawing/2014/main" id="{78AFB4C5-14E4-50ED-A898-21A06746CBA4}"/>
+                <a16:creationId xmlns:a16="http://schemas.microsoft.com/office/drawing/2014/main" id="{05193A5C-6A11-61E3-6FCF-170EE541C9F3}"/>
               </a:ext>
             </a:extLst>
           </p:cNvPr>
@@ -5986,7 +5895,7 @@
           <p:cNvPr id="5" name="Segnaposto numero diapositiva 4">
             <a:extLst>
               <a:ext uri="{FF2B5EF4-FFF2-40B4-BE49-F238E27FC236}">
-                <a16:creationId xmlns:a16="http://schemas.microsoft.com/office/drawing/2014/main" id="{052F24D0-A58C-0FCA-0AA4-1A634BB5D095}"/>
+                <a16:creationId xmlns:a16="http://schemas.microsoft.com/office/drawing/2014/main" id="{FA1ADE8D-90D4-DBDE-7349-A877433822B2}"/>
               </a:ext>
             </a:extLst>
           </p:cNvPr>
@@ -6043,10 +5952,10 @@
       </p:sp>
       <p:pic>
         <p:nvPicPr>
-          <p:cNvPr id="7" name="Immagine 6">
+          <p:cNvPr id="6" name="Immagine 5" descr="Immagine che contiene diagramma, Diagramma, testo, schermata&#10;&#10;Descrizione generata automaticamente">
             <a:extLst>
               <a:ext uri="{FF2B5EF4-FFF2-40B4-BE49-F238E27FC236}">
-                <a16:creationId xmlns:a16="http://schemas.microsoft.com/office/drawing/2014/main" id="{FC970A1D-94D1-ACC6-8573-88760F4A1343}"/>
+                <a16:creationId xmlns:a16="http://schemas.microsoft.com/office/drawing/2014/main" id="{53CE19DE-136A-C092-8918-07948A7F42EF}"/>
               </a:ext>
             </a:extLst>
           </p:cNvPr>
@@ -6069,44 +5978,8 @@
         </p:blipFill>
         <p:spPr>
           <a:xfrm>
-            <a:off x="566928" y="3428999"/>
-            <a:ext cx="3980150" cy="819443"/>
-          </a:xfrm>
-          <a:prstGeom prst="rect">
-            <a:avLst/>
-          </a:prstGeom>
-        </p:spPr>
-      </p:pic>
-      <p:pic>
-        <p:nvPicPr>
-          <p:cNvPr id="9" name="Immagine 8" descr="Immagine che contiene Policromia, Lilac, cerchio&#10;&#10;Descrizione generata automaticamente">
-            <a:extLst>
-              <a:ext uri="{FF2B5EF4-FFF2-40B4-BE49-F238E27FC236}">
-                <a16:creationId xmlns:a16="http://schemas.microsoft.com/office/drawing/2014/main" id="{14324252-BDB6-0FF4-E3CB-922C69D2E024}"/>
-              </a:ext>
-            </a:extLst>
-          </p:cNvPr>
-          <p:cNvPicPr>
-            <a:picLocks noChangeAspect="1"/>
-          </p:cNvPicPr>
-          <p:nvPr/>
-        </p:nvPicPr>
-        <p:blipFill>
-          <a:blip r:embed="rId3">
-            <a:extLst>
-              <a:ext uri="{28A0092B-C50C-407E-A947-70E740481C1C}">
-                <a14:useLocalDpi xmlns:a14="http://schemas.microsoft.com/office/drawing/2010/main" val="0"/>
-              </a:ext>
-            </a:extLst>
-          </a:blip>
-          <a:stretch>
-            <a:fillRect/>
-          </a:stretch>
-        </p:blipFill>
-        <p:spPr>
-          <a:xfrm>
-            <a:off x="6897677" y="2888062"/>
-            <a:ext cx="3980150" cy="1896123"/>
+            <a:off x="190535" y="2487168"/>
+            <a:ext cx="11810930" cy="3788904"/>
           </a:xfrm>
           <a:prstGeom prst="rect">
             <a:avLst/>
@@ -6116,20 +5989,20 @@
     </p:spTree>
     <p:extLst>
       <p:ext uri="{BB962C8B-B14F-4D97-AF65-F5344CB8AC3E}">
-        <p14:creationId xmlns:p14="http://schemas.microsoft.com/office/powerpoint/2010/main" val="1191542652"/>
+        <p14:creationId xmlns:p14="http://schemas.microsoft.com/office/powerpoint/2010/main" val="34164078"/>
       </p:ext>
     </p:extLst>
   </p:cSld>
   <p:clrMapOvr>
     <a:masterClrMapping/>
   </p:clrMapOvr>
-  <mc:AlternateContent xmlns:mc="http://schemas.openxmlformats.org/markup-compatibility/2006">
-    <mc:Choice xmlns:p14="http://schemas.microsoft.com/office/powerpoint/2010/main" Requires="p14">
-      <p:transition spd="slow">
-        <p14:flash/>
+  <mc:AlternateContent xmlns:mc="http://schemas.openxmlformats.org/markup-compatibility/2006" xmlns:p15="http://schemas.microsoft.com/office/powerpoint/2012/main">
+    <mc:Choice Requires="p15">
+      <p:transition xmlns:p14="http://schemas.microsoft.com/office/powerpoint/2010/main" spd="slow" p14:dur="2000">
+        <p15:prstTrans prst="fallOver"/>
       </p:transition>
     </mc:Choice>
-    <mc:Fallback>
+    <mc:Fallback xmlns="">
       <p:transition spd="slow">
         <p:fade/>
       </p:transition>
@@ -6156,7 +6029,7 @@
                             </p:stCondLst>
                             <p:childTnLst>
                               <p:par>
-                                <p:cTn id="5" presetID="42" presetClass="entr" presetSubtype="0" fill="hold" grpId="0" nodeType="clickEffect">
+                                <p:cTn id="5" presetID="26" presetClass="entr" presetSubtype="0" fill="hold" grpId="0" nodeType="clickEffect">
                                   <p:stCondLst>
                                     <p:cond delay="0"/>
                                   </p:stCondLst>
@@ -6179,9 +6052,13 @@
                                         <p:strVal val="visible"/>
                                       </p:to>
                                     </p:set>
-                                    <p:animEffect transition="in" filter="fade">
-                                      <p:cBhvr>
-                                        <p:cTn id="7" dur="1000"/>
+                                    <p:animEffect transition="in" filter="wipe(down)">
+                                      <p:cBhvr>
+                                        <p:cTn id="7" dur="580">
+                                          <p:stCondLst>
+                                            <p:cond delay="0"/>
+                                          </p:stCondLst>
+                                        </p:cTn>
                                         <p:tgtEl>
                                           <p:spTgt spid="2"/>
                                         </p:tgtEl>
@@ -6189,7 +6066,11 @@
                                     </p:animEffect>
                                     <p:anim calcmode="lin" valueType="num">
                                       <p:cBhvr>
-                                        <p:cTn id="8" dur="1000" fill="hold"/>
+                                        <p:cTn id="8" dur="1822" tmFilter="0,0; 0.14,0.36; 0.43,0.73; 0.71,0.91; 1.0,1.0">
+                                          <p:stCondLst>
+                                            <p:cond delay="0"/>
+                                          </p:stCondLst>
+                                        </p:cTn>
                                         <p:tgtEl>
                                           <p:spTgt spid="2"/>
                                         </p:tgtEl>
@@ -6200,7 +6081,7 @@
                                       <p:tavLst>
                                         <p:tav tm="0">
                                           <p:val>
-                                            <p:strVal val="#ppt_x"/>
+                                            <p:strVal val="#ppt_x-0.25"/>
                                           </p:val>
                                         </p:tav>
                                         <p:tav tm="100000">
@@ -6212,7 +6093,11 @@
                                     </p:anim>
                                     <p:anim calcmode="lin" valueType="num">
                                       <p:cBhvr>
-                                        <p:cTn id="9" dur="1000" fill="hold"/>
+                                        <p:cTn id="9" dur="664" tmFilter="0.0,0.0; 0.25,0.07; 0.50,0.2; 0.75,0.467; 1.0,1.0">
+                                          <p:stCondLst>
+                                            <p:cond delay="0"/>
+                                          </p:stCondLst>
+                                        </p:cTn>
                                         <p:tgtEl>
                                           <p:spTgt spid="2"/>
                                         </p:tgtEl>
@@ -6221,18 +6106,203 @@
                                         </p:attrNameLst>
                                       </p:cBhvr>
                                       <p:tavLst>
-                                        <p:tav tm="0">
+                                        <p:tav tm="0" fmla="#ppt_y-sin(pi*$)/3">
                                           <p:val>
-                                            <p:strVal val="#ppt_y+.1"/>
+                                            <p:fltVal val="0.5"/>
                                           </p:val>
                                         </p:tav>
                                         <p:tav tm="100000">
                                           <p:val>
-                                            <p:strVal val="#ppt_y"/>
+                                            <p:fltVal val="1"/>
                                           </p:val>
                                         </p:tav>
                                       </p:tavLst>
                                     </p:anim>
+                                    <p:anim calcmode="lin" valueType="num">
+                                      <p:cBhvr>
+                                        <p:cTn id="10" dur="664" tmFilter="0, 0; 0.125,0.2665; 0.25,0.4; 0.375,0.465; 0.5,0.5;  0.625,0.535; 0.75,0.6; 0.875,0.7335; 1,1">
+                                          <p:stCondLst>
+                                            <p:cond delay="664"/>
+                                          </p:stCondLst>
+                                        </p:cTn>
+                                        <p:tgtEl>
+                                          <p:spTgt spid="2"/>
+                                        </p:tgtEl>
+                                        <p:attrNameLst>
+                                          <p:attrName>ppt_y</p:attrName>
+                                        </p:attrNameLst>
+                                      </p:cBhvr>
+                                      <p:tavLst>
+                                        <p:tav tm="0" fmla="#ppt_y-sin(pi*$)/9">
+                                          <p:val>
+                                            <p:fltVal val="0"/>
+                                          </p:val>
+                                        </p:tav>
+                                        <p:tav tm="100000">
+                                          <p:val>
+                                            <p:fltVal val="1"/>
+                                          </p:val>
+                                        </p:tav>
+                                      </p:tavLst>
+                                    </p:anim>
+                                    <p:anim calcmode="lin" valueType="num">
+                                      <p:cBhvr>
+                                        <p:cTn id="11" dur="332" tmFilter="0, 0; 0.125,0.2665; 0.25,0.4; 0.375,0.465; 0.5,0.5;  0.625,0.535; 0.75,0.6; 0.875,0.7335; 1,1">
+                                          <p:stCondLst>
+                                            <p:cond delay="1324"/>
+                                          </p:stCondLst>
+                                        </p:cTn>
+                                        <p:tgtEl>
+                                          <p:spTgt spid="2"/>
+                                        </p:tgtEl>
+                                        <p:attrNameLst>
+                                          <p:attrName>ppt_y</p:attrName>
+                                        </p:attrNameLst>
+                                      </p:cBhvr>
+                                      <p:tavLst>
+                                        <p:tav tm="0" fmla="#ppt_y-sin(pi*$)/27">
+                                          <p:val>
+                                            <p:fltVal val="0"/>
+                                          </p:val>
+                                        </p:tav>
+                                        <p:tav tm="100000">
+                                          <p:val>
+                                            <p:fltVal val="1"/>
+                                          </p:val>
+                                        </p:tav>
+                                      </p:tavLst>
+                                    </p:anim>
+                                    <p:anim calcmode="lin" valueType="num">
+                                      <p:cBhvr>
+                                        <p:cTn id="12" dur="164" tmFilter="0, 0; 0.125,0.2665; 0.25,0.4; 0.375,0.465; 0.5,0.5;  0.625,0.535; 0.75,0.6; 0.875,0.7335; 1,1">
+                                          <p:stCondLst>
+                                            <p:cond delay="1656"/>
+                                          </p:stCondLst>
+                                        </p:cTn>
+                                        <p:tgtEl>
+                                          <p:spTgt spid="2"/>
+                                        </p:tgtEl>
+                                        <p:attrNameLst>
+                                          <p:attrName>ppt_y</p:attrName>
+                                        </p:attrNameLst>
+                                      </p:cBhvr>
+                                      <p:tavLst>
+                                        <p:tav tm="0" fmla="#ppt_y-sin(pi*$)/81">
+                                          <p:val>
+                                            <p:fltVal val="0"/>
+                                          </p:val>
+                                        </p:tav>
+                                        <p:tav tm="100000">
+                                          <p:val>
+                                            <p:fltVal val="1"/>
+                                          </p:val>
+                                        </p:tav>
+                                      </p:tavLst>
+                                    </p:anim>
+                                    <p:animScale>
+                                      <p:cBhvr>
+                                        <p:cTn id="13" dur="26">
+                                          <p:stCondLst>
+                                            <p:cond delay="650"/>
+                                          </p:stCondLst>
+                                        </p:cTn>
+                                        <p:tgtEl>
+                                          <p:spTgt spid="2"/>
+                                        </p:tgtEl>
+                                      </p:cBhvr>
+                                      <p:to x="100000" y="60000"/>
+                                    </p:animScale>
+                                    <p:animScale>
+                                      <p:cBhvr>
+                                        <p:cTn id="14" dur="166" decel="50000">
+                                          <p:stCondLst>
+                                            <p:cond delay="676"/>
+                                          </p:stCondLst>
+                                        </p:cTn>
+                                        <p:tgtEl>
+                                          <p:spTgt spid="2"/>
+                                        </p:tgtEl>
+                                      </p:cBhvr>
+                                      <p:to x="100000" y="100000"/>
+                                    </p:animScale>
+                                    <p:animScale>
+                                      <p:cBhvr>
+                                        <p:cTn id="15" dur="26">
+                                          <p:stCondLst>
+                                            <p:cond delay="1312"/>
+                                          </p:stCondLst>
+                                        </p:cTn>
+                                        <p:tgtEl>
+                                          <p:spTgt spid="2"/>
+                                        </p:tgtEl>
+                                      </p:cBhvr>
+                                      <p:to x="100000" y="80000"/>
+                                    </p:animScale>
+                                    <p:animScale>
+                                      <p:cBhvr>
+                                        <p:cTn id="16" dur="166" decel="50000">
+                                          <p:stCondLst>
+                                            <p:cond delay="1338"/>
+                                          </p:stCondLst>
+                                        </p:cTn>
+                                        <p:tgtEl>
+                                          <p:spTgt spid="2"/>
+                                        </p:tgtEl>
+                                      </p:cBhvr>
+                                      <p:to x="100000" y="100000"/>
+                                    </p:animScale>
+                                    <p:animScale>
+                                      <p:cBhvr>
+                                        <p:cTn id="17" dur="26">
+                                          <p:stCondLst>
+                                            <p:cond delay="1642"/>
+                                          </p:stCondLst>
+                                        </p:cTn>
+                                        <p:tgtEl>
+                                          <p:spTgt spid="2"/>
+                                        </p:tgtEl>
+                                      </p:cBhvr>
+                                      <p:to x="100000" y="90000"/>
+                                    </p:animScale>
+                                    <p:animScale>
+                                      <p:cBhvr>
+                                        <p:cTn id="18" dur="166" decel="50000">
+                                          <p:stCondLst>
+                                            <p:cond delay="1668"/>
+                                          </p:stCondLst>
+                                        </p:cTn>
+                                        <p:tgtEl>
+                                          <p:spTgt spid="2"/>
+                                        </p:tgtEl>
+                                      </p:cBhvr>
+                                      <p:to x="100000" y="100000"/>
+                                    </p:animScale>
+                                    <p:animScale>
+                                      <p:cBhvr>
+                                        <p:cTn id="19" dur="26">
+                                          <p:stCondLst>
+                                            <p:cond delay="1808"/>
+                                          </p:stCondLst>
+                                        </p:cTn>
+                                        <p:tgtEl>
+                                          <p:spTgt spid="2"/>
+                                        </p:tgtEl>
+                                      </p:cBhvr>
+                                      <p:to x="100000" y="95000"/>
+                                    </p:animScale>
+                                    <p:animScale>
+                                      <p:cBhvr>
+                                        <p:cTn id="20" dur="166" decel="50000">
+                                          <p:stCondLst>
+                                            <p:cond delay="1834"/>
+                                          </p:stCondLst>
+                                        </p:cTn>
+                                        <p:tgtEl>
+                                          <p:spTgt spid="2"/>
+                                        </p:tgtEl>
+                                      </p:cBhvr>
+                                      <p:to x="100000" y="100000"/>
+                                    </p:animScale>
                                   </p:childTnLst>
                                 </p:cTn>
                               </p:par>
@@ -6243,32 +6313,32 @@
                     </p:cTn>
                   </p:par>
                   <p:par>
-                    <p:cTn id="10" fill="hold">
+                    <p:cTn id="21" fill="hold">
                       <p:stCondLst>
                         <p:cond delay="indefinite"/>
                       </p:stCondLst>
                       <p:childTnLst>
                         <p:par>
-                          <p:cTn id="11" fill="hold">
+                          <p:cTn id="22" fill="hold">
                             <p:stCondLst>
                               <p:cond delay="0"/>
                             </p:stCondLst>
                             <p:childTnLst>
                               <p:par>
-                                <p:cTn id="12" presetID="22" presetClass="entr" presetSubtype="4" fill="hold" nodeType="clickEffect">
+                                <p:cTn id="23" presetID="22" presetClass="entr" presetSubtype="4" fill="hold" nodeType="clickEffect">
                                   <p:stCondLst>
                                     <p:cond delay="0"/>
                                   </p:stCondLst>
                                   <p:childTnLst>
                                     <p:set>
                                       <p:cBhvr>
-                                        <p:cTn id="13" dur="1" fill="hold">
+                                        <p:cTn id="24" dur="1" fill="hold">
                                           <p:stCondLst>
                                             <p:cond delay="0"/>
                                           </p:stCondLst>
                                         </p:cTn>
                                         <p:tgtEl>
-                                          <p:spTgt spid="7"/>
+                                          <p:spTgt spid="6"/>
                                         </p:tgtEl>
                                         <p:attrNameLst>
                                           <p:attrName>style.visibility</p:attrName>
@@ -6280,62 +6350,9 @@
                                     </p:set>
                                     <p:animEffect transition="in" filter="wipe(down)">
                                       <p:cBhvr>
-                                        <p:cTn id="14" dur="500"/>
-                                        <p:tgtEl>
-                                          <p:spTgt spid="7"/>
-                                        </p:tgtEl>
-                                      </p:cBhvr>
-                                    </p:animEffect>
-                                  </p:childTnLst>
-                                </p:cTn>
-                              </p:par>
-                            </p:childTnLst>
-                          </p:cTn>
-                        </p:par>
-                      </p:childTnLst>
-                    </p:cTn>
-                  </p:par>
-                  <p:par>
-                    <p:cTn id="15" fill="hold">
-                      <p:stCondLst>
-                        <p:cond delay="indefinite"/>
-                      </p:stCondLst>
-                      <p:childTnLst>
-                        <p:par>
-                          <p:cTn id="16" fill="hold">
-                            <p:stCondLst>
-                              <p:cond delay="0"/>
-                            </p:stCondLst>
-                            <p:childTnLst>
-                              <p:par>
-                                <p:cTn id="17" presetID="21" presetClass="entr" presetSubtype="1" fill="hold" nodeType="clickEffect">
-                                  <p:stCondLst>
-                                    <p:cond delay="0"/>
-                                  </p:stCondLst>
-                                  <p:childTnLst>
-                                    <p:set>
-                                      <p:cBhvr>
-                                        <p:cTn id="18" dur="1" fill="hold">
-                                          <p:stCondLst>
-                                            <p:cond delay="0"/>
-                                          </p:stCondLst>
-                                        </p:cTn>
-                                        <p:tgtEl>
-                                          <p:spTgt spid="9"/>
-                                        </p:tgtEl>
-                                        <p:attrNameLst>
-                                          <p:attrName>style.visibility</p:attrName>
-                                        </p:attrNameLst>
-                                      </p:cBhvr>
-                                      <p:to>
-                                        <p:strVal val="visible"/>
-                                      </p:to>
-                                    </p:set>
-                                    <p:animEffect transition="in" filter="wheel(1)">
-                                      <p:cBhvr>
-                                        <p:cTn id="19" dur="2000"/>
-                                        <p:tgtEl>
-                                          <p:spTgt spid="9"/>
+                                        <p:cTn id="25" dur="500"/>
+                                        <p:tgtEl>
+                                          <p:spTgt spid="6"/>
                                         </p:tgtEl>
                                       </p:cBhvr>
                                     </p:animEffect>
@@ -6655,7 +6672,7 @@
           <p:cNvPr id="2" name="Titolo 1">
             <a:extLst>
               <a:ext uri="{FF2B5EF4-FFF2-40B4-BE49-F238E27FC236}">
-                <a16:creationId xmlns:a16="http://schemas.microsoft.com/office/drawing/2014/main" id="{8D413AF3-E916-B792-EA66-B9B6EF2C358B}"/>
+                <a16:creationId xmlns:a16="http://schemas.microsoft.com/office/drawing/2014/main" id="{5C7967C6-3BD2-2FE0-004E-77084268D6A5}"/>
               </a:ext>
             </a:extLst>
           </p:cNvPr>
@@ -6688,11 +6705,11 @@
             </a:r>
             <a:r>
               <a:rPr lang="it-IT" sz="4000" dirty="0" err="1"/>
-              <a:t>Neural</a:t>
+              <a:t>Decision</a:t>
             </a:r>
             <a:r>
               <a:rPr lang="it-IT" sz="4000" dirty="0"/>
-              <a:t> Network</a:t>
+              <a:t> Tree</a:t>
             </a:r>
           </a:p>
         </p:txBody>
@@ -6770,7 +6787,7 @@
           <p:cNvPr id="4" name="Segnaposto piè di pagina 3">
             <a:extLst>
               <a:ext uri="{FF2B5EF4-FFF2-40B4-BE49-F238E27FC236}">
-                <a16:creationId xmlns:a16="http://schemas.microsoft.com/office/drawing/2014/main" id="{C7EC7342-8F2A-E320-A54E-3273F8229A64}"/>
+                <a16:creationId xmlns:a16="http://schemas.microsoft.com/office/drawing/2014/main" id="{9458AC86-CD11-6CB3-C1AB-A3636EB22A73}"/>
               </a:ext>
             </a:extLst>
           </p:cNvPr>
@@ -6817,7 +6834,7 @@
           <p:cNvPr id="5" name="Segnaposto numero diapositiva 4">
             <a:extLst>
               <a:ext uri="{FF2B5EF4-FFF2-40B4-BE49-F238E27FC236}">
-                <a16:creationId xmlns:a16="http://schemas.microsoft.com/office/drawing/2014/main" id="{7EEDFBF3-047D-CED2-A488-ACE72DB78A3C}"/>
+                <a16:creationId xmlns:a16="http://schemas.microsoft.com/office/drawing/2014/main" id="{AE923FEA-FC96-3708-BC2B-0D8EBF822C8D}"/>
               </a:ext>
             </a:extLst>
           </p:cNvPr>
@@ -6877,7 +6894,7 @@
           <p:cNvPr id="7" name="Immagine 6">
             <a:extLst>
               <a:ext uri="{FF2B5EF4-FFF2-40B4-BE49-F238E27FC236}">
-                <a16:creationId xmlns:a16="http://schemas.microsoft.com/office/drawing/2014/main" id="{2787B6F2-3C8F-B9F4-5193-96178D3B4F8D}"/>
+                <a16:creationId xmlns:a16="http://schemas.microsoft.com/office/drawing/2014/main" id="{29184363-1102-EBC1-ADA7-141A8AD93277}"/>
               </a:ext>
             </a:extLst>
           </p:cNvPr>
@@ -6900,8 +6917,8 @@
         </p:blipFill>
         <p:spPr>
           <a:xfrm>
-            <a:off x="498834" y="3461536"/>
-            <a:ext cx="4224711" cy="899319"/>
+            <a:off x="498834" y="3735740"/>
+            <a:ext cx="4495869" cy="930180"/>
           </a:xfrm>
           <a:prstGeom prst="rect">
             <a:avLst/>
@@ -6910,10 +6927,10 @@
       </p:pic>
       <p:pic>
         <p:nvPicPr>
-          <p:cNvPr id="9" name="Immagine 8" descr="Immagine che contiene diagramma, linea, origami&#10;&#10;Descrizione generata automaticamente">
+          <p:cNvPr id="13" name="Immagine 12" descr="Immagine che contiene testo, schermata, Carattere, cerchio&#10;&#10;Descrizione generata automaticamente">
             <a:extLst>
               <a:ext uri="{FF2B5EF4-FFF2-40B4-BE49-F238E27FC236}">
-                <a16:creationId xmlns:a16="http://schemas.microsoft.com/office/drawing/2014/main" id="{C1E762A1-C7A6-96F2-23DD-FA5871D642B6}"/>
+                <a16:creationId xmlns:a16="http://schemas.microsoft.com/office/drawing/2014/main" id="{C53B293D-F8EB-EE95-93FA-A2EAA3BD8A9E}"/>
               </a:ext>
             </a:extLst>
           </p:cNvPr>
@@ -6936,8 +6953,8 @@
         </p:blipFill>
         <p:spPr>
           <a:xfrm>
-            <a:off x="6483096" y="2096793"/>
-            <a:ext cx="4224710" cy="4123032"/>
+            <a:off x="5493537" y="2255760"/>
+            <a:ext cx="5715000" cy="3810000"/>
           </a:xfrm>
           <a:prstGeom prst="rect">
             <a:avLst/>
@@ -6947,20 +6964,20 @@
     </p:spTree>
     <p:extLst>
       <p:ext uri="{BB962C8B-B14F-4D97-AF65-F5344CB8AC3E}">
-        <p14:creationId xmlns:p14="http://schemas.microsoft.com/office/powerpoint/2010/main" val="1247920041"/>
+        <p14:creationId xmlns:p14="http://schemas.microsoft.com/office/powerpoint/2010/main" val="4172999328"/>
       </p:ext>
     </p:extLst>
   </p:cSld>
   <p:clrMapOvr>
     <a:masterClrMapping/>
   </p:clrMapOvr>
-  <mc:AlternateContent xmlns:mc="http://schemas.openxmlformats.org/markup-compatibility/2006">
-    <mc:Choice xmlns:p15="http://schemas.microsoft.com/office/powerpoint/2012/main" Requires="p15">
+  <mc:AlternateContent xmlns:mc="http://schemas.openxmlformats.org/markup-compatibility/2006" xmlns:p15="http://schemas.microsoft.com/office/powerpoint/2012/main">
+    <mc:Choice Requires="p15">
       <p:transition xmlns:p14="http://schemas.microsoft.com/office/powerpoint/2010/main" spd="slow" p14:dur="2000">
-        <p15:prstTrans prst="fracture"/>
+        <p15:prstTrans prst="wind"/>
       </p:transition>
     </mc:Choice>
-    <mc:Fallback>
+    <mc:Fallback xmlns="">
       <p:transition spd="slow">
         <p:fade/>
       </p:transition>
@@ -6987,7 +7004,7 @@
                             </p:stCondLst>
                             <p:childTnLst>
                               <p:par>
-                                <p:cTn id="5" presetID="10" presetClass="entr" presetSubtype="0" fill="hold" grpId="0" nodeType="clickEffect">
+                                <p:cTn id="5" presetID="16" presetClass="entr" presetSubtype="21" fill="hold" grpId="0" nodeType="clickEffect">
                                   <p:stCondLst>
                                     <p:cond delay="0"/>
                                   </p:stCondLst>
@@ -7010,7 +7027,7 @@
                                         <p:strVal val="visible"/>
                                       </p:to>
                                     </p:set>
-                                    <p:animEffect transition="in" filter="fade">
+                                    <p:animEffect transition="in" filter="barn(inVertical)">
                                       <p:cBhvr>
                                         <p:cTn id="7" dur="500"/>
                                         <p:tgtEl>
@@ -7040,7 +7057,7 @@
                             </p:stCondLst>
                             <p:childTnLst>
                               <p:par>
-                                <p:cTn id="10" presetID="16" presetClass="entr" presetSubtype="21" fill="hold" nodeType="clickEffect">
+                                <p:cTn id="10" presetID="22" presetClass="entr" presetSubtype="4" fill="hold" nodeType="clickEffect">
                                   <p:stCondLst>
                                     <p:cond delay="0"/>
                                   </p:stCondLst>
@@ -7063,7 +7080,7 @@
                                         <p:strVal val="visible"/>
                                       </p:to>
                                     </p:set>
-                                    <p:animEffect transition="in" filter="barn(inVertical)">
+                                    <p:animEffect transition="in" filter="wipe(down)">
                                       <p:cBhvr>
                                         <p:cTn id="12" dur="500"/>
                                         <p:tgtEl>
@@ -7093,7 +7110,7 @@
                             </p:stCondLst>
                             <p:childTnLst>
                               <p:par>
-                                <p:cTn id="15" presetID="22" presetClass="entr" presetSubtype="4" fill="hold" nodeType="clickEffect">
+                                <p:cTn id="15" presetID="42" presetClass="entr" presetSubtype="0" fill="hold" nodeType="clickEffect">
                                   <p:stCondLst>
                                     <p:cond delay="0"/>
                                   </p:stCondLst>
@@ -7106,7 +7123,7 @@
                                           </p:stCondLst>
                                         </p:cTn>
                                         <p:tgtEl>
-                                          <p:spTgt spid="9"/>
+                                          <p:spTgt spid="13"/>
                                         </p:tgtEl>
                                         <p:attrNameLst>
                                           <p:attrName>style.visibility</p:attrName>
@@ -7116,14 +7133,60 @@
                                         <p:strVal val="visible"/>
                                       </p:to>
                                     </p:set>
-                                    <p:animEffect transition="in" filter="wipe(down)">
-                                      <p:cBhvr>
-                                        <p:cTn id="17" dur="500"/>
-                                        <p:tgtEl>
-                                          <p:spTgt spid="9"/>
+                                    <p:animEffect transition="in" filter="fade">
+                                      <p:cBhvr>
+                                        <p:cTn id="17" dur="1000"/>
+                                        <p:tgtEl>
+                                          <p:spTgt spid="13"/>
                                         </p:tgtEl>
                                       </p:cBhvr>
                                     </p:animEffect>
+                                    <p:anim calcmode="lin" valueType="num">
+                                      <p:cBhvr>
+                                        <p:cTn id="18" dur="1000" fill="hold"/>
+                                        <p:tgtEl>
+                                          <p:spTgt spid="13"/>
+                                        </p:tgtEl>
+                                        <p:attrNameLst>
+                                          <p:attrName>ppt_x</p:attrName>
+                                        </p:attrNameLst>
+                                      </p:cBhvr>
+                                      <p:tavLst>
+                                        <p:tav tm="0">
+                                          <p:val>
+                                            <p:strVal val="#ppt_x"/>
+                                          </p:val>
+                                        </p:tav>
+                                        <p:tav tm="100000">
+                                          <p:val>
+                                            <p:strVal val="#ppt_x"/>
+                                          </p:val>
+                                        </p:tav>
+                                      </p:tavLst>
+                                    </p:anim>
+                                    <p:anim calcmode="lin" valueType="num">
+                                      <p:cBhvr>
+                                        <p:cTn id="19" dur="1000" fill="hold"/>
+                                        <p:tgtEl>
+                                          <p:spTgt spid="13"/>
+                                        </p:tgtEl>
+                                        <p:attrNameLst>
+                                          <p:attrName>ppt_y</p:attrName>
+                                        </p:attrNameLst>
+                                      </p:cBhvr>
+                                      <p:tavLst>
+                                        <p:tav tm="0">
+                                          <p:val>
+                                            <p:strVal val="#ppt_y+.1"/>
+                                          </p:val>
+                                        </p:tav>
+                                        <p:tav tm="100000">
+                                          <p:val>
+                                            <p:strVal val="#ppt_y"/>
+                                          </p:val>
+                                        </p:tav>
+                                      </p:tavLst>
+                                    </p:anim>
                                   </p:childTnLst>
                                 </p:cTn>
                               </p:par>
@@ -7440,7 +7503,7 @@
           <p:cNvPr id="2" name="Titolo 1">
             <a:extLst>
               <a:ext uri="{FF2B5EF4-FFF2-40B4-BE49-F238E27FC236}">
-                <a16:creationId xmlns:a16="http://schemas.microsoft.com/office/drawing/2014/main" id="{0FF12DE0-0E48-2440-69CD-61E2CEC30266}"/>
+                <a16:creationId xmlns:a16="http://schemas.microsoft.com/office/drawing/2014/main" id="{3E366B01-24AC-C944-828B-B1B44B8E8B6C}"/>
               </a:ext>
             </a:extLst>
           </p:cNvPr>
@@ -7453,7 +7516,7 @@
         </p:nvSpPr>
         <p:spPr>
           <a:xfrm>
-            <a:off x="1115568" y="548640"/>
+            <a:off x="1115568" y="535388"/>
             <a:ext cx="10168128" cy="1179576"/>
           </a:xfrm>
         </p:spPr>
@@ -7465,9 +7528,12 @@
           <a:p>
             <a:r>
               <a:rPr lang="it-IT" sz="4000" dirty="0" err="1"/>
-              <a:t>Conclusions</a:t>
-            </a:r>
-            <a:endParaRPr lang="it-IT" sz="4000" dirty="0"/>
+              <a:t>Supervised</a:t>
+            </a:r>
+            <a:r>
+              <a:rPr lang="it-IT" sz="4000" dirty="0"/>
+              <a:t> Learning: SVM</a:t>
+            </a:r>
           </a:p>
         </p:txBody>
       </p:sp>
@@ -7541,63 +7607,10 @@
       </p:sp>
       <p:sp>
         <p:nvSpPr>
-          <p:cNvPr id="3" name="Segnaposto contenuto 2">
+          <p:cNvPr id="4" name="Segnaposto piè di pagina 3">
             <a:extLst>
               <a:ext uri="{FF2B5EF4-FFF2-40B4-BE49-F238E27FC236}">
-                <a16:creationId xmlns:a16="http://schemas.microsoft.com/office/drawing/2014/main" id="{29E2C0E5-04EE-84B6-FA6B-F3DF100012F0}"/>
-              </a:ext>
-            </a:extLst>
-          </p:cNvPr>
-          <p:cNvSpPr>
-            <a:spLocks noGrp="1"/>
-          </p:cNvSpPr>
-          <p:nvPr>
-            <p:ph idx="1"/>
-          </p:nvPr>
-        </p:nvSpPr>
-        <p:spPr>
-          <a:xfrm>
-            <a:off x="1057868" y="3255193"/>
-            <a:ext cx="10168128" cy="1864770"/>
-          </a:xfrm>
-        </p:spPr>
-        <p:txBody>
-          <a:bodyPr>
-            <a:normAutofit/>
-          </a:bodyPr>
-          <a:lstStyle/>
-          <a:p>
-            <a:r>
-              <a:rPr lang="en-US" sz="2200" dirty="0"/>
-              <a:t>A global dataset is needed</a:t>
-            </a:r>
-          </a:p>
-          <a:p>
-            <a:r>
-              <a:rPr lang="en-US" sz="2200" dirty="0"/>
-              <a:t>Data are balanced</a:t>
-            </a:r>
-          </a:p>
-          <a:p>
-            <a:r>
-              <a:rPr lang="en-US" sz="2200" dirty="0"/>
-              <a:t>Data responded well in the training phase</a:t>
-            </a:r>
-          </a:p>
-          <a:p>
-            <a:r>
-              <a:rPr lang="en-US" sz="2200" dirty="0"/>
-              <a:t>Dataset size</a:t>
-            </a:r>
-          </a:p>
-        </p:txBody>
-      </p:sp>
-      <p:sp>
-        <p:nvSpPr>
-          <p:cNvPr id="4" name="Segnaposto piè di pagina 3">
-            <a:extLst>
-              <a:ext uri="{FF2B5EF4-FFF2-40B4-BE49-F238E27FC236}">
-                <a16:creationId xmlns:a16="http://schemas.microsoft.com/office/drawing/2014/main" id="{BC3EFEB9-53E9-283A-F945-154A8D3C589A}"/>
+                <a16:creationId xmlns:a16="http://schemas.microsoft.com/office/drawing/2014/main" id="{78AFB4C5-14E4-50ED-A898-21A06746CBA4}"/>
               </a:ext>
             </a:extLst>
           </p:cNvPr>
@@ -7644,7 +7657,7 @@
           <p:cNvPr id="5" name="Segnaposto numero diapositiva 4">
             <a:extLst>
               <a:ext uri="{FF2B5EF4-FFF2-40B4-BE49-F238E27FC236}">
-                <a16:creationId xmlns:a16="http://schemas.microsoft.com/office/drawing/2014/main" id="{B681AD58-D9BE-1465-8820-21DF23310F10}"/>
+                <a16:creationId xmlns:a16="http://schemas.microsoft.com/office/drawing/2014/main" id="{052F24D0-A58C-0FCA-0AA4-1A634BB5D095}"/>
               </a:ext>
             </a:extLst>
           </p:cNvPr>
@@ -7699,6 +7712,1664 @@
           </a:p>
         </p:txBody>
       </p:sp>
+      <p:pic>
+        <p:nvPicPr>
+          <p:cNvPr id="7" name="Immagine 6">
+            <a:extLst>
+              <a:ext uri="{FF2B5EF4-FFF2-40B4-BE49-F238E27FC236}">
+                <a16:creationId xmlns:a16="http://schemas.microsoft.com/office/drawing/2014/main" id="{FC970A1D-94D1-ACC6-8573-88760F4A1343}"/>
+              </a:ext>
+            </a:extLst>
+          </p:cNvPr>
+          <p:cNvPicPr>
+            <a:picLocks noChangeAspect="1"/>
+          </p:cNvPicPr>
+          <p:nvPr/>
+        </p:nvPicPr>
+        <p:blipFill>
+          <a:blip r:embed="rId2">
+            <a:extLst>
+              <a:ext uri="{28A0092B-C50C-407E-A947-70E740481C1C}">
+                <a14:useLocalDpi xmlns:a14="http://schemas.microsoft.com/office/drawing/2010/main" val="0"/>
+              </a:ext>
+            </a:extLst>
+          </a:blip>
+          <a:stretch>
+            <a:fillRect/>
+          </a:stretch>
+        </p:blipFill>
+        <p:spPr>
+          <a:xfrm>
+            <a:off x="566928" y="3428999"/>
+            <a:ext cx="3980150" cy="819443"/>
+          </a:xfrm>
+          <a:prstGeom prst="rect">
+            <a:avLst/>
+          </a:prstGeom>
+        </p:spPr>
+      </p:pic>
+      <p:pic>
+        <p:nvPicPr>
+          <p:cNvPr id="9" name="Immagine 8" descr="Immagine che contiene Policromia, Lilac, cerchio&#10;&#10;Descrizione generata automaticamente">
+            <a:extLst>
+              <a:ext uri="{FF2B5EF4-FFF2-40B4-BE49-F238E27FC236}">
+                <a16:creationId xmlns:a16="http://schemas.microsoft.com/office/drawing/2014/main" id="{14324252-BDB6-0FF4-E3CB-922C69D2E024}"/>
+              </a:ext>
+            </a:extLst>
+          </p:cNvPr>
+          <p:cNvPicPr>
+            <a:picLocks noChangeAspect="1"/>
+          </p:cNvPicPr>
+          <p:nvPr/>
+        </p:nvPicPr>
+        <p:blipFill>
+          <a:blip r:embed="rId3">
+            <a:extLst>
+              <a:ext uri="{28A0092B-C50C-407E-A947-70E740481C1C}">
+                <a14:useLocalDpi xmlns:a14="http://schemas.microsoft.com/office/drawing/2010/main" val="0"/>
+              </a:ext>
+            </a:extLst>
+          </a:blip>
+          <a:stretch>
+            <a:fillRect/>
+          </a:stretch>
+        </p:blipFill>
+        <p:spPr>
+          <a:xfrm>
+            <a:off x="6897677" y="2888062"/>
+            <a:ext cx="3980150" cy="1896123"/>
+          </a:xfrm>
+          <a:prstGeom prst="rect">
+            <a:avLst/>
+          </a:prstGeom>
+        </p:spPr>
+      </p:pic>
+    </p:spTree>
+    <p:extLst>
+      <p:ext uri="{BB962C8B-B14F-4D97-AF65-F5344CB8AC3E}">
+        <p14:creationId xmlns:p14="http://schemas.microsoft.com/office/powerpoint/2010/main" val="1191542652"/>
+      </p:ext>
+    </p:extLst>
+  </p:cSld>
+  <p:clrMapOvr>
+    <a:masterClrMapping/>
+  </p:clrMapOvr>
+  <mc:AlternateContent xmlns:mc="http://schemas.openxmlformats.org/markup-compatibility/2006" xmlns:p14="http://schemas.microsoft.com/office/powerpoint/2010/main">
+    <mc:Choice Requires="p14">
+      <p:transition spd="slow">
+        <p14:flash/>
+      </p:transition>
+    </mc:Choice>
+    <mc:Fallback xmlns="">
+      <p:transition spd="slow">
+        <p:fade/>
+      </p:transition>
+    </mc:Fallback>
+  </mc:AlternateContent>
+  <p:timing>
+    <p:tnLst>
+      <p:par>
+        <p:cTn id="1" dur="indefinite" restart="never" nodeType="tmRoot">
+          <p:childTnLst>
+            <p:seq concurrent="1" nextAc="seek">
+              <p:cTn id="2" dur="indefinite" nodeType="mainSeq">
+                <p:childTnLst>
+                  <p:par>
+                    <p:cTn id="3" fill="hold">
+                      <p:stCondLst>
+                        <p:cond delay="indefinite"/>
+                      </p:stCondLst>
+                      <p:childTnLst>
+                        <p:par>
+                          <p:cTn id="4" fill="hold">
+                            <p:stCondLst>
+                              <p:cond delay="0"/>
+                            </p:stCondLst>
+                            <p:childTnLst>
+                              <p:par>
+                                <p:cTn id="5" presetID="42" presetClass="entr" presetSubtype="0" fill="hold" grpId="0" nodeType="clickEffect">
+                                  <p:stCondLst>
+                                    <p:cond delay="0"/>
+                                  </p:stCondLst>
+                                  <p:childTnLst>
+                                    <p:set>
+                                      <p:cBhvr>
+                                        <p:cTn id="6" dur="1" fill="hold">
+                                          <p:stCondLst>
+                                            <p:cond delay="0"/>
+                                          </p:stCondLst>
+                                        </p:cTn>
+                                        <p:tgtEl>
+                                          <p:spTgt spid="2"/>
+                                        </p:tgtEl>
+                                        <p:attrNameLst>
+                                          <p:attrName>style.visibility</p:attrName>
+                                        </p:attrNameLst>
+                                      </p:cBhvr>
+                                      <p:to>
+                                        <p:strVal val="visible"/>
+                                      </p:to>
+                                    </p:set>
+                                    <p:animEffect transition="in" filter="fade">
+                                      <p:cBhvr>
+                                        <p:cTn id="7" dur="1000"/>
+                                        <p:tgtEl>
+                                          <p:spTgt spid="2"/>
+                                        </p:tgtEl>
+                                      </p:cBhvr>
+                                    </p:animEffect>
+                                    <p:anim calcmode="lin" valueType="num">
+                                      <p:cBhvr>
+                                        <p:cTn id="8" dur="1000" fill="hold"/>
+                                        <p:tgtEl>
+                                          <p:spTgt spid="2"/>
+                                        </p:tgtEl>
+                                        <p:attrNameLst>
+                                          <p:attrName>ppt_x</p:attrName>
+                                        </p:attrNameLst>
+                                      </p:cBhvr>
+                                      <p:tavLst>
+                                        <p:tav tm="0">
+                                          <p:val>
+                                            <p:strVal val="#ppt_x"/>
+                                          </p:val>
+                                        </p:tav>
+                                        <p:tav tm="100000">
+                                          <p:val>
+                                            <p:strVal val="#ppt_x"/>
+                                          </p:val>
+                                        </p:tav>
+                                      </p:tavLst>
+                                    </p:anim>
+                                    <p:anim calcmode="lin" valueType="num">
+                                      <p:cBhvr>
+                                        <p:cTn id="9" dur="1000" fill="hold"/>
+                                        <p:tgtEl>
+                                          <p:spTgt spid="2"/>
+                                        </p:tgtEl>
+                                        <p:attrNameLst>
+                                          <p:attrName>ppt_y</p:attrName>
+                                        </p:attrNameLst>
+                                      </p:cBhvr>
+                                      <p:tavLst>
+                                        <p:tav tm="0">
+                                          <p:val>
+                                            <p:strVal val="#ppt_y+.1"/>
+                                          </p:val>
+                                        </p:tav>
+                                        <p:tav tm="100000">
+                                          <p:val>
+                                            <p:strVal val="#ppt_y"/>
+                                          </p:val>
+                                        </p:tav>
+                                      </p:tavLst>
+                                    </p:anim>
+                                  </p:childTnLst>
+                                </p:cTn>
+                              </p:par>
+                            </p:childTnLst>
+                          </p:cTn>
+                        </p:par>
+                      </p:childTnLst>
+                    </p:cTn>
+                  </p:par>
+                  <p:par>
+                    <p:cTn id="10" fill="hold">
+                      <p:stCondLst>
+                        <p:cond delay="indefinite"/>
+                      </p:stCondLst>
+                      <p:childTnLst>
+                        <p:par>
+                          <p:cTn id="11" fill="hold">
+                            <p:stCondLst>
+                              <p:cond delay="0"/>
+                            </p:stCondLst>
+                            <p:childTnLst>
+                              <p:par>
+                                <p:cTn id="12" presetID="22" presetClass="entr" presetSubtype="4" fill="hold" nodeType="clickEffect">
+                                  <p:stCondLst>
+                                    <p:cond delay="0"/>
+                                  </p:stCondLst>
+                                  <p:childTnLst>
+                                    <p:set>
+                                      <p:cBhvr>
+                                        <p:cTn id="13" dur="1" fill="hold">
+                                          <p:stCondLst>
+                                            <p:cond delay="0"/>
+                                          </p:stCondLst>
+                                        </p:cTn>
+                                        <p:tgtEl>
+                                          <p:spTgt spid="7"/>
+                                        </p:tgtEl>
+                                        <p:attrNameLst>
+                                          <p:attrName>style.visibility</p:attrName>
+                                        </p:attrNameLst>
+                                      </p:cBhvr>
+                                      <p:to>
+                                        <p:strVal val="visible"/>
+                                      </p:to>
+                                    </p:set>
+                                    <p:animEffect transition="in" filter="wipe(down)">
+                                      <p:cBhvr>
+                                        <p:cTn id="14" dur="500"/>
+                                        <p:tgtEl>
+                                          <p:spTgt spid="7"/>
+                                        </p:tgtEl>
+                                      </p:cBhvr>
+                                    </p:animEffect>
+                                  </p:childTnLst>
+                                </p:cTn>
+                              </p:par>
+                            </p:childTnLst>
+                          </p:cTn>
+                        </p:par>
+                      </p:childTnLst>
+                    </p:cTn>
+                  </p:par>
+                  <p:par>
+                    <p:cTn id="15" fill="hold">
+                      <p:stCondLst>
+                        <p:cond delay="indefinite"/>
+                      </p:stCondLst>
+                      <p:childTnLst>
+                        <p:par>
+                          <p:cTn id="16" fill="hold">
+                            <p:stCondLst>
+                              <p:cond delay="0"/>
+                            </p:stCondLst>
+                            <p:childTnLst>
+                              <p:par>
+                                <p:cTn id="17" presetID="21" presetClass="entr" presetSubtype="1" fill="hold" nodeType="clickEffect">
+                                  <p:stCondLst>
+                                    <p:cond delay="0"/>
+                                  </p:stCondLst>
+                                  <p:childTnLst>
+                                    <p:set>
+                                      <p:cBhvr>
+                                        <p:cTn id="18" dur="1" fill="hold">
+                                          <p:stCondLst>
+                                            <p:cond delay="0"/>
+                                          </p:stCondLst>
+                                        </p:cTn>
+                                        <p:tgtEl>
+                                          <p:spTgt spid="9"/>
+                                        </p:tgtEl>
+                                        <p:attrNameLst>
+                                          <p:attrName>style.visibility</p:attrName>
+                                        </p:attrNameLst>
+                                      </p:cBhvr>
+                                      <p:to>
+                                        <p:strVal val="visible"/>
+                                      </p:to>
+                                    </p:set>
+                                    <p:animEffect transition="in" filter="wheel(1)">
+                                      <p:cBhvr>
+                                        <p:cTn id="19" dur="2000"/>
+                                        <p:tgtEl>
+                                          <p:spTgt spid="9"/>
+                                        </p:tgtEl>
+                                      </p:cBhvr>
+                                    </p:animEffect>
+                                  </p:childTnLst>
+                                </p:cTn>
+                              </p:par>
+                            </p:childTnLst>
+                          </p:cTn>
+                        </p:par>
+                      </p:childTnLst>
+                    </p:cTn>
+                  </p:par>
+                </p:childTnLst>
+              </p:cTn>
+              <p:prevCondLst>
+                <p:cond evt="onPrev" delay="0">
+                  <p:tgtEl>
+                    <p:sldTgt/>
+                  </p:tgtEl>
+                </p:cond>
+              </p:prevCondLst>
+              <p:nextCondLst>
+                <p:cond evt="onNext" delay="0">
+                  <p:tgtEl>
+                    <p:sldTgt/>
+                  </p:tgtEl>
+                </p:cond>
+              </p:nextCondLst>
+            </p:seq>
+          </p:childTnLst>
+        </p:cTn>
+      </p:par>
+    </p:tnLst>
+    <p:bldLst>
+      <p:bldP spid="2" grpId="0"/>
+    </p:bldLst>
+  </p:timing>
+</p:sld>
+</file>
+
+<file path=ppt/slides/slide14.xml><?xml version="1.0" encoding="utf-8"?>
+<p:sld xmlns:a="http://schemas.openxmlformats.org/drawingml/2006/main" xmlns:r="http://schemas.openxmlformats.org/officeDocument/2006/relationships" xmlns:p="http://schemas.openxmlformats.org/presentationml/2006/main">
+  <p:cSld>
+    <p:bg>
+      <p:bgPr>
+        <a:solidFill>
+          <a:schemeClr val="bg1"/>
+        </a:solidFill>
+        <a:effectLst/>
+      </p:bgPr>
+    </p:bg>
+    <p:spTree>
+      <p:nvGrpSpPr>
+        <p:cNvPr id="1" name=""/>
+        <p:cNvGrpSpPr/>
+        <p:nvPr/>
+      </p:nvGrpSpPr>
+      <p:grpSpPr>
+        <a:xfrm>
+          <a:off x="0" y="0"/>
+          <a:ext cx="0" cy="0"/>
+          <a:chOff x="0" y="0"/>
+          <a:chExt cx="0" cy="0"/>
+        </a:xfrm>
+      </p:grpSpPr>
+      <p:sp useBgFill="1">
+        <p:nvSpPr>
+          <p:cNvPr id="10" name="Rectangle 9">
+            <a:extLst>
+              <a:ext uri="{FF2B5EF4-FFF2-40B4-BE49-F238E27FC236}">
+                <a16:creationId xmlns:a16="http://schemas.microsoft.com/office/drawing/2014/main" id="{DAF1966E-FD40-4A4A-B61B-C4DF7FA05F06}"/>
+              </a:ext>
+              <a:ext uri="{C183D7F6-B498-43B3-948B-1728B52AA6E4}">
+                <adec:decorative xmlns:adec="http://schemas.microsoft.com/office/drawing/2017/decorative" val="1"/>
+              </a:ext>
+            </a:extLst>
+          </p:cNvPr>
+          <p:cNvSpPr>
+            <a:spLocks noGrp="1" noRot="1" noChangeAspect="1" noMove="1" noResize="1" noEditPoints="1" noAdjustHandles="1" noChangeArrowheads="1" noChangeShapeType="1" noTextEdit="1"/>
+          </p:cNvSpPr>
+          <p:nvPr>
+            <p:extLst>
+              <p:ext uri="{386F3935-93C4-4BCD-93E2-E3B085C9AB24}">
+                <p16:designElem xmlns:p16="http://schemas.microsoft.com/office/powerpoint/2015/main" val="1"/>
+              </p:ext>
+            </p:extLst>
+          </p:nvPr>
+        </p:nvSpPr>
+        <p:spPr>
+          <a:xfrm>
+            <a:off x="0" y="0"/>
+            <a:ext cx="12192000" cy="6858000"/>
+          </a:xfrm>
+          <a:prstGeom prst="rect">
+            <a:avLst/>
+          </a:prstGeom>
+          <a:ln>
+            <a:noFill/>
+          </a:ln>
+        </p:spPr>
+        <p:style>
+          <a:lnRef idx="2">
+            <a:schemeClr val="accent1">
+              <a:shade val="50000"/>
+            </a:schemeClr>
+          </a:lnRef>
+          <a:fillRef idx="1">
+            <a:schemeClr val="accent1"/>
+          </a:fillRef>
+          <a:effectRef idx="0">
+            <a:schemeClr val="accent1"/>
+          </a:effectRef>
+          <a:fontRef idx="minor">
+            <a:schemeClr val="lt1"/>
+          </a:fontRef>
+        </p:style>
+        <p:txBody>
+          <a:bodyPr rtlCol="0" anchor="ctr"/>
+          <a:lstStyle/>
+          <a:p>
+            <a:pPr algn="ctr"/>
+            <a:endParaRPr lang="en-US"/>
+          </a:p>
+        </p:txBody>
+      </p:sp>
+      <p:sp useBgFill="1">
+        <p:nvSpPr>
+          <p:cNvPr id="12" name="Rectangle 11">
+            <a:extLst>
+              <a:ext uri="{FF2B5EF4-FFF2-40B4-BE49-F238E27FC236}">
+                <a16:creationId xmlns:a16="http://schemas.microsoft.com/office/drawing/2014/main" id="{047BFA19-D45E-416B-A404-7AF2F3F27017}"/>
+              </a:ext>
+              <a:ext uri="{C183D7F6-B498-43B3-948B-1728B52AA6E4}">
+                <adec:decorative xmlns:adec="http://schemas.microsoft.com/office/drawing/2017/decorative" val="1"/>
+              </a:ext>
+            </a:extLst>
+          </p:cNvPr>
+          <p:cNvSpPr>
+            <a:spLocks noGrp="1" noRot="1" noChangeAspect="1" noMove="1" noResize="1" noEditPoints="1" noAdjustHandles="1" noChangeArrowheads="1" noChangeShapeType="1" noTextEdit="1"/>
+          </p:cNvSpPr>
+          <p:nvPr>
+            <p:extLst>
+              <p:ext uri="{386F3935-93C4-4BCD-93E2-E3B085C9AB24}">
+                <p16:designElem xmlns:p16="http://schemas.microsoft.com/office/powerpoint/2015/main" val="1"/>
+              </p:ext>
+            </p:extLst>
+          </p:nvPr>
+        </p:nvSpPr>
+        <p:spPr>
+          <a:xfrm>
+            <a:off x="558209" y="0"/>
+            <a:ext cx="11167447" cy="2018806"/>
+          </a:xfrm>
+          <a:prstGeom prst="rect">
+            <a:avLst/>
+          </a:prstGeom>
+          <a:ln w="9525">
+            <a:solidFill>
+              <a:srgbClr val="E1E1E1"/>
+            </a:solidFill>
+          </a:ln>
+          <a:effectLst>
+            <a:outerShdw blurRad="50800" dist="38100" dir="2700000" algn="tl" rotWithShape="0">
+              <a:schemeClr val="bg1">
+                <a:lumMod val="85000"/>
+                <a:alpha val="50000"/>
+              </a:schemeClr>
+            </a:outerShdw>
+          </a:effectLst>
+        </p:spPr>
+        <p:style>
+          <a:lnRef idx="2">
+            <a:schemeClr val="accent1">
+              <a:shade val="50000"/>
+            </a:schemeClr>
+          </a:lnRef>
+          <a:fillRef idx="1">
+            <a:schemeClr val="accent1"/>
+          </a:fillRef>
+          <a:effectRef idx="0">
+            <a:schemeClr val="accent1"/>
+          </a:effectRef>
+          <a:fontRef idx="minor">
+            <a:schemeClr val="lt1"/>
+          </a:fontRef>
+        </p:style>
+        <p:txBody>
+          <a:bodyPr rtlCol="0" anchor="ctr"/>
+          <a:lstStyle/>
+          <a:p>
+            <a:pPr marL="0" marR="0" lvl="0" indent="0" algn="ctr" defTabSz="914400" rtl="0" eaLnBrk="1" fontAlgn="auto" latinLnBrk="0" hangingPunct="1">
+              <a:lnSpc>
+                <a:spcPct val="100000"/>
+              </a:lnSpc>
+              <a:spcBef>
+                <a:spcPts val="0"/>
+              </a:spcBef>
+              <a:spcAft>
+                <a:spcPts val="0"/>
+              </a:spcAft>
+              <a:buClrTx/>
+              <a:buSzTx/>
+              <a:buFontTx/>
+              <a:buNone/>
+              <a:tabLst/>
+              <a:defRPr/>
+            </a:pPr>
+            <a:endParaRPr kumimoji="0" lang="en-US" sz="1800" b="0" i="0" u="none" strike="noStrike" kern="1200" cap="none" spc="0" normalizeH="0" baseline="0" noProof="0">
+              <a:ln>
+                <a:noFill/>
+              </a:ln>
+              <a:solidFill>
+                <a:prstClr val="white"/>
+              </a:solidFill>
+              <a:effectLst/>
+              <a:uLnTx/>
+              <a:uFillTx/>
+              <a:latin typeface="Calibri" panose="020F0502020204030204"/>
+              <a:ea typeface="+mn-ea"/>
+              <a:cs typeface="+mn-cs"/>
+            </a:endParaRPr>
+          </a:p>
+        </p:txBody>
+      </p:sp>
+      <p:sp useBgFill="1">
+        <p:nvSpPr>
+          <p:cNvPr id="14" name="Rectangle 13">
+            <a:extLst>
+              <a:ext uri="{FF2B5EF4-FFF2-40B4-BE49-F238E27FC236}">
+                <a16:creationId xmlns:a16="http://schemas.microsoft.com/office/drawing/2014/main" id="{8E0105E7-23DB-4CF2-8258-FF47C7620F6E}"/>
+              </a:ext>
+              <a:ext uri="{C183D7F6-B498-43B3-948B-1728B52AA6E4}">
+                <adec:decorative xmlns:adec="http://schemas.microsoft.com/office/drawing/2017/decorative" val="1"/>
+              </a:ext>
+            </a:extLst>
+          </p:cNvPr>
+          <p:cNvSpPr>
+            <a:spLocks noGrp="1" noRot="1" noChangeAspect="1" noMove="1" noResize="1" noEditPoints="1" noAdjustHandles="1" noChangeArrowheads="1" noChangeShapeType="1" noTextEdit="1"/>
+          </p:cNvSpPr>
+          <p:nvPr>
+            <p:extLst>
+              <p:ext uri="{386F3935-93C4-4BCD-93E2-E3B085C9AB24}">
+                <p16:designElem xmlns:p16="http://schemas.microsoft.com/office/powerpoint/2015/main" val="1"/>
+              </p:ext>
+            </p:extLst>
+          </p:nvPr>
+        </p:nvSpPr>
+        <p:spPr>
+          <a:xfrm>
+            <a:off x="566928" y="0"/>
+            <a:ext cx="11155680" cy="2011680"/>
+          </a:xfrm>
+          <a:prstGeom prst="rect">
+            <a:avLst/>
+          </a:prstGeom>
+          <a:ln w="9525">
+            <a:noFill/>
+          </a:ln>
+          <a:effectLst/>
+        </p:spPr>
+        <p:style>
+          <a:lnRef idx="2">
+            <a:schemeClr val="accent1">
+              <a:shade val="50000"/>
+            </a:schemeClr>
+          </a:lnRef>
+          <a:fillRef idx="1">
+            <a:schemeClr val="accent1"/>
+          </a:fillRef>
+          <a:effectRef idx="0">
+            <a:schemeClr val="accent1"/>
+          </a:effectRef>
+          <a:fontRef idx="minor">
+            <a:schemeClr val="lt1"/>
+          </a:fontRef>
+        </p:style>
+        <p:txBody>
+          <a:bodyPr rtlCol="0" anchor="ctr"/>
+          <a:lstStyle/>
+          <a:p>
+            <a:pPr marL="0" marR="0" lvl="0" indent="0" algn="ctr" defTabSz="914400" rtl="0" eaLnBrk="1" fontAlgn="auto" latinLnBrk="0" hangingPunct="1">
+              <a:lnSpc>
+                <a:spcPct val="100000"/>
+              </a:lnSpc>
+              <a:spcBef>
+                <a:spcPts val="0"/>
+              </a:spcBef>
+              <a:spcAft>
+                <a:spcPts val="0"/>
+              </a:spcAft>
+              <a:buClrTx/>
+              <a:buSzTx/>
+              <a:buFontTx/>
+              <a:buNone/>
+              <a:tabLst/>
+              <a:defRPr/>
+            </a:pPr>
+            <a:endParaRPr kumimoji="0" lang="en-US" sz="1800" b="0" i="0" u="none" strike="noStrike" kern="1200" cap="none" spc="0" normalizeH="0" baseline="0" noProof="0">
+              <a:ln>
+                <a:noFill/>
+              </a:ln>
+              <a:solidFill>
+                <a:prstClr val="white"/>
+              </a:solidFill>
+              <a:effectLst/>
+              <a:uLnTx/>
+              <a:uFillTx/>
+              <a:latin typeface="Calibri" panose="020F0502020204030204"/>
+              <a:ea typeface="+mn-ea"/>
+              <a:cs typeface="+mn-cs"/>
+            </a:endParaRPr>
+          </a:p>
+        </p:txBody>
+      </p:sp>
+      <p:sp>
+        <p:nvSpPr>
+          <p:cNvPr id="2" name="Titolo 1">
+            <a:extLst>
+              <a:ext uri="{FF2B5EF4-FFF2-40B4-BE49-F238E27FC236}">
+                <a16:creationId xmlns:a16="http://schemas.microsoft.com/office/drawing/2014/main" id="{8D413AF3-E916-B792-EA66-B9B6EF2C358B}"/>
+              </a:ext>
+            </a:extLst>
+          </p:cNvPr>
+          <p:cNvSpPr>
+            <a:spLocks noGrp="1"/>
+          </p:cNvSpPr>
+          <p:nvPr>
+            <p:ph type="title"/>
+          </p:nvPr>
+        </p:nvSpPr>
+        <p:spPr>
+          <a:xfrm>
+            <a:off x="1115568" y="548640"/>
+            <a:ext cx="10168128" cy="1179576"/>
+          </a:xfrm>
+        </p:spPr>
+        <p:txBody>
+          <a:bodyPr>
+            <a:normAutofit/>
+          </a:bodyPr>
+          <a:lstStyle/>
+          <a:p>
+            <a:r>
+              <a:rPr lang="it-IT" sz="4000" dirty="0" err="1"/>
+              <a:t>Supervised</a:t>
+            </a:r>
+            <a:r>
+              <a:rPr lang="it-IT" sz="4000" dirty="0"/>
+              <a:t> Learning: </a:t>
+            </a:r>
+            <a:r>
+              <a:rPr lang="it-IT" sz="4000" dirty="0" err="1"/>
+              <a:t>Neural</a:t>
+            </a:r>
+            <a:r>
+              <a:rPr lang="it-IT" sz="4000" dirty="0"/>
+              <a:t> Network</a:t>
+            </a:r>
+          </a:p>
+        </p:txBody>
+      </p:sp>
+      <p:sp>
+        <p:nvSpPr>
+          <p:cNvPr id="16" name="Rectangle 15">
+            <a:extLst>
+              <a:ext uri="{FF2B5EF4-FFF2-40B4-BE49-F238E27FC236}">
+                <a16:creationId xmlns:a16="http://schemas.microsoft.com/office/drawing/2014/main" id="{074B4F7D-14B2-478B-8BF5-01E4E0C5D263}"/>
+              </a:ext>
+              <a:ext uri="{C183D7F6-B498-43B3-948B-1728B52AA6E4}">
+                <adec:decorative xmlns:adec="http://schemas.microsoft.com/office/drawing/2017/decorative" val="1"/>
+              </a:ext>
+            </a:extLst>
+          </p:cNvPr>
+          <p:cNvSpPr>
+            <a:spLocks noGrp="1" noRot="1" noChangeAspect="1" noMove="1" noResize="1" noEditPoints="1" noAdjustHandles="1" noChangeArrowheads="1" noChangeShapeType="1" noTextEdit="1"/>
+          </p:cNvSpPr>
+          <p:nvPr>
+            <p:extLst>
+              <p:ext uri="{386F3935-93C4-4BCD-93E2-E3B085C9AB24}">
+                <p16:designElem xmlns:p16="http://schemas.microsoft.com/office/powerpoint/2015/main" val="1"/>
+              </p:ext>
+            </p:extLst>
+          </p:nvPr>
+        </p:nvSpPr>
+        <p:spPr>
+          <a:xfrm>
+            <a:off x="498834" y="758952"/>
+            <a:ext cx="128016" cy="704088"/>
+          </a:xfrm>
+          <a:prstGeom prst="rect">
+            <a:avLst/>
+          </a:prstGeom>
+          <a:solidFill>
+            <a:schemeClr val="accent2"/>
+          </a:solidFill>
+          <a:ln>
+            <a:noFill/>
+          </a:ln>
+        </p:spPr>
+        <p:style>
+          <a:lnRef idx="2">
+            <a:schemeClr val="accent1">
+              <a:shade val="50000"/>
+            </a:schemeClr>
+          </a:lnRef>
+          <a:fillRef idx="1">
+            <a:schemeClr val="accent1"/>
+          </a:fillRef>
+          <a:effectRef idx="0">
+            <a:schemeClr val="accent1"/>
+          </a:effectRef>
+          <a:fontRef idx="minor">
+            <a:schemeClr val="lt1"/>
+          </a:fontRef>
+        </p:style>
+        <p:txBody>
+          <a:bodyPr rtlCol="0" anchor="ctr"/>
+          <a:lstStyle/>
+          <a:p>
+            <a:pPr algn="ctr"/>
+            <a:endParaRPr lang="en-US">
+              <a:solidFill>
+                <a:prstClr val="white"/>
+              </a:solidFill>
+              <a:latin typeface="Calibri" panose="020F0502020204030204"/>
+            </a:endParaRPr>
+          </a:p>
+        </p:txBody>
+      </p:sp>
+      <p:sp>
+        <p:nvSpPr>
+          <p:cNvPr id="4" name="Segnaposto piè di pagina 3">
+            <a:extLst>
+              <a:ext uri="{FF2B5EF4-FFF2-40B4-BE49-F238E27FC236}">
+                <a16:creationId xmlns:a16="http://schemas.microsoft.com/office/drawing/2014/main" id="{C7EC7342-8F2A-E320-A54E-3273F8229A64}"/>
+              </a:ext>
+            </a:extLst>
+          </p:cNvPr>
+          <p:cNvSpPr>
+            <a:spLocks noGrp="1"/>
+          </p:cNvSpPr>
+          <p:nvPr>
+            <p:ph type="ftr" sz="quarter" idx="11"/>
+          </p:nvPr>
+        </p:nvSpPr>
+        <p:spPr>
+          <a:xfrm>
+            <a:off x="4038600" y="6356350"/>
+            <a:ext cx="4114800" cy="365125"/>
+          </a:xfrm>
+        </p:spPr>
+        <p:txBody>
+          <a:bodyPr>
+            <a:normAutofit/>
+          </a:bodyPr>
+          <a:lstStyle/>
+          <a:p>
+            <a:pPr>
+              <a:spcAft>
+                <a:spcPts val="600"/>
+              </a:spcAft>
+            </a:pPr>
+            <a:r>
+              <a:rPr lang="it-IT">
+                <a:solidFill>
+                  <a:schemeClr val="tx1">
+                    <a:lumMod val="50000"/>
+                    <a:lumOff val="50000"/>
+                  </a:schemeClr>
+                </a:solidFill>
+              </a:rPr>
+              <a:t>Martina Nolletti, Giordano Tinella, Marta Pagliaricci</a:t>
+            </a:r>
+          </a:p>
+        </p:txBody>
+      </p:sp>
+      <p:sp>
+        <p:nvSpPr>
+          <p:cNvPr id="5" name="Segnaposto numero diapositiva 4">
+            <a:extLst>
+              <a:ext uri="{FF2B5EF4-FFF2-40B4-BE49-F238E27FC236}">
+                <a16:creationId xmlns:a16="http://schemas.microsoft.com/office/drawing/2014/main" id="{7EEDFBF3-047D-CED2-A488-ACE72DB78A3C}"/>
+              </a:ext>
+            </a:extLst>
+          </p:cNvPr>
+          <p:cNvSpPr>
+            <a:spLocks noGrp="1"/>
+          </p:cNvSpPr>
+          <p:nvPr>
+            <p:ph type="sldNum" sz="quarter" idx="12"/>
+          </p:nvPr>
+        </p:nvSpPr>
+        <p:spPr>
+          <a:xfrm>
+            <a:off x="8540496" y="6356350"/>
+            <a:ext cx="2743200" cy="365125"/>
+          </a:xfrm>
+        </p:spPr>
+        <p:txBody>
+          <a:bodyPr>
+            <a:normAutofit/>
+          </a:bodyPr>
+          <a:lstStyle/>
+          <a:p>
+            <a:pPr>
+              <a:spcAft>
+                <a:spcPts val="600"/>
+              </a:spcAft>
+            </a:pPr>
+            <a:fld id="{335EB556-16D0-4095-841A-EA4F9B2DC3C8}" type="slidenum">
+              <a:rPr lang="it-IT">
+                <a:solidFill>
+                  <a:schemeClr val="tx1">
+                    <a:lumMod val="50000"/>
+                    <a:lumOff val="50000"/>
+                  </a:schemeClr>
+                </a:solidFill>
+              </a:rPr>
+              <a:pPr>
+                <a:spcAft>
+                  <a:spcPts val="600"/>
+                </a:spcAft>
+              </a:pPr>
+              <a:t>14</a:t>
+            </a:fld>
+            <a:endParaRPr lang="it-IT">
+              <a:solidFill>
+                <a:schemeClr val="tx1">
+                  <a:lumMod val="50000"/>
+                  <a:lumOff val="50000"/>
+                </a:schemeClr>
+              </a:solidFill>
+            </a:endParaRPr>
+          </a:p>
+        </p:txBody>
+      </p:sp>
+      <p:pic>
+        <p:nvPicPr>
+          <p:cNvPr id="7" name="Immagine 6">
+            <a:extLst>
+              <a:ext uri="{FF2B5EF4-FFF2-40B4-BE49-F238E27FC236}">
+                <a16:creationId xmlns:a16="http://schemas.microsoft.com/office/drawing/2014/main" id="{2787B6F2-3C8F-B9F4-5193-96178D3B4F8D}"/>
+              </a:ext>
+            </a:extLst>
+          </p:cNvPr>
+          <p:cNvPicPr>
+            <a:picLocks noChangeAspect="1"/>
+          </p:cNvPicPr>
+          <p:nvPr/>
+        </p:nvPicPr>
+        <p:blipFill>
+          <a:blip r:embed="rId2">
+            <a:extLst>
+              <a:ext uri="{28A0092B-C50C-407E-A947-70E740481C1C}">
+                <a14:useLocalDpi xmlns:a14="http://schemas.microsoft.com/office/drawing/2010/main" val="0"/>
+              </a:ext>
+            </a:extLst>
+          </a:blip>
+          <a:stretch>
+            <a:fillRect/>
+          </a:stretch>
+        </p:blipFill>
+        <p:spPr>
+          <a:xfrm>
+            <a:off x="498834" y="3461536"/>
+            <a:ext cx="4224711" cy="899319"/>
+          </a:xfrm>
+          <a:prstGeom prst="rect">
+            <a:avLst/>
+          </a:prstGeom>
+        </p:spPr>
+      </p:pic>
+      <p:pic>
+        <p:nvPicPr>
+          <p:cNvPr id="9" name="Immagine 8" descr="Immagine che contiene diagramma, linea, origami&#10;&#10;Descrizione generata automaticamente">
+            <a:extLst>
+              <a:ext uri="{FF2B5EF4-FFF2-40B4-BE49-F238E27FC236}">
+                <a16:creationId xmlns:a16="http://schemas.microsoft.com/office/drawing/2014/main" id="{C1E762A1-C7A6-96F2-23DD-FA5871D642B6}"/>
+              </a:ext>
+            </a:extLst>
+          </p:cNvPr>
+          <p:cNvPicPr>
+            <a:picLocks noChangeAspect="1"/>
+          </p:cNvPicPr>
+          <p:nvPr/>
+        </p:nvPicPr>
+        <p:blipFill>
+          <a:blip r:embed="rId3">
+            <a:extLst>
+              <a:ext uri="{28A0092B-C50C-407E-A947-70E740481C1C}">
+                <a14:useLocalDpi xmlns:a14="http://schemas.microsoft.com/office/drawing/2010/main" val="0"/>
+              </a:ext>
+            </a:extLst>
+          </a:blip>
+          <a:stretch>
+            <a:fillRect/>
+          </a:stretch>
+        </p:blipFill>
+        <p:spPr>
+          <a:xfrm>
+            <a:off x="6483096" y="2096793"/>
+            <a:ext cx="4224710" cy="4123032"/>
+          </a:xfrm>
+          <a:prstGeom prst="rect">
+            <a:avLst/>
+          </a:prstGeom>
+        </p:spPr>
+      </p:pic>
+    </p:spTree>
+    <p:extLst>
+      <p:ext uri="{BB962C8B-B14F-4D97-AF65-F5344CB8AC3E}">
+        <p14:creationId xmlns:p14="http://schemas.microsoft.com/office/powerpoint/2010/main" val="1247920041"/>
+      </p:ext>
+    </p:extLst>
+  </p:cSld>
+  <p:clrMapOvr>
+    <a:masterClrMapping/>
+  </p:clrMapOvr>
+  <mc:AlternateContent xmlns:mc="http://schemas.openxmlformats.org/markup-compatibility/2006" xmlns:p15="http://schemas.microsoft.com/office/powerpoint/2012/main">
+    <mc:Choice Requires="p15">
+      <p:transition xmlns:p14="http://schemas.microsoft.com/office/powerpoint/2010/main" spd="slow" p14:dur="2000">
+        <p15:prstTrans prst="fracture"/>
+      </p:transition>
+    </mc:Choice>
+    <mc:Fallback xmlns="">
+      <p:transition spd="slow">
+        <p:fade/>
+      </p:transition>
+    </mc:Fallback>
+  </mc:AlternateContent>
+  <p:timing>
+    <p:tnLst>
+      <p:par>
+        <p:cTn id="1" dur="indefinite" restart="never" nodeType="tmRoot">
+          <p:childTnLst>
+            <p:seq concurrent="1" nextAc="seek">
+              <p:cTn id="2" dur="indefinite" nodeType="mainSeq">
+                <p:childTnLst>
+                  <p:par>
+                    <p:cTn id="3" fill="hold">
+                      <p:stCondLst>
+                        <p:cond delay="indefinite"/>
+                      </p:stCondLst>
+                      <p:childTnLst>
+                        <p:par>
+                          <p:cTn id="4" fill="hold">
+                            <p:stCondLst>
+                              <p:cond delay="0"/>
+                            </p:stCondLst>
+                            <p:childTnLst>
+                              <p:par>
+                                <p:cTn id="5" presetID="10" presetClass="entr" presetSubtype="0" fill="hold" grpId="0" nodeType="clickEffect">
+                                  <p:stCondLst>
+                                    <p:cond delay="0"/>
+                                  </p:stCondLst>
+                                  <p:childTnLst>
+                                    <p:set>
+                                      <p:cBhvr>
+                                        <p:cTn id="6" dur="1" fill="hold">
+                                          <p:stCondLst>
+                                            <p:cond delay="0"/>
+                                          </p:stCondLst>
+                                        </p:cTn>
+                                        <p:tgtEl>
+                                          <p:spTgt spid="2"/>
+                                        </p:tgtEl>
+                                        <p:attrNameLst>
+                                          <p:attrName>style.visibility</p:attrName>
+                                        </p:attrNameLst>
+                                      </p:cBhvr>
+                                      <p:to>
+                                        <p:strVal val="visible"/>
+                                      </p:to>
+                                    </p:set>
+                                    <p:animEffect transition="in" filter="fade">
+                                      <p:cBhvr>
+                                        <p:cTn id="7" dur="500"/>
+                                        <p:tgtEl>
+                                          <p:spTgt spid="2"/>
+                                        </p:tgtEl>
+                                      </p:cBhvr>
+                                    </p:animEffect>
+                                  </p:childTnLst>
+                                </p:cTn>
+                              </p:par>
+                            </p:childTnLst>
+                          </p:cTn>
+                        </p:par>
+                      </p:childTnLst>
+                    </p:cTn>
+                  </p:par>
+                  <p:par>
+                    <p:cTn id="8" fill="hold">
+                      <p:stCondLst>
+                        <p:cond delay="indefinite"/>
+                      </p:stCondLst>
+                      <p:childTnLst>
+                        <p:par>
+                          <p:cTn id="9" fill="hold">
+                            <p:stCondLst>
+                              <p:cond delay="0"/>
+                            </p:stCondLst>
+                            <p:childTnLst>
+                              <p:par>
+                                <p:cTn id="10" presetID="16" presetClass="entr" presetSubtype="21" fill="hold" nodeType="clickEffect">
+                                  <p:stCondLst>
+                                    <p:cond delay="0"/>
+                                  </p:stCondLst>
+                                  <p:childTnLst>
+                                    <p:set>
+                                      <p:cBhvr>
+                                        <p:cTn id="11" dur="1" fill="hold">
+                                          <p:stCondLst>
+                                            <p:cond delay="0"/>
+                                          </p:stCondLst>
+                                        </p:cTn>
+                                        <p:tgtEl>
+                                          <p:spTgt spid="7"/>
+                                        </p:tgtEl>
+                                        <p:attrNameLst>
+                                          <p:attrName>style.visibility</p:attrName>
+                                        </p:attrNameLst>
+                                      </p:cBhvr>
+                                      <p:to>
+                                        <p:strVal val="visible"/>
+                                      </p:to>
+                                    </p:set>
+                                    <p:animEffect transition="in" filter="barn(inVertical)">
+                                      <p:cBhvr>
+                                        <p:cTn id="12" dur="500"/>
+                                        <p:tgtEl>
+                                          <p:spTgt spid="7"/>
+                                        </p:tgtEl>
+                                      </p:cBhvr>
+                                    </p:animEffect>
+                                  </p:childTnLst>
+                                </p:cTn>
+                              </p:par>
+                            </p:childTnLst>
+                          </p:cTn>
+                        </p:par>
+                      </p:childTnLst>
+                    </p:cTn>
+                  </p:par>
+                  <p:par>
+                    <p:cTn id="13" fill="hold">
+                      <p:stCondLst>
+                        <p:cond delay="indefinite"/>
+                      </p:stCondLst>
+                      <p:childTnLst>
+                        <p:par>
+                          <p:cTn id="14" fill="hold">
+                            <p:stCondLst>
+                              <p:cond delay="0"/>
+                            </p:stCondLst>
+                            <p:childTnLst>
+                              <p:par>
+                                <p:cTn id="15" presetID="22" presetClass="entr" presetSubtype="4" fill="hold" nodeType="clickEffect">
+                                  <p:stCondLst>
+                                    <p:cond delay="0"/>
+                                  </p:stCondLst>
+                                  <p:childTnLst>
+                                    <p:set>
+                                      <p:cBhvr>
+                                        <p:cTn id="16" dur="1" fill="hold">
+                                          <p:stCondLst>
+                                            <p:cond delay="0"/>
+                                          </p:stCondLst>
+                                        </p:cTn>
+                                        <p:tgtEl>
+                                          <p:spTgt spid="9"/>
+                                        </p:tgtEl>
+                                        <p:attrNameLst>
+                                          <p:attrName>style.visibility</p:attrName>
+                                        </p:attrNameLst>
+                                      </p:cBhvr>
+                                      <p:to>
+                                        <p:strVal val="visible"/>
+                                      </p:to>
+                                    </p:set>
+                                    <p:animEffect transition="in" filter="wipe(down)">
+                                      <p:cBhvr>
+                                        <p:cTn id="17" dur="500"/>
+                                        <p:tgtEl>
+                                          <p:spTgt spid="9"/>
+                                        </p:tgtEl>
+                                      </p:cBhvr>
+                                    </p:animEffect>
+                                  </p:childTnLst>
+                                </p:cTn>
+                              </p:par>
+                            </p:childTnLst>
+                          </p:cTn>
+                        </p:par>
+                      </p:childTnLst>
+                    </p:cTn>
+                  </p:par>
+                </p:childTnLst>
+              </p:cTn>
+              <p:prevCondLst>
+                <p:cond evt="onPrev" delay="0">
+                  <p:tgtEl>
+                    <p:sldTgt/>
+                  </p:tgtEl>
+                </p:cond>
+              </p:prevCondLst>
+              <p:nextCondLst>
+                <p:cond evt="onNext" delay="0">
+                  <p:tgtEl>
+                    <p:sldTgt/>
+                  </p:tgtEl>
+                </p:cond>
+              </p:nextCondLst>
+            </p:seq>
+          </p:childTnLst>
+        </p:cTn>
+      </p:par>
+    </p:tnLst>
+    <p:bldLst>
+      <p:bldP spid="2" grpId="0"/>
+    </p:bldLst>
+  </p:timing>
+</p:sld>
+</file>
+
+<file path=ppt/slides/slide15.xml><?xml version="1.0" encoding="utf-8"?>
+<p:sld xmlns:a="http://schemas.openxmlformats.org/drawingml/2006/main" xmlns:r="http://schemas.openxmlformats.org/officeDocument/2006/relationships" xmlns:p="http://schemas.openxmlformats.org/presentationml/2006/main">
+  <p:cSld>
+    <p:bg>
+      <p:bgPr>
+        <a:solidFill>
+          <a:schemeClr val="bg1"/>
+        </a:solidFill>
+        <a:effectLst/>
+      </p:bgPr>
+    </p:bg>
+    <p:spTree>
+      <p:nvGrpSpPr>
+        <p:cNvPr id="1" name=""/>
+        <p:cNvGrpSpPr/>
+        <p:nvPr/>
+      </p:nvGrpSpPr>
+      <p:grpSpPr>
+        <a:xfrm>
+          <a:off x="0" y="0"/>
+          <a:ext cx="0" cy="0"/>
+          <a:chOff x="0" y="0"/>
+          <a:chExt cx="0" cy="0"/>
+        </a:xfrm>
+      </p:grpSpPr>
+      <p:sp useBgFill="1">
+        <p:nvSpPr>
+          <p:cNvPr id="10" name="Rectangle 9">
+            <a:extLst>
+              <a:ext uri="{FF2B5EF4-FFF2-40B4-BE49-F238E27FC236}">
+                <a16:creationId xmlns:a16="http://schemas.microsoft.com/office/drawing/2014/main" id="{DAF1966E-FD40-4A4A-B61B-C4DF7FA05F06}"/>
+              </a:ext>
+              <a:ext uri="{C183D7F6-B498-43B3-948B-1728B52AA6E4}">
+                <adec:decorative xmlns:adec="http://schemas.microsoft.com/office/drawing/2017/decorative" val="1"/>
+              </a:ext>
+            </a:extLst>
+          </p:cNvPr>
+          <p:cNvSpPr>
+            <a:spLocks noGrp="1" noRot="1" noChangeAspect="1" noMove="1" noResize="1" noEditPoints="1" noAdjustHandles="1" noChangeArrowheads="1" noChangeShapeType="1" noTextEdit="1"/>
+          </p:cNvSpPr>
+          <p:nvPr>
+            <p:extLst>
+              <p:ext uri="{386F3935-93C4-4BCD-93E2-E3B085C9AB24}">
+                <p16:designElem xmlns:p16="http://schemas.microsoft.com/office/powerpoint/2015/main" val="1"/>
+              </p:ext>
+            </p:extLst>
+          </p:nvPr>
+        </p:nvSpPr>
+        <p:spPr>
+          <a:xfrm>
+            <a:off x="0" y="0"/>
+            <a:ext cx="12192000" cy="6858000"/>
+          </a:xfrm>
+          <a:prstGeom prst="rect">
+            <a:avLst/>
+          </a:prstGeom>
+          <a:ln>
+            <a:noFill/>
+          </a:ln>
+        </p:spPr>
+        <p:style>
+          <a:lnRef idx="2">
+            <a:schemeClr val="accent1">
+              <a:shade val="50000"/>
+            </a:schemeClr>
+          </a:lnRef>
+          <a:fillRef idx="1">
+            <a:schemeClr val="accent1"/>
+          </a:fillRef>
+          <a:effectRef idx="0">
+            <a:schemeClr val="accent1"/>
+          </a:effectRef>
+          <a:fontRef idx="minor">
+            <a:schemeClr val="lt1"/>
+          </a:fontRef>
+        </p:style>
+        <p:txBody>
+          <a:bodyPr rtlCol="0" anchor="ctr"/>
+          <a:lstStyle/>
+          <a:p>
+            <a:pPr algn="ctr"/>
+            <a:endParaRPr lang="en-US"/>
+          </a:p>
+        </p:txBody>
+      </p:sp>
+      <p:sp useBgFill="1">
+        <p:nvSpPr>
+          <p:cNvPr id="12" name="Rectangle 11">
+            <a:extLst>
+              <a:ext uri="{FF2B5EF4-FFF2-40B4-BE49-F238E27FC236}">
+                <a16:creationId xmlns:a16="http://schemas.microsoft.com/office/drawing/2014/main" id="{047BFA19-D45E-416B-A404-7AF2F3F27017}"/>
+              </a:ext>
+              <a:ext uri="{C183D7F6-B498-43B3-948B-1728B52AA6E4}">
+                <adec:decorative xmlns:adec="http://schemas.microsoft.com/office/drawing/2017/decorative" val="1"/>
+              </a:ext>
+            </a:extLst>
+          </p:cNvPr>
+          <p:cNvSpPr>
+            <a:spLocks noGrp="1" noRot="1" noChangeAspect="1" noMove="1" noResize="1" noEditPoints="1" noAdjustHandles="1" noChangeArrowheads="1" noChangeShapeType="1" noTextEdit="1"/>
+          </p:cNvSpPr>
+          <p:nvPr>
+            <p:extLst>
+              <p:ext uri="{386F3935-93C4-4BCD-93E2-E3B085C9AB24}">
+                <p16:designElem xmlns:p16="http://schemas.microsoft.com/office/powerpoint/2015/main" val="1"/>
+              </p:ext>
+            </p:extLst>
+          </p:nvPr>
+        </p:nvSpPr>
+        <p:spPr>
+          <a:xfrm>
+            <a:off x="558209" y="0"/>
+            <a:ext cx="11167447" cy="2018806"/>
+          </a:xfrm>
+          <a:prstGeom prst="rect">
+            <a:avLst/>
+          </a:prstGeom>
+          <a:ln w="9525">
+            <a:solidFill>
+              <a:srgbClr val="E1E1E1"/>
+            </a:solidFill>
+          </a:ln>
+          <a:effectLst>
+            <a:outerShdw blurRad="50800" dist="38100" dir="2700000" algn="tl" rotWithShape="0">
+              <a:schemeClr val="bg1">
+                <a:lumMod val="85000"/>
+                <a:alpha val="50000"/>
+              </a:schemeClr>
+            </a:outerShdw>
+          </a:effectLst>
+        </p:spPr>
+        <p:style>
+          <a:lnRef idx="2">
+            <a:schemeClr val="accent1">
+              <a:shade val="50000"/>
+            </a:schemeClr>
+          </a:lnRef>
+          <a:fillRef idx="1">
+            <a:schemeClr val="accent1"/>
+          </a:fillRef>
+          <a:effectRef idx="0">
+            <a:schemeClr val="accent1"/>
+          </a:effectRef>
+          <a:fontRef idx="minor">
+            <a:schemeClr val="lt1"/>
+          </a:fontRef>
+        </p:style>
+        <p:txBody>
+          <a:bodyPr rtlCol="0" anchor="ctr"/>
+          <a:lstStyle/>
+          <a:p>
+            <a:pPr marL="0" marR="0" lvl="0" indent="0" algn="ctr" defTabSz="914400" rtl="0" eaLnBrk="1" fontAlgn="auto" latinLnBrk="0" hangingPunct="1">
+              <a:lnSpc>
+                <a:spcPct val="100000"/>
+              </a:lnSpc>
+              <a:spcBef>
+                <a:spcPts val="0"/>
+              </a:spcBef>
+              <a:spcAft>
+                <a:spcPts val="0"/>
+              </a:spcAft>
+              <a:buClrTx/>
+              <a:buSzTx/>
+              <a:buFontTx/>
+              <a:buNone/>
+              <a:tabLst/>
+              <a:defRPr/>
+            </a:pPr>
+            <a:endParaRPr kumimoji="0" lang="en-US" sz="1800" b="0" i="0" u="none" strike="noStrike" kern="1200" cap="none" spc="0" normalizeH="0" baseline="0" noProof="0">
+              <a:ln>
+                <a:noFill/>
+              </a:ln>
+              <a:solidFill>
+                <a:prstClr val="white"/>
+              </a:solidFill>
+              <a:effectLst/>
+              <a:uLnTx/>
+              <a:uFillTx/>
+              <a:latin typeface="Calibri" panose="020F0502020204030204"/>
+              <a:ea typeface="+mn-ea"/>
+              <a:cs typeface="+mn-cs"/>
+            </a:endParaRPr>
+          </a:p>
+        </p:txBody>
+      </p:sp>
+      <p:sp useBgFill="1">
+        <p:nvSpPr>
+          <p:cNvPr id="14" name="Rectangle 13">
+            <a:extLst>
+              <a:ext uri="{FF2B5EF4-FFF2-40B4-BE49-F238E27FC236}">
+                <a16:creationId xmlns:a16="http://schemas.microsoft.com/office/drawing/2014/main" id="{8E0105E7-23DB-4CF2-8258-FF47C7620F6E}"/>
+              </a:ext>
+              <a:ext uri="{C183D7F6-B498-43B3-948B-1728B52AA6E4}">
+                <adec:decorative xmlns:adec="http://schemas.microsoft.com/office/drawing/2017/decorative" val="1"/>
+              </a:ext>
+            </a:extLst>
+          </p:cNvPr>
+          <p:cNvSpPr>
+            <a:spLocks noGrp="1" noRot="1" noChangeAspect="1" noMove="1" noResize="1" noEditPoints="1" noAdjustHandles="1" noChangeArrowheads="1" noChangeShapeType="1" noTextEdit="1"/>
+          </p:cNvSpPr>
+          <p:nvPr>
+            <p:extLst>
+              <p:ext uri="{386F3935-93C4-4BCD-93E2-E3B085C9AB24}">
+                <p16:designElem xmlns:p16="http://schemas.microsoft.com/office/powerpoint/2015/main" val="1"/>
+              </p:ext>
+            </p:extLst>
+          </p:nvPr>
+        </p:nvSpPr>
+        <p:spPr>
+          <a:xfrm>
+            <a:off x="566928" y="0"/>
+            <a:ext cx="11155680" cy="2011680"/>
+          </a:xfrm>
+          <a:prstGeom prst="rect">
+            <a:avLst/>
+          </a:prstGeom>
+          <a:ln w="9525">
+            <a:noFill/>
+          </a:ln>
+          <a:effectLst/>
+        </p:spPr>
+        <p:style>
+          <a:lnRef idx="2">
+            <a:schemeClr val="accent1">
+              <a:shade val="50000"/>
+            </a:schemeClr>
+          </a:lnRef>
+          <a:fillRef idx="1">
+            <a:schemeClr val="accent1"/>
+          </a:fillRef>
+          <a:effectRef idx="0">
+            <a:schemeClr val="accent1"/>
+          </a:effectRef>
+          <a:fontRef idx="minor">
+            <a:schemeClr val="lt1"/>
+          </a:fontRef>
+        </p:style>
+        <p:txBody>
+          <a:bodyPr rtlCol="0" anchor="ctr"/>
+          <a:lstStyle/>
+          <a:p>
+            <a:pPr marL="0" marR="0" lvl="0" indent="0" algn="ctr" defTabSz="914400" rtl="0" eaLnBrk="1" fontAlgn="auto" latinLnBrk="0" hangingPunct="1">
+              <a:lnSpc>
+                <a:spcPct val="100000"/>
+              </a:lnSpc>
+              <a:spcBef>
+                <a:spcPts val="0"/>
+              </a:spcBef>
+              <a:spcAft>
+                <a:spcPts val="0"/>
+              </a:spcAft>
+              <a:buClrTx/>
+              <a:buSzTx/>
+              <a:buFontTx/>
+              <a:buNone/>
+              <a:tabLst/>
+              <a:defRPr/>
+            </a:pPr>
+            <a:endParaRPr kumimoji="0" lang="en-US" sz="1800" b="0" i="0" u="none" strike="noStrike" kern="1200" cap="none" spc="0" normalizeH="0" baseline="0" noProof="0">
+              <a:ln>
+                <a:noFill/>
+              </a:ln>
+              <a:solidFill>
+                <a:prstClr val="white"/>
+              </a:solidFill>
+              <a:effectLst/>
+              <a:uLnTx/>
+              <a:uFillTx/>
+              <a:latin typeface="Calibri" panose="020F0502020204030204"/>
+              <a:ea typeface="+mn-ea"/>
+              <a:cs typeface="+mn-cs"/>
+            </a:endParaRPr>
+          </a:p>
+        </p:txBody>
+      </p:sp>
+      <p:sp>
+        <p:nvSpPr>
+          <p:cNvPr id="2" name="Titolo 1">
+            <a:extLst>
+              <a:ext uri="{FF2B5EF4-FFF2-40B4-BE49-F238E27FC236}">
+                <a16:creationId xmlns:a16="http://schemas.microsoft.com/office/drawing/2014/main" id="{0FF12DE0-0E48-2440-69CD-61E2CEC30266}"/>
+              </a:ext>
+            </a:extLst>
+          </p:cNvPr>
+          <p:cNvSpPr>
+            <a:spLocks noGrp="1"/>
+          </p:cNvSpPr>
+          <p:nvPr>
+            <p:ph type="title"/>
+          </p:nvPr>
+        </p:nvSpPr>
+        <p:spPr>
+          <a:xfrm>
+            <a:off x="1115568" y="548640"/>
+            <a:ext cx="10168128" cy="1179576"/>
+          </a:xfrm>
+        </p:spPr>
+        <p:txBody>
+          <a:bodyPr>
+            <a:normAutofit/>
+          </a:bodyPr>
+          <a:lstStyle/>
+          <a:p>
+            <a:r>
+              <a:rPr lang="it-IT" sz="4000" dirty="0" err="1"/>
+              <a:t>Conclusions</a:t>
+            </a:r>
+            <a:endParaRPr lang="it-IT" sz="4000" dirty="0"/>
+          </a:p>
+        </p:txBody>
+      </p:sp>
+      <p:sp>
+        <p:nvSpPr>
+          <p:cNvPr id="16" name="Rectangle 15">
+            <a:extLst>
+              <a:ext uri="{FF2B5EF4-FFF2-40B4-BE49-F238E27FC236}">
+                <a16:creationId xmlns:a16="http://schemas.microsoft.com/office/drawing/2014/main" id="{074B4F7D-14B2-478B-8BF5-01E4E0C5D263}"/>
+              </a:ext>
+              <a:ext uri="{C183D7F6-B498-43B3-948B-1728B52AA6E4}">
+                <adec:decorative xmlns:adec="http://schemas.microsoft.com/office/drawing/2017/decorative" val="1"/>
+              </a:ext>
+            </a:extLst>
+          </p:cNvPr>
+          <p:cNvSpPr>
+            <a:spLocks noGrp="1" noRot="1" noChangeAspect="1" noMove="1" noResize="1" noEditPoints="1" noAdjustHandles="1" noChangeArrowheads="1" noChangeShapeType="1" noTextEdit="1"/>
+          </p:cNvSpPr>
+          <p:nvPr>
+            <p:extLst>
+              <p:ext uri="{386F3935-93C4-4BCD-93E2-E3B085C9AB24}">
+                <p16:designElem xmlns:p16="http://schemas.microsoft.com/office/powerpoint/2015/main" val="1"/>
+              </p:ext>
+            </p:extLst>
+          </p:nvPr>
+        </p:nvSpPr>
+        <p:spPr>
+          <a:xfrm>
+            <a:off x="498834" y="758952"/>
+            <a:ext cx="128016" cy="704088"/>
+          </a:xfrm>
+          <a:prstGeom prst="rect">
+            <a:avLst/>
+          </a:prstGeom>
+          <a:solidFill>
+            <a:schemeClr val="accent2"/>
+          </a:solidFill>
+          <a:ln>
+            <a:noFill/>
+          </a:ln>
+        </p:spPr>
+        <p:style>
+          <a:lnRef idx="2">
+            <a:schemeClr val="accent1">
+              <a:shade val="50000"/>
+            </a:schemeClr>
+          </a:lnRef>
+          <a:fillRef idx="1">
+            <a:schemeClr val="accent1"/>
+          </a:fillRef>
+          <a:effectRef idx="0">
+            <a:schemeClr val="accent1"/>
+          </a:effectRef>
+          <a:fontRef idx="minor">
+            <a:schemeClr val="lt1"/>
+          </a:fontRef>
+        </p:style>
+        <p:txBody>
+          <a:bodyPr rtlCol="0" anchor="ctr"/>
+          <a:lstStyle/>
+          <a:p>
+            <a:pPr algn="ctr"/>
+            <a:endParaRPr lang="en-US">
+              <a:solidFill>
+                <a:prstClr val="white"/>
+              </a:solidFill>
+              <a:latin typeface="Calibri" panose="020F0502020204030204"/>
+            </a:endParaRPr>
+          </a:p>
+        </p:txBody>
+      </p:sp>
+      <p:sp>
+        <p:nvSpPr>
+          <p:cNvPr id="3" name="Segnaposto contenuto 2">
+            <a:extLst>
+              <a:ext uri="{FF2B5EF4-FFF2-40B4-BE49-F238E27FC236}">
+                <a16:creationId xmlns:a16="http://schemas.microsoft.com/office/drawing/2014/main" id="{29E2C0E5-04EE-84B6-FA6B-F3DF100012F0}"/>
+              </a:ext>
+            </a:extLst>
+          </p:cNvPr>
+          <p:cNvSpPr>
+            <a:spLocks noGrp="1"/>
+          </p:cNvSpPr>
+          <p:nvPr>
+            <p:ph idx="1"/>
+          </p:nvPr>
+        </p:nvSpPr>
+        <p:spPr>
+          <a:xfrm>
+            <a:off x="1057868" y="3255193"/>
+            <a:ext cx="10168128" cy="1864770"/>
+          </a:xfrm>
+        </p:spPr>
+        <p:txBody>
+          <a:bodyPr>
+            <a:normAutofit/>
+          </a:bodyPr>
+          <a:lstStyle/>
+          <a:p>
+            <a:r>
+              <a:rPr lang="en-US" sz="2200" dirty="0"/>
+              <a:t>A global dataset is needed</a:t>
+            </a:r>
+          </a:p>
+          <a:p>
+            <a:r>
+              <a:rPr lang="en-US" sz="2200" dirty="0"/>
+              <a:t>Data are balanced</a:t>
+            </a:r>
+          </a:p>
+          <a:p>
+            <a:r>
+              <a:rPr lang="en-US" sz="2200" dirty="0"/>
+              <a:t>Data responded well in the training phase</a:t>
+            </a:r>
+          </a:p>
+          <a:p>
+            <a:r>
+              <a:rPr lang="en-US" sz="2200" dirty="0"/>
+              <a:t>Dataset size</a:t>
+            </a:r>
+          </a:p>
+        </p:txBody>
+      </p:sp>
+      <p:sp>
+        <p:nvSpPr>
+          <p:cNvPr id="4" name="Segnaposto piè di pagina 3">
+            <a:extLst>
+              <a:ext uri="{FF2B5EF4-FFF2-40B4-BE49-F238E27FC236}">
+                <a16:creationId xmlns:a16="http://schemas.microsoft.com/office/drawing/2014/main" id="{BC3EFEB9-53E9-283A-F945-154A8D3C589A}"/>
+              </a:ext>
+            </a:extLst>
+          </p:cNvPr>
+          <p:cNvSpPr>
+            <a:spLocks noGrp="1"/>
+          </p:cNvSpPr>
+          <p:nvPr>
+            <p:ph type="ftr" sz="quarter" idx="11"/>
+          </p:nvPr>
+        </p:nvSpPr>
+        <p:spPr>
+          <a:xfrm>
+            <a:off x="4038600" y="6356350"/>
+            <a:ext cx="4114800" cy="365125"/>
+          </a:xfrm>
+        </p:spPr>
+        <p:txBody>
+          <a:bodyPr>
+            <a:normAutofit/>
+          </a:bodyPr>
+          <a:lstStyle/>
+          <a:p>
+            <a:pPr>
+              <a:spcAft>
+                <a:spcPts val="600"/>
+              </a:spcAft>
+            </a:pPr>
+            <a:r>
+              <a:rPr lang="it-IT">
+                <a:solidFill>
+                  <a:schemeClr val="tx1">
+                    <a:lumMod val="50000"/>
+                    <a:lumOff val="50000"/>
+                  </a:schemeClr>
+                </a:solidFill>
+              </a:rPr>
+              <a:t>Martina Nolletti, Giordano Tinella, Marta Pagliaricci</a:t>
+            </a:r>
+          </a:p>
+        </p:txBody>
+      </p:sp>
+      <p:sp>
+        <p:nvSpPr>
+          <p:cNvPr id="5" name="Segnaposto numero diapositiva 4">
+            <a:extLst>
+              <a:ext uri="{FF2B5EF4-FFF2-40B4-BE49-F238E27FC236}">
+                <a16:creationId xmlns:a16="http://schemas.microsoft.com/office/drawing/2014/main" id="{B681AD58-D9BE-1465-8820-21DF23310F10}"/>
+              </a:ext>
+            </a:extLst>
+          </p:cNvPr>
+          <p:cNvSpPr>
+            <a:spLocks noGrp="1"/>
+          </p:cNvSpPr>
+          <p:nvPr>
+            <p:ph type="sldNum" sz="quarter" idx="12"/>
+          </p:nvPr>
+        </p:nvSpPr>
+        <p:spPr>
+          <a:xfrm>
+            <a:off x="8540496" y="6356350"/>
+            <a:ext cx="2743200" cy="365125"/>
+          </a:xfrm>
+        </p:spPr>
+        <p:txBody>
+          <a:bodyPr>
+            <a:normAutofit/>
+          </a:bodyPr>
+          <a:lstStyle/>
+          <a:p>
+            <a:pPr>
+              <a:spcAft>
+                <a:spcPts val="600"/>
+              </a:spcAft>
+            </a:pPr>
+            <a:fld id="{335EB556-16D0-4095-841A-EA4F9B2DC3C8}" type="slidenum">
+              <a:rPr lang="it-IT">
+                <a:solidFill>
+                  <a:schemeClr val="tx1">
+                    <a:lumMod val="50000"/>
+                    <a:lumOff val="50000"/>
+                  </a:schemeClr>
+                </a:solidFill>
+              </a:rPr>
+              <a:pPr>
+                <a:spcAft>
+                  <a:spcPts val="600"/>
+                </a:spcAft>
+              </a:pPr>
+              <a:t>15</a:t>
+            </a:fld>
+            <a:endParaRPr lang="it-IT">
+              <a:solidFill>
+                <a:schemeClr val="tx1">
+                  <a:lumMod val="50000"/>
+                  <a:lumOff val="50000"/>
+                </a:schemeClr>
+              </a:solidFill>
+            </a:endParaRPr>
+          </a:p>
+        </p:txBody>
+      </p:sp>
     </p:spTree>
     <p:extLst>
       <p:ext uri="{BB962C8B-B14F-4D97-AF65-F5344CB8AC3E}">
@@ -7709,13 +9380,13 @@
   <p:clrMapOvr>
     <a:masterClrMapping/>
   </p:clrMapOvr>
-  <mc:AlternateContent xmlns:mc="http://schemas.openxmlformats.org/markup-compatibility/2006">
-    <mc:Choice xmlns:p14="http://schemas.microsoft.com/office/powerpoint/2010/main" Requires="p14">
+  <mc:AlternateContent xmlns:mc="http://schemas.openxmlformats.org/markup-compatibility/2006" xmlns:p14="http://schemas.microsoft.com/office/powerpoint/2010/main">
+    <mc:Choice Requires="p14">
       <p:transition spd="slow" p14:dur="2500">
         <p:checker/>
       </p:transition>
     </mc:Choice>
-    <mc:Fallback>
+    <mc:Fallback xmlns="">
       <p:transition spd="slow">
         <p:checker/>
       </p:transition>
@@ -11574,28 +13245,72 @@
               <a:buNone/>
             </a:pPr>
             <a:r>
-              <a:rPr lang="it-IT" sz="2200"/>
-              <a:t>Data is organized </a:t>
-            </a:r>
-            <a:r>
               <a:rPr lang="it-IT" sz="2200" dirty="0"/>
-              <a:t>in </a:t>
-            </a:r>
-            <a:r>
-              <a:rPr lang="it-IT" sz="2200"/>
-              <a:t>a series </a:t>
+              <a:t>Data </a:t>
+            </a:r>
+            <a:r>
+              <a:rPr lang="it-IT" sz="2200" dirty="0" err="1"/>
+              <a:t>is</a:t>
             </a:r>
             <a:r>
               <a:rPr lang="it-IT" sz="2200" dirty="0"/>
-              <a:t>of folders</a:t>
-            </a:r>
-            <a:r>
-              <a:rPr lang="it-IT" sz="2200"/>
-              <a:t>, which structure is defined as </a:t>
+              <a:t> </a:t>
+            </a:r>
+            <a:r>
+              <a:rPr lang="it-IT" sz="2200" dirty="0" err="1"/>
+              <a:t>organized</a:t>
             </a:r>
             <a:r>
               <a:rPr lang="it-IT" sz="2200" dirty="0"/>
-              <a:t>follows:</a:t>
+              <a:t> in a </a:t>
+            </a:r>
+            <a:r>
+              <a:rPr lang="it-IT" sz="2200" dirty="0" err="1"/>
+              <a:t>series</a:t>
+            </a:r>
+            <a:r>
+              <a:rPr lang="it-IT" sz="2200" dirty="0"/>
+              <a:t> of folders, </a:t>
+            </a:r>
+            <a:r>
+              <a:rPr lang="it-IT" sz="2200" dirty="0" err="1"/>
+              <a:t>which</a:t>
+            </a:r>
+            <a:r>
+              <a:rPr lang="it-IT" sz="2200" dirty="0"/>
+              <a:t> </a:t>
+            </a:r>
+            <a:r>
+              <a:rPr lang="it-IT" sz="2200" dirty="0" err="1"/>
+              <a:t>structure</a:t>
+            </a:r>
+            <a:r>
+              <a:rPr lang="it-IT" sz="2200" dirty="0"/>
+              <a:t> </a:t>
+            </a:r>
+            <a:r>
+              <a:rPr lang="it-IT" sz="2200" dirty="0" err="1"/>
+              <a:t>is</a:t>
+            </a:r>
+            <a:r>
+              <a:rPr lang="it-IT" sz="2200" dirty="0"/>
+              <a:t> </a:t>
+            </a:r>
+            <a:r>
+              <a:rPr lang="it-IT" sz="2200" dirty="0" err="1"/>
+              <a:t>defined</a:t>
+            </a:r>
+            <a:r>
+              <a:rPr lang="it-IT" sz="2200" dirty="0"/>
+              <a:t> </a:t>
+            </a:r>
+            <a:r>
+              <a:rPr lang="it-IT" sz="2200" dirty="0" err="1"/>
+              <a:t>as</a:t>
+            </a:r>
+            <a:r>
+              <a:rPr lang="it-IT" sz="2200" dirty="0"/>
+              <a:t> follows:</a:t>
             </a:r>
           </a:p>
           <a:p>
@@ -11606,22 +13321,22 @@
           </a:p>
           <a:p>
             <a:r>
-              <a:rPr lang="it-IT" sz="2200"/>
-              <a:t>Node: </a:t>
+              <a:rPr lang="it-IT" sz="2200" dirty="0" err="1"/>
+              <a:t>Node</a:t>
             </a:r>
             <a:r>
               <a:rPr lang="it-IT" sz="2200" dirty="0"/>
-              <a:t>p1 – p8;</a:t>
-            </a:r>
-          </a:p>
-          <a:p>
-            <a:r>
-              <a:rPr lang="it-IT" sz="2200"/>
-              <a:t>Leaf: </a:t>
+              <a:t>: p1 – p8;</a:t>
+            </a:r>
+          </a:p>
+          <a:p>
+            <a:r>
+              <a:rPr lang="it-IT" sz="2200" dirty="0" err="1"/>
+              <a:t>Leaf</a:t>
             </a:r>
             <a:r>
               <a:rPr lang="it-IT" sz="2200" dirty="0"/>
-              <a:t>s01 – s60.</a:t>
+              <a:t>: s01 – s60.</a:t>
             </a:r>
           </a:p>
         </p:txBody>
@@ -11744,13 +13459,13 @@
   <p:clrMapOvr>
     <a:masterClrMapping/>
   </p:clrMapOvr>
-  <mc:AlternateContent xmlns:mc="http://schemas.openxmlformats.org/markup-compatibility/2006">
-    <mc:Choice xmlns:p14="http://schemas.microsoft.com/office/powerpoint/2010/main" Requires="p14">
+  <mc:AlternateContent xmlns:mc="http://schemas.openxmlformats.org/markup-compatibility/2006" xmlns:p14="http://schemas.microsoft.com/office/powerpoint/2010/main">
+    <mc:Choice Requires="p14">
       <p:transition spd="slow" p14:dur="800">
         <p:circle/>
       </p:transition>
     </mc:Choice>
-    <mc:Fallback>
+    <mc:Fallback xmlns="">
       <p:transition spd="slow">
         <p:circle/>
       </p:transition>
@@ -13243,13 +14958,13 @@
   <p:clrMapOvr>
     <a:masterClrMapping/>
   </p:clrMapOvr>
-  <mc:AlternateContent xmlns:mc="http://schemas.openxmlformats.org/markup-compatibility/2006">
-    <mc:Choice xmlns:p15="http://schemas.microsoft.com/office/powerpoint/2012/main" Requires="p15">
+  <mc:AlternateContent xmlns:mc="http://schemas.openxmlformats.org/markup-compatibility/2006" xmlns:p15="http://schemas.microsoft.com/office/powerpoint/2012/main">
+    <mc:Choice Requires="p15">
       <p:transition xmlns:p14="http://schemas.microsoft.com/office/powerpoint/2010/main" spd="slow" p14:dur="6000">
         <p15:prstTrans prst="curtains"/>
       </p:transition>
     </mc:Choice>
-    <mc:Fallback>
+    <mc:Fallback xmlns="">
       <p:transition spd="slow">
         <p:fade/>
       </p:transition>
@@ -13948,7 +15663,7 @@
             </a:r>
             <a:r>
               <a:rPr lang="it-IT" sz="4000" dirty="0"/>
-              <a:t> Analysis: Distribution</a:t>
+              <a:t> Analysis: Distribution (ACC)</a:t>
             </a:r>
           </a:p>
         </p:txBody>
@@ -14130,10 +15845,10 @@
       </p:sp>
       <p:pic>
         <p:nvPicPr>
-          <p:cNvPr id="6" name="Immagine 5" descr="Immagine che contiene testo, linea, diagramma, Diagramma&#10;&#10;Descrizione generata automaticamente">
+          <p:cNvPr id="7" name="Immagine 6" descr="Immagine che contiene testo, linea, diagramma, Diagramma&#10;&#10;Descrizione generata automaticamente">
             <a:extLst>
               <a:ext uri="{FF2B5EF4-FFF2-40B4-BE49-F238E27FC236}">
-                <a16:creationId xmlns:a16="http://schemas.microsoft.com/office/drawing/2014/main" id="{5449A22B-889A-B165-3F01-4C5996ECFD96}"/>
+                <a16:creationId xmlns:a16="http://schemas.microsoft.com/office/drawing/2014/main" id="{138A0BA7-4A7E-1009-3808-B5F13B6436C6}"/>
               </a:ext>
             </a:extLst>
           </p:cNvPr>
@@ -14156,8 +15871,8 @@
         </p:blipFill>
         <p:spPr>
           <a:xfrm>
-            <a:off x="338599" y="2094368"/>
-            <a:ext cx="5544097" cy="1872719"/>
+            <a:off x="272271" y="2777758"/>
+            <a:ext cx="7790022" cy="2631362"/>
           </a:xfrm>
           <a:prstGeom prst="rect">
             <a:avLst/>
@@ -14166,10 +15881,10 @@
       </p:pic>
       <p:pic>
         <p:nvPicPr>
-          <p:cNvPr id="11" name="Immagine 10" descr="Immagine che contiene linea, testo, diagramma, Diagramma&#10;&#10;Descrizione generata automaticamente">
+          <p:cNvPr id="9" name="Immagine 8" descr="Immagine che contiene linea, testo, diagramma, Diagramma&#10;&#10;Descrizione generata automaticamente">
             <a:extLst>
               <a:ext uri="{FF2B5EF4-FFF2-40B4-BE49-F238E27FC236}">
-                <a16:creationId xmlns:a16="http://schemas.microsoft.com/office/drawing/2014/main" id="{87611FE8-ED33-88C7-9E35-2E2C915E8F41}"/>
+                <a16:creationId xmlns:a16="http://schemas.microsoft.com/office/drawing/2014/main" id="{7BC31AF3-EAAB-389B-EE76-651230CF9236}"/>
               </a:ext>
             </a:extLst>
           </p:cNvPr>
@@ -14192,152 +15907,8 @@
         </p:blipFill>
         <p:spPr>
           <a:xfrm>
-            <a:off x="5658622" y="2148205"/>
-            <a:ext cx="2840546" cy="1983141"/>
-          </a:xfrm>
-          <a:prstGeom prst="rect">
-            <a:avLst/>
-          </a:prstGeom>
-        </p:spPr>
-      </p:pic>
-      <p:pic>
-        <p:nvPicPr>
-          <p:cNvPr id="17" name="Immagine 16" descr="Immagine che contiene diagramma, linea, Diagramma, numero&#10;&#10;Descrizione generata automaticamente">
-            <a:extLst>
-              <a:ext uri="{FF2B5EF4-FFF2-40B4-BE49-F238E27FC236}">
-                <a16:creationId xmlns:a16="http://schemas.microsoft.com/office/drawing/2014/main" id="{19C2E88F-FB63-B3F9-A844-85F106A44691}"/>
-              </a:ext>
-            </a:extLst>
-          </p:cNvPr>
-          <p:cNvPicPr>
-            <a:picLocks noChangeAspect="1"/>
-          </p:cNvPicPr>
-          <p:nvPr/>
-        </p:nvPicPr>
-        <p:blipFill>
-          <a:blip r:embed="rId4">
-            <a:extLst>
-              <a:ext uri="{28A0092B-C50C-407E-A947-70E740481C1C}">
-                <a14:useLocalDpi xmlns:a14="http://schemas.microsoft.com/office/drawing/2010/main" val="0"/>
-              </a:ext>
-            </a:extLst>
-          </a:blip>
-          <a:stretch>
-            <a:fillRect/>
-          </a:stretch>
-        </p:blipFill>
-        <p:spPr>
-          <a:xfrm>
-            <a:off x="241254" y="4260745"/>
-            <a:ext cx="5544096" cy="1823716"/>
-          </a:xfrm>
-          <a:prstGeom prst="rect">
-            <a:avLst/>
-          </a:prstGeom>
-        </p:spPr>
-      </p:pic>
-      <p:pic>
-        <p:nvPicPr>
-          <p:cNvPr id="19" name="Immagine 18" descr="Immagine che contiene linea, diagramma, Diagramma, testo&#10;&#10;Descrizione generata automaticamente">
-            <a:extLst>
-              <a:ext uri="{FF2B5EF4-FFF2-40B4-BE49-F238E27FC236}">
-                <a16:creationId xmlns:a16="http://schemas.microsoft.com/office/drawing/2014/main" id="{22E43CC7-4C82-680F-5B70-40CCD84E4F62}"/>
-              </a:ext>
-            </a:extLst>
-          </p:cNvPr>
-          <p:cNvPicPr>
-            <a:picLocks noChangeAspect="1"/>
-          </p:cNvPicPr>
-          <p:nvPr/>
-        </p:nvPicPr>
-        <p:blipFill>
-          <a:blip r:embed="rId5">
-            <a:extLst>
-              <a:ext uri="{28A0092B-C50C-407E-A947-70E740481C1C}">
-                <a14:useLocalDpi xmlns:a14="http://schemas.microsoft.com/office/drawing/2010/main" val="0"/>
-              </a:ext>
-            </a:extLst>
-          </a:blip>
-          <a:stretch>
-            <a:fillRect/>
-          </a:stretch>
-        </p:blipFill>
-        <p:spPr>
-          <a:xfrm>
-            <a:off x="5785350" y="4214644"/>
-            <a:ext cx="2711861" cy="1843218"/>
-          </a:xfrm>
-          <a:prstGeom prst="rect">
-            <a:avLst/>
-          </a:prstGeom>
-        </p:spPr>
-      </p:pic>
-      <p:pic>
-        <p:nvPicPr>
-          <p:cNvPr id="25" name="Immagine 24" descr="Immagine che contiene testo, diagramma, linea, schermata&#10;&#10;Descrizione generata automaticamente">
-            <a:extLst>
-              <a:ext uri="{FF2B5EF4-FFF2-40B4-BE49-F238E27FC236}">
-                <a16:creationId xmlns:a16="http://schemas.microsoft.com/office/drawing/2014/main" id="{2FE5144B-6E89-93CA-C2AE-C2D8C3806903}"/>
-              </a:ext>
-            </a:extLst>
-          </p:cNvPr>
-          <p:cNvPicPr>
-            <a:picLocks noChangeAspect="1"/>
-          </p:cNvPicPr>
-          <p:nvPr/>
-        </p:nvPicPr>
-        <p:blipFill>
-          <a:blip r:embed="rId6">
-            <a:extLst>
-              <a:ext uri="{28A0092B-C50C-407E-A947-70E740481C1C}">
-                <a14:useLocalDpi xmlns:a14="http://schemas.microsoft.com/office/drawing/2010/main" val="0"/>
-              </a:ext>
-            </a:extLst>
-          </a:blip>
-          <a:stretch>
-            <a:fillRect/>
-          </a:stretch>
-        </p:blipFill>
-        <p:spPr>
-          <a:xfrm>
-            <a:off x="9057377" y="689953"/>
-            <a:ext cx="2576414" cy="3732090"/>
-          </a:xfrm>
-          <a:prstGeom prst="rect">
-            <a:avLst/>
-          </a:prstGeom>
-        </p:spPr>
-      </p:pic>
-      <p:pic>
-        <p:nvPicPr>
-          <p:cNvPr id="27" name="Immagine 26" descr="Immagine che contiene diagramma, linea, Diagramma, schermata&#10;&#10;Descrizione generata automaticamente">
-            <a:extLst>
-              <a:ext uri="{FF2B5EF4-FFF2-40B4-BE49-F238E27FC236}">
-                <a16:creationId xmlns:a16="http://schemas.microsoft.com/office/drawing/2014/main" id="{484D60A5-4C16-7E63-F429-115B37D4644B}"/>
-              </a:ext>
-            </a:extLst>
-          </p:cNvPr>
-          <p:cNvPicPr>
-            <a:picLocks noChangeAspect="1"/>
-          </p:cNvPicPr>
-          <p:nvPr/>
-        </p:nvPicPr>
-        <p:blipFill>
-          <a:blip r:embed="rId7">
-            <a:extLst>
-              <a:ext uri="{28A0092B-C50C-407E-A947-70E740481C1C}">
-                <a14:useLocalDpi xmlns:a14="http://schemas.microsoft.com/office/drawing/2010/main" val="0"/>
-              </a:ext>
-            </a:extLst>
-          </a:blip>
-          <a:stretch>
-            <a:fillRect/>
-          </a:stretch>
-        </p:blipFill>
-        <p:spPr>
-          <a:xfrm>
-            <a:off x="9146194" y="4378009"/>
-            <a:ext cx="2576414" cy="1841816"/>
+            <a:off x="7745748" y="2777758"/>
+            <a:ext cx="3976860" cy="2917389"/>
           </a:xfrm>
           <a:prstGeom prst="rect">
             <a:avLst/>
@@ -14477,7 +16048,7 @@
                             </p:stCondLst>
                             <p:childTnLst>
                               <p:par>
-                                <p:cTn id="12" presetID="42" presetClass="entr" presetSubtype="0" fill="hold" nodeType="clickEffect">
+                                <p:cTn id="12" presetID="16" presetClass="entr" presetSubtype="21" fill="hold" nodeType="clickEffect">
                                   <p:stCondLst>
                                     <p:cond delay="0"/>
                                   </p:stCondLst>
@@ -14490,7 +16061,7 @@
                                           </p:stCondLst>
                                         </p:cTn>
                                         <p:tgtEl>
-                                          <p:spTgt spid="6"/>
+                                          <p:spTgt spid="7"/>
                                         </p:tgtEl>
                                         <p:attrNameLst>
                                           <p:attrName>style.visibility</p:attrName>
@@ -14500,96 +16071,32 @@
                                         <p:strVal val="visible"/>
                                       </p:to>
                                     </p:set>
-                                    <p:animEffect transition="in" filter="fade">
-                                      <p:cBhvr>
-                                        <p:cTn id="14" dur="1000"/>
-                                        <p:tgtEl>
-                                          <p:spTgt spid="6"/>
+                                    <p:animEffect transition="in" filter="barn(inVertical)">
+                                      <p:cBhvr>
+                                        <p:cTn id="14" dur="500"/>
+                                        <p:tgtEl>
+                                          <p:spTgt spid="7"/>
                                         </p:tgtEl>
                                       </p:cBhvr>
                                     </p:animEffect>
-                                    <p:anim calcmode="lin" valueType="num">
-                                      <p:cBhvr>
-                                        <p:cTn id="15" dur="1000" fill="hold"/>
-                                        <p:tgtEl>
-                                          <p:spTgt spid="6"/>
-                                        </p:tgtEl>
-                                        <p:attrNameLst>
-                                          <p:attrName>ppt_x</p:attrName>
-                                        </p:attrNameLst>
-                                      </p:cBhvr>
-                                      <p:tavLst>
-                                        <p:tav tm="0">
-                                          <p:val>
-                                            <p:strVal val="#ppt_x"/>
-                                          </p:val>
-                                        </p:tav>
-                                        <p:tav tm="100000">
-                                          <p:val>
-                                            <p:strVal val="#ppt_x"/>
-                                          </p:val>
-                                        </p:tav>
-                                      </p:tavLst>
-                                    </p:anim>
-                                    <p:anim calcmode="lin" valueType="num">
-                                      <p:cBhvr>
-                                        <p:cTn id="16" dur="1000" fill="hold"/>
-                                        <p:tgtEl>
-                                          <p:spTgt spid="6"/>
-                                        </p:tgtEl>
-                                        <p:attrNameLst>
-                                          <p:attrName>ppt_y</p:attrName>
-                                        </p:attrNameLst>
-                                      </p:cBhvr>
-                                      <p:tavLst>
-                                        <p:tav tm="0">
-                                          <p:val>
-                                            <p:strVal val="#ppt_y+.1"/>
-                                          </p:val>
-                                        </p:tav>
-                                        <p:tav tm="100000">
-                                          <p:val>
-                                            <p:strVal val="#ppt_y"/>
-                                          </p:val>
-                                        </p:tav>
-                                      </p:tavLst>
-                                    </p:anim>
                                   </p:childTnLst>
                                 </p:cTn>
                               </p:par>
-                            </p:childTnLst>
-                          </p:cTn>
-                        </p:par>
-                      </p:childTnLst>
-                    </p:cTn>
-                  </p:par>
-                  <p:par>
-                    <p:cTn id="17" fill="hold">
-                      <p:stCondLst>
-                        <p:cond delay="indefinite"/>
-                      </p:stCondLst>
-                      <p:childTnLst>
-                        <p:par>
-                          <p:cTn id="18" fill="hold">
-                            <p:stCondLst>
-                              <p:cond delay="0"/>
-                            </p:stCondLst>
-                            <p:childTnLst>
                               <p:par>
-                                <p:cTn id="19" presetID="42" presetClass="entr" presetSubtype="0" fill="hold" nodeType="clickEffect">
+                                <p:cTn id="15" presetID="16" presetClass="entr" presetSubtype="21" fill="hold" nodeType="withEffect">
                                   <p:stCondLst>
                                     <p:cond delay="0"/>
                                   </p:stCondLst>
                                   <p:childTnLst>
                                     <p:set>
                                       <p:cBhvr>
-                                        <p:cTn id="20" dur="1" fill="hold">
+                                        <p:cTn id="16" dur="1" fill="hold">
                                           <p:stCondLst>
                                             <p:cond delay="0"/>
                                           </p:stCondLst>
                                         </p:cTn>
                                         <p:tgtEl>
-                                          <p:spTgt spid="11"/>
+                                          <p:spTgt spid="9"/>
                                         </p:tgtEl>
                                         <p:attrNameLst>
                                           <p:attrName>style.visibility</p:attrName>
@@ -14599,348 +16106,14 @@
                                         <p:strVal val="visible"/>
                                       </p:to>
                                     </p:set>
-                                    <p:animEffect transition="in" filter="fade">
-                                      <p:cBhvr>
-                                        <p:cTn id="21" dur="1000"/>
-                                        <p:tgtEl>
-                                          <p:spTgt spid="11"/>
+                                    <p:animEffect transition="in" filter="barn(inVertical)">
+                                      <p:cBhvr>
+                                        <p:cTn id="17" dur="500"/>
+                                        <p:tgtEl>
+                                          <p:spTgt spid="9"/>
                                         </p:tgtEl>
                                       </p:cBhvr>
                                     </p:animEffect>
-                                    <p:anim calcmode="lin" valueType="num">
-                                      <p:cBhvr>
-                                        <p:cTn id="22" dur="1000" fill="hold"/>
-                                        <p:tgtEl>
-                                          <p:spTgt spid="11"/>
-                                        </p:tgtEl>
-                                        <p:attrNameLst>
-                                          <p:attrName>ppt_x</p:attrName>
-                                        </p:attrNameLst>
-                                      </p:cBhvr>
-                                      <p:tavLst>
-                                        <p:tav tm="0">
-                                          <p:val>
-                                            <p:strVal val="#ppt_x"/>
-                                          </p:val>
-                                        </p:tav>
-                                        <p:tav tm="100000">
-                                          <p:val>
-                                            <p:strVal val="#ppt_x"/>
-                                          </p:val>
-                                        </p:tav>
-                                      </p:tavLst>
-                                    </p:anim>
-                                    <p:anim calcmode="lin" valueType="num">
-                                      <p:cBhvr>
-                                        <p:cTn id="23" dur="1000" fill="hold"/>
-                                        <p:tgtEl>
-                                          <p:spTgt spid="11"/>
-                                        </p:tgtEl>
-                                        <p:attrNameLst>
-                                          <p:attrName>ppt_y</p:attrName>
-                                        </p:attrNameLst>
-                                      </p:cBhvr>
-                                      <p:tavLst>
-                                        <p:tav tm="0">
-                                          <p:val>
-                                            <p:strVal val="#ppt_y+.1"/>
-                                          </p:val>
-                                        </p:tav>
-                                        <p:tav tm="100000">
-                                          <p:val>
-                                            <p:strVal val="#ppt_y"/>
-                                          </p:val>
-                                        </p:tav>
-                                      </p:tavLst>
-                                    </p:anim>
-                                  </p:childTnLst>
-                                </p:cTn>
-                              </p:par>
-                            </p:childTnLst>
-                          </p:cTn>
-                        </p:par>
-                      </p:childTnLst>
-                    </p:cTn>
-                  </p:par>
-                  <p:par>
-                    <p:cTn id="24" fill="hold">
-                      <p:stCondLst>
-                        <p:cond delay="indefinite"/>
-                      </p:stCondLst>
-                      <p:childTnLst>
-                        <p:par>
-                          <p:cTn id="25" fill="hold">
-                            <p:stCondLst>
-                              <p:cond delay="0"/>
-                            </p:stCondLst>
-                            <p:childTnLst>
-                              <p:par>
-                                <p:cTn id="26" presetID="22" presetClass="entr" presetSubtype="4" fill="hold" nodeType="clickEffect">
-                                  <p:stCondLst>
-                                    <p:cond delay="0"/>
-                                  </p:stCondLst>
-                                  <p:childTnLst>
-                                    <p:set>
-                                      <p:cBhvr>
-                                        <p:cTn id="27" dur="1" fill="hold">
-                                          <p:stCondLst>
-                                            <p:cond delay="0"/>
-                                          </p:stCondLst>
-                                        </p:cTn>
-                                        <p:tgtEl>
-                                          <p:spTgt spid="17"/>
-                                        </p:tgtEl>
-                                        <p:attrNameLst>
-                                          <p:attrName>style.visibility</p:attrName>
-                                        </p:attrNameLst>
-                                      </p:cBhvr>
-                                      <p:to>
-                                        <p:strVal val="visible"/>
-                                      </p:to>
-                                    </p:set>
-                                    <p:animEffect transition="in" filter="wipe(down)">
-                                      <p:cBhvr>
-                                        <p:cTn id="28" dur="500"/>
-                                        <p:tgtEl>
-                                          <p:spTgt spid="17"/>
-                                        </p:tgtEl>
-                                      </p:cBhvr>
-                                    </p:animEffect>
-                                  </p:childTnLst>
-                                </p:cTn>
-                              </p:par>
-                            </p:childTnLst>
-                          </p:cTn>
-                        </p:par>
-                      </p:childTnLst>
-                    </p:cTn>
-                  </p:par>
-                  <p:par>
-                    <p:cTn id="29" fill="hold">
-                      <p:stCondLst>
-                        <p:cond delay="indefinite"/>
-                      </p:stCondLst>
-                      <p:childTnLst>
-                        <p:par>
-                          <p:cTn id="30" fill="hold">
-                            <p:stCondLst>
-                              <p:cond delay="0"/>
-                            </p:stCondLst>
-                            <p:childTnLst>
-                              <p:par>
-                                <p:cTn id="31" presetID="22" presetClass="entr" presetSubtype="4" fill="hold" nodeType="clickEffect">
-                                  <p:stCondLst>
-                                    <p:cond delay="0"/>
-                                  </p:stCondLst>
-                                  <p:childTnLst>
-                                    <p:set>
-                                      <p:cBhvr>
-                                        <p:cTn id="32" dur="1" fill="hold">
-                                          <p:stCondLst>
-                                            <p:cond delay="0"/>
-                                          </p:stCondLst>
-                                        </p:cTn>
-                                        <p:tgtEl>
-                                          <p:spTgt spid="19"/>
-                                        </p:tgtEl>
-                                        <p:attrNameLst>
-                                          <p:attrName>style.visibility</p:attrName>
-                                        </p:attrNameLst>
-                                      </p:cBhvr>
-                                      <p:to>
-                                        <p:strVal val="visible"/>
-                                      </p:to>
-                                    </p:set>
-                                    <p:animEffect transition="in" filter="wipe(down)">
-                                      <p:cBhvr>
-                                        <p:cTn id="33" dur="500"/>
-                                        <p:tgtEl>
-                                          <p:spTgt spid="19"/>
-                                        </p:tgtEl>
-                                      </p:cBhvr>
-                                    </p:animEffect>
-                                  </p:childTnLst>
-                                </p:cTn>
-                              </p:par>
-                            </p:childTnLst>
-                          </p:cTn>
-                        </p:par>
-                      </p:childTnLst>
-                    </p:cTn>
-                  </p:par>
-                  <p:par>
-                    <p:cTn id="34" fill="hold">
-                      <p:stCondLst>
-                        <p:cond delay="indefinite"/>
-                      </p:stCondLst>
-                      <p:childTnLst>
-                        <p:par>
-                          <p:cTn id="35" fill="hold">
-                            <p:stCondLst>
-                              <p:cond delay="0"/>
-                            </p:stCondLst>
-                            <p:childTnLst>
-                              <p:par>
-                                <p:cTn id="36" presetID="2" presetClass="entr" presetSubtype="4" fill="hold" nodeType="clickEffect">
-                                  <p:stCondLst>
-                                    <p:cond delay="0"/>
-                                  </p:stCondLst>
-                                  <p:childTnLst>
-                                    <p:set>
-                                      <p:cBhvr>
-                                        <p:cTn id="37" dur="1" fill="hold">
-                                          <p:stCondLst>
-                                            <p:cond delay="0"/>
-                                          </p:stCondLst>
-                                        </p:cTn>
-                                        <p:tgtEl>
-                                          <p:spTgt spid="25"/>
-                                        </p:tgtEl>
-                                        <p:attrNameLst>
-                                          <p:attrName>style.visibility</p:attrName>
-                                        </p:attrNameLst>
-                                      </p:cBhvr>
-                                      <p:to>
-                                        <p:strVal val="visible"/>
-                                      </p:to>
-                                    </p:set>
-                                    <p:anim calcmode="lin" valueType="num">
-                                      <p:cBhvr additive="base">
-                                        <p:cTn id="38" dur="500" fill="hold"/>
-                                        <p:tgtEl>
-                                          <p:spTgt spid="25"/>
-                                        </p:tgtEl>
-                                        <p:attrNameLst>
-                                          <p:attrName>ppt_x</p:attrName>
-                                        </p:attrNameLst>
-                                      </p:cBhvr>
-                                      <p:tavLst>
-                                        <p:tav tm="0">
-                                          <p:val>
-                                            <p:strVal val="#ppt_x"/>
-                                          </p:val>
-                                        </p:tav>
-                                        <p:tav tm="100000">
-                                          <p:val>
-                                            <p:strVal val="#ppt_x"/>
-                                          </p:val>
-                                        </p:tav>
-                                      </p:tavLst>
-                                    </p:anim>
-                                    <p:anim calcmode="lin" valueType="num">
-                                      <p:cBhvr additive="base">
-                                        <p:cTn id="39" dur="500" fill="hold"/>
-                                        <p:tgtEl>
-                                          <p:spTgt spid="25"/>
-                                        </p:tgtEl>
-                                        <p:attrNameLst>
-                                          <p:attrName>ppt_y</p:attrName>
-                                        </p:attrNameLst>
-                                      </p:cBhvr>
-                                      <p:tavLst>
-                                        <p:tav tm="0">
-                                          <p:val>
-                                            <p:strVal val="1+#ppt_h/2"/>
-                                          </p:val>
-                                        </p:tav>
-                                        <p:tav tm="100000">
-                                          <p:val>
-                                            <p:strVal val="#ppt_y"/>
-                                          </p:val>
-                                        </p:tav>
-                                      </p:tavLst>
-                                    </p:anim>
-                                  </p:childTnLst>
-                                </p:cTn>
-                              </p:par>
-                            </p:childTnLst>
-                          </p:cTn>
-                        </p:par>
-                      </p:childTnLst>
-                    </p:cTn>
-                  </p:par>
-                  <p:par>
-                    <p:cTn id="40" fill="hold">
-                      <p:stCondLst>
-                        <p:cond delay="indefinite"/>
-                      </p:stCondLst>
-                      <p:childTnLst>
-                        <p:par>
-                          <p:cTn id="41" fill="hold">
-                            <p:stCondLst>
-                              <p:cond delay="0"/>
-                            </p:stCondLst>
-                            <p:childTnLst>
-                              <p:par>
-                                <p:cTn id="42" presetID="2" presetClass="entr" presetSubtype="4" fill="hold" nodeType="clickEffect">
-                                  <p:stCondLst>
-                                    <p:cond delay="0"/>
-                                  </p:stCondLst>
-                                  <p:childTnLst>
-                                    <p:set>
-                                      <p:cBhvr>
-                                        <p:cTn id="43" dur="1" fill="hold">
-                                          <p:stCondLst>
-                                            <p:cond delay="0"/>
-                                          </p:stCondLst>
-                                        </p:cTn>
-                                        <p:tgtEl>
-                                          <p:spTgt spid="27"/>
-                                        </p:tgtEl>
-                                        <p:attrNameLst>
-                                          <p:attrName>style.visibility</p:attrName>
-                                        </p:attrNameLst>
-                                      </p:cBhvr>
-                                      <p:to>
-                                        <p:strVal val="visible"/>
-                                      </p:to>
-                                    </p:set>
-                                    <p:anim calcmode="lin" valueType="num">
-                                      <p:cBhvr additive="base">
-                                        <p:cTn id="44" dur="500" fill="hold"/>
-                                        <p:tgtEl>
-                                          <p:spTgt spid="27"/>
-                                        </p:tgtEl>
-                                        <p:attrNameLst>
-                                          <p:attrName>ppt_x</p:attrName>
-                                        </p:attrNameLst>
-                                      </p:cBhvr>
-                                      <p:tavLst>
-                                        <p:tav tm="0">
-                                          <p:val>
-                                            <p:strVal val="#ppt_x"/>
-                                          </p:val>
-                                        </p:tav>
-                                        <p:tav tm="100000">
-                                          <p:val>
-                                            <p:strVal val="#ppt_x"/>
-                                          </p:val>
-                                        </p:tav>
-                                      </p:tavLst>
-                                    </p:anim>
-                                    <p:anim calcmode="lin" valueType="num">
-                                      <p:cBhvr additive="base">
-                                        <p:cTn id="45" dur="500" fill="hold"/>
-                                        <p:tgtEl>
-                                          <p:spTgt spid="27"/>
-                                        </p:tgtEl>
-                                        <p:attrNameLst>
-                                          <p:attrName>ppt_y</p:attrName>
-                                        </p:attrNameLst>
-                                      </p:cBhvr>
-                                      <p:tavLst>
-                                        <p:tav tm="0">
-                                          <p:val>
-                                            <p:strVal val="1+#ppt_h/2"/>
-                                          </p:val>
-                                        </p:tav>
-                                        <p:tav tm="100000">
-                                          <p:val>
-                                            <p:strVal val="#ppt_y"/>
-                                          </p:val>
-                                        </p:tav>
-                                      </p:tavLst>
-                                    </p:anim>
                                   </p:childTnLst>
                                 </p:cTn>
                               </p:par>
@@ -15257,7 +16430,7 @@
           <p:cNvPr id="2" name="Titolo 1">
             <a:extLst>
               <a:ext uri="{FF2B5EF4-FFF2-40B4-BE49-F238E27FC236}">
-                <a16:creationId xmlns:a16="http://schemas.microsoft.com/office/drawing/2014/main" id="{B40AF1A1-B83F-2B0F-20A1-3D2AC652607C}"/>
+                <a16:creationId xmlns:a16="http://schemas.microsoft.com/office/drawing/2014/main" id="{875CFD89-8D93-C091-A291-583A2AC090E0}"/>
               </a:ext>
             </a:extLst>
           </p:cNvPr>
@@ -15270,7 +16443,7 @@
         </p:nvSpPr>
         <p:spPr>
           <a:xfrm>
-            <a:off x="1115568" y="548640"/>
+            <a:off x="1115568" y="522135"/>
             <a:ext cx="10168128" cy="1179576"/>
           </a:xfrm>
         </p:spPr>
@@ -15286,13 +16459,8 @@
             </a:r>
             <a:r>
               <a:rPr lang="it-IT" sz="4000" dirty="0"/>
-              <a:t> Analysis: </a:t>
-            </a:r>
-            <a:r>
-              <a:rPr lang="it-IT" sz="4000" dirty="0" err="1"/>
-              <a:t>Boxplot</a:t>
-            </a:r>
-            <a:endParaRPr lang="it-IT" sz="4000" dirty="0"/>
+              <a:t> Analysis: Distribution (GYR)</a:t>
+            </a:r>
           </a:p>
         </p:txBody>
       </p:sp>
@@ -15369,7 +16537,7 @@
           <p:cNvPr id="4" name="Segnaposto piè di pagina 3">
             <a:extLst>
               <a:ext uri="{FF2B5EF4-FFF2-40B4-BE49-F238E27FC236}">
-                <a16:creationId xmlns:a16="http://schemas.microsoft.com/office/drawing/2014/main" id="{5492ADF6-9C27-4F33-CF5F-3321DCABC467}"/>
+                <a16:creationId xmlns:a16="http://schemas.microsoft.com/office/drawing/2014/main" id="{2879C3FC-B9F0-BA93-A7B2-EA62C0C7D66C}"/>
               </a:ext>
             </a:extLst>
           </p:cNvPr>
@@ -15416,7 +16584,7 @@
           <p:cNvPr id="5" name="Segnaposto numero diapositiva 4">
             <a:extLst>
               <a:ext uri="{FF2B5EF4-FFF2-40B4-BE49-F238E27FC236}">
-                <a16:creationId xmlns:a16="http://schemas.microsoft.com/office/drawing/2014/main" id="{A8F81346-2012-6A26-0D49-46406DEA36B6}"/>
+                <a16:creationId xmlns:a16="http://schemas.microsoft.com/office/drawing/2014/main" id="{58B9BEF7-0C19-9CAC-C040-584A544A461F}"/>
               </a:ext>
             </a:extLst>
           </p:cNvPr>
@@ -15473,10 +16641,10 @@
       </p:sp>
       <p:pic>
         <p:nvPicPr>
-          <p:cNvPr id="9" name="Immagine 8" descr="Immagine che contiene diagramma, linea, Parallelo, schermata&#10;&#10;Descrizione generata automaticamente">
+          <p:cNvPr id="6" name="Immagine 5" descr="Immagine che contiene diagramma, linea, Diagramma, numero&#10;&#10;Descrizione generata automaticamente">
             <a:extLst>
               <a:ext uri="{FF2B5EF4-FFF2-40B4-BE49-F238E27FC236}">
-                <a16:creationId xmlns:a16="http://schemas.microsoft.com/office/drawing/2014/main" id="{21D7F8FF-3B4A-499F-BA38-90D57BC1411D}"/>
+                <a16:creationId xmlns:a16="http://schemas.microsoft.com/office/drawing/2014/main" id="{00DF7E31-1BA0-5767-171B-B31F45081E8C}"/>
               </a:ext>
             </a:extLst>
           </p:cNvPr>
@@ -15499,8 +16667,8 @@
         </p:blipFill>
         <p:spPr>
           <a:xfrm>
-            <a:off x="91866" y="2011680"/>
-            <a:ext cx="4705218" cy="2124222"/>
+            <a:off x="498834" y="2777757"/>
+            <a:ext cx="7293423" cy="2399153"/>
           </a:xfrm>
           <a:prstGeom prst="rect">
             <a:avLst/>
@@ -15509,10 +16677,10 @@
       </p:pic>
       <p:pic>
         <p:nvPicPr>
-          <p:cNvPr id="13" name="Immagine 12" descr="Immagine che contiene diagramma, linea, testo, Diagramma&#10;&#10;Descrizione generata automaticamente">
+          <p:cNvPr id="11" name="Immagine 10" descr="Immagine che contiene linea, diagramma, Diagramma, testo&#10;&#10;Descrizione generata automaticamente">
             <a:extLst>
               <a:ext uri="{FF2B5EF4-FFF2-40B4-BE49-F238E27FC236}">
-                <a16:creationId xmlns:a16="http://schemas.microsoft.com/office/drawing/2014/main" id="{E370AD4B-D758-E869-7B32-D9477D73AE62}"/>
+                <a16:creationId xmlns:a16="http://schemas.microsoft.com/office/drawing/2014/main" id="{D411A562-1FE8-C0E3-BD39-3D0F8E19ADBC}"/>
               </a:ext>
             </a:extLst>
           </p:cNvPr>
@@ -15535,44 +16703,8 @@
         </p:blipFill>
         <p:spPr>
           <a:xfrm>
-            <a:off x="3314328" y="4135902"/>
-            <a:ext cx="4999678" cy="2318547"/>
-          </a:xfrm>
-          <a:prstGeom prst="rect">
-            <a:avLst/>
-          </a:prstGeom>
-        </p:spPr>
-      </p:pic>
-      <p:pic>
-        <p:nvPicPr>
-          <p:cNvPr id="17" name="Immagine 16" descr="Immagine che contiene diagramma, linea, Parallelo, schermata&#10;&#10;Descrizione generata automaticamente">
-            <a:extLst>
-              <a:ext uri="{FF2B5EF4-FFF2-40B4-BE49-F238E27FC236}">
-                <a16:creationId xmlns:a16="http://schemas.microsoft.com/office/drawing/2014/main" id="{F0B869E0-B3DE-5D23-8290-01D2A0BB51BC}"/>
-              </a:ext>
-            </a:extLst>
-          </p:cNvPr>
-          <p:cNvPicPr>
-            <a:picLocks noChangeAspect="1"/>
-          </p:cNvPicPr>
-          <p:nvPr/>
-        </p:nvPicPr>
-        <p:blipFill>
-          <a:blip r:embed="rId4">
-            <a:extLst>
-              <a:ext uri="{28A0092B-C50C-407E-A947-70E740481C1C}">
-                <a14:useLocalDpi xmlns:a14="http://schemas.microsoft.com/office/drawing/2010/main" val="0"/>
-              </a:ext>
-            </a:extLst>
-          </a:blip>
-          <a:stretch>
-            <a:fillRect/>
-          </a:stretch>
-        </p:blipFill>
-        <p:spPr>
-          <a:xfrm>
-            <a:off x="6811703" y="2004554"/>
-            <a:ext cx="4813369" cy="2124222"/>
+            <a:off x="7792257" y="2777757"/>
+            <a:ext cx="3624070" cy="2463235"/>
           </a:xfrm>
           <a:prstGeom prst="rect">
             <a:avLst/>
@@ -15582,25 +16714,16 @@
     </p:spTree>
     <p:extLst>
       <p:ext uri="{BB962C8B-B14F-4D97-AF65-F5344CB8AC3E}">
-        <p14:creationId xmlns:p14="http://schemas.microsoft.com/office/powerpoint/2010/main" val="2989858464"/>
+        <p14:creationId xmlns:p14="http://schemas.microsoft.com/office/powerpoint/2010/main" val="4055461725"/>
       </p:ext>
     </p:extLst>
   </p:cSld>
   <p:clrMapOvr>
     <a:masterClrMapping/>
   </p:clrMapOvr>
-  <mc:AlternateContent xmlns:mc="http://schemas.openxmlformats.org/markup-compatibility/2006">
-    <mc:Choice xmlns:p14="http://schemas.microsoft.com/office/powerpoint/2010/main" Requires="p14">
-      <p:transition spd="slow" p14:dur="1500">
-        <p:split orient="vert"/>
-      </p:transition>
-    </mc:Choice>
-    <mc:Fallback>
-      <p:transition spd="slow">
-        <p:split orient="vert"/>
-      </p:transition>
-    </mc:Fallback>
-  </mc:AlternateContent>
+  <p:transition spd="slow">
+    <p:wipe/>
+  </p:transition>
   <p:timing>
     <p:tnLst>
       <p:par>
@@ -15622,7 +16745,7 @@
                             </p:stCondLst>
                             <p:childTnLst>
                               <p:par>
-                                <p:cTn id="5" presetID="31" presetClass="entr" presetSubtype="0" fill="hold" grpId="0" nodeType="clickEffect">
+                                <p:cTn id="5" presetID="10" presetClass="entr" presetSubtype="0" fill="hold" grpId="0" nodeType="clickEffect">
                                   <p:stCondLst>
                                     <p:cond delay="0"/>
                                   </p:stCondLst>
@@ -15645,78 +16768,9 @@
                                         <p:strVal val="visible"/>
                                       </p:to>
                                     </p:set>
-                                    <p:anim calcmode="lin" valueType="num">
-                                      <p:cBhvr>
-                                        <p:cTn id="7" dur="1000" fill="hold"/>
-                                        <p:tgtEl>
-                                          <p:spTgt spid="2"/>
-                                        </p:tgtEl>
-                                        <p:attrNameLst>
-                                          <p:attrName>ppt_w</p:attrName>
-                                        </p:attrNameLst>
-                                      </p:cBhvr>
-                                      <p:tavLst>
-                                        <p:tav tm="0">
-                                          <p:val>
-                                            <p:fltVal val="0"/>
-                                          </p:val>
-                                        </p:tav>
-                                        <p:tav tm="100000">
-                                          <p:val>
-                                            <p:strVal val="#ppt_w"/>
-                                          </p:val>
-                                        </p:tav>
-                                      </p:tavLst>
-                                    </p:anim>
-                                    <p:anim calcmode="lin" valueType="num">
-                                      <p:cBhvr>
-                                        <p:cTn id="8" dur="1000" fill="hold"/>
-                                        <p:tgtEl>
-                                          <p:spTgt spid="2"/>
-                                        </p:tgtEl>
-                                        <p:attrNameLst>
-                                          <p:attrName>ppt_h</p:attrName>
-                                        </p:attrNameLst>
-                                      </p:cBhvr>
-                                      <p:tavLst>
-                                        <p:tav tm="0">
-                                          <p:val>
-                                            <p:fltVal val="0"/>
-                                          </p:val>
-                                        </p:tav>
-                                        <p:tav tm="100000">
-                                          <p:val>
-                                            <p:strVal val="#ppt_h"/>
-                                          </p:val>
-                                        </p:tav>
-                                      </p:tavLst>
-                                    </p:anim>
-                                    <p:anim calcmode="lin" valueType="num">
-                                      <p:cBhvr>
-                                        <p:cTn id="9" dur="1000" fill="hold"/>
-                                        <p:tgtEl>
-                                          <p:spTgt spid="2"/>
-                                        </p:tgtEl>
-                                        <p:attrNameLst>
-                                          <p:attrName>style.rotation</p:attrName>
-                                        </p:attrNameLst>
-                                      </p:cBhvr>
-                                      <p:tavLst>
-                                        <p:tav tm="0">
-                                          <p:val>
-                                            <p:fltVal val="90"/>
-                                          </p:val>
-                                        </p:tav>
-                                        <p:tav tm="100000">
-                                          <p:val>
-                                            <p:fltVal val="0"/>
-                                          </p:val>
-                                        </p:tav>
-                                      </p:tavLst>
-                                    </p:anim>
                                     <p:animEffect transition="in" filter="fade">
                                       <p:cBhvr>
-                                        <p:cTn id="10" dur="1000"/>
+                                        <p:cTn id="7" dur="500"/>
                                         <p:tgtEl>
                                           <p:spTgt spid="2"/>
                                         </p:tgtEl>
@@ -15732,32 +16786,67 @@
                     </p:cTn>
                   </p:par>
                   <p:par>
-                    <p:cTn id="11" fill="hold">
+                    <p:cTn id="8" fill="hold">
                       <p:stCondLst>
                         <p:cond delay="indefinite"/>
                       </p:stCondLst>
                       <p:childTnLst>
                         <p:par>
-                          <p:cTn id="12" fill="hold">
+                          <p:cTn id="9" fill="hold">
                             <p:stCondLst>
                               <p:cond delay="0"/>
                             </p:stCondLst>
                             <p:childTnLst>
                               <p:par>
-                                <p:cTn id="13" presetID="14" presetClass="entr" presetSubtype="10" fill="hold" nodeType="clickEffect">
+                                <p:cTn id="10" presetID="22" presetClass="entr" presetSubtype="4" fill="hold" nodeType="clickEffect">
                                   <p:stCondLst>
                                     <p:cond delay="0"/>
                                   </p:stCondLst>
                                   <p:childTnLst>
                                     <p:set>
                                       <p:cBhvr>
+                                        <p:cTn id="11" dur="1" fill="hold">
+                                          <p:stCondLst>
+                                            <p:cond delay="0"/>
+                                          </p:stCondLst>
+                                        </p:cTn>
+                                        <p:tgtEl>
+                                          <p:spTgt spid="6"/>
+                                        </p:tgtEl>
+                                        <p:attrNameLst>
+                                          <p:attrName>style.visibility</p:attrName>
+                                        </p:attrNameLst>
+                                      </p:cBhvr>
+                                      <p:to>
+                                        <p:strVal val="visible"/>
+                                      </p:to>
+                                    </p:set>
+                                    <p:animEffect transition="in" filter="wipe(down)">
+                                      <p:cBhvr>
+                                        <p:cTn id="12" dur="500"/>
+                                        <p:tgtEl>
+                                          <p:spTgt spid="6"/>
+                                        </p:tgtEl>
+                                      </p:cBhvr>
+                                    </p:animEffect>
+                                  </p:childTnLst>
+                                </p:cTn>
+                              </p:par>
+                              <p:par>
+                                <p:cTn id="13" presetID="22" presetClass="entr" presetSubtype="4" fill="hold" nodeType="withEffect">
+                                  <p:stCondLst>
+                                    <p:cond delay="0"/>
+                                  </p:stCondLst>
+                                  <p:childTnLst>
+                                    <p:set>
+                                      <p:cBhvr>
                                         <p:cTn id="14" dur="1" fill="hold">
                                           <p:stCondLst>
                                             <p:cond delay="0"/>
                                           </p:stCondLst>
                                         </p:cTn>
                                         <p:tgtEl>
-                                          <p:spTgt spid="9"/>
+                                          <p:spTgt spid="11"/>
                                         </p:tgtEl>
                                         <p:attrNameLst>
                                           <p:attrName>style.visibility</p:attrName>
@@ -15767,117 +16856,11 @@
                                         <p:strVal val="visible"/>
                                       </p:to>
                                     </p:set>
-                                    <p:animEffect transition="in" filter="randombar(horizontal)">
+                                    <p:animEffect transition="in" filter="wipe(down)">
                                       <p:cBhvr>
                                         <p:cTn id="15" dur="500"/>
                                         <p:tgtEl>
-                                          <p:spTgt spid="9"/>
-                                        </p:tgtEl>
-                                      </p:cBhvr>
-                                    </p:animEffect>
-                                  </p:childTnLst>
-                                </p:cTn>
-                              </p:par>
-                            </p:childTnLst>
-                          </p:cTn>
-                        </p:par>
-                      </p:childTnLst>
-                    </p:cTn>
-                  </p:par>
-                  <p:par>
-                    <p:cTn id="16" fill="hold">
-                      <p:stCondLst>
-                        <p:cond delay="indefinite"/>
-                      </p:stCondLst>
-                      <p:childTnLst>
-                        <p:par>
-                          <p:cTn id="17" fill="hold">
-                            <p:stCondLst>
-                              <p:cond delay="0"/>
-                            </p:stCondLst>
-                            <p:childTnLst>
-                              <p:par>
-                                <p:cTn id="18" presetID="6" presetClass="entr" presetSubtype="16" fill="hold" nodeType="clickEffect">
-                                  <p:stCondLst>
-                                    <p:cond delay="0"/>
-                                  </p:stCondLst>
-                                  <p:childTnLst>
-                                    <p:set>
-                                      <p:cBhvr>
-                                        <p:cTn id="19" dur="1" fill="hold">
-                                          <p:stCondLst>
-                                            <p:cond delay="0"/>
-                                          </p:stCondLst>
-                                        </p:cTn>
-                                        <p:tgtEl>
-                                          <p:spTgt spid="13"/>
-                                        </p:tgtEl>
-                                        <p:attrNameLst>
-                                          <p:attrName>style.visibility</p:attrName>
-                                        </p:attrNameLst>
-                                      </p:cBhvr>
-                                      <p:to>
-                                        <p:strVal val="visible"/>
-                                      </p:to>
-                                    </p:set>
-                                    <p:animEffect transition="in" filter="circle(in)">
-                                      <p:cBhvr>
-                                        <p:cTn id="20" dur="2000"/>
-                                        <p:tgtEl>
-                                          <p:spTgt spid="13"/>
-                                        </p:tgtEl>
-                                      </p:cBhvr>
-                                    </p:animEffect>
-                                  </p:childTnLst>
-                                </p:cTn>
-                              </p:par>
-                            </p:childTnLst>
-                          </p:cTn>
-                        </p:par>
-                      </p:childTnLst>
-                    </p:cTn>
-                  </p:par>
-                  <p:par>
-                    <p:cTn id="21" fill="hold">
-                      <p:stCondLst>
-                        <p:cond delay="indefinite"/>
-                      </p:stCondLst>
-                      <p:childTnLst>
-                        <p:par>
-                          <p:cTn id="22" fill="hold">
-                            <p:stCondLst>
-                              <p:cond delay="0"/>
-                            </p:stCondLst>
-                            <p:childTnLst>
-                              <p:par>
-                                <p:cTn id="23" presetID="16" presetClass="entr" presetSubtype="21" fill="hold" nodeType="clickEffect">
-                                  <p:stCondLst>
-                                    <p:cond delay="0"/>
-                                  </p:stCondLst>
-                                  <p:childTnLst>
-                                    <p:set>
-                                      <p:cBhvr>
-                                        <p:cTn id="24" dur="1" fill="hold">
-                                          <p:stCondLst>
-                                            <p:cond delay="0"/>
-                                          </p:stCondLst>
-                                        </p:cTn>
-                                        <p:tgtEl>
-                                          <p:spTgt spid="17"/>
-                                        </p:tgtEl>
-                                        <p:attrNameLst>
-                                          <p:attrName>style.visibility</p:attrName>
-                                        </p:attrNameLst>
-                                      </p:cBhvr>
-                                      <p:to>
-                                        <p:strVal val="visible"/>
-                                      </p:to>
-                                    </p:set>
-                                    <p:animEffect transition="in" filter="barn(inVertical)">
-                                      <p:cBhvr>
-                                        <p:cTn id="25" dur="500"/>
-                                        <p:tgtEl>
-                                          <p:spTgt spid="17"/>
+                                          <p:spTgt spid="11"/>
                                         </p:tgtEl>
                                       </p:cBhvr>
                                     </p:animEffect>
@@ -16197,7 +17180,7 @@
           <p:cNvPr id="2" name="Titolo 1">
             <a:extLst>
               <a:ext uri="{FF2B5EF4-FFF2-40B4-BE49-F238E27FC236}">
-                <a16:creationId xmlns:a16="http://schemas.microsoft.com/office/drawing/2014/main" id="{65B45885-66D2-70AF-7D74-B416745D229F}"/>
+                <a16:creationId xmlns:a16="http://schemas.microsoft.com/office/drawing/2014/main" id="{875CFD89-8D93-C091-A291-583A2AC090E0}"/>
               </a:ext>
             </a:extLst>
           </p:cNvPr>
@@ -16210,7 +17193,7 @@
         </p:nvSpPr>
         <p:spPr>
           <a:xfrm>
-            <a:off x="1115568" y="548640"/>
+            <a:off x="1115568" y="535388"/>
             <a:ext cx="10168128" cy="1179576"/>
           </a:xfrm>
         </p:spPr>
@@ -16226,21 +17209,8 @@
             </a:r>
             <a:r>
               <a:rPr lang="it-IT" sz="4000" dirty="0"/>
-              <a:t> Analysis: </a:t>
-            </a:r>
-            <a:r>
-              <a:rPr lang="it-IT" sz="4000" dirty="0" err="1"/>
-              <a:t>Correlation</a:t>
-            </a:r>
-            <a:r>
-              <a:rPr lang="it-IT" sz="4000" dirty="0"/>
-              <a:t> </a:t>
-            </a:r>
-            <a:r>
-              <a:rPr lang="it-IT" sz="4000" dirty="0" err="1"/>
-              <a:t>matrix</a:t>
-            </a:r>
-            <a:endParaRPr lang="it-IT" sz="4000" dirty="0"/>
+              <a:t> Analysis: Distribution (MAG)</a:t>
+            </a:r>
           </a:p>
         </p:txBody>
       </p:sp>
@@ -16317,7 +17287,7 @@
           <p:cNvPr id="4" name="Segnaposto piè di pagina 3">
             <a:extLst>
               <a:ext uri="{FF2B5EF4-FFF2-40B4-BE49-F238E27FC236}">
-                <a16:creationId xmlns:a16="http://schemas.microsoft.com/office/drawing/2014/main" id="{5E5D7C85-FC3E-956A-574E-C74A3C9E6A9A}"/>
+                <a16:creationId xmlns:a16="http://schemas.microsoft.com/office/drawing/2014/main" id="{2879C3FC-B9F0-BA93-A7B2-EA62C0C7D66C}"/>
               </a:ext>
             </a:extLst>
           </p:cNvPr>
@@ -16364,7 +17334,7 @@
           <p:cNvPr id="5" name="Segnaposto numero diapositiva 4">
             <a:extLst>
               <a:ext uri="{FF2B5EF4-FFF2-40B4-BE49-F238E27FC236}">
-                <a16:creationId xmlns:a16="http://schemas.microsoft.com/office/drawing/2014/main" id="{BCFFFF50-84E5-53F7-8266-9861A80BA3C0}"/>
+                <a16:creationId xmlns:a16="http://schemas.microsoft.com/office/drawing/2014/main" id="{58B9BEF7-0C19-9CAC-C040-584A544A461F}"/>
               </a:ext>
             </a:extLst>
           </p:cNvPr>
@@ -16421,10 +17391,10 @@
       </p:sp>
       <p:pic>
         <p:nvPicPr>
-          <p:cNvPr id="7" name="Immagine 6" descr="Immagine che contiene testo, schermata, Policromia, modello&#10;&#10;Descrizione generata automaticamente">
+          <p:cNvPr id="6" name="Immagine 5" descr="Immagine che contiene linea, diagramma, testo, Diagramma&#10;&#10;Descrizione generata automaticamente">
             <a:extLst>
               <a:ext uri="{FF2B5EF4-FFF2-40B4-BE49-F238E27FC236}">
-                <a16:creationId xmlns:a16="http://schemas.microsoft.com/office/drawing/2014/main" id="{B4E86752-9CA5-57C6-FA85-A9DFAF8F84B6}"/>
+                <a16:creationId xmlns:a16="http://schemas.microsoft.com/office/drawing/2014/main" id="{26F1C6DC-6EE5-A9A5-469E-D0CBF545AD09}"/>
               </a:ext>
             </a:extLst>
           </p:cNvPr>
@@ -16447,8 +17417,44 @@
         </p:blipFill>
         <p:spPr>
           <a:xfrm>
-            <a:off x="3297990" y="2011680"/>
-            <a:ext cx="5381776" cy="4318769"/>
+            <a:off x="152583" y="2863410"/>
+            <a:ext cx="7684902" cy="2622990"/>
+          </a:xfrm>
+          <a:prstGeom prst="rect">
+            <a:avLst/>
+          </a:prstGeom>
+        </p:spPr>
+      </p:pic>
+      <p:pic>
+        <p:nvPicPr>
+          <p:cNvPr id="11" name="Immagine 10" descr="Immagine che contiene linea, diagramma, Diagramma, schermata&#10;&#10;Descrizione generata automaticamente">
+            <a:extLst>
+              <a:ext uri="{FF2B5EF4-FFF2-40B4-BE49-F238E27FC236}">
+                <a16:creationId xmlns:a16="http://schemas.microsoft.com/office/drawing/2014/main" id="{49BBCAB6-18AD-3CC5-D3FE-683018AA4741}"/>
+              </a:ext>
+            </a:extLst>
+          </p:cNvPr>
+          <p:cNvPicPr>
+            <a:picLocks noChangeAspect="1"/>
+          </p:cNvPicPr>
+          <p:nvPr/>
+        </p:nvPicPr>
+        <p:blipFill>
+          <a:blip r:embed="rId3">
+            <a:extLst>
+              <a:ext uri="{28A0092B-C50C-407E-A947-70E740481C1C}">
+                <a14:useLocalDpi xmlns:a14="http://schemas.microsoft.com/office/drawing/2010/main" val="0"/>
+              </a:ext>
+            </a:extLst>
+          </a:blip>
+          <a:stretch>
+            <a:fillRect/>
+          </a:stretch>
+        </p:blipFill>
+        <p:spPr>
+          <a:xfrm>
+            <a:off x="7837484" y="2883570"/>
+            <a:ext cx="3851295" cy="2731197"/>
           </a:xfrm>
           <a:prstGeom prst="rect">
             <a:avLst/>
@@ -16458,7 +17464,7 @@
     </p:spTree>
     <p:extLst>
       <p:ext uri="{BB962C8B-B14F-4D97-AF65-F5344CB8AC3E}">
-        <p14:creationId xmlns:p14="http://schemas.microsoft.com/office/powerpoint/2010/main" val="2380247478"/>
+        <p14:creationId xmlns:p14="http://schemas.microsoft.com/office/powerpoint/2010/main" val="1903738298"/>
       </p:ext>
     </p:extLst>
   </p:cSld>
@@ -16588,7 +17594,7 @@
                             </p:stCondLst>
                             <p:childTnLst>
                               <p:par>
-                                <p:cTn id="12" presetID="10" presetClass="entr" presetSubtype="0" fill="hold" nodeType="clickEffect">
+                                <p:cTn id="12" presetID="42" presetClass="entr" presetSubtype="0" fill="hold" nodeType="clickEffect">
                                   <p:stCondLst>
                                     <p:cond delay="0"/>
                                   </p:stCondLst>
@@ -16601,7 +17607,7 @@
                                           </p:stCondLst>
                                         </p:cTn>
                                         <p:tgtEl>
-                                          <p:spTgt spid="7"/>
+                                          <p:spTgt spid="6"/>
                                         </p:tgtEl>
                                         <p:attrNameLst>
                                           <p:attrName>style.visibility</p:attrName>
@@ -16613,12 +17619,139 @@
                                     </p:set>
                                     <p:animEffect transition="in" filter="fade">
                                       <p:cBhvr>
-                                        <p:cTn id="14" dur="500"/>
-                                        <p:tgtEl>
-                                          <p:spTgt spid="7"/>
+                                        <p:cTn id="14" dur="1000"/>
+                                        <p:tgtEl>
+                                          <p:spTgt spid="6"/>
                                         </p:tgtEl>
                                       </p:cBhvr>
                                     </p:animEffect>
+                                    <p:anim calcmode="lin" valueType="num">
+                                      <p:cBhvr>
+                                        <p:cTn id="15" dur="1000" fill="hold"/>
+                                        <p:tgtEl>
+                                          <p:spTgt spid="6"/>
+                                        </p:tgtEl>
+                                        <p:attrNameLst>
+                                          <p:attrName>ppt_x</p:attrName>
+                                        </p:attrNameLst>
+                                      </p:cBhvr>
+                                      <p:tavLst>
+                                        <p:tav tm="0">
+                                          <p:val>
+                                            <p:strVal val="#ppt_x"/>
+                                          </p:val>
+                                        </p:tav>
+                                        <p:tav tm="100000">
+                                          <p:val>
+                                            <p:strVal val="#ppt_x"/>
+                                          </p:val>
+                                        </p:tav>
+                                      </p:tavLst>
+                                    </p:anim>
+                                    <p:anim calcmode="lin" valueType="num">
+                                      <p:cBhvr>
+                                        <p:cTn id="16" dur="1000" fill="hold"/>
+                                        <p:tgtEl>
+                                          <p:spTgt spid="6"/>
+                                        </p:tgtEl>
+                                        <p:attrNameLst>
+                                          <p:attrName>ppt_y</p:attrName>
+                                        </p:attrNameLst>
+                                      </p:cBhvr>
+                                      <p:tavLst>
+                                        <p:tav tm="0">
+                                          <p:val>
+                                            <p:strVal val="#ppt_y+.1"/>
+                                          </p:val>
+                                        </p:tav>
+                                        <p:tav tm="100000">
+                                          <p:val>
+                                            <p:strVal val="#ppt_y"/>
+                                          </p:val>
+                                        </p:tav>
+                                      </p:tavLst>
+                                    </p:anim>
+                                  </p:childTnLst>
+                                </p:cTn>
+                              </p:par>
+                              <p:par>
+                                <p:cTn id="17" presetID="42" presetClass="entr" presetSubtype="0" fill="hold" nodeType="withEffect">
+                                  <p:stCondLst>
+                                    <p:cond delay="0"/>
+                                  </p:stCondLst>
+                                  <p:childTnLst>
+                                    <p:set>
+                                      <p:cBhvr>
+                                        <p:cTn id="18" dur="1" fill="hold">
+                                          <p:stCondLst>
+                                            <p:cond delay="0"/>
+                                          </p:stCondLst>
+                                        </p:cTn>
+                                        <p:tgtEl>
+                                          <p:spTgt spid="11"/>
+                                        </p:tgtEl>
+                                        <p:attrNameLst>
+                                          <p:attrName>style.visibility</p:attrName>
+                                        </p:attrNameLst>
+                                      </p:cBhvr>
+                                      <p:to>
+                                        <p:strVal val="visible"/>
+                                      </p:to>
+                                    </p:set>
+                                    <p:animEffect transition="in" filter="fade">
+                                      <p:cBhvr>
+                                        <p:cTn id="19" dur="1000"/>
+                                        <p:tgtEl>
+                                          <p:spTgt spid="11"/>
+                                        </p:tgtEl>
+                                      </p:cBhvr>
+                                    </p:animEffect>
+                                    <p:anim calcmode="lin" valueType="num">
+                                      <p:cBhvr>
+                                        <p:cTn id="20" dur="1000" fill="hold"/>
+                                        <p:tgtEl>
+                                          <p:spTgt spid="11"/>
+                                        </p:tgtEl>
+                                        <p:attrNameLst>
+                                          <p:attrName>ppt_x</p:attrName>
+                                        </p:attrNameLst>
+                                      </p:cBhvr>
+                                      <p:tavLst>
+                                        <p:tav tm="0">
+                                          <p:val>
+                                            <p:strVal val="#ppt_x"/>
+                                          </p:val>
+                                        </p:tav>
+                                        <p:tav tm="100000">
+                                          <p:val>
+                                            <p:strVal val="#ppt_x"/>
+                                          </p:val>
+                                        </p:tav>
+                                      </p:tavLst>
+                                    </p:anim>
+                                    <p:anim calcmode="lin" valueType="num">
+                                      <p:cBhvr>
+                                        <p:cTn id="21" dur="1000" fill="hold"/>
+                                        <p:tgtEl>
+                                          <p:spTgt spid="11"/>
+                                        </p:tgtEl>
+                                        <p:attrNameLst>
+                                          <p:attrName>ppt_y</p:attrName>
+                                        </p:attrNameLst>
+                                      </p:cBhvr>
+                                      <p:tavLst>
+                                        <p:tav tm="0">
+                                          <p:val>
+                                            <p:strVal val="#ppt_y+.1"/>
+                                          </p:val>
+                                        </p:tav>
+                                        <p:tav tm="100000">
+                                          <p:val>
+                                            <p:strVal val="#ppt_y"/>
+                                          </p:val>
+                                        </p:tav>
+                                      </p:tavLst>
+                                    </p:anim>
                                   </p:childTnLst>
                                 </p:cTn>
                               </p:par>
@@ -16935,7 +18068,7 @@
           <p:cNvPr id="2" name="Titolo 1">
             <a:extLst>
               <a:ext uri="{FF2B5EF4-FFF2-40B4-BE49-F238E27FC236}">
-                <a16:creationId xmlns:a16="http://schemas.microsoft.com/office/drawing/2014/main" id="{FF8242AA-169A-C79C-C81A-2B87956FBA26}"/>
+                <a16:creationId xmlns:a16="http://schemas.microsoft.com/office/drawing/2014/main" id="{B40AF1A1-B83F-2B0F-20A1-3D2AC652607C}"/>
               </a:ext>
             </a:extLst>
           </p:cNvPr>
@@ -16960,12 +18093,17 @@
           <a:p>
             <a:r>
               <a:rPr lang="it-IT" sz="4000" dirty="0" err="1"/>
-              <a:t>Unsupervised</a:t>
+              <a:t>Exploratory</a:t>
             </a:r>
             <a:r>
               <a:rPr lang="it-IT" sz="4000" dirty="0"/>
-              <a:t> Learning: Clustering</a:t>
-            </a:r>
+              <a:t> Analysis: </a:t>
+            </a:r>
+            <a:r>
+              <a:rPr lang="it-IT" sz="4000" dirty="0" err="1"/>
+              <a:t>Boxplot</a:t>
+            </a:r>
+            <a:endParaRPr lang="it-IT" sz="4000" dirty="0"/>
           </a:p>
         </p:txBody>
       </p:sp>
@@ -17042,7 +18180,7 @@
           <p:cNvPr id="4" name="Segnaposto piè di pagina 3">
             <a:extLst>
               <a:ext uri="{FF2B5EF4-FFF2-40B4-BE49-F238E27FC236}">
-                <a16:creationId xmlns:a16="http://schemas.microsoft.com/office/drawing/2014/main" id="{05193A5C-6A11-61E3-6FCF-170EE541C9F3}"/>
+                <a16:creationId xmlns:a16="http://schemas.microsoft.com/office/drawing/2014/main" id="{5492ADF6-9C27-4F33-CF5F-3321DCABC467}"/>
               </a:ext>
             </a:extLst>
           </p:cNvPr>
@@ -17089,7 +18227,7 @@
           <p:cNvPr id="5" name="Segnaposto numero diapositiva 4">
             <a:extLst>
               <a:ext uri="{FF2B5EF4-FFF2-40B4-BE49-F238E27FC236}">
-                <a16:creationId xmlns:a16="http://schemas.microsoft.com/office/drawing/2014/main" id="{FA1ADE8D-90D4-DBDE-7349-A877433822B2}"/>
+                <a16:creationId xmlns:a16="http://schemas.microsoft.com/office/drawing/2014/main" id="{A8F81346-2012-6A26-0D49-46406DEA36B6}"/>
               </a:ext>
             </a:extLst>
           </p:cNvPr>
@@ -17146,10 +18284,10 @@
       </p:sp>
       <p:pic>
         <p:nvPicPr>
-          <p:cNvPr id="9" name="Immagine 8" descr="Immagine che contiene schermata, testo, diagramma, Diagramma&#10;&#10;Descrizione generata automaticamente">
+          <p:cNvPr id="9" name="Immagine 8" descr="Immagine che contiene diagramma, linea, Parallelo, schermata&#10;&#10;Descrizione generata automaticamente">
             <a:extLst>
               <a:ext uri="{FF2B5EF4-FFF2-40B4-BE49-F238E27FC236}">
-                <a16:creationId xmlns:a16="http://schemas.microsoft.com/office/drawing/2014/main" id="{4560B852-FD77-14DB-7BB9-5B70AEE68E18}"/>
+                <a16:creationId xmlns:a16="http://schemas.microsoft.com/office/drawing/2014/main" id="{21D7F8FF-3B4A-499F-BA38-90D57BC1411D}"/>
               </a:ext>
             </a:extLst>
           </p:cNvPr>
@@ -17172,8 +18310,80 @@
         </p:blipFill>
         <p:spPr>
           <a:xfrm>
-            <a:off x="420602" y="2152119"/>
-            <a:ext cx="11302006" cy="4067705"/>
+            <a:off x="91866" y="2011680"/>
+            <a:ext cx="4705218" cy="2124222"/>
+          </a:xfrm>
+          <a:prstGeom prst="rect">
+            <a:avLst/>
+          </a:prstGeom>
+        </p:spPr>
+      </p:pic>
+      <p:pic>
+        <p:nvPicPr>
+          <p:cNvPr id="13" name="Immagine 12" descr="Immagine che contiene diagramma, linea, testo, Diagramma&#10;&#10;Descrizione generata automaticamente">
+            <a:extLst>
+              <a:ext uri="{FF2B5EF4-FFF2-40B4-BE49-F238E27FC236}">
+                <a16:creationId xmlns:a16="http://schemas.microsoft.com/office/drawing/2014/main" id="{E370AD4B-D758-E869-7B32-D9477D73AE62}"/>
+              </a:ext>
+            </a:extLst>
+          </p:cNvPr>
+          <p:cNvPicPr>
+            <a:picLocks noChangeAspect="1"/>
+          </p:cNvPicPr>
+          <p:nvPr/>
+        </p:nvPicPr>
+        <p:blipFill>
+          <a:blip r:embed="rId3">
+            <a:extLst>
+              <a:ext uri="{28A0092B-C50C-407E-A947-70E740481C1C}">
+                <a14:useLocalDpi xmlns:a14="http://schemas.microsoft.com/office/drawing/2010/main" val="0"/>
+              </a:ext>
+            </a:extLst>
+          </a:blip>
+          <a:stretch>
+            <a:fillRect/>
+          </a:stretch>
+        </p:blipFill>
+        <p:spPr>
+          <a:xfrm>
+            <a:off x="3314328" y="4135902"/>
+            <a:ext cx="4999678" cy="2318547"/>
+          </a:xfrm>
+          <a:prstGeom prst="rect">
+            <a:avLst/>
+          </a:prstGeom>
+        </p:spPr>
+      </p:pic>
+      <p:pic>
+        <p:nvPicPr>
+          <p:cNvPr id="17" name="Immagine 16" descr="Immagine che contiene diagramma, linea, Parallelo, schermata&#10;&#10;Descrizione generata automaticamente">
+            <a:extLst>
+              <a:ext uri="{FF2B5EF4-FFF2-40B4-BE49-F238E27FC236}">
+                <a16:creationId xmlns:a16="http://schemas.microsoft.com/office/drawing/2014/main" id="{F0B869E0-B3DE-5D23-8290-01D2A0BB51BC}"/>
+              </a:ext>
+            </a:extLst>
+          </p:cNvPr>
+          <p:cNvPicPr>
+            <a:picLocks noChangeAspect="1"/>
+          </p:cNvPicPr>
+          <p:nvPr/>
+        </p:nvPicPr>
+        <p:blipFill>
+          <a:blip r:embed="rId4">
+            <a:extLst>
+              <a:ext uri="{28A0092B-C50C-407E-A947-70E740481C1C}">
+                <a14:useLocalDpi xmlns:a14="http://schemas.microsoft.com/office/drawing/2010/main" val="0"/>
+              </a:ext>
+            </a:extLst>
+          </a:blip>
+          <a:stretch>
+            <a:fillRect/>
+          </a:stretch>
+        </p:blipFill>
+        <p:spPr>
+          <a:xfrm>
+            <a:off x="6811703" y="2004554"/>
+            <a:ext cx="4813369" cy="2124222"/>
           </a:xfrm>
           <a:prstGeom prst="rect">
             <a:avLst/>
@@ -17183,22 +18393,22 @@
     </p:spTree>
     <p:extLst>
       <p:ext uri="{BB962C8B-B14F-4D97-AF65-F5344CB8AC3E}">
-        <p14:creationId xmlns:p14="http://schemas.microsoft.com/office/powerpoint/2010/main" val="34164078"/>
+        <p14:creationId xmlns:p14="http://schemas.microsoft.com/office/powerpoint/2010/main" val="2989858464"/>
       </p:ext>
     </p:extLst>
   </p:cSld>
   <p:clrMapOvr>
     <a:masterClrMapping/>
   </p:clrMapOvr>
-  <mc:AlternateContent xmlns:mc="http://schemas.openxmlformats.org/markup-compatibility/2006">
-    <mc:Choice xmlns:p15="http://schemas.microsoft.com/office/powerpoint/2012/main" Requires="p15">
-      <p:transition xmlns:p14="http://schemas.microsoft.com/office/powerpoint/2010/main" spd="slow" p14:dur="2000">
-        <p15:prstTrans prst="fallOver"/>
+  <mc:AlternateContent xmlns:mc="http://schemas.openxmlformats.org/markup-compatibility/2006" xmlns:p14="http://schemas.microsoft.com/office/powerpoint/2010/main">
+    <mc:Choice Requires="p14">
+      <p:transition spd="slow" p14:dur="1500">
+        <p:split orient="vert"/>
       </p:transition>
     </mc:Choice>
-    <mc:Fallback>
+    <mc:Fallback xmlns="">
       <p:transition spd="slow">
-        <p:fade/>
+        <p:split orient="vert"/>
       </p:transition>
     </mc:Fallback>
   </mc:AlternateContent>
@@ -17223,7 +18433,7 @@
                             </p:stCondLst>
                             <p:childTnLst>
                               <p:par>
-                                <p:cTn id="5" presetID="26" presetClass="entr" presetSubtype="0" fill="hold" grpId="0" nodeType="clickEffect">
+                                <p:cTn id="5" presetID="31" presetClass="entr" presetSubtype="0" fill="hold" grpId="0" nodeType="clickEffect">
                                   <p:stCondLst>
                                     <p:cond delay="0"/>
                                   </p:stCondLst>
@@ -17246,257 +18456,189 @@
                                         <p:strVal val="visible"/>
                                       </p:to>
                                     </p:set>
-                                    <p:animEffect transition="in" filter="wipe(down)">
-                                      <p:cBhvr>
-                                        <p:cTn id="7" dur="580">
-                                          <p:stCondLst>
-                                            <p:cond delay="0"/>
-                                          </p:stCondLst>
-                                        </p:cTn>
+                                    <p:anim calcmode="lin" valueType="num">
+                                      <p:cBhvr>
+                                        <p:cTn id="7" dur="1000" fill="hold"/>
                                         <p:tgtEl>
                                           <p:spTgt spid="2"/>
                                         </p:tgtEl>
-                                      </p:cBhvr>
-                                    </p:animEffect>
-                                    <p:anim calcmode="lin" valueType="num">
-                                      <p:cBhvr>
-                                        <p:cTn id="8" dur="1822" tmFilter="0,0; 0.14,0.36; 0.43,0.73; 0.71,0.91; 1.0,1.0">
-                                          <p:stCondLst>
-                                            <p:cond delay="0"/>
-                                          </p:stCondLst>
-                                        </p:cTn>
-                                        <p:tgtEl>
-                                          <p:spTgt spid="2"/>
-                                        </p:tgtEl>
                                         <p:attrNameLst>
-                                          <p:attrName>ppt_x</p:attrName>
+                                          <p:attrName>ppt_w</p:attrName>
                                         </p:attrNameLst>
                                       </p:cBhvr>
                                       <p:tavLst>
                                         <p:tav tm="0">
-                                          <p:val>
-                                            <p:strVal val="#ppt_x-0.25"/>
-                                          </p:val>
-                                        </p:tav>
-                                        <p:tav tm="100000">
-                                          <p:val>
-                                            <p:strVal val="#ppt_x"/>
-                                          </p:val>
-                                        </p:tav>
-                                      </p:tavLst>
-                                    </p:anim>
-                                    <p:anim calcmode="lin" valueType="num">
-                                      <p:cBhvr>
-                                        <p:cTn id="9" dur="664" tmFilter="0.0,0.0; 0.25,0.07; 0.50,0.2; 0.75,0.467; 1.0,1.0">
-                                          <p:stCondLst>
-                                            <p:cond delay="0"/>
-                                          </p:stCondLst>
-                                        </p:cTn>
-                                        <p:tgtEl>
-                                          <p:spTgt spid="2"/>
-                                        </p:tgtEl>
-                                        <p:attrNameLst>
-                                          <p:attrName>ppt_y</p:attrName>
-                                        </p:attrNameLst>
-                                      </p:cBhvr>
-                                      <p:tavLst>
-                                        <p:tav tm="0" fmla="#ppt_y-sin(pi*$)/3">
-                                          <p:val>
-                                            <p:fltVal val="0.5"/>
-                                          </p:val>
-                                        </p:tav>
-                                        <p:tav tm="100000">
-                                          <p:val>
-                                            <p:fltVal val="1"/>
-                                          </p:val>
-                                        </p:tav>
-                                      </p:tavLst>
-                                    </p:anim>
-                                    <p:anim calcmode="lin" valueType="num">
-                                      <p:cBhvr>
-                                        <p:cTn id="10" dur="664" tmFilter="0, 0; 0.125,0.2665; 0.25,0.4; 0.375,0.465; 0.5,0.5;  0.625,0.535; 0.75,0.6; 0.875,0.7335; 1,1">
-                                          <p:stCondLst>
-                                            <p:cond delay="664"/>
-                                          </p:stCondLst>
-                                        </p:cTn>
-                                        <p:tgtEl>
-                                          <p:spTgt spid="2"/>
-                                        </p:tgtEl>
-                                        <p:attrNameLst>
-                                          <p:attrName>ppt_y</p:attrName>
-                                        </p:attrNameLst>
-                                      </p:cBhvr>
-                                      <p:tavLst>
-                                        <p:tav tm="0" fmla="#ppt_y-sin(pi*$)/9">
                                           <p:val>
                                             <p:fltVal val="0"/>
                                           </p:val>
                                         </p:tav>
                                         <p:tav tm="100000">
                                           <p:val>
-                                            <p:fltVal val="1"/>
+                                            <p:strVal val="#ppt_w"/>
                                           </p:val>
                                         </p:tav>
                                       </p:tavLst>
                                     </p:anim>
                                     <p:anim calcmode="lin" valueType="num">
                                       <p:cBhvr>
-                                        <p:cTn id="11" dur="332" tmFilter="0, 0; 0.125,0.2665; 0.25,0.4; 0.375,0.465; 0.5,0.5;  0.625,0.535; 0.75,0.6; 0.875,0.7335; 1,1">
-                                          <p:stCondLst>
-                                            <p:cond delay="1324"/>
-                                          </p:stCondLst>
-                                        </p:cTn>
+                                        <p:cTn id="8" dur="1000" fill="hold"/>
                                         <p:tgtEl>
                                           <p:spTgt spid="2"/>
                                         </p:tgtEl>
                                         <p:attrNameLst>
-                                          <p:attrName>ppt_y</p:attrName>
+                                          <p:attrName>ppt_h</p:attrName>
                                         </p:attrNameLst>
                                       </p:cBhvr>
                                       <p:tavLst>
-                                        <p:tav tm="0" fmla="#ppt_y-sin(pi*$)/27">
+                                        <p:tav tm="0">
                                           <p:val>
                                             <p:fltVal val="0"/>
                                           </p:val>
                                         </p:tav>
                                         <p:tav tm="100000">
                                           <p:val>
-                                            <p:fltVal val="1"/>
+                                            <p:strVal val="#ppt_h"/>
                                           </p:val>
                                         </p:tav>
                                       </p:tavLst>
                                     </p:anim>
                                     <p:anim calcmode="lin" valueType="num">
                                       <p:cBhvr>
-                                        <p:cTn id="12" dur="164" tmFilter="0, 0; 0.125,0.2665; 0.25,0.4; 0.375,0.465; 0.5,0.5;  0.625,0.535; 0.75,0.6; 0.875,0.7335; 1,1">
-                                          <p:stCondLst>
-                                            <p:cond delay="1656"/>
-                                          </p:stCondLst>
-                                        </p:cTn>
+                                        <p:cTn id="9" dur="1000" fill="hold"/>
                                         <p:tgtEl>
                                           <p:spTgt spid="2"/>
                                         </p:tgtEl>
                                         <p:attrNameLst>
-                                          <p:attrName>ppt_y</p:attrName>
+                                          <p:attrName>style.rotation</p:attrName>
                                         </p:attrNameLst>
                                       </p:cBhvr>
                                       <p:tavLst>
-                                        <p:tav tm="0" fmla="#ppt_y-sin(pi*$)/81">
+                                        <p:tav tm="0">
+                                          <p:val>
+                                            <p:fltVal val="90"/>
+                                          </p:val>
+                                        </p:tav>
+                                        <p:tav tm="100000">
                                           <p:val>
                                             <p:fltVal val="0"/>
                                           </p:val>
                                         </p:tav>
-                                        <p:tav tm="100000">
-                                          <p:val>
-                                            <p:fltVal val="1"/>
-                                          </p:val>
-                                        </p:tav>
                                       </p:tavLst>
                                     </p:anim>
-                                    <p:animScale>
-                                      <p:cBhvr>
-                                        <p:cTn id="13" dur="26">
+                                    <p:animEffect transition="in" filter="fade">
+                                      <p:cBhvr>
+                                        <p:cTn id="10" dur="1000"/>
+                                        <p:tgtEl>
+                                          <p:spTgt spid="2"/>
+                                        </p:tgtEl>
+                                      </p:cBhvr>
+                                    </p:animEffect>
+                                  </p:childTnLst>
+                                </p:cTn>
+                              </p:par>
+                            </p:childTnLst>
+                          </p:cTn>
+                        </p:par>
+                      </p:childTnLst>
+                    </p:cTn>
+                  </p:par>
+                  <p:par>
+                    <p:cTn id="11" fill="hold">
+                      <p:stCondLst>
+                        <p:cond delay="indefinite"/>
+                      </p:stCondLst>
+                      <p:childTnLst>
+                        <p:par>
+                          <p:cTn id="12" fill="hold">
+                            <p:stCondLst>
+                              <p:cond delay="0"/>
+                            </p:stCondLst>
+                            <p:childTnLst>
+                              <p:par>
+                                <p:cTn id="13" presetID="14" presetClass="entr" presetSubtype="10" fill="hold" nodeType="clickEffect">
+                                  <p:stCondLst>
+                                    <p:cond delay="0"/>
+                                  </p:stCondLst>
+                                  <p:childTnLst>
+                                    <p:set>
+                                      <p:cBhvr>
+                                        <p:cTn id="14" dur="1" fill="hold">
                                           <p:stCondLst>
-                                            <p:cond delay="650"/>
+                                            <p:cond delay="0"/>
                                           </p:stCondLst>
                                         </p:cTn>
                                         <p:tgtEl>
-                                          <p:spTgt spid="2"/>
-                                        </p:tgtEl>
-                                      </p:cBhvr>
-                                      <p:to x="100000" y="60000"/>
-                                    </p:animScale>
-                                    <p:animScale>
-                                      <p:cBhvr>
-                                        <p:cTn id="14" dur="166" decel="50000">
+                                          <p:spTgt spid="9"/>
+                                        </p:tgtEl>
+                                        <p:attrNameLst>
+                                          <p:attrName>style.visibility</p:attrName>
+                                        </p:attrNameLst>
+                                      </p:cBhvr>
+                                      <p:to>
+                                        <p:strVal val="visible"/>
+                                      </p:to>
+                                    </p:set>
+                                    <p:animEffect transition="in" filter="randombar(horizontal)">
+                                      <p:cBhvr>
+                                        <p:cTn id="15" dur="500"/>
+                                        <p:tgtEl>
+                                          <p:spTgt spid="9"/>
+                                        </p:tgtEl>
+                                      </p:cBhvr>
+                                    </p:animEffect>
+                                  </p:childTnLst>
+                                </p:cTn>
+                              </p:par>
+                            </p:childTnLst>
+                          </p:cTn>
+                        </p:par>
+                      </p:childTnLst>
+                    </p:cTn>
+                  </p:par>
+                  <p:par>
+                    <p:cTn id="16" fill="hold">
+                      <p:stCondLst>
+                        <p:cond delay="indefinite"/>
+                      </p:stCondLst>
+                      <p:childTnLst>
+                        <p:par>
+                          <p:cTn id="17" fill="hold">
+                            <p:stCondLst>
+                              <p:cond delay="0"/>
+                            </p:stCondLst>
+                            <p:childTnLst>
+                              <p:par>
+                                <p:cTn id="18" presetID="6" presetClass="entr" presetSubtype="16" fill="hold" nodeType="clickEffect">
+                                  <p:stCondLst>
+                                    <p:cond delay="0"/>
+                                  </p:stCondLst>
+                                  <p:childTnLst>
+                                    <p:set>
+                                      <p:cBhvr>
+                                        <p:cTn id="19" dur="1" fill="hold">
                                           <p:stCondLst>
-                                            <p:cond delay="676"/>
+                                            <p:cond delay="0"/>
                                           </p:stCondLst>
                                         </p:cTn>
                                         <p:tgtEl>
-                                          <p:spTgt spid="2"/>
-                                        </p:tgtEl>
-                                      </p:cBhvr>
-                                      <p:to x="100000" y="100000"/>
-                                    </p:animScale>
-                                    <p:animScale>
-                                      <p:cBhvr>
-                                        <p:cTn id="15" dur="26">
-                                          <p:stCondLst>
-                                            <p:cond delay="1312"/>
-                                          </p:stCondLst>
-                                        </p:cTn>
-                                        <p:tgtEl>
-                                          <p:spTgt spid="2"/>
-                                        </p:tgtEl>
-                                      </p:cBhvr>
-                                      <p:to x="100000" y="80000"/>
-                                    </p:animScale>
-                                    <p:animScale>
-                                      <p:cBhvr>
-                                        <p:cTn id="16" dur="166" decel="50000">
-                                          <p:stCondLst>
-                                            <p:cond delay="1338"/>
-                                          </p:stCondLst>
-                                        </p:cTn>
-                                        <p:tgtEl>
-                                          <p:spTgt spid="2"/>
-                                        </p:tgtEl>
-                                      </p:cBhvr>
-                                      <p:to x="100000" y="100000"/>
-                                    </p:animScale>
-                                    <p:animScale>
-                                      <p:cBhvr>
-                                        <p:cTn id="17" dur="26">
-                                          <p:stCondLst>
-                                            <p:cond delay="1642"/>
-                                          </p:stCondLst>
-                                        </p:cTn>
-                                        <p:tgtEl>
-                                          <p:spTgt spid="2"/>
-                                        </p:tgtEl>
-                                      </p:cBhvr>
-                                      <p:to x="100000" y="90000"/>
-                                    </p:animScale>
-                                    <p:animScale>
-                                      <p:cBhvr>
-                                        <p:cTn id="18" dur="166" decel="50000">
-                                          <p:stCondLst>
-                                            <p:cond delay="1668"/>
-                                          </p:stCondLst>
-                                        </p:cTn>
-                                        <p:tgtEl>
-                                          <p:spTgt spid="2"/>
-                                        </p:tgtEl>
-                                      </p:cBhvr>
-                                      <p:to x="100000" y="100000"/>
-                                    </p:animScale>
-                                    <p:animScale>
-                                      <p:cBhvr>
-                                        <p:cTn id="19" dur="26">
-                                          <p:stCondLst>
-                                            <p:cond delay="1808"/>
-                                          </p:stCondLst>
-                                        </p:cTn>
-                                        <p:tgtEl>
-                                          <p:spTgt spid="2"/>
-                                        </p:tgtEl>
-                                      </p:cBhvr>
-                                      <p:to x="100000" y="95000"/>
-                                    </p:animScale>
-                                    <p:animScale>
-                                      <p:cBhvr>
-                                        <p:cTn id="20" dur="166" decel="50000">
-                                          <p:stCondLst>
-                                            <p:cond delay="1834"/>
-                                          </p:stCondLst>
-                                        </p:cTn>
-                                        <p:tgtEl>
-                                          <p:spTgt spid="2"/>
-                                        </p:tgtEl>
-                                      </p:cBhvr>
-                                      <p:to x="100000" y="100000"/>
-                                    </p:animScale>
+                                          <p:spTgt spid="13"/>
+                                        </p:tgtEl>
+                                        <p:attrNameLst>
+                                          <p:attrName>style.visibility</p:attrName>
+                                        </p:attrNameLst>
+                                      </p:cBhvr>
+                                      <p:to>
+                                        <p:strVal val="visible"/>
+                                      </p:to>
+                                    </p:set>
+                                    <p:animEffect transition="in" filter="circle(in)">
+                                      <p:cBhvr>
+                                        <p:cTn id="20" dur="2000"/>
+                                        <p:tgtEl>
+                                          <p:spTgt spid="13"/>
+                                        </p:tgtEl>
+                                      </p:cBhvr>
+                                    </p:animEffect>
                                   </p:childTnLst>
                                 </p:cTn>
                               </p:par>
@@ -17519,7 +18661,7 @@
                             </p:stCondLst>
                             <p:childTnLst>
                               <p:par>
-                                <p:cTn id="23" presetID="14" presetClass="entr" presetSubtype="10" fill="hold" nodeType="clickEffect">
+                                <p:cTn id="23" presetID="16" presetClass="entr" presetSubtype="21" fill="hold" nodeType="clickEffect">
                                   <p:stCondLst>
                                     <p:cond delay="0"/>
                                   </p:stCondLst>
@@ -17532,7 +18674,7 @@
                                           </p:stCondLst>
                                         </p:cTn>
                                         <p:tgtEl>
-                                          <p:spTgt spid="9"/>
+                                          <p:spTgt spid="17"/>
                                         </p:tgtEl>
                                         <p:attrNameLst>
                                           <p:attrName>style.visibility</p:attrName>
@@ -17542,11 +18684,11 @@
                                         <p:strVal val="visible"/>
                                       </p:to>
                                     </p:set>
-                                    <p:animEffect transition="in" filter="randombar(horizontal)">
+                                    <p:animEffect transition="in" filter="barn(inVertical)">
                                       <p:cBhvr>
                                         <p:cTn id="25" dur="500"/>
                                         <p:tgtEl>
-                                          <p:spTgt spid="9"/>
+                                          <p:spTgt spid="17"/>
                                         </p:tgtEl>
                                       </p:cBhvr>
                                     </p:animEffect>
